--- a/stat/bayes theorem and disease test.pptx
+++ b/stat/bayes theorem and disease test.pptx
@@ -8,8 +8,7 @@
     <p:sldId id="256" r:id="rId2"/>
     <p:sldId id="257" r:id="rId3"/>
     <p:sldId id="258" r:id="rId4"/>
-    <p:sldId id="259" r:id="rId5"/>
-    <p:sldId id="260" r:id="rId6"/>
+    <p:sldId id="260" r:id="rId5"/>
   </p:sldIdLst>
   <p:sldSz cx="12192000" cy="6858000"/>
   <p:notesSz cx="6858000" cy="9144000"/>
@@ -263,7 +262,7 @@
           <a:p>
             <a:fld id="{2C686577-0B07-4659-A689-95AC7CAE39AB}" type="datetimeFigureOut">
               <a:rPr kumimoji="1" lang="ja-JP" altLang="en-US" smtClean="0"/>
-              <a:t>2025/2/22</a:t>
+              <a:t>2025/2/24</a:t>
             </a:fld>
             <a:endParaRPr kumimoji="1" lang="ja-JP" altLang="en-US"/>
           </a:p>
@@ -493,7 +492,7 @@
           <a:p>
             <a:fld id="{2C686577-0B07-4659-A689-95AC7CAE39AB}" type="datetimeFigureOut">
               <a:rPr kumimoji="1" lang="ja-JP" altLang="en-US" smtClean="0"/>
-              <a:t>2025/2/22</a:t>
+              <a:t>2025/2/24</a:t>
             </a:fld>
             <a:endParaRPr kumimoji="1" lang="ja-JP" altLang="en-US"/>
           </a:p>
@@ -733,7 +732,7 @@
           <a:p>
             <a:fld id="{2C686577-0B07-4659-A689-95AC7CAE39AB}" type="datetimeFigureOut">
               <a:rPr kumimoji="1" lang="ja-JP" altLang="en-US" smtClean="0"/>
-              <a:t>2025/2/22</a:t>
+              <a:t>2025/2/24</a:t>
             </a:fld>
             <a:endParaRPr kumimoji="1" lang="ja-JP" altLang="en-US"/>
           </a:p>
@@ -963,7 +962,7 @@
           <a:p>
             <a:fld id="{2C686577-0B07-4659-A689-95AC7CAE39AB}" type="datetimeFigureOut">
               <a:rPr kumimoji="1" lang="ja-JP" altLang="en-US" smtClean="0"/>
-              <a:t>2025/2/22</a:t>
+              <a:t>2025/2/24</a:t>
             </a:fld>
             <a:endParaRPr kumimoji="1" lang="ja-JP" altLang="en-US"/>
           </a:p>
@@ -1238,7 +1237,7 @@
           <a:p>
             <a:fld id="{2C686577-0B07-4659-A689-95AC7CAE39AB}" type="datetimeFigureOut">
               <a:rPr kumimoji="1" lang="ja-JP" altLang="en-US" smtClean="0"/>
-              <a:t>2025/2/22</a:t>
+              <a:t>2025/2/24</a:t>
             </a:fld>
             <a:endParaRPr kumimoji="1" lang="ja-JP" altLang="en-US"/>
           </a:p>
@@ -1567,7 +1566,7 @@
           <a:p>
             <a:fld id="{2C686577-0B07-4659-A689-95AC7CAE39AB}" type="datetimeFigureOut">
               <a:rPr kumimoji="1" lang="ja-JP" altLang="en-US" smtClean="0"/>
-              <a:t>2025/2/22</a:t>
+              <a:t>2025/2/24</a:t>
             </a:fld>
             <a:endParaRPr kumimoji="1" lang="ja-JP" altLang="en-US"/>
           </a:p>
@@ -2043,7 +2042,7 @@
           <a:p>
             <a:fld id="{2C686577-0B07-4659-A689-95AC7CAE39AB}" type="datetimeFigureOut">
               <a:rPr kumimoji="1" lang="ja-JP" altLang="en-US" smtClean="0"/>
-              <a:t>2025/2/22</a:t>
+              <a:t>2025/2/24</a:t>
             </a:fld>
             <a:endParaRPr kumimoji="1" lang="ja-JP" altLang="en-US"/>
           </a:p>
@@ -2184,7 +2183,7 @@
           <a:p>
             <a:fld id="{2C686577-0B07-4659-A689-95AC7CAE39AB}" type="datetimeFigureOut">
               <a:rPr kumimoji="1" lang="ja-JP" altLang="en-US" smtClean="0"/>
-              <a:t>2025/2/22</a:t>
+              <a:t>2025/2/24</a:t>
             </a:fld>
             <a:endParaRPr kumimoji="1" lang="ja-JP" altLang="en-US"/>
           </a:p>
@@ -2297,7 +2296,7 @@
           <a:p>
             <a:fld id="{2C686577-0B07-4659-A689-95AC7CAE39AB}" type="datetimeFigureOut">
               <a:rPr kumimoji="1" lang="ja-JP" altLang="en-US" smtClean="0"/>
-              <a:t>2025/2/22</a:t>
+              <a:t>2025/2/24</a:t>
             </a:fld>
             <a:endParaRPr kumimoji="1" lang="ja-JP" altLang="en-US"/>
           </a:p>
@@ -2640,7 +2639,7 @@
           <a:p>
             <a:fld id="{2C686577-0B07-4659-A689-95AC7CAE39AB}" type="datetimeFigureOut">
               <a:rPr kumimoji="1" lang="ja-JP" altLang="en-US" smtClean="0"/>
-              <a:t>2025/2/22</a:t>
+              <a:t>2025/2/24</a:t>
             </a:fld>
             <a:endParaRPr kumimoji="1" lang="ja-JP" altLang="en-US"/>
           </a:p>
@@ -2928,7 +2927,7 @@
           <a:p>
             <a:fld id="{2C686577-0B07-4659-A689-95AC7CAE39AB}" type="datetimeFigureOut">
               <a:rPr kumimoji="1" lang="ja-JP" altLang="en-US" smtClean="0"/>
-              <a:t>2025/2/22</a:t>
+              <a:t>2025/2/24</a:t>
             </a:fld>
             <a:endParaRPr kumimoji="1" lang="ja-JP" altLang="en-US"/>
           </a:p>
@@ -3201,7 +3200,7 @@
           <a:p>
             <a:fld id="{2C686577-0B07-4659-A689-95AC7CAE39AB}" type="datetimeFigureOut">
               <a:rPr kumimoji="1" lang="ja-JP" altLang="en-US" smtClean="0"/>
-              <a:t>2025/2/22</a:t>
+              <a:t>2025/2/24</a:t>
             </a:fld>
             <a:endParaRPr kumimoji="1" lang="ja-JP" altLang="en-US"/>
           </a:p>
@@ -5911,8 +5910,8 @@
           </p:sp>
         </mc:Fallback>
       </mc:AlternateContent>
-      <mc:AlternateContent xmlns:mc="http://schemas.openxmlformats.org/markup-compatibility/2006">
-        <mc:Choice xmlns:a14="http://schemas.microsoft.com/office/drawing/2010/main" Requires="a14">
+      <mc:AlternateContent xmlns:mc="http://schemas.openxmlformats.org/markup-compatibility/2006" xmlns:a14="http://schemas.microsoft.com/office/drawing/2010/main">
+        <mc:Choice Requires="a14">
           <p:sp>
             <p:nvSpPr>
               <p:cNvPr id="5" name="テキスト ボックス 4">
@@ -5980,7 +5979,7 @@
             </p:txBody>
           </p:sp>
         </mc:Choice>
-        <mc:Fallback>
+        <mc:Fallback xmlns="">
           <p:sp>
             <p:nvSpPr>
               <p:cNvPr id="5" name="テキスト ボックス 4">
@@ -6025,8 +6024,8 @@
           </p:sp>
         </mc:Fallback>
       </mc:AlternateContent>
-      <mc:AlternateContent xmlns:mc="http://schemas.openxmlformats.org/markup-compatibility/2006">
-        <mc:Choice xmlns:a14="http://schemas.microsoft.com/office/drawing/2010/main" Requires="a14">
+      <mc:AlternateContent xmlns:mc="http://schemas.openxmlformats.org/markup-compatibility/2006" xmlns:a14="http://schemas.microsoft.com/office/drawing/2010/main">
+        <mc:Choice Requires="a14">
           <p:sp>
             <p:nvSpPr>
               <p:cNvPr id="6" name="テキスト ボックス 5">
@@ -6140,7 +6139,7 @@
             </p:txBody>
           </p:sp>
         </mc:Choice>
-        <mc:Fallback>
+        <mc:Fallback xmlns="">
           <p:sp>
             <p:nvSpPr>
               <p:cNvPr id="6" name="テキスト ボックス 5">
@@ -6332,8 +6331,8 @@
           </p:sp>
         </mc:Fallback>
       </mc:AlternateContent>
-      <mc:AlternateContent xmlns:mc="http://schemas.openxmlformats.org/markup-compatibility/2006">
-        <mc:Choice xmlns:a14="http://schemas.microsoft.com/office/drawing/2010/main" Requires="a14">
+      <mc:AlternateContent xmlns:mc="http://schemas.openxmlformats.org/markup-compatibility/2006" xmlns:a14="http://schemas.microsoft.com/office/drawing/2010/main">
+        <mc:Choice Requires="a14">
           <p:sp>
             <p:nvSpPr>
               <p:cNvPr id="7" name="テキスト ボックス 6">
@@ -6444,7 +6443,7 @@
             </p:txBody>
           </p:sp>
         </mc:Choice>
-        <mc:Fallback>
+        <mc:Fallback xmlns="">
           <p:sp>
             <p:nvSpPr>
               <p:cNvPr id="7" name="テキスト ボックス 6">
@@ -6489,8 +6488,8 @@
           </p:sp>
         </mc:Fallback>
       </mc:AlternateContent>
-      <mc:AlternateContent xmlns:mc="http://schemas.openxmlformats.org/markup-compatibility/2006">
-        <mc:Choice xmlns:a14="http://schemas.microsoft.com/office/drawing/2010/main" Requires="a14">
+      <mc:AlternateContent xmlns:mc="http://schemas.openxmlformats.org/markup-compatibility/2006" xmlns:a14="http://schemas.microsoft.com/office/drawing/2010/main">
+        <mc:Choice Requires="a14">
           <p:sp>
             <p:nvSpPr>
               <p:cNvPr id="9" name="テキスト ボックス 8">
@@ -6584,7 +6583,7 @@
             </p:txBody>
           </p:sp>
         </mc:Choice>
-        <mc:Fallback>
+        <mc:Fallback xmlns="">
           <p:sp>
             <p:nvSpPr>
               <p:cNvPr id="9" name="テキスト ボックス 8">
@@ -6629,8 +6628,8 @@
           </p:sp>
         </mc:Fallback>
       </mc:AlternateContent>
-      <mc:AlternateContent xmlns:mc="http://schemas.openxmlformats.org/markup-compatibility/2006">
-        <mc:Choice xmlns:a14="http://schemas.microsoft.com/office/drawing/2010/main" Requires="a14">
+      <mc:AlternateContent xmlns:mc="http://schemas.openxmlformats.org/markup-compatibility/2006" xmlns:a14="http://schemas.microsoft.com/office/drawing/2010/main">
+        <mc:Choice Requires="a14">
           <p:sp>
             <p:nvSpPr>
               <p:cNvPr id="11" name="テキスト ボックス 10">
@@ -6724,7 +6723,7 @@
             </p:txBody>
           </p:sp>
         </mc:Choice>
-        <mc:Fallback>
+        <mc:Fallback xmlns="">
           <p:sp>
             <p:nvSpPr>
               <p:cNvPr id="11" name="テキスト ボックス 10">
@@ -6769,8 +6768,8 @@
           </p:sp>
         </mc:Fallback>
       </mc:AlternateContent>
-      <mc:AlternateContent xmlns:mc="http://schemas.openxmlformats.org/markup-compatibility/2006">
-        <mc:Choice xmlns:a14="http://schemas.microsoft.com/office/drawing/2010/main" Requires="a14">
+      <mc:AlternateContent xmlns:mc="http://schemas.openxmlformats.org/markup-compatibility/2006" xmlns:a14="http://schemas.microsoft.com/office/drawing/2010/main">
+        <mc:Choice Requires="a14">
           <p:sp>
             <p:nvSpPr>
               <p:cNvPr id="25" name="テキスト ボックス 24">
@@ -6892,7 +6891,7 @@
             </p:txBody>
           </p:sp>
         </mc:Choice>
-        <mc:Fallback>
+        <mc:Fallback xmlns="">
           <p:sp>
             <p:nvSpPr>
               <p:cNvPr id="25" name="テキスト ボックス 24">
@@ -6937,8 +6936,8 @@
           </p:sp>
         </mc:Fallback>
       </mc:AlternateContent>
-      <mc:AlternateContent xmlns:mc="http://schemas.openxmlformats.org/markup-compatibility/2006">
-        <mc:Choice xmlns:a14="http://schemas.microsoft.com/office/drawing/2010/main" Requires="a14">
+      <mc:AlternateContent xmlns:mc="http://schemas.openxmlformats.org/markup-compatibility/2006" xmlns:a14="http://schemas.microsoft.com/office/drawing/2010/main">
+        <mc:Choice Requires="a14">
           <p:sp>
             <p:nvSpPr>
               <p:cNvPr id="26" name="テキスト ボックス 25">
@@ -7060,7 +7059,7 @@
             </p:txBody>
           </p:sp>
         </mc:Choice>
-        <mc:Fallback>
+        <mc:Fallback xmlns="">
           <p:sp>
             <p:nvSpPr>
               <p:cNvPr id="26" name="テキスト ボックス 25">
@@ -7355,8 +7354,8 @@
           </p:sp>
         </mc:Fallback>
       </mc:AlternateContent>
-      <mc:AlternateContent xmlns:mc="http://schemas.openxmlformats.org/markup-compatibility/2006">
-        <mc:Choice xmlns:a14="http://schemas.microsoft.com/office/drawing/2010/main" Requires="a14">
+      <mc:AlternateContent xmlns:mc="http://schemas.openxmlformats.org/markup-compatibility/2006" xmlns:a14="http://schemas.microsoft.com/office/drawing/2010/main">
+        <mc:Choice Requires="a14">
           <p:sp>
             <p:nvSpPr>
               <p:cNvPr id="2" name="テキスト ボックス 1">
@@ -7412,7 +7411,7 @@
             </p:txBody>
           </p:sp>
         </mc:Choice>
-        <mc:Fallback>
+        <mc:Fallback xmlns="">
           <p:sp>
             <p:nvSpPr>
               <p:cNvPr id="2" name="テキスト ボックス 1">
@@ -7457,8 +7456,8 @@
           </p:sp>
         </mc:Fallback>
       </mc:AlternateContent>
-      <mc:AlternateContent xmlns:mc="http://schemas.openxmlformats.org/markup-compatibility/2006">
-        <mc:Choice xmlns:a14="http://schemas.microsoft.com/office/drawing/2010/main" Requires="a14">
+      <mc:AlternateContent xmlns:mc="http://schemas.openxmlformats.org/markup-compatibility/2006" xmlns:a14="http://schemas.microsoft.com/office/drawing/2010/main">
+        <mc:Choice Requires="a14">
           <p:sp>
             <p:nvSpPr>
               <p:cNvPr id="3" name="テキスト ボックス 2">
@@ -7511,7 +7510,7 @@
             </p:txBody>
           </p:sp>
         </mc:Choice>
-        <mc:Fallback>
+        <mc:Fallback xmlns="">
           <p:sp>
             <p:nvSpPr>
               <p:cNvPr id="3" name="テキスト ボックス 2">
@@ -7556,8 +7555,8 @@
           </p:sp>
         </mc:Fallback>
       </mc:AlternateContent>
-      <mc:AlternateContent xmlns:mc="http://schemas.openxmlformats.org/markup-compatibility/2006">
-        <mc:Choice xmlns:a14="http://schemas.microsoft.com/office/drawing/2010/main" Requires="a14">
+      <mc:AlternateContent xmlns:mc="http://schemas.openxmlformats.org/markup-compatibility/2006" xmlns:a14="http://schemas.microsoft.com/office/drawing/2010/main">
+        <mc:Choice Requires="a14">
           <p:sp>
             <p:nvSpPr>
               <p:cNvPr id="8" name="テキスト ボックス 7">
@@ -7610,7 +7609,7 @@
             </p:txBody>
           </p:sp>
         </mc:Choice>
-        <mc:Fallback>
+        <mc:Fallback xmlns="">
           <p:sp>
             <p:nvSpPr>
               <p:cNvPr id="8" name="テキスト ボックス 7">
@@ -7655,8 +7654,8 @@
           </p:sp>
         </mc:Fallback>
       </mc:AlternateContent>
-      <mc:AlternateContent xmlns:mc="http://schemas.openxmlformats.org/markup-compatibility/2006">
-        <mc:Choice xmlns:a14="http://schemas.microsoft.com/office/drawing/2010/main" Requires="a14">
+      <mc:AlternateContent xmlns:mc="http://schemas.openxmlformats.org/markup-compatibility/2006" xmlns:a14="http://schemas.microsoft.com/office/drawing/2010/main">
+        <mc:Choice Requires="a14">
           <p:sp>
             <p:nvSpPr>
               <p:cNvPr id="12" name="テキスト ボックス 11">
@@ -7709,7 +7708,7 @@
             </p:txBody>
           </p:sp>
         </mc:Choice>
-        <mc:Fallback>
+        <mc:Fallback xmlns="">
           <p:sp>
             <p:nvSpPr>
               <p:cNvPr id="12" name="テキスト ボックス 11">
@@ -8892,7 +8891,7 @@
         <p:cNvPr id="1" name="">
           <a:extLst>
             <a:ext uri="{FF2B5EF4-FFF2-40B4-BE49-F238E27FC236}">
-              <a16:creationId xmlns:a16="http://schemas.microsoft.com/office/drawing/2014/main" id="{09C22084-5857-E122-6276-66469CCC72B0}"/>
+              <a16:creationId xmlns:a16="http://schemas.microsoft.com/office/drawing/2014/main" id="{560B32B7-EF3D-17EB-D1A6-35C6B91EFD60}"/>
             </a:ext>
           </a:extLst>
         </p:cNvPr>
@@ -8909,10 +8908,10 @@
       </p:grpSpPr>
       <p:sp>
         <p:nvSpPr>
-          <p:cNvPr id="18" name="正方形/長方形 17">
+          <p:cNvPr id="2" name="正方形/長方形 1">
             <a:extLst>
               <a:ext uri="{FF2B5EF4-FFF2-40B4-BE49-F238E27FC236}">
-                <a16:creationId xmlns:a16="http://schemas.microsoft.com/office/drawing/2014/main" id="{83890D68-B52A-CAB5-58F0-80649C2C60A1}"/>
+                <a16:creationId xmlns:a16="http://schemas.microsoft.com/office/drawing/2014/main" id="{A09682A6-03BA-C7F6-7082-9BE6E8C3D2FA}"/>
               </a:ext>
             </a:extLst>
           </p:cNvPr>
@@ -8921,17 +8920,13 @@
         </p:nvSpPr>
         <p:spPr>
           <a:xfrm>
-            <a:off x="256010" y="2013825"/>
-            <a:ext cx="4896000" cy="1080000"/>
+            <a:off x="2215709" y="3567536"/>
+            <a:ext cx="1305191" cy="760021"/>
           </a:xfrm>
           <a:prstGeom prst="rect">
             <a:avLst/>
           </a:prstGeom>
-          <a:solidFill>
-            <a:srgbClr val="E97132">
-              <a:alpha val="20000"/>
-            </a:srgbClr>
-          </a:solidFill>
+          <a:noFill/>
           <a:ln>
             <a:solidFill>
               <a:schemeClr val="tx1"/>
@@ -8955,1335 +8950,48 @@
           </a:fontRef>
         </p:style>
         <p:txBody>
-          <a:bodyPr rtlCol="0" anchor="ctr"/>
+          <a:bodyPr lIns="36000" tIns="36000" rIns="36000" bIns="36000" rtlCol="0" anchor="ctr"/>
           <a:lstStyle/>
           <a:p>
             <a:pPr algn="ctr"/>
-            <a:endParaRPr lang="ja-JP" altLang="en-US"/>
+            <a:r>
+              <a:rPr lang="ja-JP" altLang="en-US" b="1" dirty="0">
+                <a:solidFill>
+                  <a:schemeClr val="accent2"/>
+                </a:solidFill>
+              </a:rPr>
+              <a:t>サーボ</a:t>
+            </a:r>
+            <a:endParaRPr lang="en-US" altLang="ja-JP" b="1" dirty="0">
+              <a:solidFill>
+                <a:schemeClr val="accent2"/>
+              </a:solidFill>
+            </a:endParaRPr>
+          </a:p>
+          <a:p>
+            <a:pPr algn="ctr"/>
+            <a:r>
+              <a:rPr lang="ja-JP" altLang="en-US" b="1" dirty="0">
+                <a:solidFill>
+                  <a:schemeClr val="accent2"/>
+                </a:solidFill>
+              </a:rPr>
+              <a:t>精度不良</a:t>
+            </a:r>
+            <a:endParaRPr kumimoji="1" lang="ja-JP" altLang="en-US" b="1" dirty="0">
+              <a:solidFill>
+                <a:schemeClr val="accent2"/>
+              </a:solidFill>
+            </a:endParaRPr>
           </a:p>
         </p:txBody>
       </p:sp>
-      <mc:AlternateContent xmlns:mc="http://schemas.openxmlformats.org/markup-compatibility/2006" xmlns:a14="http://schemas.microsoft.com/office/drawing/2010/main">
-        <mc:Choice Requires="a14">
-          <p:sp>
-            <p:nvSpPr>
-              <p:cNvPr id="4" name="テキスト ボックス 3">
-                <a:extLst>
-                  <a:ext uri="{FF2B5EF4-FFF2-40B4-BE49-F238E27FC236}">
-                    <a16:creationId xmlns:a16="http://schemas.microsoft.com/office/drawing/2014/main" id="{7ECCC1A3-0339-AC42-B7A7-4539037751CF}"/>
-                  </a:ext>
-                </a:extLst>
-              </p:cNvPr>
-              <p:cNvSpPr txBox="1"/>
-              <p:nvPr/>
-            </p:nvSpPr>
-            <p:spPr>
-              <a:xfrm>
-                <a:off x="286004" y="956484"/>
-                <a:ext cx="1476366" cy="369332"/>
-              </a:xfrm>
-              <a:prstGeom prst="rect">
-                <a:avLst/>
-              </a:prstGeom>
-              <a:noFill/>
-            </p:spPr>
-            <p:txBody>
-              <a:bodyPr wrap="square" lIns="0" tIns="0" rIns="0" bIns="0" rtlCol="0">
-                <a:spAutoFit/>
-              </a:bodyPr>
-              <a:lstStyle/>
-              <a:p>
-                <a:pPr/>
-                <a14:m>
-                  <m:oMathPara xmlns:m="http://schemas.openxmlformats.org/officeDocument/2006/math">
-                    <m:oMathParaPr>
-                      <m:jc m:val="centerGroup"/>
-                    </m:oMathParaPr>
-                    <m:oMath xmlns:m="http://schemas.openxmlformats.org/officeDocument/2006/math">
-                      <m:r>
-                        <m:rPr>
-                          <m:sty m:val="p"/>
-                        </m:rPr>
-                        <a:rPr kumimoji="1" lang="el-GR" altLang="ja-JP" sz="2400" i="1" smtClean="0">
-                          <a:latin typeface="Cambria Math" panose="02040503050406030204" pitchFamily="18" charset="0"/>
-                          <a:ea typeface="Cambria Math" panose="02040503050406030204" pitchFamily="18" charset="0"/>
-                        </a:rPr>
-                        <m:t>Ω</m:t>
-                      </m:r>
-                      <m:r>
-                        <a:rPr kumimoji="1" lang="en-US" altLang="ja-JP" sz="2400" b="0" i="1" smtClean="0">
-                          <a:latin typeface="Cambria Math" panose="02040503050406030204" pitchFamily="18" charset="0"/>
-                          <a:ea typeface="Cambria Math" panose="02040503050406030204" pitchFamily="18" charset="0"/>
-                        </a:rPr>
-                        <m:t>(</m:t>
-                      </m:r>
-                      <m:r>
-                        <a:rPr lang="ja-JP" altLang="en-US" sz="2400" i="1" smtClean="0">
-                          <a:latin typeface="Cambria Math" panose="02040503050406030204" pitchFamily="18" charset="0"/>
-                          <a:ea typeface="Cambria Math" panose="02040503050406030204" pitchFamily="18" charset="0"/>
-                        </a:rPr>
-                        <m:t>全人口</m:t>
-                      </m:r>
-                      <m:r>
-                        <a:rPr kumimoji="1" lang="en-US" altLang="ja-JP" sz="2400" b="0" i="1" smtClean="0">
-                          <a:latin typeface="Cambria Math" panose="02040503050406030204" pitchFamily="18" charset="0"/>
-                          <a:ea typeface="Cambria Math" panose="02040503050406030204" pitchFamily="18" charset="0"/>
-                        </a:rPr>
-                        <m:t>)</m:t>
-                      </m:r>
-                    </m:oMath>
-                  </m:oMathPara>
-                </a14:m>
-                <a:endParaRPr kumimoji="1" lang="ja-JP" altLang="en-US" sz="2400" dirty="0"/>
-              </a:p>
-            </p:txBody>
-          </p:sp>
-        </mc:Choice>
-        <mc:Fallback xmlns="">
-          <p:sp>
-            <p:nvSpPr>
-              <p:cNvPr id="4" name="テキスト ボックス 3">
-                <a:extLst>
-                  <a:ext uri="{FF2B5EF4-FFF2-40B4-BE49-F238E27FC236}">
-                    <a16:creationId xmlns:a16="http://schemas.microsoft.com/office/drawing/2014/main" id="{02190A81-2808-8C7B-9044-239E050486DD}"/>
-                  </a:ext>
-                </a:extLst>
-              </p:cNvPr>
-              <p:cNvSpPr txBox="1">
-                <a:spLocks noRot="1" noChangeAspect="1" noMove="1" noResize="1" noEditPoints="1" noAdjustHandles="1" noChangeArrowheads="1" noChangeShapeType="1" noTextEdit="1"/>
-              </p:cNvSpPr>
-              <p:nvPr/>
-            </p:nvSpPr>
-            <p:spPr>
-              <a:xfrm>
-                <a:off x="286004" y="956484"/>
-                <a:ext cx="1476366" cy="369332"/>
-              </a:xfrm>
-              <a:prstGeom prst="rect">
-                <a:avLst/>
-              </a:prstGeom>
-              <a:blipFill>
-                <a:blip r:embed="rId2"/>
-                <a:stretch>
-                  <a:fillRect l="-4132" t="-11667" r="-6198" b="-33333"/>
-                </a:stretch>
-              </a:blipFill>
-            </p:spPr>
-            <p:txBody>
-              <a:bodyPr/>
-              <a:lstStyle/>
-              <a:p>
-                <a:r>
-                  <a:rPr lang="ja-JP" altLang="en-US">
-                    <a:noFill/>
-                  </a:rPr>
-                  <a:t> </a:t>
-                </a:r>
-              </a:p>
-            </p:txBody>
-          </p:sp>
-        </mc:Fallback>
-      </mc:AlternateContent>
-      <mc:AlternateContent xmlns:mc="http://schemas.openxmlformats.org/markup-compatibility/2006" xmlns:a14="http://schemas.microsoft.com/office/drawing/2010/main">
-        <mc:Choice Requires="a14">
-          <p:sp>
-            <p:nvSpPr>
-              <p:cNvPr id="5" name="テキスト ボックス 4">
-                <a:extLst>
-                  <a:ext uri="{FF2B5EF4-FFF2-40B4-BE49-F238E27FC236}">
-                    <a16:creationId xmlns:a16="http://schemas.microsoft.com/office/drawing/2014/main" id="{1AAD6165-16AF-8019-AE2C-DEA59FE0B67D}"/>
-                  </a:ext>
-                </a:extLst>
-              </p:cNvPr>
-              <p:cNvSpPr txBox="1"/>
-              <p:nvPr/>
-            </p:nvSpPr>
-            <p:spPr>
-              <a:xfrm>
-                <a:off x="420935" y="1558327"/>
-                <a:ext cx="1158779" cy="369332"/>
-              </a:xfrm>
-              <a:prstGeom prst="rect">
-                <a:avLst/>
-              </a:prstGeom>
-              <a:noFill/>
-            </p:spPr>
-            <p:txBody>
-              <a:bodyPr wrap="square" lIns="0" tIns="0" rIns="0" bIns="0" rtlCol="0">
-                <a:spAutoFit/>
-              </a:bodyPr>
-              <a:lstStyle/>
-              <a:p>
-                <a:pPr/>
-                <a14:m>
-                  <m:oMathPara xmlns:m="http://schemas.openxmlformats.org/officeDocument/2006/math">
-                    <m:oMathParaPr>
-                      <m:jc m:val="centerGroup"/>
-                    </m:oMathParaPr>
-                    <m:oMath xmlns:m="http://schemas.openxmlformats.org/officeDocument/2006/math">
-                      <m:r>
-                        <a:rPr kumimoji="1" lang="en-US" altLang="ja-JP" sz="2400" b="0" i="1" smtClean="0">
-                          <a:solidFill>
-                            <a:schemeClr val="accent2"/>
-                          </a:solidFill>
-                          <a:latin typeface="Cambria Math" panose="02040503050406030204" pitchFamily="18" charset="0"/>
-                          <a:ea typeface="Cambria Math" panose="02040503050406030204" pitchFamily="18" charset="0"/>
-                        </a:rPr>
-                        <m:t>𝐴</m:t>
-                      </m:r>
-                      <m:r>
-                        <a:rPr kumimoji="1" lang="en-US" altLang="ja-JP" sz="2400" b="0" i="1" smtClean="0">
-                          <a:solidFill>
-                            <a:schemeClr val="accent2"/>
-                          </a:solidFill>
-                          <a:latin typeface="Cambria Math" panose="02040503050406030204" pitchFamily="18" charset="0"/>
-                          <a:ea typeface="Cambria Math" panose="02040503050406030204" pitchFamily="18" charset="0"/>
-                        </a:rPr>
-                        <m:t>(陽性)</m:t>
-                      </m:r>
-                    </m:oMath>
-                  </m:oMathPara>
-                </a14:m>
-                <a:endParaRPr kumimoji="1" lang="ja-JP" altLang="en-US" sz="2400" dirty="0">
-                  <a:solidFill>
-                    <a:schemeClr val="accent2"/>
-                  </a:solidFill>
-                </a:endParaRPr>
-              </a:p>
-            </p:txBody>
-          </p:sp>
-        </mc:Choice>
-        <mc:Fallback xmlns="">
-          <p:sp>
-            <p:nvSpPr>
-              <p:cNvPr id="5" name="テキスト ボックス 4">
-                <a:extLst>
-                  <a:ext uri="{FF2B5EF4-FFF2-40B4-BE49-F238E27FC236}">
-                    <a16:creationId xmlns:a16="http://schemas.microsoft.com/office/drawing/2014/main" id="{7910731C-94EB-D221-E7B8-27E3E493CADC}"/>
-                  </a:ext>
-                </a:extLst>
-              </p:cNvPr>
-              <p:cNvSpPr txBox="1">
-                <a:spLocks noRot="1" noChangeAspect="1" noMove="1" noResize="1" noEditPoints="1" noAdjustHandles="1" noChangeArrowheads="1" noChangeShapeType="1" noTextEdit="1"/>
-              </p:cNvSpPr>
-              <p:nvPr/>
-            </p:nvSpPr>
-            <p:spPr>
-              <a:xfrm>
-                <a:off x="420935" y="1558327"/>
-                <a:ext cx="1158779" cy="369332"/>
-              </a:xfrm>
-              <a:prstGeom prst="rect">
-                <a:avLst/>
-              </a:prstGeom>
-              <a:blipFill>
-                <a:blip r:embed="rId3"/>
-                <a:stretch>
-                  <a:fillRect l="-4737" t="-11667" r="-8421" b="-33333"/>
-                </a:stretch>
-              </a:blipFill>
-            </p:spPr>
-            <p:txBody>
-              <a:bodyPr/>
-              <a:lstStyle/>
-              <a:p>
-                <a:r>
-                  <a:rPr lang="ja-JP" altLang="en-US">
-                    <a:noFill/>
-                  </a:rPr>
-                  <a:t> </a:t>
-                </a:r>
-              </a:p>
-            </p:txBody>
-          </p:sp>
-        </mc:Fallback>
-      </mc:AlternateContent>
-      <mc:AlternateContent xmlns:mc="http://schemas.openxmlformats.org/markup-compatibility/2006">
-        <mc:Choice xmlns:a14="http://schemas.microsoft.com/office/drawing/2010/main" Requires="a14">
-          <p:sp>
-            <p:nvSpPr>
-              <p:cNvPr id="6" name="テキスト ボックス 5">
-                <a:extLst>
-                  <a:ext uri="{FF2B5EF4-FFF2-40B4-BE49-F238E27FC236}">
-                    <a16:creationId xmlns:a16="http://schemas.microsoft.com/office/drawing/2014/main" id="{A69D105B-DDA9-3080-4B81-0CA05E516381}"/>
-                  </a:ext>
-                </a:extLst>
-              </p:cNvPr>
-              <p:cNvSpPr txBox="1"/>
-              <p:nvPr/>
-            </p:nvSpPr>
-            <p:spPr>
-              <a:xfrm>
-                <a:off x="5219743" y="2183788"/>
-                <a:ext cx="1663671" cy="740074"/>
-              </a:xfrm>
-              <a:prstGeom prst="rect">
-                <a:avLst/>
-              </a:prstGeom>
-              <a:noFill/>
-            </p:spPr>
-            <p:txBody>
-              <a:bodyPr wrap="square" lIns="0" tIns="0" rIns="0" bIns="0" rtlCol="0">
-                <a:spAutoFit/>
-              </a:bodyPr>
-              <a:lstStyle/>
-              <a:p>
-                <a:pPr algn="ctr"/>
-                <a14:m>
-                  <m:oMathPara xmlns:m="http://schemas.openxmlformats.org/officeDocument/2006/math">
-                    <m:oMathParaPr>
-                      <m:jc m:val="center"/>
-                    </m:oMathParaPr>
-                    <m:oMath xmlns:m="http://schemas.openxmlformats.org/officeDocument/2006/math">
-                      <m:sSub>
-                        <m:sSubPr>
-                          <m:ctrlPr>
-                            <a:rPr kumimoji="1" lang="en-US" altLang="ja-JP" sz="2400" b="0" i="1" smtClean="0">
-                              <a:solidFill>
-                                <a:srgbClr val="FF0000"/>
-                              </a:solidFill>
-                              <a:latin typeface="Cambria Math" panose="02040503050406030204" pitchFamily="18" charset="0"/>
-                            </a:rPr>
-                          </m:ctrlPr>
-                        </m:sSubPr>
-                        <m:e>
-                          <m:r>
-                            <a:rPr kumimoji="1" lang="en-US" altLang="ja-JP" sz="2400" b="0" i="1" smtClean="0">
-                              <a:solidFill>
-                                <a:srgbClr val="FF0000"/>
-                              </a:solidFill>
-                              <a:latin typeface="Cambria Math" panose="02040503050406030204" pitchFamily="18" charset="0"/>
-                            </a:rPr>
-                            <m:t>𝐻</m:t>
-                          </m:r>
-                        </m:e>
-                        <m:sub>
-                          <m:r>
-                            <a:rPr kumimoji="1" lang="en-US" altLang="ja-JP" sz="2400" b="0" i="1" smtClean="0">
-                              <a:solidFill>
-                                <a:srgbClr val="FF0000"/>
-                              </a:solidFill>
-                              <a:latin typeface="Cambria Math" panose="02040503050406030204" pitchFamily="18" charset="0"/>
-                            </a:rPr>
-                            <m:t>1</m:t>
-                          </m:r>
-                        </m:sub>
-                      </m:sSub>
-                    </m:oMath>
-                  </m:oMathPara>
-                </a14:m>
-                <a:endParaRPr kumimoji="1" lang="en-US" altLang="ja-JP" sz="2400" b="0" i="1" dirty="0">
-                  <a:solidFill>
-                    <a:srgbClr val="FF0000"/>
-                  </a:solidFill>
-                  <a:latin typeface="Cambria Math" panose="02040503050406030204" pitchFamily="18" charset="0"/>
-                </a:endParaRPr>
-              </a:p>
-              <a:p>
-                <a:pPr algn="ctr"/>
-                <a14:m>
-                  <m:oMathPara xmlns:m="http://schemas.openxmlformats.org/officeDocument/2006/math">
-                    <m:oMathParaPr>
-                      <m:jc m:val="center"/>
-                    </m:oMathParaPr>
-                    <m:oMath xmlns:m="http://schemas.openxmlformats.org/officeDocument/2006/math">
-                      <m:r>
-                        <a:rPr lang="ja-JP" altLang="en-US" sz="2400" i="1">
-                          <a:solidFill>
-                            <a:srgbClr val="FF0000"/>
-                          </a:solidFill>
-                          <a:latin typeface="Cambria Math" panose="02040503050406030204" pitchFamily="18" charset="0"/>
-                        </a:rPr>
-                        <m:t>疾患</m:t>
-                      </m:r>
-                      <m:r>
-                        <a:rPr lang="ja-JP" altLang="en-US" sz="2400" i="1" smtClean="0">
-                          <a:solidFill>
-                            <a:srgbClr val="FF0000"/>
-                          </a:solidFill>
-                          <a:latin typeface="Cambria Math" panose="02040503050406030204" pitchFamily="18" charset="0"/>
-                        </a:rPr>
-                        <m:t>あり</m:t>
-                      </m:r>
-                    </m:oMath>
-                  </m:oMathPara>
-                </a14:m>
-                <a:endParaRPr kumimoji="1" lang="ja-JP" altLang="en-US" sz="2400" dirty="0"/>
-              </a:p>
-            </p:txBody>
-          </p:sp>
-        </mc:Choice>
-        <mc:Fallback>
-          <p:sp>
-            <p:nvSpPr>
-              <p:cNvPr id="6" name="テキスト ボックス 5">
-                <a:extLst>
-                  <a:ext uri="{FF2B5EF4-FFF2-40B4-BE49-F238E27FC236}">
-                    <a16:creationId xmlns:a16="http://schemas.microsoft.com/office/drawing/2014/main" id="{A69D105B-DDA9-3080-4B81-0CA05E516381}"/>
-                  </a:ext>
-                </a:extLst>
-              </p:cNvPr>
-              <p:cNvSpPr txBox="1">
-                <a:spLocks noRot="1" noChangeAspect="1" noMove="1" noResize="1" noEditPoints="1" noAdjustHandles="1" noChangeArrowheads="1" noChangeShapeType="1" noTextEdit="1"/>
-              </p:cNvSpPr>
-              <p:nvPr/>
-            </p:nvSpPr>
-            <p:spPr>
-              <a:xfrm>
-                <a:off x="5219743" y="2183788"/>
-                <a:ext cx="1663671" cy="740074"/>
-              </a:xfrm>
-              <a:prstGeom prst="rect">
-                <a:avLst/>
-              </a:prstGeom>
-              <a:blipFill>
-                <a:blip r:embed="rId4"/>
-                <a:stretch>
-                  <a:fillRect b="-9016"/>
-                </a:stretch>
-              </a:blipFill>
-            </p:spPr>
-            <p:txBody>
-              <a:bodyPr/>
-              <a:lstStyle/>
-              <a:p>
-                <a:r>
-                  <a:rPr lang="ja-JP" altLang="en-US">
-                    <a:noFill/>
-                  </a:rPr>
-                  <a:t> </a:t>
-                </a:r>
-              </a:p>
-            </p:txBody>
-          </p:sp>
-        </mc:Fallback>
-      </mc:AlternateContent>
-      <mc:AlternateContent xmlns:mc="http://schemas.openxmlformats.org/markup-compatibility/2006" xmlns:a14="http://schemas.microsoft.com/office/drawing/2010/main">
-        <mc:Choice Requires="a14">
-          <p:sp>
-            <p:nvSpPr>
-              <p:cNvPr id="10" name="テキスト ボックス 9">
-                <a:extLst>
-                  <a:ext uri="{FF2B5EF4-FFF2-40B4-BE49-F238E27FC236}">
-                    <a16:creationId xmlns:a16="http://schemas.microsoft.com/office/drawing/2014/main" id="{CD12249B-76D3-E2CF-7307-8971A018CBA3}"/>
-                  </a:ext>
-                </a:extLst>
-              </p:cNvPr>
-              <p:cNvSpPr txBox="1"/>
-              <p:nvPr/>
-            </p:nvSpPr>
-            <p:spPr>
-              <a:xfrm>
-                <a:off x="5221116" y="3993643"/>
-                <a:ext cx="1660925" cy="738664"/>
-              </a:xfrm>
-              <a:prstGeom prst="rect">
-                <a:avLst/>
-              </a:prstGeom>
-              <a:noFill/>
-            </p:spPr>
-            <p:txBody>
-              <a:bodyPr wrap="square" lIns="0" tIns="0" rIns="0" bIns="0" rtlCol="0">
-                <a:spAutoFit/>
-              </a:bodyPr>
-              <a:lstStyle/>
-              <a:p>
-                <a:pPr algn="ctr"/>
-                <a14:m>
-                  <m:oMathPara xmlns:m="http://schemas.openxmlformats.org/officeDocument/2006/math">
-                    <m:oMathParaPr>
-                      <m:jc m:val="center"/>
-                    </m:oMathParaPr>
-                    <m:oMath xmlns:m="http://schemas.openxmlformats.org/officeDocument/2006/math">
-                      <m:sSub>
-                        <m:sSubPr>
-                          <m:ctrlPr>
-                            <a:rPr kumimoji="1" lang="en-US" altLang="ja-JP" sz="2400" b="0" i="1" smtClean="0">
-                              <a:solidFill>
-                                <a:srgbClr val="00B050"/>
-                              </a:solidFill>
-                              <a:latin typeface="Cambria Math" panose="02040503050406030204" pitchFamily="18" charset="0"/>
-                            </a:rPr>
-                          </m:ctrlPr>
-                        </m:sSubPr>
-                        <m:e>
-                          <m:r>
-                            <a:rPr kumimoji="1" lang="en-US" altLang="ja-JP" sz="2400" b="0" i="1" smtClean="0">
-                              <a:solidFill>
-                                <a:srgbClr val="00B050"/>
-                              </a:solidFill>
-                              <a:latin typeface="Cambria Math" panose="02040503050406030204" pitchFamily="18" charset="0"/>
-                            </a:rPr>
-                            <m:t>𝐻</m:t>
-                          </m:r>
-                        </m:e>
-                        <m:sub>
-                          <m:r>
-                            <a:rPr kumimoji="1" lang="en-US" altLang="ja-JP" sz="2400" b="0" i="1" smtClean="0">
-                              <a:solidFill>
-                                <a:srgbClr val="00B050"/>
-                              </a:solidFill>
-                              <a:latin typeface="Cambria Math" panose="02040503050406030204" pitchFamily="18" charset="0"/>
-                            </a:rPr>
-                            <m:t>2</m:t>
-                          </m:r>
-                        </m:sub>
-                      </m:sSub>
-                    </m:oMath>
-                  </m:oMathPara>
-                </a14:m>
-                <a:endParaRPr kumimoji="1" lang="en-US" altLang="ja-JP" sz="2400" dirty="0">
-                  <a:solidFill>
-                    <a:srgbClr val="00B050"/>
-                  </a:solidFill>
-                </a:endParaRPr>
-              </a:p>
-              <a:p>
-                <a:pPr algn="ctr"/>
-                <a:r>
-                  <a:rPr lang="ja-JP" altLang="en-US" sz="2400" dirty="0">
-                    <a:solidFill>
-                      <a:srgbClr val="00B050"/>
-                    </a:solidFill>
-                  </a:rPr>
-                  <a:t>疾患</a:t>
-                </a:r>
-                <a:r>
-                  <a:rPr kumimoji="1" lang="ja-JP" altLang="en-US" sz="2400" dirty="0">
-                    <a:solidFill>
-                      <a:srgbClr val="00B050"/>
-                    </a:solidFill>
-                  </a:rPr>
-                  <a:t>なし</a:t>
-                </a:r>
-              </a:p>
-            </p:txBody>
-          </p:sp>
-        </mc:Choice>
-        <mc:Fallback xmlns="">
-          <p:sp>
-            <p:nvSpPr>
-              <p:cNvPr id="10" name="テキスト ボックス 9">
-                <a:extLst>
-                  <a:ext uri="{FF2B5EF4-FFF2-40B4-BE49-F238E27FC236}">
-                    <a16:creationId xmlns:a16="http://schemas.microsoft.com/office/drawing/2014/main" id="{C98078CB-5E91-14D9-2141-29D18E741322}"/>
-                  </a:ext>
-                </a:extLst>
-              </p:cNvPr>
-              <p:cNvSpPr txBox="1">
-                <a:spLocks noRot="1" noChangeAspect="1" noMove="1" noResize="1" noEditPoints="1" noAdjustHandles="1" noChangeArrowheads="1" noChangeShapeType="1" noTextEdit="1"/>
-              </p:cNvSpPr>
-              <p:nvPr/>
-            </p:nvSpPr>
-            <p:spPr>
-              <a:xfrm>
-                <a:off x="5221116" y="3993643"/>
-                <a:ext cx="1660925" cy="738664"/>
-              </a:xfrm>
-              <a:prstGeom prst="rect">
-                <a:avLst/>
-              </a:prstGeom>
-              <a:blipFill>
-                <a:blip r:embed="rId5"/>
-                <a:stretch>
-                  <a:fillRect b="-24793"/>
-                </a:stretch>
-              </a:blipFill>
-            </p:spPr>
-            <p:txBody>
-              <a:bodyPr/>
-              <a:lstStyle/>
-              <a:p>
-                <a:r>
-                  <a:rPr lang="ja-JP" altLang="en-US">
-                    <a:noFill/>
-                  </a:rPr>
-                  <a:t> </a:t>
-                </a:r>
-              </a:p>
-            </p:txBody>
-          </p:sp>
-        </mc:Fallback>
-      </mc:AlternateContent>
-      <mc:AlternateContent xmlns:mc="http://schemas.openxmlformats.org/markup-compatibility/2006" xmlns:a14="http://schemas.microsoft.com/office/drawing/2010/main">
-        <mc:Choice Requires="a14">
-          <p:sp>
-            <p:nvSpPr>
-              <p:cNvPr id="7" name="テキスト ボックス 6">
-                <a:extLst>
-                  <a:ext uri="{FF2B5EF4-FFF2-40B4-BE49-F238E27FC236}">
-                    <a16:creationId xmlns:a16="http://schemas.microsoft.com/office/drawing/2014/main" id="{07CF3351-5133-BE25-FFB1-40E990A52FE6}"/>
-                  </a:ext>
-                </a:extLst>
-              </p:cNvPr>
-              <p:cNvSpPr txBox="1"/>
-              <p:nvPr/>
-            </p:nvSpPr>
-            <p:spPr>
-              <a:xfrm>
-                <a:off x="2060133" y="1591347"/>
-                <a:ext cx="1286442" cy="369332"/>
-              </a:xfrm>
-              <a:prstGeom prst="rect">
-                <a:avLst/>
-              </a:prstGeom>
-              <a:noFill/>
-            </p:spPr>
-            <p:txBody>
-              <a:bodyPr wrap="square" lIns="0" tIns="0" rIns="0" bIns="0" rtlCol="0">
-                <a:spAutoFit/>
-              </a:bodyPr>
-              <a:lstStyle/>
-              <a:p>
-                <a:pPr/>
-                <a14:m>
-                  <m:oMathPara xmlns:m="http://schemas.openxmlformats.org/officeDocument/2006/math">
-                    <m:oMathParaPr>
-                      <m:jc m:val="centerGroup"/>
-                    </m:oMathParaPr>
-                    <m:oMath xmlns:m="http://schemas.openxmlformats.org/officeDocument/2006/math">
-                      <m:sSup>
-                        <m:sSupPr>
-                          <m:ctrlPr>
-                            <a:rPr kumimoji="1" lang="en-US" altLang="ja-JP" sz="2400" b="0" i="1" smtClean="0">
-                              <a:solidFill>
-                                <a:srgbClr val="0070C0"/>
-                              </a:solidFill>
-                              <a:latin typeface="Cambria Math" panose="02040503050406030204" pitchFamily="18" charset="0"/>
-                              <a:ea typeface="Cambria Math" panose="02040503050406030204" pitchFamily="18" charset="0"/>
-                            </a:rPr>
-                          </m:ctrlPr>
-                        </m:sSupPr>
-                        <m:e>
-                          <m:r>
-                            <a:rPr kumimoji="1" lang="en-US" altLang="ja-JP" sz="2400" b="0" i="1" smtClean="0">
-                              <a:solidFill>
-                                <a:srgbClr val="0070C0"/>
-                              </a:solidFill>
-                              <a:latin typeface="Cambria Math" panose="02040503050406030204" pitchFamily="18" charset="0"/>
-                              <a:ea typeface="Cambria Math" panose="02040503050406030204" pitchFamily="18" charset="0"/>
-                            </a:rPr>
-                            <m:t>𝐴</m:t>
-                          </m:r>
-                        </m:e>
-                        <m:sup>
-                          <m:r>
-                            <a:rPr kumimoji="1" lang="en-US" altLang="ja-JP" sz="2400" b="0" i="1" smtClean="0">
-                              <a:solidFill>
-                                <a:srgbClr val="0070C0"/>
-                              </a:solidFill>
-                              <a:latin typeface="Cambria Math" panose="02040503050406030204" pitchFamily="18" charset="0"/>
-                              <a:ea typeface="Cambria Math" panose="02040503050406030204" pitchFamily="18" charset="0"/>
-                            </a:rPr>
-                            <m:t>𝑐</m:t>
-                          </m:r>
-                        </m:sup>
-                      </m:sSup>
-                      <m:r>
-                        <a:rPr kumimoji="1" lang="en-US" altLang="ja-JP" sz="2400" b="0" i="1" smtClean="0">
-                          <a:solidFill>
-                            <a:srgbClr val="0070C0"/>
-                          </a:solidFill>
-                          <a:latin typeface="Cambria Math" panose="02040503050406030204" pitchFamily="18" charset="0"/>
-                          <a:ea typeface="Cambria Math" panose="02040503050406030204" pitchFamily="18" charset="0"/>
-                        </a:rPr>
-                        <m:t>(</m:t>
-                      </m:r>
-                      <m:r>
-                        <a:rPr lang="ja-JP" altLang="en-US" sz="2400" i="1">
-                          <a:solidFill>
-                            <a:srgbClr val="0070C0"/>
-                          </a:solidFill>
-                          <a:latin typeface="Cambria Math" panose="02040503050406030204" pitchFamily="18" charset="0"/>
-                          <a:ea typeface="Cambria Math" panose="02040503050406030204" pitchFamily="18" charset="0"/>
-                        </a:rPr>
-                        <m:t>陰性</m:t>
-                      </m:r>
-                      <m:r>
-                        <a:rPr kumimoji="1" lang="en-US" altLang="ja-JP" sz="2400" b="0" i="1" smtClean="0">
-                          <a:solidFill>
-                            <a:srgbClr val="0070C0"/>
-                          </a:solidFill>
-                          <a:latin typeface="Cambria Math" panose="02040503050406030204" pitchFamily="18" charset="0"/>
-                          <a:ea typeface="Cambria Math" panose="02040503050406030204" pitchFamily="18" charset="0"/>
-                        </a:rPr>
-                        <m:t>)</m:t>
-                      </m:r>
-                    </m:oMath>
-                  </m:oMathPara>
-                </a14:m>
-                <a:endParaRPr kumimoji="1" lang="ja-JP" altLang="en-US" sz="2400" dirty="0"/>
-              </a:p>
-            </p:txBody>
-          </p:sp>
-        </mc:Choice>
-        <mc:Fallback xmlns="">
-          <p:sp>
-            <p:nvSpPr>
-              <p:cNvPr id="7" name="テキスト ボックス 6">
-                <a:extLst>
-                  <a:ext uri="{FF2B5EF4-FFF2-40B4-BE49-F238E27FC236}">
-                    <a16:creationId xmlns:a16="http://schemas.microsoft.com/office/drawing/2014/main" id="{54F582EF-7975-CDD3-6A20-A670301E4AA8}"/>
-                  </a:ext>
-                </a:extLst>
-              </p:cNvPr>
-              <p:cNvSpPr txBox="1">
-                <a:spLocks noRot="1" noChangeAspect="1" noMove="1" noResize="1" noEditPoints="1" noAdjustHandles="1" noChangeArrowheads="1" noChangeShapeType="1" noTextEdit="1"/>
-              </p:cNvSpPr>
-              <p:nvPr/>
-            </p:nvSpPr>
-            <p:spPr>
-              <a:xfrm>
-                <a:off x="2060133" y="1591347"/>
-                <a:ext cx="1286442" cy="369332"/>
-              </a:xfrm>
-              <a:prstGeom prst="rect">
-                <a:avLst/>
-              </a:prstGeom>
-              <a:blipFill>
-                <a:blip r:embed="rId6"/>
-                <a:stretch>
-                  <a:fillRect l="-4739" t="-11475" r="-7109" b="-32787"/>
-                </a:stretch>
-              </a:blipFill>
-            </p:spPr>
-            <p:txBody>
-              <a:bodyPr/>
-              <a:lstStyle/>
-              <a:p>
-                <a:r>
-                  <a:rPr lang="ja-JP" altLang="en-US">
-                    <a:noFill/>
-                  </a:rPr>
-                  <a:t> </a:t>
-                </a:r>
-              </a:p>
-            </p:txBody>
-          </p:sp>
-        </mc:Fallback>
-      </mc:AlternateContent>
-      <mc:AlternateContent xmlns:mc="http://schemas.openxmlformats.org/markup-compatibility/2006" xmlns:a14="http://schemas.microsoft.com/office/drawing/2010/main">
-        <mc:Choice Requires="a14">
-          <p:sp>
-            <p:nvSpPr>
-              <p:cNvPr id="9" name="テキスト ボックス 8">
-                <a:extLst>
-                  <a:ext uri="{FF2B5EF4-FFF2-40B4-BE49-F238E27FC236}">
-                    <a16:creationId xmlns:a16="http://schemas.microsoft.com/office/drawing/2014/main" id="{F1B637AE-8B0B-7713-1B8D-F53499F08FC9}"/>
-                  </a:ext>
-                </a:extLst>
-              </p:cNvPr>
-              <p:cNvSpPr txBox="1"/>
-              <p:nvPr/>
-            </p:nvSpPr>
-            <p:spPr>
-              <a:xfrm>
-                <a:off x="512594" y="2172200"/>
-                <a:ext cx="975460" cy="369332"/>
-              </a:xfrm>
-              <a:prstGeom prst="rect">
-                <a:avLst/>
-              </a:prstGeom>
-              <a:noFill/>
-            </p:spPr>
-            <p:txBody>
-              <a:bodyPr wrap="square" lIns="0" tIns="0" rIns="0" bIns="0" rtlCol="0">
-                <a:spAutoFit/>
-              </a:bodyPr>
-              <a:lstStyle/>
-              <a:p>
-                <a:pPr/>
-                <a14:m>
-                  <m:oMathPara xmlns:m="http://schemas.openxmlformats.org/officeDocument/2006/math">
-                    <m:oMathParaPr>
-                      <m:jc m:val="centerGroup"/>
-                    </m:oMathParaPr>
-                    <m:oMath xmlns:m="http://schemas.openxmlformats.org/officeDocument/2006/math">
-                      <m:r>
-                        <a:rPr kumimoji="1" lang="en-US" altLang="ja-JP" sz="2400" b="0" i="1" smtClean="0">
-                          <a:solidFill>
-                            <a:schemeClr val="accent2"/>
-                          </a:solidFill>
-                          <a:latin typeface="Cambria Math" panose="02040503050406030204" pitchFamily="18" charset="0"/>
-                        </a:rPr>
-                        <m:t>𝐴</m:t>
-                      </m:r>
-                      <m:r>
-                        <a:rPr kumimoji="1" lang="en-US" altLang="ja-JP" sz="2400" b="0" i="1" smtClean="0">
-                          <a:latin typeface="Cambria Math" panose="02040503050406030204" pitchFamily="18" charset="0"/>
-                          <a:ea typeface="Cambria Math" panose="02040503050406030204" pitchFamily="18" charset="0"/>
-                        </a:rPr>
-                        <m:t>∩</m:t>
-                      </m:r>
-                      <m:sSub>
-                        <m:sSubPr>
-                          <m:ctrlPr>
-                            <a:rPr lang="en-US" altLang="ja-JP" sz="2400" i="1" smtClean="0">
-                              <a:solidFill>
-                                <a:srgbClr val="FF0000"/>
-                              </a:solidFill>
-                              <a:latin typeface="Cambria Math" panose="02040503050406030204" pitchFamily="18" charset="0"/>
-                            </a:rPr>
-                          </m:ctrlPr>
-                        </m:sSubPr>
-                        <m:e>
-                          <m:r>
-                            <a:rPr lang="en-US" altLang="ja-JP" sz="2400" i="1">
-                              <a:solidFill>
-                                <a:srgbClr val="FF0000"/>
-                              </a:solidFill>
-                              <a:latin typeface="Cambria Math" panose="02040503050406030204" pitchFamily="18" charset="0"/>
-                            </a:rPr>
-                            <m:t>𝐻</m:t>
-                          </m:r>
-                        </m:e>
-                        <m:sub>
-                          <m:r>
-                            <a:rPr lang="en-US" altLang="ja-JP" sz="2400" i="1">
-                              <a:solidFill>
-                                <a:srgbClr val="FF0000"/>
-                              </a:solidFill>
-                              <a:latin typeface="Cambria Math" panose="02040503050406030204" pitchFamily="18" charset="0"/>
-                            </a:rPr>
-                            <m:t>1</m:t>
-                          </m:r>
-                        </m:sub>
-                      </m:sSub>
-                    </m:oMath>
-                  </m:oMathPara>
-                </a14:m>
-                <a:endParaRPr lang="en-US" altLang="ja-JP" sz="2400" dirty="0"/>
-              </a:p>
-            </p:txBody>
-          </p:sp>
-        </mc:Choice>
-        <mc:Fallback xmlns="">
-          <p:sp>
-            <p:nvSpPr>
-              <p:cNvPr id="9" name="テキスト ボックス 8">
-                <a:extLst>
-                  <a:ext uri="{FF2B5EF4-FFF2-40B4-BE49-F238E27FC236}">
-                    <a16:creationId xmlns:a16="http://schemas.microsoft.com/office/drawing/2014/main" id="{80BCC3FE-D015-79E9-D027-34B54C8E70E6}"/>
-                  </a:ext>
-                </a:extLst>
-              </p:cNvPr>
-              <p:cNvSpPr txBox="1">
-                <a:spLocks noRot="1" noChangeAspect="1" noMove="1" noResize="1" noEditPoints="1" noAdjustHandles="1" noChangeArrowheads="1" noChangeShapeType="1" noTextEdit="1"/>
-              </p:cNvSpPr>
-              <p:nvPr/>
-            </p:nvSpPr>
-            <p:spPr>
-              <a:xfrm>
-                <a:off x="512594" y="2172200"/>
-                <a:ext cx="975460" cy="369332"/>
-              </a:xfrm>
-              <a:prstGeom prst="rect">
-                <a:avLst/>
-              </a:prstGeom>
-              <a:blipFill>
-                <a:blip r:embed="rId7"/>
-                <a:stretch>
-                  <a:fillRect l="-5625" r="-625" b="-11475"/>
-                </a:stretch>
-              </a:blipFill>
-            </p:spPr>
-            <p:txBody>
-              <a:bodyPr/>
-              <a:lstStyle/>
-              <a:p>
-                <a:r>
-                  <a:rPr lang="ja-JP" altLang="en-US">
-                    <a:noFill/>
-                  </a:rPr>
-                  <a:t> </a:t>
-                </a:r>
-              </a:p>
-            </p:txBody>
-          </p:sp>
-        </mc:Fallback>
-      </mc:AlternateContent>
-      <mc:AlternateContent xmlns:mc="http://schemas.openxmlformats.org/markup-compatibility/2006" xmlns:a14="http://schemas.microsoft.com/office/drawing/2010/main">
-        <mc:Choice Requires="a14">
-          <p:sp>
-            <p:nvSpPr>
-              <p:cNvPr id="11" name="テキスト ボックス 10">
-                <a:extLst>
-                  <a:ext uri="{FF2B5EF4-FFF2-40B4-BE49-F238E27FC236}">
-                    <a16:creationId xmlns:a16="http://schemas.microsoft.com/office/drawing/2014/main" id="{DFA71614-38FA-E826-8C6B-DD8D4BBF338C}"/>
-                  </a:ext>
-                </a:extLst>
-              </p:cNvPr>
-              <p:cNvSpPr txBox="1"/>
-              <p:nvPr/>
-            </p:nvSpPr>
-            <p:spPr>
-              <a:xfrm>
-                <a:off x="509036" y="3456704"/>
-                <a:ext cx="982577" cy="369332"/>
-              </a:xfrm>
-              <a:prstGeom prst="rect">
-                <a:avLst/>
-              </a:prstGeom>
-              <a:noFill/>
-            </p:spPr>
-            <p:txBody>
-              <a:bodyPr wrap="square" lIns="0" tIns="0" rIns="0" bIns="0" rtlCol="0">
-                <a:spAutoFit/>
-              </a:bodyPr>
-              <a:lstStyle/>
-              <a:p>
-                <a:pPr/>
-                <a14:m>
-                  <m:oMathPara xmlns:m="http://schemas.openxmlformats.org/officeDocument/2006/math">
-                    <m:oMathParaPr>
-                      <m:jc m:val="centerGroup"/>
-                    </m:oMathParaPr>
-                    <m:oMath xmlns:m="http://schemas.openxmlformats.org/officeDocument/2006/math">
-                      <m:r>
-                        <a:rPr kumimoji="1" lang="en-US" altLang="ja-JP" sz="2400" b="0" i="1" smtClean="0">
-                          <a:solidFill>
-                            <a:schemeClr val="accent2"/>
-                          </a:solidFill>
-                          <a:latin typeface="Cambria Math" panose="02040503050406030204" pitchFamily="18" charset="0"/>
-                        </a:rPr>
-                        <m:t>𝐴</m:t>
-                      </m:r>
-                      <m:r>
-                        <a:rPr kumimoji="1" lang="en-US" altLang="ja-JP" sz="2400" b="0" i="1" smtClean="0">
-                          <a:latin typeface="Cambria Math" panose="02040503050406030204" pitchFamily="18" charset="0"/>
-                          <a:ea typeface="Cambria Math" panose="02040503050406030204" pitchFamily="18" charset="0"/>
-                        </a:rPr>
-                        <m:t>∩</m:t>
-                      </m:r>
-                      <m:sSub>
-                        <m:sSubPr>
-                          <m:ctrlPr>
-                            <a:rPr lang="en-US" altLang="ja-JP" sz="2400" i="1" smtClean="0">
-                              <a:solidFill>
-                                <a:srgbClr val="00B050"/>
-                              </a:solidFill>
-                              <a:latin typeface="Cambria Math" panose="02040503050406030204" pitchFamily="18" charset="0"/>
-                            </a:rPr>
-                          </m:ctrlPr>
-                        </m:sSubPr>
-                        <m:e>
-                          <m:r>
-                            <a:rPr lang="en-US" altLang="ja-JP" sz="2400" i="1">
-                              <a:solidFill>
-                                <a:srgbClr val="00B050"/>
-                              </a:solidFill>
-                              <a:latin typeface="Cambria Math" panose="02040503050406030204" pitchFamily="18" charset="0"/>
-                            </a:rPr>
-                            <m:t>𝐻</m:t>
-                          </m:r>
-                        </m:e>
-                        <m:sub>
-                          <m:r>
-                            <a:rPr lang="en-US" altLang="ja-JP" sz="2400" b="0" i="1" smtClean="0">
-                              <a:solidFill>
-                                <a:srgbClr val="00B050"/>
-                              </a:solidFill>
-                              <a:latin typeface="Cambria Math" panose="02040503050406030204" pitchFamily="18" charset="0"/>
-                            </a:rPr>
-                            <m:t>2</m:t>
-                          </m:r>
-                        </m:sub>
-                      </m:sSub>
-                    </m:oMath>
-                  </m:oMathPara>
-                </a14:m>
-                <a:endParaRPr kumimoji="1" lang="ja-JP" altLang="en-US" sz="2400" dirty="0"/>
-              </a:p>
-            </p:txBody>
-          </p:sp>
-        </mc:Choice>
-        <mc:Fallback xmlns="">
-          <p:sp>
-            <p:nvSpPr>
-              <p:cNvPr id="11" name="テキスト ボックス 10">
-                <a:extLst>
-                  <a:ext uri="{FF2B5EF4-FFF2-40B4-BE49-F238E27FC236}">
-                    <a16:creationId xmlns:a16="http://schemas.microsoft.com/office/drawing/2014/main" id="{A8D5F846-3743-1340-7949-33649AACDAB3}"/>
-                  </a:ext>
-                </a:extLst>
-              </p:cNvPr>
-              <p:cNvSpPr txBox="1">
-                <a:spLocks noRot="1" noChangeAspect="1" noMove="1" noResize="1" noEditPoints="1" noAdjustHandles="1" noChangeArrowheads="1" noChangeShapeType="1" noTextEdit="1"/>
-              </p:cNvSpPr>
-              <p:nvPr/>
-            </p:nvSpPr>
-            <p:spPr>
-              <a:xfrm>
-                <a:off x="509036" y="3456704"/>
-                <a:ext cx="982577" cy="369332"/>
-              </a:xfrm>
-              <a:prstGeom prst="rect">
-                <a:avLst/>
-              </a:prstGeom>
-              <a:blipFill>
-                <a:blip r:embed="rId8"/>
-                <a:stretch>
-                  <a:fillRect l="-6211" r="-621" b="-11475"/>
-                </a:stretch>
-              </a:blipFill>
-            </p:spPr>
-            <p:txBody>
-              <a:bodyPr/>
-              <a:lstStyle/>
-              <a:p>
-                <a:r>
-                  <a:rPr lang="ja-JP" altLang="en-US">
-                    <a:noFill/>
-                  </a:rPr>
-                  <a:t> </a:t>
-                </a:r>
-              </a:p>
-            </p:txBody>
-          </p:sp>
-        </mc:Fallback>
-      </mc:AlternateContent>
-      <mc:AlternateContent xmlns:mc="http://schemas.openxmlformats.org/markup-compatibility/2006" xmlns:a14="http://schemas.microsoft.com/office/drawing/2010/main">
-        <mc:Choice Requires="a14">
-          <p:sp>
-            <p:nvSpPr>
-              <p:cNvPr id="25" name="テキスト ボックス 24">
-                <a:extLst>
-                  <a:ext uri="{FF2B5EF4-FFF2-40B4-BE49-F238E27FC236}">
-                    <a16:creationId xmlns:a16="http://schemas.microsoft.com/office/drawing/2014/main" id="{FE48116D-C0D1-22DF-6928-8DAFB829116D}"/>
-                  </a:ext>
-                </a:extLst>
-              </p:cNvPr>
-              <p:cNvSpPr txBox="1"/>
-              <p:nvPr/>
-            </p:nvSpPr>
-            <p:spPr>
-              <a:xfrm>
-                <a:off x="2341798" y="2172200"/>
-                <a:ext cx="1103122" cy="369332"/>
-              </a:xfrm>
-              <a:prstGeom prst="rect">
-                <a:avLst/>
-              </a:prstGeom>
-              <a:noFill/>
-            </p:spPr>
-            <p:txBody>
-              <a:bodyPr wrap="square" lIns="0" tIns="0" rIns="0" bIns="0" rtlCol="0">
-                <a:spAutoFit/>
-              </a:bodyPr>
-              <a:lstStyle/>
-              <a:p>
-                <a:pPr/>
-                <a14:m>
-                  <m:oMathPara xmlns:m="http://schemas.openxmlformats.org/officeDocument/2006/math">
-                    <m:oMathParaPr>
-                      <m:jc m:val="centerGroup"/>
-                    </m:oMathParaPr>
-                    <m:oMath xmlns:m="http://schemas.openxmlformats.org/officeDocument/2006/math">
-                      <m:sSup>
-                        <m:sSupPr>
-                          <m:ctrlPr>
-                            <a:rPr lang="en-US" altLang="ja-JP" sz="2400" i="1" smtClean="0">
-                              <a:solidFill>
-                                <a:srgbClr val="0070C0"/>
-                              </a:solidFill>
-                              <a:latin typeface="Cambria Math" panose="02040503050406030204" pitchFamily="18" charset="0"/>
-                              <a:ea typeface="Cambria Math" panose="02040503050406030204" pitchFamily="18" charset="0"/>
-                            </a:rPr>
-                          </m:ctrlPr>
-                        </m:sSupPr>
-                        <m:e>
-                          <m:r>
-                            <a:rPr lang="en-US" altLang="ja-JP" sz="2400" i="1">
-                              <a:solidFill>
-                                <a:srgbClr val="0070C0"/>
-                              </a:solidFill>
-                              <a:latin typeface="Cambria Math" panose="02040503050406030204" pitchFamily="18" charset="0"/>
-                              <a:ea typeface="Cambria Math" panose="02040503050406030204" pitchFamily="18" charset="0"/>
-                            </a:rPr>
-                            <m:t>𝐴</m:t>
-                          </m:r>
-                        </m:e>
-                        <m:sup>
-                          <m:r>
-                            <a:rPr lang="en-US" altLang="ja-JP" sz="2400" i="1">
-                              <a:solidFill>
-                                <a:srgbClr val="0070C0"/>
-                              </a:solidFill>
-                              <a:latin typeface="Cambria Math" panose="02040503050406030204" pitchFamily="18" charset="0"/>
-                              <a:ea typeface="Cambria Math" panose="02040503050406030204" pitchFamily="18" charset="0"/>
-                            </a:rPr>
-                            <m:t>𝑐</m:t>
-                          </m:r>
-                        </m:sup>
-                      </m:sSup>
-                      <m:r>
-                        <a:rPr kumimoji="1" lang="en-US" altLang="ja-JP" sz="2400" b="0" i="1" smtClean="0">
-                          <a:latin typeface="Cambria Math" panose="02040503050406030204" pitchFamily="18" charset="0"/>
-                          <a:ea typeface="Cambria Math" panose="02040503050406030204" pitchFamily="18" charset="0"/>
-                        </a:rPr>
-                        <m:t>∩</m:t>
-                      </m:r>
-                      <m:sSub>
-                        <m:sSubPr>
-                          <m:ctrlPr>
-                            <a:rPr lang="en-US" altLang="ja-JP" sz="2400" i="1" smtClean="0">
-                              <a:solidFill>
-                                <a:srgbClr val="FF0000"/>
-                              </a:solidFill>
-                              <a:latin typeface="Cambria Math" panose="02040503050406030204" pitchFamily="18" charset="0"/>
-                            </a:rPr>
-                          </m:ctrlPr>
-                        </m:sSubPr>
-                        <m:e>
-                          <m:r>
-                            <a:rPr lang="en-US" altLang="ja-JP" sz="2400" i="1">
-                              <a:solidFill>
-                                <a:srgbClr val="FF0000"/>
-                              </a:solidFill>
-                              <a:latin typeface="Cambria Math" panose="02040503050406030204" pitchFamily="18" charset="0"/>
-                            </a:rPr>
-                            <m:t>𝐻</m:t>
-                          </m:r>
-                        </m:e>
-                        <m:sub>
-                          <m:r>
-                            <a:rPr lang="en-US" altLang="ja-JP" sz="2400" i="1">
-                              <a:solidFill>
-                                <a:srgbClr val="FF0000"/>
-                              </a:solidFill>
-                              <a:latin typeface="Cambria Math" panose="02040503050406030204" pitchFamily="18" charset="0"/>
-                            </a:rPr>
-                            <m:t>1</m:t>
-                          </m:r>
-                        </m:sub>
-                      </m:sSub>
-                    </m:oMath>
-                  </m:oMathPara>
-                </a14:m>
-                <a:endParaRPr kumimoji="1" lang="ja-JP" altLang="en-US" sz="2400" dirty="0"/>
-              </a:p>
-            </p:txBody>
-          </p:sp>
-        </mc:Choice>
-        <mc:Fallback xmlns="">
-          <p:sp>
-            <p:nvSpPr>
-              <p:cNvPr id="25" name="テキスト ボックス 24">
-                <a:extLst>
-                  <a:ext uri="{FF2B5EF4-FFF2-40B4-BE49-F238E27FC236}">
-                    <a16:creationId xmlns:a16="http://schemas.microsoft.com/office/drawing/2014/main" id="{8D30368F-5AE1-72D8-F91D-0EF7259D527C}"/>
-                  </a:ext>
-                </a:extLst>
-              </p:cNvPr>
-              <p:cNvSpPr txBox="1">
-                <a:spLocks noRot="1" noChangeAspect="1" noMove="1" noResize="1" noEditPoints="1" noAdjustHandles="1" noChangeArrowheads="1" noChangeShapeType="1" noTextEdit="1"/>
-              </p:cNvSpPr>
-              <p:nvPr/>
-            </p:nvSpPr>
-            <p:spPr>
-              <a:xfrm>
-                <a:off x="2341798" y="2172200"/>
-                <a:ext cx="1103122" cy="369332"/>
-              </a:xfrm>
-              <a:prstGeom prst="rect">
-                <a:avLst/>
-              </a:prstGeom>
-              <a:blipFill>
-                <a:blip r:embed="rId9"/>
-                <a:stretch>
-                  <a:fillRect l="-4972" r="-552" b="-11475"/>
-                </a:stretch>
-              </a:blipFill>
-            </p:spPr>
-            <p:txBody>
-              <a:bodyPr/>
-              <a:lstStyle/>
-              <a:p>
-                <a:r>
-                  <a:rPr lang="ja-JP" altLang="en-US">
-                    <a:noFill/>
-                  </a:rPr>
-                  <a:t> </a:t>
-                </a:r>
-              </a:p>
-            </p:txBody>
-          </p:sp>
-        </mc:Fallback>
-      </mc:AlternateContent>
-      <mc:AlternateContent xmlns:mc="http://schemas.openxmlformats.org/markup-compatibility/2006" xmlns:a14="http://schemas.microsoft.com/office/drawing/2010/main">
-        <mc:Choice Requires="a14">
-          <p:sp>
-            <p:nvSpPr>
-              <p:cNvPr id="26" name="テキスト ボックス 25">
-                <a:extLst>
-                  <a:ext uri="{FF2B5EF4-FFF2-40B4-BE49-F238E27FC236}">
-                    <a16:creationId xmlns:a16="http://schemas.microsoft.com/office/drawing/2014/main" id="{661365AF-0F5B-0515-95A0-438F7AE65816}"/>
-                  </a:ext>
-                </a:extLst>
-              </p:cNvPr>
-              <p:cNvSpPr txBox="1"/>
-              <p:nvPr/>
-            </p:nvSpPr>
-            <p:spPr>
-              <a:xfrm>
-                <a:off x="2338239" y="3456704"/>
-                <a:ext cx="1110240" cy="369332"/>
-              </a:xfrm>
-              <a:prstGeom prst="rect">
-                <a:avLst/>
-              </a:prstGeom>
-              <a:noFill/>
-            </p:spPr>
-            <p:txBody>
-              <a:bodyPr wrap="square" lIns="0" tIns="0" rIns="0" bIns="0" rtlCol="0">
-                <a:spAutoFit/>
-              </a:bodyPr>
-              <a:lstStyle/>
-              <a:p>
-                <a:pPr/>
-                <a14:m>
-                  <m:oMathPara xmlns:m="http://schemas.openxmlformats.org/officeDocument/2006/math">
-                    <m:oMathParaPr>
-                      <m:jc m:val="centerGroup"/>
-                    </m:oMathParaPr>
-                    <m:oMath xmlns:m="http://schemas.openxmlformats.org/officeDocument/2006/math">
-                      <m:sSup>
-                        <m:sSupPr>
-                          <m:ctrlPr>
-                            <a:rPr lang="en-US" altLang="ja-JP" sz="2400" i="1" smtClean="0">
-                              <a:solidFill>
-                                <a:srgbClr val="0070C0"/>
-                              </a:solidFill>
-                              <a:latin typeface="Cambria Math" panose="02040503050406030204" pitchFamily="18" charset="0"/>
-                              <a:ea typeface="Cambria Math" panose="02040503050406030204" pitchFamily="18" charset="0"/>
-                            </a:rPr>
-                          </m:ctrlPr>
-                        </m:sSupPr>
-                        <m:e>
-                          <m:r>
-                            <a:rPr lang="en-US" altLang="ja-JP" sz="2400" i="1">
-                              <a:solidFill>
-                                <a:srgbClr val="0070C0"/>
-                              </a:solidFill>
-                              <a:latin typeface="Cambria Math" panose="02040503050406030204" pitchFamily="18" charset="0"/>
-                              <a:ea typeface="Cambria Math" panose="02040503050406030204" pitchFamily="18" charset="0"/>
-                            </a:rPr>
-                            <m:t>𝐴</m:t>
-                          </m:r>
-                        </m:e>
-                        <m:sup>
-                          <m:r>
-                            <a:rPr lang="en-US" altLang="ja-JP" sz="2400" i="1">
-                              <a:solidFill>
-                                <a:srgbClr val="0070C0"/>
-                              </a:solidFill>
-                              <a:latin typeface="Cambria Math" panose="02040503050406030204" pitchFamily="18" charset="0"/>
-                              <a:ea typeface="Cambria Math" panose="02040503050406030204" pitchFamily="18" charset="0"/>
-                            </a:rPr>
-                            <m:t>𝑐</m:t>
-                          </m:r>
-                        </m:sup>
-                      </m:sSup>
-                      <m:r>
-                        <a:rPr kumimoji="1" lang="en-US" altLang="ja-JP" sz="2400" b="0" i="1" smtClean="0">
-                          <a:latin typeface="Cambria Math" panose="02040503050406030204" pitchFamily="18" charset="0"/>
-                          <a:ea typeface="Cambria Math" panose="02040503050406030204" pitchFamily="18" charset="0"/>
-                        </a:rPr>
-                        <m:t>∩</m:t>
-                      </m:r>
-                      <m:sSub>
-                        <m:sSubPr>
-                          <m:ctrlPr>
-                            <a:rPr lang="en-US" altLang="ja-JP" sz="2400" i="1" smtClean="0">
-                              <a:solidFill>
-                                <a:srgbClr val="00B050"/>
-                              </a:solidFill>
-                              <a:latin typeface="Cambria Math" panose="02040503050406030204" pitchFamily="18" charset="0"/>
-                            </a:rPr>
-                          </m:ctrlPr>
-                        </m:sSubPr>
-                        <m:e>
-                          <m:r>
-                            <a:rPr lang="en-US" altLang="ja-JP" sz="2400" i="1">
-                              <a:solidFill>
-                                <a:srgbClr val="00B050"/>
-                              </a:solidFill>
-                              <a:latin typeface="Cambria Math" panose="02040503050406030204" pitchFamily="18" charset="0"/>
-                            </a:rPr>
-                            <m:t>𝐻</m:t>
-                          </m:r>
-                        </m:e>
-                        <m:sub>
-                          <m:r>
-                            <a:rPr lang="en-US" altLang="ja-JP" sz="2400" b="0" i="1" smtClean="0">
-                              <a:solidFill>
-                                <a:srgbClr val="00B050"/>
-                              </a:solidFill>
-                              <a:latin typeface="Cambria Math" panose="02040503050406030204" pitchFamily="18" charset="0"/>
-                            </a:rPr>
-                            <m:t>2</m:t>
-                          </m:r>
-                        </m:sub>
-                      </m:sSub>
-                    </m:oMath>
-                  </m:oMathPara>
-                </a14:m>
-                <a:endParaRPr kumimoji="1" lang="ja-JP" altLang="en-US" sz="2400" dirty="0"/>
-              </a:p>
-            </p:txBody>
-          </p:sp>
-        </mc:Choice>
-        <mc:Fallback xmlns="">
-          <p:sp>
-            <p:nvSpPr>
-              <p:cNvPr id="26" name="テキスト ボックス 25">
-                <a:extLst>
-                  <a:ext uri="{FF2B5EF4-FFF2-40B4-BE49-F238E27FC236}">
-                    <a16:creationId xmlns:a16="http://schemas.microsoft.com/office/drawing/2014/main" id="{320A94F4-494F-6DC3-FD26-8D6709813B8A}"/>
-                  </a:ext>
-                </a:extLst>
-              </p:cNvPr>
-              <p:cNvSpPr txBox="1">
-                <a:spLocks noRot="1" noChangeAspect="1" noMove="1" noResize="1" noEditPoints="1" noAdjustHandles="1" noChangeArrowheads="1" noChangeShapeType="1" noTextEdit="1"/>
-              </p:cNvSpPr>
-              <p:nvPr/>
-            </p:nvSpPr>
-            <p:spPr>
-              <a:xfrm>
-                <a:off x="2338239" y="3456704"/>
-                <a:ext cx="1110240" cy="369332"/>
-              </a:xfrm>
-              <a:prstGeom prst="rect">
-                <a:avLst/>
-              </a:prstGeom>
-              <a:blipFill>
-                <a:blip r:embed="rId10"/>
-                <a:stretch>
-                  <a:fillRect l="-5495" r="-549" b="-11475"/>
-                </a:stretch>
-              </a:blipFill>
-            </p:spPr>
-            <p:txBody>
-              <a:bodyPr/>
-              <a:lstStyle/>
-              <a:p>
-                <a:r>
-                  <a:rPr lang="ja-JP" altLang="en-US">
-                    <a:noFill/>
-                  </a:rPr>
-                  <a:t> </a:t>
-                </a:r>
-              </a:p>
-            </p:txBody>
-          </p:sp>
-        </mc:Fallback>
-      </mc:AlternateContent>
       <p:sp>
         <p:nvSpPr>
-          <p:cNvPr id="30" name="正方形/長方形 29">
+          <p:cNvPr id="3" name="正方形/長方形 2">
             <a:extLst>
               <a:ext uri="{FF2B5EF4-FFF2-40B4-BE49-F238E27FC236}">
-                <a16:creationId xmlns:a16="http://schemas.microsoft.com/office/drawing/2014/main" id="{F21AD739-DF7E-6B3D-0BBF-9E22E68006AF}"/>
+                <a16:creationId xmlns:a16="http://schemas.microsoft.com/office/drawing/2014/main" id="{1580B4D8-EED7-52F7-506B-FC1DEA1E6DDB}"/>
               </a:ext>
             </a:extLst>
           </p:cNvPr>
@@ -10292,16 +9000,16 @@
         </p:nvSpPr>
         <p:spPr>
           <a:xfrm>
-            <a:off x="256009" y="2013825"/>
-            <a:ext cx="1656000" cy="3600000"/>
+            <a:off x="4647212" y="1904991"/>
+            <a:ext cx="910232" cy="760021"/>
           </a:xfrm>
           <a:prstGeom prst="rect">
             <a:avLst/>
           </a:prstGeom>
           <a:noFill/>
-          <a:ln w="57150">
+          <a:ln>
             <a:solidFill>
-              <a:schemeClr val="accent2"/>
+              <a:schemeClr val="tx1"/>
             </a:solidFill>
           </a:ln>
         </p:spPr>
@@ -10322,20 +9030,43 @@
           </a:fontRef>
         </p:style>
         <p:txBody>
-          <a:bodyPr rtlCol="0" anchor="ctr"/>
+          <a:bodyPr lIns="36000" tIns="36000" rIns="36000" bIns="36000" rtlCol="0" anchor="ctr"/>
           <a:lstStyle/>
           <a:p>
             <a:pPr algn="ctr"/>
-            <a:endParaRPr lang="ja-JP" altLang="en-US"/>
+            <a:r>
+              <a:rPr lang="ja-JP" altLang="en-US" b="1" dirty="0">
+                <a:solidFill>
+                  <a:schemeClr val="tx1"/>
+                </a:solidFill>
+              </a:rPr>
+              <a:t>機械</a:t>
+            </a:r>
+            <a:endParaRPr lang="en-US" altLang="ja-JP" b="1" dirty="0">
+              <a:solidFill>
+                <a:schemeClr val="tx1"/>
+              </a:solidFill>
+            </a:endParaRPr>
+          </a:p>
+          <a:p>
+            <a:pPr algn="ctr"/>
+            <a:r>
+              <a:rPr kumimoji="1" lang="ja-JP" altLang="en-US" b="1" dirty="0">
+                <a:solidFill>
+                  <a:schemeClr val="tx1"/>
+                </a:solidFill>
+              </a:rPr>
+              <a:t>不良</a:t>
+            </a:r>
           </a:p>
         </p:txBody>
       </p:sp>
       <p:sp>
         <p:nvSpPr>
-          <p:cNvPr id="32" name="正方形/長方形 31">
+          <p:cNvPr id="4" name="正方形/長方形 3">
             <a:extLst>
               <a:ext uri="{FF2B5EF4-FFF2-40B4-BE49-F238E27FC236}">
-                <a16:creationId xmlns:a16="http://schemas.microsoft.com/office/drawing/2014/main" id="{07A118E5-BD87-FDBF-D346-E95DA599FA4B}"/>
+                <a16:creationId xmlns:a16="http://schemas.microsoft.com/office/drawing/2014/main" id="{9B88EB9A-4609-65AD-FA9C-184F39CB1D45}"/>
               </a:ext>
             </a:extLst>
           </p:cNvPr>
@@ -10344,16 +9075,16 @@
         </p:nvSpPr>
         <p:spPr>
           <a:xfrm>
-            <a:off x="1966320" y="2013825"/>
-            <a:ext cx="2160000" cy="3600000"/>
+            <a:off x="4647212" y="3555661"/>
+            <a:ext cx="910232" cy="760021"/>
           </a:xfrm>
           <a:prstGeom prst="rect">
             <a:avLst/>
           </a:prstGeom>
           <a:noFill/>
-          <a:ln w="57150">
+          <a:ln>
             <a:solidFill>
-              <a:srgbClr val="0070C0"/>
+              <a:schemeClr val="tx1"/>
             </a:solidFill>
           </a:ln>
         </p:spPr>
@@ -10374,20 +9105,43 @@
           </a:fontRef>
         </p:style>
         <p:txBody>
-          <a:bodyPr rtlCol="0" anchor="ctr"/>
+          <a:bodyPr lIns="36000" tIns="36000" rIns="36000" bIns="36000" rtlCol="0" anchor="ctr"/>
           <a:lstStyle/>
           <a:p>
             <a:pPr algn="ctr"/>
-            <a:endParaRPr lang="ja-JP" altLang="en-US"/>
+            <a:r>
+              <a:rPr lang="ja-JP" altLang="en-US" b="1" dirty="0">
+                <a:solidFill>
+                  <a:schemeClr val="tx1"/>
+                </a:solidFill>
+              </a:rPr>
+              <a:t>電気</a:t>
+            </a:r>
+            <a:endParaRPr lang="en-US" altLang="ja-JP" b="1" dirty="0">
+              <a:solidFill>
+                <a:schemeClr val="tx1"/>
+              </a:solidFill>
+            </a:endParaRPr>
+          </a:p>
+          <a:p>
+            <a:pPr algn="ctr"/>
+            <a:r>
+              <a:rPr kumimoji="1" lang="ja-JP" altLang="en-US" b="1" dirty="0">
+                <a:solidFill>
+                  <a:schemeClr val="tx1"/>
+                </a:solidFill>
+              </a:rPr>
+              <a:t>不良</a:t>
+            </a:r>
           </a:p>
         </p:txBody>
       </p:sp>
       <p:sp>
         <p:nvSpPr>
-          <p:cNvPr id="33" name="右中かっこ 32">
+          <p:cNvPr id="5" name="正方形/長方形 4">
             <a:extLst>
               <a:ext uri="{FF2B5EF4-FFF2-40B4-BE49-F238E27FC236}">
-                <a16:creationId xmlns:a16="http://schemas.microsoft.com/office/drawing/2014/main" id="{7CC47E03-4896-503D-E27F-18A08043A226}"/>
+                <a16:creationId xmlns:a16="http://schemas.microsoft.com/office/drawing/2014/main" id="{488FEF70-6F28-EDDB-AFC5-09C642DB2F3E}"/>
               </a:ext>
             </a:extLst>
           </p:cNvPr>
@@ -10395,13 +9149,14 @@
           <p:nvPr/>
         </p:nvSpPr>
         <p:spPr>
-          <a:xfrm rot="5400000">
-            <a:off x="2048658" y="4016935"/>
-            <a:ext cx="237259" cy="3822559"/>
+          <a:xfrm>
+            <a:off x="4647212" y="5206331"/>
+            <a:ext cx="910232" cy="760021"/>
           </a:xfrm>
-          <a:prstGeom prst="rightBrace">
+          <a:prstGeom prst="rect">
             <a:avLst/>
           </a:prstGeom>
+          <a:noFill/>
           <a:ln>
             <a:solidFill>
               <a:schemeClr val="tx1"/>
@@ -10410,1654 +9165,58 @@
         </p:spPr>
         <p:style>
           <a:lnRef idx="2">
-            <a:schemeClr val="accent1"/>
+            <a:schemeClr val="accent1">
+              <a:shade val="15000"/>
+            </a:schemeClr>
           </a:lnRef>
-          <a:fillRef idx="0">
+          <a:fillRef idx="1">
             <a:schemeClr val="accent1"/>
           </a:fillRef>
-          <a:effectRef idx="1">
+          <a:effectRef idx="0">
             <a:schemeClr val="accent1"/>
           </a:effectRef>
           <a:fontRef idx="minor">
-            <a:schemeClr val="tx1"/>
+            <a:schemeClr val="lt1"/>
           </a:fontRef>
         </p:style>
         <p:txBody>
-          <a:bodyPr rtlCol="0" anchor="ctr"/>
+          <a:bodyPr lIns="36000" tIns="36000" rIns="36000" bIns="36000" rtlCol="0" anchor="ctr"/>
           <a:lstStyle/>
           <a:p>
             <a:pPr algn="ctr"/>
-            <a:endParaRPr kumimoji="1" lang="ja-JP" altLang="en-US"/>
+            <a:r>
+              <a:rPr lang="ja-JP" altLang="en-US" b="1" dirty="0">
+                <a:solidFill>
+                  <a:schemeClr val="tx1"/>
+                </a:solidFill>
+              </a:rPr>
+              <a:t>ソフト</a:t>
+            </a:r>
+            <a:endParaRPr lang="en-US" altLang="ja-JP" b="1" dirty="0">
+              <a:solidFill>
+                <a:schemeClr val="tx1"/>
+              </a:solidFill>
+            </a:endParaRPr>
+          </a:p>
+          <a:p>
+            <a:pPr algn="ctr"/>
+            <a:r>
+              <a:rPr kumimoji="1" lang="ja-JP" altLang="en-US" b="1" dirty="0">
+                <a:solidFill>
+                  <a:schemeClr val="tx1"/>
+                </a:solidFill>
+              </a:rPr>
+              <a:t>不良</a:t>
+            </a:r>
           </a:p>
         </p:txBody>
       </p:sp>
-      <mc:AlternateContent xmlns:mc="http://schemas.openxmlformats.org/markup-compatibility/2006" xmlns:a14="http://schemas.microsoft.com/office/drawing/2010/main">
-        <mc:Choice Requires="a14">
-          <p:sp>
-            <p:nvSpPr>
-              <p:cNvPr id="34" name="テキスト ボックス 33">
-                <a:extLst>
-                  <a:ext uri="{FF2B5EF4-FFF2-40B4-BE49-F238E27FC236}">
-                    <a16:creationId xmlns:a16="http://schemas.microsoft.com/office/drawing/2014/main" id="{8F44A2A9-7F14-E47E-C290-1CFDF595EF18}"/>
-                  </a:ext>
-                </a:extLst>
-              </p:cNvPr>
-              <p:cNvSpPr txBox="1"/>
-              <p:nvPr/>
-            </p:nvSpPr>
-            <p:spPr>
-              <a:xfrm>
-                <a:off x="1815427" y="6161613"/>
-                <a:ext cx="703719" cy="369332"/>
-              </a:xfrm>
-              <a:prstGeom prst="rect">
-                <a:avLst/>
-              </a:prstGeom>
-              <a:noFill/>
-            </p:spPr>
-            <p:txBody>
-              <a:bodyPr wrap="square" lIns="0" tIns="0" rIns="0" bIns="0" rtlCol="0">
-                <a:spAutoFit/>
-              </a:bodyPr>
-              <a:lstStyle/>
-              <a:p>
-                <a:pPr/>
-                <a14:m>
-                  <m:oMathPara xmlns:m="http://schemas.openxmlformats.org/officeDocument/2006/math">
-                    <m:oMathParaPr>
-                      <m:jc m:val="centerGroup"/>
-                    </m:oMathParaPr>
-                    <m:oMath xmlns:m="http://schemas.openxmlformats.org/officeDocument/2006/math">
-                      <m:r>
-                        <a:rPr lang="ja-JP" altLang="en-US" sz="2400" i="1">
-                          <a:latin typeface="Cambria Math" panose="02040503050406030204" pitchFamily="18" charset="0"/>
-                          <a:ea typeface="Cambria Math" panose="02040503050406030204" pitchFamily="18" charset="0"/>
-                        </a:rPr>
-                        <m:t>検査</m:t>
-                      </m:r>
-                    </m:oMath>
-                  </m:oMathPara>
-                </a14:m>
-                <a:endParaRPr kumimoji="1" lang="ja-JP" altLang="en-US" sz="2400" dirty="0"/>
-              </a:p>
-            </p:txBody>
-          </p:sp>
-        </mc:Choice>
-        <mc:Fallback xmlns="">
-          <p:sp>
-            <p:nvSpPr>
-              <p:cNvPr id="34" name="テキスト ボックス 33">
-                <a:extLst>
-                  <a:ext uri="{FF2B5EF4-FFF2-40B4-BE49-F238E27FC236}">
-                    <a16:creationId xmlns:a16="http://schemas.microsoft.com/office/drawing/2014/main" id="{DFA62EC3-D769-D01E-D845-567444CEE450}"/>
-                  </a:ext>
-                </a:extLst>
-              </p:cNvPr>
-              <p:cNvSpPr txBox="1">
-                <a:spLocks noRot="1" noChangeAspect="1" noMove="1" noResize="1" noEditPoints="1" noAdjustHandles="1" noChangeArrowheads="1" noChangeShapeType="1" noTextEdit="1"/>
-              </p:cNvSpPr>
-              <p:nvPr/>
-            </p:nvSpPr>
-            <p:spPr>
-              <a:xfrm>
-                <a:off x="1815427" y="6161613"/>
-                <a:ext cx="703719" cy="369332"/>
-              </a:xfrm>
-              <a:prstGeom prst="rect">
-                <a:avLst/>
-              </a:prstGeom>
-              <a:blipFill>
-                <a:blip r:embed="rId11"/>
-                <a:stretch>
-                  <a:fillRect l="-13913" t="-11667" r="-14783" b="-26667"/>
-                </a:stretch>
-              </a:blipFill>
-            </p:spPr>
-            <p:txBody>
-              <a:bodyPr/>
-              <a:lstStyle/>
-              <a:p>
-                <a:r>
-                  <a:rPr lang="ja-JP" altLang="en-US">
-                    <a:noFill/>
-                  </a:rPr>
-                  <a:t> </a:t>
-                </a:r>
-              </a:p>
-            </p:txBody>
-          </p:sp>
-        </mc:Fallback>
-      </mc:AlternateContent>
-      <mc:AlternateContent xmlns:mc="http://schemas.openxmlformats.org/markup-compatibility/2006" xmlns:a14="http://schemas.microsoft.com/office/drawing/2010/main">
-        <mc:Choice Requires="a14">
-          <p:sp>
-            <p:nvSpPr>
-              <p:cNvPr id="2" name="テキスト ボックス 1">
-                <a:extLst>
-                  <a:ext uri="{FF2B5EF4-FFF2-40B4-BE49-F238E27FC236}">
-                    <a16:creationId xmlns:a16="http://schemas.microsoft.com/office/drawing/2014/main" id="{B5262BC3-379E-D9D4-CEC5-61E6003062E5}"/>
-                  </a:ext>
-                </a:extLst>
-              </p:cNvPr>
-              <p:cNvSpPr txBox="1"/>
-              <p:nvPr/>
-            </p:nvSpPr>
-            <p:spPr>
-              <a:xfrm>
-                <a:off x="387699" y="2672515"/>
-                <a:ext cx="1401558" cy="369332"/>
-              </a:xfrm>
-              <a:prstGeom prst="rect">
-                <a:avLst/>
-              </a:prstGeom>
-              <a:noFill/>
-            </p:spPr>
-            <p:txBody>
-              <a:bodyPr wrap="square" lIns="0" tIns="0" rIns="0" bIns="0" rtlCol="0">
-                <a:spAutoFit/>
-              </a:bodyPr>
-              <a:lstStyle/>
-              <a:p>
-                <a:pPr/>
-                <a14:m>
-                  <m:oMathPara xmlns:m="http://schemas.openxmlformats.org/officeDocument/2006/math">
-                    <m:oMathParaPr>
-                      <m:jc m:val="centerGroup"/>
-                    </m:oMathParaPr>
-                    <m:oMath xmlns:m="http://schemas.openxmlformats.org/officeDocument/2006/math">
-                      <m:r>
-                        <a:rPr lang="en-US" altLang="ja-JP" sz="2400" b="0" i="1" smtClean="0">
-                          <a:latin typeface="Cambria Math" panose="02040503050406030204" pitchFamily="18" charset="0"/>
-                        </a:rPr>
-                        <m:t>(1)</m:t>
-                      </m:r>
-                      <m:r>
-                        <a:rPr lang="ja-JP" altLang="en-US" sz="2400" i="1">
-                          <a:latin typeface="Cambria Math" panose="02040503050406030204" pitchFamily="18" charset="0"/>
-                        </a:rPr>
-                        <m:t>真陽性</m:t>
-                      </m:r>
-                    </m:oMath>
-                  </m:oMathPara>
-                </a14:m>
-                <a:endParaRPr kumimoji="1" lang="ja-JP" altLang="en-US" sz="2400" dirty="0"/>
-              </a:p>
-            </p:txBody>
-          </p:sp>
-        </mc:Choice>
-        <mc:Fallback xmlns="">
-          <p:sp>
-            <p:nvSpPr>
-              <p:cNvPr id="2" name="テキスト ボックス 1">
-                <a:extLst>
-                  <a:ext uri="{FF2B5EF4-FFF2-40B4-BE49-F238E27FC236}">
-                    <a16:creationId xmlns:a16="http://schemas.microsoft.com/office/drawing/2014/main" id="{CD4AB3E0-E00F-132A-E4E2-5695876DDE52}"/>
-                  </a:ext>
-                </a:extLst>
-              </p:cNvPr>
-              <p:cNvSpPr txBox="1">
-                <a:spLocks noRot="1" noChangeAspect="1" noMove="1" noResize="1" noEditPoints="1" noAdjustHandles="1" noChangeArrowheads="1" noChangeShapeType="1" noTextEdit="1"/>
-              </p:cNvSpPr>
-              <p:nvPr/>
-            </p:nvSpPr>
-            <p:spPr>
-              <a:xfrm>
-                <a:off x="387699" y="2672515"/>
-                <a:ext cx="1401558" cy="369332"/>
-              </a:xfrm>
-              <a:prstGeom prst="rect">
-                <a:avLst/>
-              </a:prstGeom>
-              <a:blipFill>
-                <a:blip r:embed="rId12"/>
-                <a:stretch>
-                  <a:fillRect l="-8261" t="-9836" r="-7826" b="-34426"/>
-                </a:stretch>
-              </a:blipFill>
-            </p:spPr>
-            <p:txBody>
-              <a:bodyPr/>
-              <a:lstStyle/>
-              <a:p>
-                <a:r>
-                  <a:rPr lang="ja-JP" altLang="en-US">
-                    <a:noFill/>
-                  </a:rPr>
-                  <a:t> </a:t>
-                </a:r>
-              </a:p>
-            </p:txBody>
-          </p:sp>
-        </mc:Fallback>
-      </mc:AlternateContent>
-      <mc:AlternateContent xmlns:mc="http://schemas.openxmlformats.org/markup-compatibility/2006" xmlns:a14="http://schemas.microsoft.com/office/drawing/2010/main">
-        <mc:Choice Requires="a14">
-          <p:sp>
-            <p:nvSpPr>
-              <p:cNvPr id="3" name="テキスト ボックス 2">
-                <a:extLst>
-                  <a:ext uri="{FF2B5EF4-FFF2-40B4-BE49-F238E27FC236}">
-                    <a16:creationId xmlns:a16="http://schemas.microsoft.com/office/drawing/2014/main" id="{4F8C4F0E-D4A4-A034-8431-CB530215A781}"/>
-                  </a:ext>
-                </a:extLst>
-              </p:cNvPr>
-              <p:cNvSpPr txBox="1"/>
-              <p:nvPr/>
-            </p:nvSpPr>
-            <p:spPr>
-              <a:xfrm>
-                <a:off x="2241688" y="2642448"/>
-                <a:ext cx="1401557" cy="369332"/>
-              </a:xfrm>
-              <a:prstGeom prst="rect">
-                <a:avLst/>
-              </a:prstGeom>
-              <a:noFill/>
-            </p:spPr>
-            <p:txBody>
-              <a:bodyPr wrap="square" lIns="0" tIns="0" rIns="0" bIns="0" rtlCol="0">
-                <a:spAutoFit/>
-              </a:bodyPr>
-              <a:lstStyle/>
-              <a:p>
-                <a14:m>
-                  <m:oMath xmlns:m="http://schemas.openxmlformats.org/officeDocument/2006/math">
-                    <m:r>
-                      <a:rPr lang="en-US" altLang="ja-JP" sz="2400" b="0" i="1" smtClean="0">
-                        <a:latin typeface="Cambria Math" panose="02040503050406030204" pitchFamily="18" charset="0"/>
-                      </a:rPr>
-                      <m:t>(4)</m:t>
-                    </m:r>
-                    <m:r>
-                      <a:rPr lang="ja-JP" altLang="en-US" sz="2400" i="1" smtClean="0">
-                        <a:latin typeface="Cambria Math" panose="02040503050406030204" pitchFamily="18" charset="0"/>
-                      </a:rPr>
-                      <m:t>偽</m:t>
-                    </m:r>
-                  </m:oMath>
-                </a14:m>
-                <a:r>
-                  <a:rPr kumimoji="1" lang="ja-JP" altLang="en-US" sz="2400" dirty="0"/>
-                  <a:t>陰性</a:t>
-                </a:r>
-              </a:p>
-            </p:txBody>
-          </p:sp>
-        </mc:Choice>
-        <mc:Fallback xmlns="">
-          <p:sp>
-            <p:nvSpPr>
-              <p:cNvPr id="3" name="テキスト ボックス 2">
-                <a:extLst>
-                  <a:ext uri="{FF2B5EF4-FFF2-40B4-BE49-F238E27FC236}">
-                    <a16:creationId xmlns:a16="http://schemas.microsoft.com/office/drawing/2014/main" id="{3E29E329-A298-F700-3924-B528C07E0DC6}"/>
-                  </a:ext>
-                </a:extLst>
-              </p:cNvPr>
-              <p:cNvSpPr txBox="1">
-                <a:spLocks noRot="1" noChangeAspect="1" noMove="1" noResize="1" noEditPoints="1" noAdjustHandles="1" noChangeArrowheads="1" noChangeShapeType="1" noTextEdit="1"/>
-              </p:cNvSpPr>
-              <p:nvPr/>
-            </p:nvSpPr>
-            <p:spPr>
-              <a:xfrm>
-                <a:off x="2241688" y="2642448"/>
-                <a:ext cx="1401557" cy="369332"/>
-              </a:xfrm>
-              <a:prstGeom prst="rect">
-                <a:avLst/>
-              </a:prstGeom>
-              <a:blipFill>
-                <a:blip r:embed="rId13"/>
-                <a:stretch>
-                  <a:fillRect l="-10435" t="-22951" r="-8261" b="-50820"/>
-                </a:stretch>
-              </a:blipFill>
-            </p:spPr>
-            <p:txBody>
-              <a:bodyPr/>
-              <a:lstStyle/>
-              <a:p>
-                <a:r>
-                  <a:rPr lang="ja-JP" altLang="en-US">
-                    <a:noFill/>
-                  </a:rPr>
-                  <a:t> </a:t>
-                </a:r>
-              </a:p>
-            </p:txBody>
-          </p:sp>
-        </mc:Fallback>
-      </mc:AlternateContent>
-      <mc:AlternateContent xmlns:mc="http://schemas.openxmlformats.org/markup-compatibility/2006" xmlns:a14="http://schemas.microsoft.com/office/drawing/2010/main">
-        <mc:Choice Requires="a14">
-          <p:sp>
-            <p:nvSpPr>
-              <p:cNvPr id="8" name="テキスト ボックス 7">
-                <a:extLst>
-                  <a:ext uri="{FF2B5EF4-FFF2-40B4-BE49-F238E27FC236}">
-                    <a16:creationId xmlns:a16="http://schemas.microsoft.com/office/drawing/2014/main" id="{DC0C0815-1880-5C03-0DEF-BA6750F24225}"/>
-                  </a:ext>
-                </a:extLst>
-              </p:cNvPr>
-              <p:cNvSpPr txBox="1"/>
-              <p:nvPr/>
-            </p:nvSpPr>
-            <p:spPr>
-              <a:xfrm>
-                <a:off x="431781" y="3992862"/>
-                <a:ext cx="1401558" cy="369332"/>
-              </a:xfrm>
-              <a:prstGeom prst="rect">
-                <a:avLst/>
-              </a:prstGeom>
-              <a:noFill/>
-            </p:spPr>
-            <p:txBody>
-              <a:bodyPr wrap="square" lIns="0" tIns="0" rIns="0" bIns="0" rtlCol="0">
-                <a:spAutoFit/>
-              </a:bodyPr>
-              <a:lstStyle/>
-              <a:p>
-                <a14:m>
-                  <m:oMath xmlns:m="http://schemas.openxmlformats.org/officeDocument/2006/math">
-                    <m:r>
-                      <a:rPr lang="en-US" altLang="ja-JP" sz="2400" b="0" i="1" smtClean="0">
-                        <a:latin typeface="Cambria Math" panose="02040503050406030204" pitchFamily="18" charset="0"/>
-                      </a:rPr>
-                      <m:t>(2)</m:t>
-                    </m:r>
-                    <m:r>
-                      <a:rPr lang="ja-JP" altLang="en-US" sz="2400" i="1" smtClean="0">
-                        <a:latin typeface="Cambria Math" panose="02040503050406030204" pitchFamily="18" charset="0"/>
-                      </a:rPr>
-                      <m:t>偽</m:t>
-                    </m:r>
-                  </m:oMath>
-                </a14:m>
-                <a:r>
-                  <a:rPr kumimoji="1" lang="ja-JP" altLang="en-US" sz="2400" dirty="0"/>
-                  <a:t>陽性</a:t>
-                </a:r>
-              </a:p>
-            </p:txBody>
-          </p:sp>
-        </mc:Choice>
-        <mc:Fallback xmlns="">
-          <p:sp>
-            <p:nvSpPr>
-              <p:cNvPr id="8" name="テキスト ボックス 7">
-                <a:extLst>
-                  <a:ext uri="{FF2B5EF4-FFF2-40B4-BE49-F238E27FC236}">
-                    <a16:creationId xmlns:a16="http://schemas.microsoft.com/office/drawing/2014/main" id="{9E84B159-8C1D-33A5-2629-FAF7713B498F}"/>
-                  </a:ext>
-                </a:extLst>
-              </p:cNvPr>
-              <p:cNvSpPr txBox="1">
-                <a:spLocks noRot="1" noChangeAspect="1" noMove="1" noResize="1" noEditPoints="1" noAdjustHandles="1" noChangeArrowheads="1" noChangeShapeType="1" noTextEdit="1"/>
-              </p:cNvSpPr>
-              <p:nvPr/>
-            </p:nvSpPr>
-            <p:spPr>
-              <a:xfrm>
-                <a:off x="431781" y="3992862"/>
-                <a:ext cx="1401558" cy="369332"/>
-              </a:xfrm>
-              <a:prstGeom prst="rect">
-                <a:avLst/>
-              </a:prstGeom>
-              <a:blipFill>
-                <a:blip r:embed="rId14"/>
-                <a:stretch>
-                  <a:fillRect l="-10435" t="-24590" r="-8261" b="-49180"/>
-                </a:stretch>
-              </a:blipFill>
-            </p:spPr>
-            <p:txBody>
-              <a:bodyPr/>
-              <a:lstStyle/>
-              <a:p>
-                <a:r>
-                  <a:rPr lang="ja-JP" altLang="en-US">
-                    <a:noFill/>
-                  </a:rPr>
-                  <a:t> </a:t>
-                </a:r>
-              </a:p>
-            </p:txBody>
-          </p:sp>
-        </mc:Fallback>
-      </mc:AlternateContent>
-      <mc:AlternateContent xmlns:mc="http://schemas.openxmlformats.org/markup-compatibility/2006" xmlns:a14="http://schemas.microsoft.com/office/drawing/2010/main">
-        <mc:Choice Requires="a14">
-          <p:sp>
-            <p:nvSpPr>
-              <p:cNvPr id="12" name="テキスト ボックス 11">
-                <a:extLst>
-                  <a:ext uri="{FF2B5EF4-FFF2-40B4-BE49-F238E27FC236}">
-                    <a16:creationId xmlns:a16="http://schemas.microsoft.com/office/drawing/2014/main" id="{E7A27DED-B655-C8E2-5365-D9EDE7DFAB23}"/>
-                  </a:ext>
-                </a:extLst>
-              </p:cNvPr>
-              <p:cNvSpPr txBox="1"/>
-              <p:nvPr/>
-            </p:nvSpPr>
-            <p:spPr>
-              <a:xfrm>
-                <a:off x="2241689" y="3992862"/>
-                <a:ext cx="1401556" cy="369332"/>
-              </a:xfrm>
-              <a:prstGeom prst="rect">
-                <a:avLst/>
-              </a:prstGeom>
-              <a:noFill/>
-            </p:spPr>
-            <p:txBody>
-              <a:bodyPr wrap="square" lIns="0" tIns="0" rIns="0" bIns="0" rtlCol="0">
-                <a:spAutoFit/>
-              </a:bodyPr>
-              <a:lstStyle/>
-              <a:p>
-                <a14:m>
-                  <m:oMath xmlns:m="http://schemas.openxmlformats.org/officeDocument/2006/math">
-                    <m:r>
-                      <a:rPr lang="en-US" altLang="ja-JP" sz="2400" b="0" i="1" smtClean="0">
-                        <a:latin typeface="Cambria Math" panose="02040503050406030204" pitchFamily="18" charset="0"/>
-                      </a:rPr>
-                      <m:t>(3)</m:t>
-                    </m:r>
-                    <m:r>
-                      <a:rPr lang="ja-JP" altLang="en-US" sz="2400" i="1" smtClean="0">
-                        <a:latin typeface="Cambria Math" panose="02040503050406030204" pitchFamily="18" charset="0"/>
-                      </a:rPr>
-                      <m:t>真</m:t>
-                    </m:r>
-                  </m:oMath>
-                </a14:m>
-                <a:r>
-                  <a:rPr kumimoji="1" lang="ja-JP" altLang="en-US" sz="2400" dirty="0"/>
-                  <a:t>陰性</a:t>
-                </a:r>
-              </a:p>
-            </p:txBody>
-          </p:sp>
-        </mc:Choice>
-        <mc:Fallback xmlns="">
-          <p:sp>
-            <p:nvSpPr>
-              <p:cNvPr id="12" name="テキスト ボックス 11">
-                <a:extLst>
-                  <a:ext uri="{FF2B5EF4-FFF2-40B4-BE49-F238E27FC236}">
-                    <a16:creationId xmlns:a16="http://schemas.microsoft.com/office/drawing/2014/main" id="{628F37DC-0ED0-D9F2-5B25-3D8D621AEF35}"/>
-                  </a:ext>
-                </a:extLst>
-              </p:cNvPr>
-              <p:cNvSpPr txBox="1">
-                <a:spLocks noRot="1" noChangeAspect="1" noMove="1" noResize="1" noEditPoints="1" noAdjustHandles="1" noChangeArrowheads="1" noChangeShapeType="1" noTextEdit="1"/>
-              </p:cNvSpPr>
-              <p:nvPr/>
-            </p:nvSpPr>
-            <p:spPr>
-              <a:xfrm>
-                <a:off x="2241689" y="3992862"/>
-                <a:ext cx="1401556" cy="369332"/>
-              </a:xfrm>
-              <a:prstGeom prst="rect">
-                <a:avLst/>
-              </a:prstGeom>
-              <a:blipFill>
-                <a:blip r:embed="rId15"/>
-                <a:stretch>
-                  <a:fillRect l="-10435" t="-24590" r="-8261" b="-49180"/>
-                </a:stretch>
-              </a:blipFill>
-            </p:spPr>
-            <p:txBody>
-              <a:bodyPr/>
-              <a:lstStyle/>
-              <a:p>
-                <a:r>
-                  <a:rPr lang="ja-JP" altLang="en-US">
-                    <a:noFill/>
-                  </a:rPr>
-                  <a:t> </a:t>
-                </a:r>
-              </a:p>
-            </p:txBody>
-          </p:sp>
-        </mc:Fallback>
-      </mc:AlternateContent>
       <p:sp>
         <p:nvSpPr>
-          <p:cNvPr id="19" name="テキスト ボックス 18">
+          <p:cNvPr id="12" name="フリーフォーム: 図形 11">
             <a:extLst>
               <a:ext uri="{FF2B5EF4-FFF2-40B4-BE49-F238E27FC236}">
-                <a16:creationId xmlns:a16="http://schemas.microsoft.com/office/drawing/2014/main" id="{87DF205C-6D5E-F39B-29E1-749CA8989CD9}"/>
-              </a:ext>
-            </a:extLst>
-          </p:cNvPr>
-          <p:cNvSpPr txBox="1"/>
-          <p:nvPr/>
-        </p:nvSpPr>
-        <p:spPr>
-          <a:xfrm>
-            <a:off x="135963" y="225631"/>
-            <a:ext cx="2603598" cy="461665"/>
-          </a:xfrm>
-          <a:prstGeom prst="rect">
-            <a:avLst/>
-          </a:prstGeom>
-          <a:noFill/>
-        </p:spPr>
-        <p:txBody>
-          <a:bodyPr wrap="none" rtlCol="0">
-            <a:spAutoFit/>
-          </a:bodyPr>
-          <a:lstStyle/>
-          <a:p>
-            <a:r>
-              <a:rPr kumimoji="1" lang="ja-JP" altLang="en-US" sz="2400" b="1" dirty="0"/>
-              <a:t>検査 </a:t>
-            </a:r>
-            <a:r>
-              <a:rPr kumimoji="1" lang="en-US" altLang="ja-JP" sz="2400" b="1" dirty="0"/>
-              <a:t>1</a:t>
-            </a:r>
-            <a:r>
-              <a:rPr kumimoji="1" lang="ja-JP" altLang="en-US" sz="2400" b="1" dirty="0"/>
-              <a:t>回目の状況</a:t>
-            </a:r>
-          </a:p>
-        </p:txBody>
-      </p:sp>
-      <p:grpSp>
-        <p:nvGrpSpPr>
-          <p:cNvPr id="13" name="グループ化 12">
-            <a:extLst>
-              <a:ext uri="{FF2B5EF4-FFF2-40B4-BE49-F238E27FC236}">
-                <a16:creationId xmlns:a16="http://schemas.microsoft.com/office/drawing/2014/main" id="{6266B515-9CD8-DAE5-012A-CF55F380CEE0}"/>
-              </a:ext>
-            </a:extLst>
-          </p:cNvPr>
-          <p:cNvGrpSpPr/>
-          <p:nvPr/>
-        </p:nvGrpSpPr>
-        <p:grpSpPr>
-          <a:xfrm>
-            <a:off x="6913031" y="1787302"/>
-            <a:ext cx="5124594" cy="4077468"/>
-            <a:chOff x="7661167" y="1787302"/>
-            <a:chExt cx="5124594" cy="4077468"/>
-          </a:xfrm>
-        </p:grpSpPr>
-        <mc:AlternateContent xmlns:mc="http://schemas.openxmlformats.org/markup-compatibility/2006" xmlns:a14="http://schemas.microsoft.com/office/drawing/2010/main">
-          <mc:Choice Requires="a14">
-            <p:sp>
-              <p:nvSpPr>
-                <p:cNvPr id="16" name="テキスト ボックス 15">
-                  <a:extLst>
-                    <a:ext uri="{FF2B5EF4-FFF2-40B4-BE49-F238E27FC236}">
-                      <a16:creationId xmlns:a16="http://schemas.microsoft.com/office/drawing/2014/main" id="{880A462B-E8EE-0EB2-EFF6-6A28085BEEFA}"/>
-                    </a:ext>
-                  </a:extLst>
-                </p:cNvPr>
-                <p:cNvSpPr txBox="1"/>
-                <p:nvPr/>
-              </p:nvSpPr>
-              <p:spPr>
-                <a:xfrm>
-                  <a:off x="7904775" y="2612990"/>
-                  <a:ext cx="4316225" cy="570156"/>
-                </a:xfrm>
-                <a:prstGeom prst="rect">
-                  <a:avLst/>
-                </a:prstGeom>
-                <a:noFill/>
-              </p:spPr>
-              <p:txBody>
-                <a:bodyPr wrap="square" lIns="0" tIns="0" rIns="0" bIns="0" rtlCol="0">
-                  <a:spAutoFit/>
-                </a:bodyPr>
-                <a:lstStyle/>
-                <a:p>
-                  <a:r>
-                    <a:rPr kumimoji="1" lang="ja-JP" altLang="en-US" sz="2400" b="1" dirty="0"/>
-                    <a:t>感度</a:t>
-                  </a:r>
-                  <a14:m>
-                    <m:oMath xmlns:m="http://schemas.openxmlformats.org/officeDocument/2006/math">
-                      <m:r>
-                        <a:rPr kumimoji="1" lang="en-US" altLang="ja-JP" sz="2400" b="0" i="0" smtClean="0">
-                          <a:latin typeface="Cambria Math" panose="02040503050406030204" pitchFamily="18" charset="0"/>
-                        </a:rPr>
-                        <m:t>=</m:t>
-                      </m:r>
-                      <m:r>
-                        <a:rPr kumimoji="1" lang="en-US" altLang="ja-JP" sz="2400" b="0" i="1" smtClean="0">
-                          <a:latin typeface="Cambria Math" panose="02040503050406030204" pitchFamily="18" charset="0"/>
-                        </a:rPr>
-                        <m:t>𝑃</m:t>
-                      </m:r>
-                      <m:d>
-                        <m:dPr>
-                          <m:ctrlPr>
-                            <a:rPr kumimoji="1" lang="en-US" altLang="ja-JP" sz="2400" b="0" i="1" smtClean="0">
-                              <a:latin typeface="Cambria Math" panose="02040503050406030204" pitchFamily="18" charset="0"/>
-                            </a:rPr>
-                          </m:ctrlPr>
-                        </m:dPr>
-                        <m:e>
-                          <m:r>
-                            <a:rPr kumimoji="1" lang="en-US" altLang="ja-JP" sz="2400" b="0" i="1" smtClean="0">
-                              <a:solidFill>
-                                <a:schemeClr val="accent2"/>
-                              </a:solidFill>
-                              <a:latin typeface="Cambria Math" panose="02040503050406030204" pitchFamily="18" charset="0"/>
-                            </a:rPr>
-                            <m:t>𝐴</m:t>
-                          </m:r>
-                          <m:r>
-                            <a:rPr kumimoji="1" lang="en-US" altLang="ja-JP" sz="2400" b="0" i="1" smtClean="0">
-                              <a:latin typeface="Cambria Math" panose="02040503050406030204" pitchFamily="18" charset="0"/>
-                            </a:rPr>
-                            <m:t>|</m:t>
-                          </m:r>
-                          <m:sSub>
-                            <m:sSubPr>
-                              <m:ctrlPr>
-                                <a:rPr kumimoji="1" lang="en-US" altLang="ja-JP" sz="2400" b="0" i="1" smtClean="0">
-                                  <a:solidFill>
-                                    <a:srgbClr val="FF0000"/>
-                                  </a:solidFill>
-                                  <a:latin typeface="Cambria Math" panose="02040503050406030204" pitchFamily="18" charset="0"/>
-                                </a:rPr>
-                              </m:ctrlPr>
-                            </m:sSubPr>
-                            <m:e>
-                              <m:r>
-                                <a:rPr kumimoji="1" lang="en-US" altLang="ja-JP" sz="2400" b="0" i="1" smtClean="0">
-                                  <a:solidFill>
-                                    <a:srgbClr val="FF0000"/>
-                                  </a:solidFill>
-                                  <a:latin typeface="Cambria Math" panose="02040503050406030204" pitchFamily="18" charset="0"/>
-                                </a:rPr>
-                                <m:t>𝐻</m:t>
-                              </m:r>
-                            </m:e>
-                            <m:sub>
-                              <m:r>
-                                <a:rPr kumimoji="1" lang="en-US" altLang="ja-JP" sz="2400" b="0" i="1" smtClean="0">
-                                  <a:solidFill>
-                                    <a:srgbClr val="FF0000"/>
-                                  </a:solidFill>
-                                  <a:latin typeface="Cambria Math" panose="02040503050406030204" pitchFamily="18" charset="0"/>
-                                </a:rPr>
-                                <m:t>1</m:t>
-                              </m:r>
-                            </m:sub>
-                          </m:sSub>
-                        </m:e>
-                      </m:d>
-                      <m:r>
-                        <a:rPr kumimoji="1" lang="en-US" altLang="ja-JP" sz="2400" b="0" i="1" smtClean="0">
-                          <a:latin typeface="Cambria Math" panose="02040503050406030204" pitchFamily="18" charset="0"/>
-                        </a:rPr>
-                        <m:t>=</m:t>
-                      </m:r>
-                      <m:f>
-                        <m:fPr>
-                          <m:ctrlPr>
-                            <a:rPr kumimoji="1" lang="en-US" altLang="ja-JP" sz="2400" i="1" smtClean="0">
-                              <a:latin typeface="Cambria Math" panose="02040503050406030204" pitchFamily="18" charset="0"/>
-                            </a:rPr>
-                          </m:ctrlPr>
-                        </m:fPr>
-                        <m:num>
-                          <m:r>
-                            <a:rPr lang="en-US" altLang="ja-JP" sz="2400" i="1">
-                              <a:solidFill>
-                                <a:schemeClr val="accent2"/>
-                              </a:solidFill>
-                              <a:latin typeface="Cambria Math" panose="02040503050406030204" pitchFamily="18" charset="0"/>
-                            </a:rPr>
-                            <m:t>𝐴</m:t>
-                          </m:r>
-                          <m:r>
-                            <a:rPr lang="en-US" altLang="ja-JP" sz="2400" i="1">
-                              <a:latin typeface="Cambria Math" panose="02040503050406030204" pitchFamily="18" charset="0"/>
-                              <a:ea typeface="Cambria Math" panose="02040503050406030204" pitchFamily="18" charset="0"/>
-                            </a:rPr>
-                            <m:t>∩</m:t>
-                          </m:r>
-                          <m:sSub>
-                            <m:sSubPr>
-                              <m:ctrlPr>
-                                <a:rPr lang="en-US" altLang="ja-JP" sz="2400" i="1" smtClean="0">
-                                  <a:solidFill>
-                                    <a:srgbClr val="FF0000"/>
-                                  </a:solidFill>
-                                  <a:latin typeface="Cambria Math" panose="02040503050406030204" pitchFamily="18" charset="0"/>
-                                </a:rPr>
-                              </m:ctrlPr>
-                            </m:sSubPr>
-                            <m:e>
-                              <m:r>
-                                <a:rPr lang="en-US" altLang="ja-JP" sz="2400" i="1">
-                                  <a:solidFill>
-                                    <a:srgbClr val="FF0000"/>
-                                  </a:solidFill>
-                                  <a:latin typeface="Cambria Math" panose="02040503050406030204" pitchFamily="18" charset="0"/>
-                                </a:rPr>
-                                <m:t>𝐻</m:t>
-                              </m:r>
-                            </m:e>
-                            <m:sub>
-                              <m:r>
-                                <a:rPr lang="en-US" altLang="ja-JP" sz="2400" i="1">
-                                  <a:solidFill>
-                                    <a:srgbClr val="FF0000"/>
-                                  </a:solidFill>
-                                  <a:latin typeface="Cambria Math" panose="02040503050406030204" pitchFamily="18" charset="0"/>
-                                </a:rPr>
-                                <m:t>1</m:t>
-                              </m:r>
-                            </m:sub>
-                          </m:sSub>
-                        </m:num>
-                        <m:den>
-                          <m:d>
-                            <m:dPr>
-                              <m:ctrlPr>
-                                <a:rPr lang="en-US" altLang="ja-JP" sz="2400" i="1">
-                                  <a:latin typeface="Cambria Math" panose="02040503050406030204" pitchFamily="18" charset="0"/>
-                                  <a:ea typeface="Cambria Math" panose="02040503050406030204" pitchFamily="18" charset="0"/>
-                                </a:rPr>
-                              </m:ctrlPr>
-                            </m:dPr>
-                            <m:e>
-                              <m:r>
-                                <a:rPr lang="en-US" altLang="ja-JP" sz="2400" i="1">
-                                  <a:solidFill>
-                                    <a:schemeClr val="accent2"/>
-                                  </a:solidFill>
-                                  <a:latin typeface="Cambria Math" panose="02040503050406030204" pitchFamily="18" charset="0"/>
-                                </a:rPr>
-                                <m:t>𝐴</m:t>
-                              </m:r>
-                              <m:r>
-                                <a:rPr lang="en-US" altLang="ja-JP" sz="2400" i="1">
-                                  <a:latin typeface="Cambria Math" panose="02040503050406030204" pitchFamily="18" charset="0"/>
-                                  <a:ea typeface="Cambria Math" panose="02040503050406030204" pitchFamily="18" charset="0"/>
-                                </a:rPr>
-                                <m:t>∩</m:t>
-                              </m:r>
-                              <m:sSub>
-                                <m:sSubPr>
-                                  <m:ctrlPr>
-                                    <a:rPr lang="en-US" altLang="ja-JP" sz="2400" i="1" smtClean="0">
-                                      <a:solidFill>
-                                        <a:srgbClr val="FF0000"/>
-                                      </a:solidFill>
-                                      <a:latin typeface="Cambria Math" panose="02040503050406030204" pitchFamily="18" charset="0"/>
-                                    </a:rPr>
-                                  </m:ctrlPr>
-                                </m:sSubPr>
-                                <m:e>
-                                  <m:r>
-                                    <a:rPr lang="en-US" altLang="ja-JP" sz="2400" i="1">
-                                      <a:solidFill>
-                                        <a:srgbClr val="FF0000"/>
-                                      </a:solidFill>
-                                      <a:latin typeface="Cambria Math" panose="02040503050406030204" pitchFamily="18" charset="0"/>
-                                    </a:rPr>
-                                    <m:t>𝐻</m:t>
-                                  </m:r>
-                                </m:e>
-                                <m:sub>
-                                  <m:r>
-                                    <a:rPr lang="en-US" altLang="ja-JP" sz="2400" i="1">
-                                      <a:solidFill>
-                                        <a:srgbClr val="FF0000"/>
-                                      </a:solidFill>
-                                      <a:latin typeface="Cambria Math" panose="02040503050406030204" pitchFamily="18" charset="0"/>
-                                    </a:rPr>
-                                    <m:t>1</m:t>
-                                  </m:r>
-                                </m:sub>
-                              </m:sSub>
-                            </m:e>
-                          </m:d>
-                          <m:r>
-                            <a:rPr lang="en-US" altLang="ja-JP" sz="2400" i="1">
-                              <a:latin typeface="Cambria Math" panose="02040503050406030204" pitchFamily="18" charset="0"/>
-                              <a:ea typeface="Cambria Math" panose="02040503050406030204" pitchFamily="18" charset="0"/>
-                            </a:rPr>
-                            <m:t>+</m:t>
-                          </m:r>
-                          <m:d>
-                            <m:dPr>
-                              <m:ctrlPr>
-                                <a:rPr lang="en-US" altLang="ja-JP" sz="2400" i="1">
-                                  <a:latin typeface="Cambria Math" panose="02040503050406030204" pitchFamily="18" charset="0"/>
-                                  <a:ea typeface="Cambria Math" panose="02040503050406030204" pitchFamily="18" charset="0"/>
-                                </a:rPr>
-                              </m:ctrlPr>
-                            </m:dPr>
-                            <m:e>
-                              <m:sSup>
-                                <m:sSupPr>
-                                  <m:ctrlPr>
-                                    <a:rPr lang="en-US" altLang="ja-JP" sz="2400" i="1">
-                                      <a:solidFill>
-                                        <a:srgbClr val="0070C0"/>
-                                      </a:solidFill>
-                                      <a:latin typeface="Cambria Math" panose="02040503050406030204" pitchFamily="18" charset="0"/>
-                                      <a:ea typeface="Cambria Math" panose="02040503050406030204" pitchFamily="18" charset="0"/>
-                                    </a:rPr>
-                                  </m:ctrlPr>
-                                </m:sSupPr>
-                                <m:e>
-                                  <m:r>
-                                    <a:rPr lang="en-US" altLang="ja-JP" sz="2400" i="1">
-                                      <a:solidFill>
-                                        <a:srgbClr val="0070C0"/>
-                                      </a:solidFill>
-                                      <a:latin typeface="Cambria Math" panose="02040503050406030204" pitchFamily="18" charset="0"/>
-                                      <a:ea typeface="Cambria Math" panose="02040503050406030204" pitchFamily="18" charset="0"/>
-                                    </a:rPr>
-                                    <m:t>𝐴</m:t>
-                                  </m:r>
-                                </m:e>
-                                <m:sup>
-                                  <m:r>
-                                    <a:rPr lang="en-US" altLang="ja-JP" sz="2400" i="1">
-                                      <a:solidFill>
-                                        <a:srgbClr val="0070C0"/>
-                                      </a:solidFill>
-                                      <a:latin typeface="Cambria Math" panose="02040503050406030204" pitchFamily="18" charset="0"/>
-                                      <a:ea typeface="Cambria Math" panose="02040503050406030204" pitchFamily="18" charset="0"/>
-                                    </a:rPr>
-                                    <m:t>𝑐</m:t>
-                                  </m:r>
-                                </m:sup>
-                              </m:sSup>
-                              <m:r>
-                                <a:rPr lang="en-US" altLang="ja-JP" sz="2400" i="1">
-                                  <a:latin typeface="Cambria Math" panose="02040503050406030204" pitchFamily="18" charset="0"/>
-                                  <a:ea typeface="Cambria Math" panose="02040503050406030204" pitchFamily="18" charset="0"/>
-                                </a:rPr>
-                                <m:t>∩</m:t>
-                              </m:r>
-                              <m:sSub>
-                                <m:sSubPr>
-                                  <m:ctrlPr>
-                                    <a:rPr lang="en-US" altLang="ja-JP" sz="2400" i="1" smtClean="0">
-                                      <a:solidFill>
-                                        <a:srgbClr val="FF0000"/>
-                                      </a:solidFill>
-                                      <a:latin typeface="Cambria Math" panose="02040503050406030204" pitchFamily="18" charset="0"/>
-                                    </a:rPr>
-                                  </m:ctrlPr>
-                                </m:sSubPr>
-                                <m:e>
-                                  <m:r>
-                                    <a:rPr lang="en-US" altLang="ja-JP" sz="2400" i="1">
-                                      <a:solidFill>
-                                        <a:srgbClr val="FF0000"/>
-                                      </a:solidFill>
-                                      <a:latin typeface="Cambria Math" panose="02040503050406030204" pitchFamily="18" charset="0"/>
-                                    </a:rPr>
-                                    <m:t>𝐻</m:t>
-                                  </m:r>
-                                </m:e>
-                                <m:sub>
-                                  <m:r>
-                                    <a:rPr lang="en-US" altLang="ja-JP" sz="2400" i="1">
-                                      <a:solidFill>
-                                        <a:srgbClr val="FF0000"/>
-                                      </a:solidFill>
-                                      <a:latin typeface="Cambria Math" panose="02040503050406030204" pitchFamily="18" charset="0"/>
-                                    </a:rPr>
-                                    <m:t>1</m:t>
-                                  </m:r>
-                                </m:sub>
-                              </m:sSub>
-                            </m:e>
-                          </m:d>
-                          <m:r>
-                            <m:rPr>
-                              <m:nor/>
-                            </m:rPr>
-                            <a:rPr lang="ja-JP" altLang="en-US" sz="2400" dirty="0"/>
-                            <m:t> </m:t>
-                          </m:r>
-                        </m:den>
-                      </m:f>
-                    </m:oMath>
-                  </a14:m>
-                  <a:endParaRPr kumimoji="1" lang="ja-JP" altLang="en-US" sz="2400" dirty="0"/>
-                </a:p>
-              </p:txBody>
-            </p:sp>
-          </mc:Choice>
-          <mc:Fallback xmlns="">
-            <p:sp>
-              <p:nvSpPr>
-                <p:cNvPr id="16" name="テキスト ボックス 15">
-                  <a:extLst>
-                    <a:ext uri="{FF2B5EF4-FFF2-40B4-BE49-F238E27FC236}">
-                      <a16:creationId xmlns:a16="http://schemas.microsoft.com/office/drawing/2014/main" id="{EB6F0025-AB29-C46F-A6FA-1ACE42E91C86}"/>
-                    </a:ext>
-                  </a:extLst>
-                </p:cNvPr>
-                <p:cNvSpPr txBox="1">
-                  <a:spLocks noRot="1" noChangeAspect="1" noMove="1" noResize="1" noEditPoints="1" noAdjustHandles="1" noChangeArrowheads="1" noChangeShapeType="1" noTextEdit="1"/>
-                </p:cNvSpPr>
-                <p:nvPr/>
-              </p:nvSpPr>
-              <p:spPr>
-                <a:xfrm>
-                  <a:off x="7904775" y="2612990"/>
-                  <a:ext cx="4316225" cy="570156"/>
-                </a:xfrm>
-                <a:prstGeom prst="rect">
-                  <a:avLst/>
-                </a:prstGeom>
-                <a:blipFill>
-                  <a:blip r:embed="rId16"/>
-                  <a:stretch>
-                    <a:fillRect l="-4379" t="-2151" b="-11828"/>
-                  </a:stretch>
-                </a:blipFill>
-              </p:spPr>
-              <p:txBody>
-                <a:bodyPr/>
-                <a:lstStyle/>
-                <a:p>
-                  <a:r>
-                    <a:rPr lang="ja-JP" altLang="en-US">
-                      <a:noFill/>
-                    </a:rPr>
-                    <a:t> </a:t>
-                  </a:r>
-                </a:p>
-              </p:txBody>
-            </p:sp>
-          </mc:Fallback>
-        </mc:AlternateContent>
-        <mc:AlternateContent xmlns:mc="http://schemas.openxmlformats.org/markup-compatibility/2006" xmlns:a14="http://schemas.microsoft.com/office/drawing/2010/main">
-          <mc:Choice Requires="a14">
-            <p:sp>
-              <p:nvSpPr>
-                <p:cNvPr id="17" name="テキスト ボックス 16">
-                  <a:extLst>
-                    <a:ext uri="{FF2B5EF4-FFF2-40B4-BE49-F238E27FC236}">
-                      <a16:creationId xmlns:a16="http://schemas.microsoft.com/office/drawing/2014/main" id="{23B5E1B5-A57F-EA27-5E98-8566BDC052B2}"/>
-                    </a:ext>
-                  </a:extLst>
-                </p:cNvPr>
-                <p:cNvSpPr txBox="1"/>
-                <p:nvPr/>
-              </p:nvSpPr>
-              <p:spPr>
-                <a:xfrm>
-                  <a:off x="7897073" y="4323846"/>
-                  <a:ext cx="4722438" cy="603050"/>
-                </a:xfrm>
-                <a:prstGeom prst="rect">
-                  <a:avLst/>
-                </a:prstGeom>
-                <a:noFill/>
-              </p:spPr>
-              <p:txBody>
-                <a:bodyPr wrap="square" lIns="0" tIns="0" rIns="0" bIns="0" rtlCol="0">
-                  <a:spAutoFit/>
-                </a:bodyPr>
-                <a:lstStyle/>
-                <a:p>
-                  <a:r>
-                    <a:rPr lang="ja-JP" altLang="en-US" sz="2400" b="1" dirty="0"/>
-                    <a:t>特異</a:t>
-                  </a:r>
-                  <a:r>
-                    <a:rPr kumimoji="1" lang="ja-JP" altLang="en-US" sz="2400" b="1" dirty="0"/>
-                    <a:t>度</a:t>
-                  </a:r>
-                  <a14:m>
-                    <m:oMath xmlns:m="http://schemas.openxmlformats.org/officeDocument/2006/math">
-                      <m:r>
-                        <a:rPr kumimoji="1" lang="en-US" altLang="ja-JP" sz="2400" b="0" i="0" smtClean="0">
-                          <a:latin typeface="Cambria Math" panose="02040503050406030204" pitchFamily="18" charset="0"/>
-                        </a:rPr>
-                        <m:t>=</m:t>
-                      </m:r>
-                      <m:r>
-                        <a:rPr lang="en-US" altLang="ja-JP" sz="2400" i="1">
-                          <a:latin typeface="Cambria Math" panose="02040503050406030204" pitchFamily="18" charset="0"/>
-                        </a:rPr>
-                        <m:t>𝑃</m:t>
-                      </m:r>
-                      <m:d>
-                        <m:dPr>
-                          <m:ctrlPr>
-                            <a:rPr lang="en-US" altLang="ja-JP" sz="2400" i="1">
-                              <a:latin typeface="Cambria Math" panose="02040503050406030204" pitchFamily="18" charset="0"/>
-                            </a:rPr>
-                          </m:ctrlPr>
-                        </m:dPr>
-                        <m:e>
-                          <m:sSup>
-                            <m:sSupPr>
-                              <m:ctrlPr>
-                                <a:rPr lang="en-US" altLang="ja-JP" sz="2400" i="1">
-                                  <a:solidFill>
-                                    <a:srgbClr val="0070C0"/>
-                                  </a:solidFill>
-                                  <a:latin typeface="Cambria Math" panose="02040503050406030204" pitchFamily="18" charset="0"/>
-                                  <a:ea typeface="Cambria Math" panose="02040503050406030204" pitchFamily="18" charset="0"/>
-                                </a:rPr>
-                              </m:ctrlPr>
-                            </m:sSupPr>
-                            <m:e>
-                              <m:r>
-                                <a:rPr lang="en-US" altLang="ja-JP" sz="2400" i="1">
-                                  <a:solidFill>
-                                    <a:srgbClr val="0070C0"/>
-                                  </a:solidFill>
-                                  <a:latin typeface="Cambria Math" panose="02040503050406030204" pitchFamily="18" charset="0"/>
-                                  <a:ea typeface="Cambria Math" panose="02040503050406030204" pitchFamily="18" charset="0"/>
-                                </a:rPr>
-                                <m:t>𝐴</m:t>
-                              </m:r>
-                            </m:e>
-                            <m:sup>
-                              <m:r>
-                                <a:rPr lang="en-US" altLang="ja-JP" sz="2400" i="1">
-                                  <a:solidFill>
-                                    <a:srgbClr val="0070C0"/>
-                                  </a:solidFill>
-                                  <a:latin typeface="Cambria Math" panose="02040503050406030204" pitchFamily="18" charset="0"/>
-                                  <a:ea typeface="Cambria Math" panose="02040503050406030204" pitchFamily="18" charset="0"/>
-                                </a:rPr>
-                                <m:t>𝑐</m:t>
-                              </m:r>
-                            </m:sup>
-                          </m:sSup>
-                          <m:r>
-                            <a:rPr lang="en-US" altLang="ja-JP" sz="2400" i="1">
-                              <a:latin typeface="Cambria Math" panose="02040503050406030204" pitchFamily="18" charset="0"/>
-                            </a:rPr>
-                            <m:t>|</m:t>
-                          </m:r>
-                          <m:sSub>
-                            <m:sSubPr>
-                              <m:ctrlPr>
-                                <a:rPr lang="en-US" altLang="ja-JP" sz="2400" i="1" smtClean="0">
-                                  <a:solidFill>
-                                    <a:srgbClr val="00B050"/>
-                                  </a:solidFill>
-                                  <a:latin typeface="Cambria Math" panose="02040503050406030204" pitchFamily="18" charset="0"/>
-                                </a:rPr>
-                              </m:ctrlPr>
-                            </m:sSubPr>
-                            <m:e>
-                              <m:r>
-                                <a:rPr lang="en-US" altLang="ja-JP" sz="2400" i="1">
-                                  <a:solidFill>
-                                    <a:srgbClr val="00B050"/>
-                                  </a:solidFill>
-                                  <a:latin typeface="Cambria Math" panose="02040503050406030204" pitchFamily="18" charset="0"/>
-                                </a:rPr>
-                                <m:t>𝐻</m:t>
-                              </m:r>
-                            </m:e>
-                            <m:sub>
-                              <m:r>
-                                <a:rPr lang="en-US" altLang="ja-JP" sz="2400" b="0" i="1" smtClean="0">
-                                  <a:solidFill>
-                                    <a:srgbClr val="00B050"/>
-                                  </a:solidFill>
-                                  <a:latin typeface="Cambria Math" panose="02040503050406030204" pitchFamily="18" charset="0"/>
-                                </a:rPr>
-                                <m:t>2</m:t>
-                              </m:r>
-                            </m:sub>
-                          </m:sSub>
-                        </m:e>
-                      </m:d>
-                      <m:r>
-                        <a:rPr lang="en-US" altLang="ja-JP" sz="2400" b="0" i="1" smtClean="0">
-                          <a:solidFill>
-                            <a:schemeClr val="tx1"/>
-                          </a:solidFill>
-                          <a:latin typeface="Cambria Math" panose="02040503050406030204" pitchFamily="18" charset="0"/>
-                        </a:rPr>
-                        <m:t>=</m:t>
-                      </m:r>
-                      <m:f>
-                        <m:fPr>
-                          <m:ctrlPr>
-                            <a:rPr kumimoji="1" lang="en-US" altLang="ja-JP" sz="2400" i="1" smtClean="0">
-                              <a:latin typeface="Cambria Math" panose="02040503050406030204" pitchFamily="18" charset="0"/>
-                            </a:rPr>
-                          </m:ctrlPr>
-                        </m:fPr>
-                        <m:num>
-                          <m:sSup>
-                            <m:sSupPr>
-                              <m:ctrlPr>
-                                <a:rPr lang="en-US" altLang="ja-JP" sz="2400" i="1">
-                                  <a:solidFill>
-                                    <a:srgbClr val="0070C0"/>
-                                  </a:solidFill>
-                                  <a:latin typeface="Cambria Math" panose="02040503050406030204" pitchFamily="18" charset="0"/>
-                                  <a:ea typeface="Cambria Math" panose="02040503050406030204" pitchFamily="18" charset="0"/>
-                                </a:rPr>
-                              </m:ctrlPr>
-                            </m:sSupPr>
-                            <m:e>
-                              <m:r>
-                                <a:rPr lang="en-US" altLang="ja-JP" sz="2400" i="1">
-                                  <a:solidFill>
-                                    <a:srgbClr val="0070C0"/>
-                                  </a:solidFill>
-                                  <a:latin typeface="Cambria Math" panose="02040503050406030204" pitchFamily="18" charset="0"/>
-                                  <a:ea typeface="Cambria Math" panose="02040503050406030204" pitchFamily="18" charset="0"/>
-                                </a:rPr>
-                                <m:t>𝐴</m:t>
-                              </m:r>
-                            </m:e>
-                            <m:sup>
-                              <m:r>
-                                <a:rPr lang="en-US" altLang="ja-JP" sz="2400" i="1">
-                                  <a:solidFill>
-                                    <a:srgbClr val="0070C0"/>
-                                  </a:solidFill>
-                                  <a:latin typeface="Cambria Math" panose="02040503050406030204" pitchFamily="18" charset="0"/>
-                                  <a:ea typeface="Cambria Math" panose="02040503050406030204" pitchFamily="18" charset="0"/>
-                                </a:rPr>
-                                <m:t>𝑐</m:t>
-                              </m:r>
-                            </m:sup>
-                          </m:sSup>
-                          <m:r>
-                            <a:rPr lang="en-US" altLang="ja-JP" sz="2400" i="1">
-                              <a:latin typeface="Cambria Math" panose="02040503050406030204" pitchFamily="18" charset="0"/>
-                              <a:ea typeface="Cambria Math" panose="02040503050406030204" pitchFamily="18" charset="0"/>
-                            </a:rPr>
-                            <m:t>∩</m:t>
-                          </m:r>
-                          <m:sSub>
-                            <m:sSubPr>
-                              <m:ctrlPr>
-                                <a:rPr lang="en-US" altLang="ja-JP" sz="2400" i="1" smtClean="0">
-                                  <a:solidFill>
-                                    <a:srgbClr val="00B050"/>
-                                  </a:solidFill>
-                                  <a:latin typeface="Cambria Math" panose="02040503050406030204" pitchFamily="18" charset="0"/>
-                                </a:rPr>
-                              </m:ctrlPr>
-                            </m:sSubPr>
-                            <m:e>
-                              <m:r>
-                                <a:rPr lang="en-US" altLang="ja-JP" sz="2400" i="1">
-                                  <a:solidFill>
-                                    <a:srgbClr val="00B050"/>
-                                  </a:solidFill>
-                                  <a:latin typeface="Cambria Math" panose="02040503050406030204" pitchFamily="18" charset="0"/>
-                                </a:rPr>
-                                <m:t>𝐻</m:t>
-                              </m:r>
-                            </m:e>
-                            <m:sub>
-                              <m:r>
-                                <a:rPr lang="en-US" altLang="ja-JP" sz="2400" b="0" i="1" smtClean="0">
-                                  <a:solidFill>
-                                    <a:srgbClr val="00B050"/>
-                                  </a:solidFill>
-                                  <a:latin typeface="Cambria Math" panose="02040503050406030204" pitchFamily="18" charset="0"/>
-                                </a:rPr>
-                                <m:t>2</m:t>
-                              </m:r>
-                            </m:sub>
-                          </m:sSub>
-                        </m:num>
-                        <m:den>
-                          <m:d>
-                            <m:dPr>
-                              <m:ctrlPr>
-                                <a:rPr lang="en-US" altLang="ja-JP" sz="2400" i="1">
-                                  <a:latin typeface="Cambria Math" panose="02040503050406030204" pitchFamily="18" charset="0"/>
-                                  <a:ea typeface="Cambria Math" panose="02040503050406030204" pitchFamily="18" charset="0"/>
-                                </a:rPr>
-                              </m:ctrlPr>
-                            </m:dPr>
-                            <m:e>
-                              <m:r>
-                                <a:rPr lang="en-US" altLang="ja-JP" sz="2400" i="1">
-                                  <a:solidFill>
-                                    <a:schemeClr val="accent2"/>
-                                  </a:solidFill>
-                                  <a:latin typeface="Cambria Math" panose="02040503050406030204" pitchFamily="18" charset="0"/>
-                                </a:rPr>
-                                <m:t>𝐴</m:t>
-                              </m:r>
-                              <m:r>
-                                <a:rPr lang="en-US" altLang="ja-JP" sz="2400" i="1">
-                                  <a:latin typeface="Cambria Math" panose="02040503050406030204" pitchFamily="18" charset="0"/>
-                                  <a:ea typeface="Cambria Math" panose="02040503050406030204" pitchFamily="18" charset="0"/>
-                                </a:rPr>
-                                <m:t>∩</m:t>
-                              </m:r>
-                              <m:sSub>
-                                <m:sSubPr>
-                                  <m:ctrlPr>
-                                    <a:rPr lang="en-US" altLang="ja-JP" sz="2400" i="1" smtClean="0">
-                                      <a:solidFill>
-                                        <a:srgbClr val="00B050"/>
-                                      </a:solidFill>
-                                      <a:latin typeface="Cambria Math" panose="02040503050406030204" pitchFamily="18" charset="0"/>
-                                    </a:rPr>
-                                  </m:ctrlPr>
-                                </m:sSubPr>
-                                <m:e>
-                                  <m:r>
-                                    <a:rPr lang="en-US" altLang="ja-JP" sz="2400" i="1">
-                                      <a:solidFill>
-                                        <a:srgbClr val="00B050"/>
-                                      </a:solidFill>
-                                      <a:latin typeface="Cambria Math" panose="02040503050406030204" pitchFamily="18" charset="0"/>
-                                    </a:rPr>
-                                    <m:t>𝐻</m:t>
-                                  </m:r>
-                                </m:e>
-                                <m:sub>
-                                  <m:r>
-                                    <a:rPr lang="en-US" altLang="ja-JP" sz="2400" b="0" i="1" smtClean="0">
-                                      <a:solidFill>
-                                        <a:srgbClr val="00B050"/>
-                                      </a:solidFill>
-                                      <a:latin typeface="Cambria Math" panose="02040503050406030204" pitchFamily="18" charset="0"/>
-                                    </a:rPr>
-                                    <m:t>2</m:t>
-                                  </m:r>
-                                </m:sub>
-                              </m:sSub>
-                            </m:e>
-                          </m:d>
-                          <m:r>
-                            <a:rPr lang="en-US" altLang="ja-JP" sz="2400" i="1">
-                              <a:latin typeface="Cambria Math" panose="02040503050406030204" pitchFamily="18" charset="0"/>
-                              <a:ea typeface="Cambria Math" panose="02040503050406030204" pitchFamily="18" charset="0"/>
-                            </a:rPr>
-                            <m:t>+</m:t>
-                          </m:r>
-                          <m:d>
-                            <m:dPr>
-                              <m:ctrlPr>
-                                <a:rPr lang="en-US" altLang="ja-JP" sz="2400" i="1">
-                                  <a:latin typeface="Cambria Math" panose="02040503050406030204" pitchFamily="18" charset="0"/>
-                                  <a:ea typeface="Cambria Math" panose="02040503050406030204" pitchFamily="18" charset="0"/>
-                                </a:rPr>
-                              </m:ctrlPr>
-                            </m:dPr>
-                            <m:e>
-                              <m:sSup>
-                                <m:sSupPr>
-                                  <m:ctrlPr>
-                                    <a:rPr lang="en-US" altLang="ja-JP" sz="2400" i="1">
-                                      <a:solidFill>
-                                        <a:srgbClr val="0070C0"/>
-                                      </a:solidFill>
-                                      <a:latin typeface="Cambria Math" panose="02040503050406030204" pitchFamily="18" charset="0"/>
-                                      <a:ea typeface="Cambria Math" panose="02040503050406030204" pitchFamily="18" charset="0"/>
-                                    </a:rPr>
-                                  </m:ctrlPr>
-                                </m:sSupPr>
-                                <m:e>
-                                  <m:r>
-                                    <a:rPr lang="en-US" altLang="ja-JP" sz="2400" i="1">
-                                      <a:solidFill>
-                                        <a:srgbClr val="0070C0"/>
-                                      </a:solidFill>
-                                      <a:latin typeface="Cambria Math" panose="02040503050406030204" pitchFamily="18" charset="0"/>
-                                      <a:ea typeface="Cambria Math" panose="02040503050406030204" pitchFamily="18" charset="0"/>
-                                    </a:rPr>
-                                    <m:t>𝐴</m:t>
-                                  </m:r>
-                                </m:e>
-                                <m:sup>
-                                  <m:r>
-                                    <a:rPr lang="en-US" altLang="ja-JP" sz="2400" i="1">
-                                      <a:solidFill>
-                                        <a:srgbClr val="0070C0"/>
-                                      </a:solidFill>
-                                      <a:latin typeface="Cambria Math" panose="02040503050406030204" pitchFamily="18" charset="0"/>
-                                      <a:ea typeface="Cambria Math" panose="02040503050406030204" pitchFamily="18" charset="0"/>
-                                    </a:rPr>
-                                    <m:t>𝑐</m:t>
-                                  </m:r>
-                                </m:sup>
-                              </m:sSup>
-                              <m:r>
-                                <a:rPr lang="en-US" altLang="ja-JP" sz="2400" i="1">
-                                  <a:latin typeface="Cambria Math" panose="02040503050406030204" pitchFamily="18" charset="0"/>
-                                  <a:ea typeface="Cambria Math" panose="02040503050406030204" pitchFamily="18" charset="0"/>
-                                </a:rPr>
-                                <m:t>∩</m:t>
-                              </m:r>
-                              <m:sSub>
-                                <m:sSubPr>
-                                  <m:ctrlPr>
-                                    <a:rPr lang="en-US" altLang="ja-JP" sz="2400" i="1" smtClean="0">
-                                      <a:solidFill>
-                                        <a:srgbClr val="00B050"/>
-                                      </a:solidFill>
-                                      <a:latin typeface="Cambria Math" panose="02040503050406030204" pitchFamily="18" charset="0"/>
-                                    </a:rPr>
-                                  </m:ctrlPr>
-                                </m:sSubPr>
-                                <m:e>
-                                  <m:r>
-                                    <a:rPr lang="en-US" altLang="ja-JP" sz="2400" i="1">
-                                      <a:solidFill>
-                                        <a:srgbClr val="00B050"/>
-                                      </a:solidFill>
-                                      <a:latin typeface="Cambria Math" panose="02040503050406030204" pitchFamily="18" charset="0"/>
-                                    </a:rPr>
-                                    <m:t>𝐻</m:t>
-                                  </m:r>
-                                </m:e>
-                                <m:sub>
-                                  <m:r>
-                                    <a:rPr lang="en-US" altLang="ja-JP" sz="2400" b="0" i="1" smtClean="0">
-                                      <a:solidFill>
-                                        <a:srgbClr val="00B050"/>
-                                      </a:solidFill>
-                                      <a:latin typeface="Cambria Math" panose="02040503050406030204" pitchFamily="18" charset="0"/>
-                                    </a:rPr>
-                                    <m:t>2</m:t>
-                                  </m:r>
-                                </m:sub>
-                              </m:sSub>
-                            </m:e>
-                          </m:d>
-                          <m:r>
-                            <m:rPr>
-                              <m:nor/>
-                            </m:rPr>
-                            <a:rPr lang="ja-JP" altLang="en-US" sz="2400" dirty="0"/>
-                            <m:t> </m:t>
-                          </m:r>
-                        </m:den>
-                      </m:f>
-                    </m:oMath>
-                  </a14:m>
-                  <a:endParaRPr kumimoji="1" lang="ja-JP" altLang="en-US" sz="2400" dirty="0"/>
-                </a:p>
-              </p:txBody>
-            </p:sp>
-          </mc:Choice>
-          <mc:Fallback xmlns="">
-            <p:sp>
-              <p:nvSpPr>
-                <p:cNvPr id="17" name="テキスト ボックス 16">
-                  <a:extLst>
-                    <a:ext uri="{FF2B5EF4-FFF2-40B4-BE49-F238E27FC236}">
-                      <a16:creationId xmlns:a16="http://schemas.microsoft.com/office/drawing/2014/main" id="{E1581CE0-76E9-D0B3-251C-613430F901E7}"/>
-                    </a:ext>
-                  </a:extLst>
-                </p:cNvPr>
-                <p:cNvSpPr txBox="1">
-                  <a:spLocks noRot="1" noChangeAspect="1" noMove="1" noResize="1" noEditPoints="1" noAdjustHandles="1" noChangeArrowheads="1" noChangeShapeType="1" noTextEdit="1"/>
-                </p:cNvSpPr>
-                <p:nvPr/>
-              </p:nvSpPr>
-              <p:spPr>
-                <a:xfrm>
-                  <a:off x="7897073" y="4323846"/>
-                  <a:ext cx="4722438" cy="603050"/>
-                </a:xfrm>
-                <a:prstGeom prst="rect">
-                  <a:avLst/>
-                </a:prstGeom>
-                <a:blipFill>
-                  <a:blip r:embed="rId17"/>
-                  <a:stretch>
-                    <a:fillRect l="-4005" b="-11111"/>
-                  </a:stretch>
-                </a:blipFill>
-              </p:spPr>
-              <p:txBody>
-                <a:bodyPr/>
-                <a:lstStyle/>
-                <a:p>
-                  <a:r>
-                    <a:rPr lang="ja-JP" altLang="en-US">
-                      <a:noFill/>
-                    </a:rPr>
-                    <a:t> </a:t>
-                  </a:r>
-                </a:p>
-              </p:txBody>
-            </p:sp>
-          </mc:Fallback>
-        </mc:AlternateContent>
-        <p:sp>
-          <p:nvSpPr>
-            <p:cNvPr id="20" name="テキスト ボックス 19">
-              <a:extLst>
-                <a:ext uri="{FF2B5EF4-FFF2-40B4-BE49-F238E27FC236}">
-                  <a16:creationId xmlns:a16="http://schemas.microsoft.com/office/drawing/2014/main" id="{D7DDEA55-CFD6-C5DC-6335-486631904764}"/>
-                </a:ext>
-              </a:extLst>
-            </p:cNvPr>
-            <p:cNvSpPr txBox="1"/>
-            <p:nvPr/>
-          </p:nvSpPr>
-          <p:spPr>
-            <a:xfrm>
-              <a:off x="7804316" y="1905263"/>
-              <a:ext cx="1723549" cy="461665"/>
-            </a:xfrm>
-            <a:prstGeom prst="rect">
-              <a:avLst/>
-            </a:prstGeom>
-            <a:noFill/>
-          </p:spPr>
-          <p:txBody>
-            <a:bodyPr wrap="none" rtlCol="0">
-              <a:spAutoFit/>
-            </a:bodyPr>
-            <a:lstStyle/>
-            <a:p>
-              <a:r>
-                <a:rPr lang="ja-JP" altLang="en-US" sz="2400" b="1" dirty="0"/>
-                <a:t>検査の性能</a:t>
-              </a:r>
-              <a:endParaRPr lang="en-US" altLang="ja-JP" sz="2400" b="1" dirty="0"/>
-            </a:p>
-          </p:txBody>
-        </p:sp>
-        <p:sp>
-          <p:nvSpPr>
-            <p:cNvPr id="21" name="テキスト ボックス 20">
-              <a:extLst>
-                <a:ext uri="{FF2B5EF4-FFF2-40B4-BE49-F238E27FC236}">
-                  <a16:creationId xmlns:a16="http://schemas.microsoft.com/office/drawing/2014/main" id="{2D2154A9-37FE-EBC1-01BA-DFA77B5BD312}"/>
-                </a:ext>
-              </a:extLst>
-            </p:cNvPr>
-            <p:cNvSpPr txBox="1"/>
-            <p:nvPr/>
-          </p:nvSpPr>
-          <p:spPr>
-            <a:xfrm>
-              <a:off x="7803667" y="3449236"/>
-              <a:ext cx="4031873" cy="400110"/>
-            </a:xfrm>
-            <a:prstGeom prst="rect">
-              <a:avLst/>
-            </a:prstGeom>
-            <a:noFill/>
-          </p:spPr>
-          <p:txBody>
-            <a:bodyPr wrap="none" rtlCol="0">
-              <a:spAutoFit/>
-            </a:bodyPr>
-            <a:lstStyle/>
-            <a:p>
-              <a:r>
-                <a:rPr lang="ja-JP" altLang="en-US" sz="2000" dirty="0"/>
-                <a:t>「</a:t>
-              </a:r>
-              <a:r>
-                <a:rPr lang="ja-JP" altLang="en-US" sz="2000" dirty="0">
-                  <a:solidFill>
-                    <a:srgbClr val="FF0000"/>
-                  </a:solidFill>
-                </a:rPr>
-                <a:t>疾患あり</a:t>
-              </a:r>
-              <a:r>
-                <a:rPr lang="ja-JP" altLang="en-US" sz="2000" dirty="0"/>
-                <a:t>」のうち、</a:t>
-              </a:r>
-              <a:r>
-                <a:rPr lang="ja-JP" altLang="en-US" sz="2000" dirty="0">
-                  <a:solidFill>
-                    <a:schemeClr val="accent2"/>
-                  </a:solidFill>
-                </a:rPr>
-                <a:t>陽性</a:t>
-              </a:r>
-              <a:r>
-                <a:rPr lang="ja-JP" altLang="en-US" sz="2000" dirty="0"/>
-                <a:t>の割合</a:t>
-              </a:r>
-              <a:endParaRPr lang="en-US" altLang="ja-JP" sz="2000" dirty="0"/>
-            </a:p>
-          </p:txBody>
-        </p:sp>
-        <p:sp>
-          <p:nvSpPr>
-            <p:cNvPr id="22" name="テキスト ボックス 21">
-              <a:extLst>
-                <a:ext uri="{FF2B5EF4-FFF2-40B4-BE49-F238E27FC236}">
-                  <a16:creationId xmlns:a16="http://schemas.microsoft.com/office/drawing/2014/main" id="{73B6AA0F-B8D5-3901-CF64-AC434CBAD416}"/>
-                </a:ext>
-              </a:extLst>
-            </p:cNvPr>
-            <p:cNvSpPr txBox="1"/>
-            <p:nvPr/>
-          </p:nvSpPr>
-          <p:spPr>
-            <a:xfrm>
-              <a:off x="7803667" y="5218485"/>
-              <a:ext cx="4031873" cy="400110"/>
-            </a:xfrm>
-            <a:prstGeom prst="rect">
-              <a:avLst/>
-            </a:prstGeom>
-            <a:noFill/>
-          </p:spPr>
-          <p:txBody>
-            <a:bodyPr wrap="none" rtlCol="0">
-              <a:spAutoFit/>
-            </a:bodyPr>
-            <a:lstStyle/>
-            <a:p>
-              <a:r>
-                <a:rPr lang="ja-JP" altLang="en-US" sz="2000" dirty="0"/>
-                <a:t>「</a:t>
-              </a:r>
-              <a:r>
-                <a:rPr lang="ja-JP" altLang="en-US" sz="2000" dirty="0">
-                  <a:solidFill>
-                    <a:srgbClr val="00B050"/>
-                  </a:solidFill>
-                </a:rPr>
-                <a:t>疾患なし</a:t>
-              </a:r>
-              <a:r>
-                <a:rPr lang="ja-JP" altLang="en-US" sz="2000" dirty="0"/>
-                <a:t>」のうち、</a:t>
-              </a:r>
-              <a:r>
-                <a:rPr lang="ja-JP" altLang="en-US" sz="2000" dirty="0">
-                  <a:solidFill>
-                    <a:srgbClr val="0070C0"/>
-                  </a:solidFill>
-                </a:rPr>
-                <a:t>陰性</a:t>
-              </a:r>
-              <a:r>
-                <a:rPr lang="ja-JP" altLang="en-US" sz="2000" dirty="0"/>
-                <a:t>の割合</a:t>
-              </a:r>
-              <a:endParaRPr lang="en-US" altLang="ja-JP" sz="2000" dirty="0"/>
-            </a:p>
-          </p:txBody>
-        </p:sp>
-        <p:sp>
-          <p:nvSpPr>
-            <p:cNvPr id="24" name="四角形: 角を丸くする 23">
-              <a:extLst>
-                <a:ext uri="{FF2B5EF4-FFF2-40B4-BE49-F238E27FC236}">
-                  <a16:creationId xmlns:a16="http://schemas.microsoft.com/office/drawing/2014/main" id="{74AEBB77-448F-BF18-B147-D4607F751F05}"/>
-                </a:ext>
-              </a:extLst>
-            </p:cNvPr>
-            <p:cNvSpPr/>
-            <p:nvPr/>
-          </p:nvSpPr>
-          <p:spPr>
-            <a:xfrm>
-              <a:off x="7661167" y="1787302"/>
-              <a:ext cx="5124594" cy="4077468"/>
-            </a:xfrm>
-            <a:prstGeom prst="roundRect">
-              <a:avLst>
-                <a:gd name="adj" fmla="val 2959"/>
-              </a:avLst>
-            </a:prstGeom>
-            <a:noFill/>
-            <a:ln>
-              <a:prstDash val="sysDot"/>
-            </a:ln>
-          </p:spPr>
-          <p:style>
-            <a:lnRef idx="2">
-              <a:schemeClr val="accent1">
-                <a:shade val="15000"/>
-              </a:schemeClr>
-            </a:lnRef>
-            <a:fillRef idx="1">
-              <a:schemeClr val="accent1"/>
-            </a:fillRef>
-            <a:effectRef idx="0">
-              <a:schemeClr val="accent1"/>
-            </a:effectRef>
-            <a:fontRef idx="minor">
-              <a:schemeClr val="lt1"/>
-            </a:fontRef>
-          </p:style>
-          <p:txBody>
-            <a:bodyPr rtlCol="0" anchor="ctr"/>
-            <a:lstStyle/>
-            <a:p>
-              <a:pPr algn="ctr"/>
-              <a:endParaRPr kumimoji="1" lang="ja-JP" altLang="en-US"/>
-            </a:p>
-          </p:txBody>
-        </p:sp>
-      </p:grpSp>
-      <p:sp>
-        <p:nvSpPr>
-          <p:cNvPr id="29" name="フリーフォーム: 図形 28">
-            <a:extLst>
-              <a:ext uri="{FF2B5EF4-FFF2-40B4-BE49-F238E27FC236}">
-                <a16:creationId xmlns:a16="http://schemas.microsoft.com/office/drawing/2014/main" id="{F5545FB7-09DF-E2AD-FFDF-5FFFB0C1D0FD}"/>
+                <a16:creationId xmlns:a16="http://schemas.microsoft.com/office/drawing/2014/main" id="{8C56CE2F-5992-F837-7372-95908FAFC3E8}"/>
               </a:ext>
             </a:extLst>
           </p:cNvPr>
@@ -12066,42 +9225,38 @@
         </p:nvSpPr>
         <p:spPr>
           <a:xfrm>
-            <a:off x="253863" y="4812395"/>
-            <a:ext cx="4896000" cy="959166"/>
+            <a:off x="3803521" y="3757540"/>
+            <a:ext cx="432000" cy="360000"/>
           </a:xfrm>
           <a:custGeom>
             <a:avLst/>
             <a:gdLst>
-              <a:gd name="connsiteX0" fmla="*/ 1058305 w 4896000"/>
-              <a:gd name="connsiteY0" fmla="*/ 903 h 959166"/>
-              <a:gd name="connsiteX1" fmla="*/ 1274027 w 4896000"/>
-              <a:gd name="connsiteY1" fmla="*/ 3634 h 959166"/>
-              <a:gd name="connsiteX2" fmla="*/ 2457107 w 4896000"/>
-              <a:gd name="connsiteY2" fmla="*/ 232234 h 959166"/>
-              <a:gd name="connsiteX3" fmla="*/ 2553292 w 4896000"/>
-              <a:gd name="connsiteY3" fmla="*/ 255538 h 959166"/>
-              <a:gd name="connsiteX4" fmla="*/ 2561507 w 4896000"/>
-              <a:gd name="connsiteY4" fmla="*/ 255438 h 959166"/>
-              <a:gd name="connsiteX5" fmla="*/ 2784419 w 4896000"/>
-              <a:gd name="connsiteY5" fmla="*/ 309444 h 959166"/>
-              <a:gd name="connsiteX6" fmla="*/ 3637216 w 4896000"/>
-              <a:gd name="connsiteY6" fmla="*/ 464682 h 959166"/>
-              <a:gd name="connsiteX7" fmla="*/ 4896000 w 4896000"/>
-              <a:gd name="connsiteY7" fmla="*/ 227175 h 959166"/>
-              <a:gd name="connsiteX8" fmla="*/ 4896000 w 4896000"/>
-              <a:gd name="connsiteY8" fmla="*/ 959166 h 959166"/>
-              <a:gd name="connsiteX9" fmla="*/ 0 w 4896000"/>
-              <a:gd name="connsiteY9" fmla="*/ 959166 h 959166"/>
-              <a:gd name="connsiteX10" fmla="*/ 0 w 4896000"/>
-              <a:gd name="connsiteY10" fmla="*/ 286449 h 959166"/>
-              <a:gd name="connsiteX11" fmla="*/ 1 w 4896000"/>
-              <a:gd name="connsiteY11" fmla="*/ 286449 h 959166"/>
-              <a:gd name="connsiteX12" fmla="*/ 1 w 4896000"/>
-              <a:gd name="connsiteY12" fmla="*/ 284836 h 959166"/>
-              <a:gd name="connsiteX13" fmla="*/ 248806 w 4896000"/>
-              <a:gd name="connsiteY13" fmla="*/ 173553 h 959166"/>
-              <a:gd name="connsiteX14" fmla="*/ 1058305 w 4896000"/>
-              <a:gd name="connsiteY14" fmla="*/ 903 h 959166"/>
+              <a:gd name="connsiteX0" fmla="*/ 1177412 w 1472827"/>
+              <a:gd name="connsiteY0" fmla="*/ 0 h 930787"/>
+              <a:gd name="connsiteX1" fmla="*/ 1369298 w 1472827"/>
+              <a:gd name="connsiteY1" fmla="*/ 8296 h 930787"/>
+              <a:gd name="connsiteX2" fmla="*/ 1472826 w 1472827"/>
+              <a:gd name="connsiteY2" fmla="*/ 21930 h 930787"/>
+              <a:gd name="connsiteX3" fmla="*/ 1413765 w 1472827"/>
+              <a:gd name="connsiteY3" fmla="*/ 62834 h 930787"/>
+              <a:gd name="connsiteX4" fmla="*/ 1198577 w 1472827"/>
+              <a:gd name="connsiteY4" fmla="*/ 465393 h 930787"/>
+              <a:gd name="connsiteX5" fmla="*/ 1413765 w 1472827"/>
+              <a:gd name="connsiteY5" fmla="*/ 867952 h 930787"/>
+              <a:gd name="connsiteX6" fmla="*/ 1472827 w 1472827"/>
+              <a:gd name="connsiteY6" fmla="*/ 908857 h 930787"/>
+              <a:gd name="connsiteX7" fmla="*/ 1369298 w 1472827"/>
+              <a:gd name="connsiteY7" fmla="*/ 922491 h 930787"/>
+              <a:gd name="connsiteX8" fmla="*/ 1177412 w 1472827"/>
+              <a:gd name="connsiteY8" fmla="*/ 930787 h 930787"/>
+              <a:gd name="connsiteX9" fmla="*/ 16429 w 1472827"/>
+              <a:gd name="connsiteY9" fmla="*/ 491044 h 930787"/>
+              <a:gd name="connsiteX10" fmla="*/ 0 w 1472827"/>
+              <a:gd name="connsiteY10" fmla="*/ 465394 h 930787"/>
+              <a:gd name="connsiteX11" fmla="*/ 16429 w 1472827"/>
+              <a:gd name="connsiteY11" fmla="*/ 439744 h 930787"/>
+              <a:gd name="connsiteX12" fmla="*/ 1177412 w 1472827"/>
+              <a:gd name="connsiteY12" fmla="*/ 0 h 930787"/>
             </a:gdLst>
             <a:ahLst/>
             <a:cxnLst>
@@ -12144,80 +9299,66 @@
               <a:cxn ang="0">
                 <a:pos x="connsiteX12" y="connsiteY12"/>
               </a:cxn>
-              <a:cxn ang="0">
-                <a:pos x="connsiteX13" y="connsiteY13"/>
-              </a:cxn>
-              <a:cxn ang="0">
-                <a:pos x="connsiteX14" y="connsiteY14"/>
-              </a:cxn>
             </a:cxnLst>
             <a:rect l="l" t="t" r="r" b="b"/>
             <a:pathLst>
-              <a:path w="4896000" h="959166">
+              <a:path w="1472827" h="930787">
                 <a:moveTo>
-                  <a:pt x="1058305" y="903"/>
+                  <a:pt x="1177412" y="0"/>
                 </a:moveTo>
                 <a:cubicBezTo>
-                  <a:pt x="1126343" y="-865"/>
-                  <a:pt x="1198075" y="-77"/>
-                  <a:pt x="1274027" y="3634"/>
+                  <a:pt x="1242651" y="0"/>
+                  <a:pt x="1306732" y="2833"/>
+                  <a:pt x="1369298" y="8296"/>
+                </a:cubicBezTo>
+                <a:lnTo>
+                  <a:pt x="1472826" y="21930"/>
+                </a:lnTo>
+                <a:lnTo>
+                  <a:pt x="1413765" y="62834"/>
+                </a:lnTo>
+                <a:cubicBezTo>
+                  <a:pt x="1277907" y="177747"/>
+                  <a:pt x="1198577" y="316276"/>
+                  <a:pt x="1198577" y="465393"/>
                 </a:cubicBezTo>
                 <a:cubicBezTo>
-                  <a:pt x="1577838" y="18478"/>
-                  <a:pt x="2017720" y="124861"/>
-                  <a:pt x="2457107" y="232234"/>
+                  <a:pt x="1198577" y="614510"/>
+                  <a:pt x="1277907" y="753039"/>
+                  <a:pt x="1413765" y="867952"/>
                 </a:cubicBezTo>
                 <a:lnTo>
-                  <a:pt x="2553292" y="255538"/>
+                  <a:pt x="1472827" y="908857"/>
                 </a:lnTo>
                 <a:lnTo>
-                  <a:pt x="2561507" y="255438"/>
+                  <a:pt x="1369298" y="922491"/>
+                </a:lnTo>
+                <a:cubicBezTo>
+                  <a:pt x="1306732" y="927954"/>
+                  <a:pt x="1242651" y="930787"/>
+                  <a:pt x="1177412" y="930787"/>
+                </a:cubicBezTo>
+                <a:cubicBezTo>
+                  <a:pt x="655503" y="930787"/>
+                  <a:pt x="207708" y="749462"/>
+                  <a:pt x="16429" y="491044"/>
+                </a:cubicBezTo>
+                <a:lnTo>
+                  <a:pt x="0" y="465394"/>
                 </a:lnTo>
                 <a:lnTo>
-                  <a:pt x="2784419" y="309444"/>
+                  <a:pt x="16429" y="439744"/>
                 </a:lnTo>
                 <a:cubicBezTo>
-                  <a:pt x="3107373" y="386101"/>
-                  <a:pt x="3410843" y="450580"/>
-                  <a:pt x="3637216" y="464682"/>
-                </a:cubicBezTo>
-                <a:cubicBezTo>
-                  <a:pt x="4240878" y="502287"/>
-                  <a:pt x="4568439" y="364731"/>
-                  <a:pt x="4896000" y="227175"/>
-                </a:cubicBezTo>
-                <a:lnTo>
-                  <a:pt x="4896000" y="959166"/>
-                </a:lnTo>
-                <a:lnTo>
-                  <a:pt x="0" y="959166"/>
-                </a:lnTo>
-                <a:lnTo>
-                  <a:pt x="0" y="286449"/>
-                </a:lnTo>
-                <a:lnTo>
-                  <a:pt x="1" y="286449"/>
-                </a:lnTo>
-                <a:lnTo>
-                  <a:pt x="1" y="284836"/>
-                </a:lnTo>
-                <a:lnTo>
-                  <a:pt x="248806" y="173553"/>
-                </a:lnTo>
-                <a:cubicBezTo>
-                  <a:pt x="470270" y="82517"/>
-                  <a:pt x="718117" y="9746"/>
-                  <a:pt x="1058305" y="903"/>
+                  <a:pt x="207708" y="181325"/>
+                  <a:pt x="655503" y="0"/>
+                  <a:pt x="1177412" y="0"/>
                 </a:cubicBezTo>
                 <a:close/>
               </a:path>
             </a:pathLst>
           </a:custGeom>
-          <a:solidFill>
-            <a:srgbClr val="4EA72E">
-              <a:alpha val="20000"/>
-            </a:srgbClr>
-          </a:solidFill>
+          <a:noFill/>
           <a:ln>
             <a:solidFill>
               <a:schemeClr val="tx1"/>
@@ -12247,16 +9388,200 @@
           <a:lstStyle/>
           <a:p>
             <a:pPr algn="ctr"/>
-            <a:endParaRPr lang="ja-JP" altLang="en-US"/>
+            <a:endParaRPr kumimoji="1" lang="ja-JP" altLang="en-US"/>
           </a:p>
         </p:txBody>
       </p:sp>
+      <p:cxnSp>
+        <p:nvCxnSpPr>
+          <p:cNvPr id="14" name="直線コネクタ 13">
+            <a:extLst>
+              <a:ext uri="{FF2B5EF4-FFF2-40B4-BE49-F238E27FC236}">
+                <a16:creationId xmlns:a16="http://schemas.microsoft.com/office/drawing/2014/main" id="{4364858F-E457-9BAF-6126-7870B8CE7061}"/>
+              </a:ext>
+            </a:extLst>
+          </p:cNvPr>
+          <p:cNvCxnSpPr>
+            <a:cxnSpLocks/>
+            <a:stCxn id="2" idx="3"/>
+            <a:endCxn id="12" idx="9"/>
+          </p:cNvCxnSpPr>
+          <p:nvPr/>
+        </p:nvCxnSpPr>
+        <p:spPr>
+          <a:xfrm flipV="1">
+            <a:off x="3520900" y="3947461"/>
+            <a:ext cx="287440" cy="86"/>
+          </a:xfrm>
+          <a:prstGeom prst="line">
+            <a:avLst/>
+          </a:prstGeom>
+          <a:ln>
+            <a:solidFill>
+              <a:schemeClr val="tx1"/>
+            </a:solidFill>
+          </a:ln>
+        </p:spPr>
+        <p:style>
+          <a:lnRef idx="2">
+            <a:schemeClr val="accent1"/>
+          </a:lnRef>
+          <a:fillRef idx="0">
+            <a:schemeClr val="accent1"/>
+          </a:fillRef>
+          <a:effectRef idx="1">
+            <a:schemeClr val="accent1"/>
+          </a:effectRef>
+          <a:fontRef idx="minor">
+            <a:schemeClr val="tx1"/>
+          </a:fontRef>
+        </p:style>
+      </p:cxnSp>
+      <p:cxnSp>
+        <p:nvCxnSpPr>
+          <p:cNvPr id="17" name="直線コネクタ 16">
+            <a:extLst>
+              <a:ext uri="{FF2B5EF4-FFF2-40B4-BE49-F238E27FC236}">
+                <a16:creationId xmlns:a16="http://schemas.microsoft.com/office/drawing/2014/main" id="{1A855A00-AD0E-5322-38B4-FB80E46AF6FA}"/>
+              </a:ext>
+            </a:extLst>
+          </p:cNvPr>
+          <p:cNvCxnSpPr>
+            <a:cxnSpLocks/>
+            <a:stCxn id="12" idx="4"/>
+            <a:endCxn id="4" idx="1"/>
+          </p:cNvCxnSpPr>
+          <p:nvPr/>
+        </p:nvCxnSpPr>
+        <p:spPr>
+          <a:xfrm flipV="1">
+            <a:off x="4155080" y="3935672"/>
+            <a:ext cx="492132" cy="1868"/>
+          </a:xfrm>
+          <a:prstGeom prst="line">
+            <a:avLst/>
+          </a:prstGeom>
+          <a:ln>
+            <a:solidFill>
+              <a:schemeClr val="tx1"/>
+            </a:solidFill>
+          </a:ln>
+        </p:spPr>
+        <p:style>
+          <a:lnRef idx="2">
+            <a:schemeClr val="accent1"/>
+          </a:lnRef>
+          <a:fillRef idx="0">
+            <a:schemeClr val="accent1"/>
+          </a:fillRef>
+          <a:effectRef idx="1">
+            <a:schemeClr val="accent1"/>
+          </a:effectRef>
+          <a:fontRef idx="minor">
+            <a:schemeClr val="tx1"/>
+          </a:fontRef>
+        </p:style>
+      </p:cxnSp>
+      <p:cxnSp>
+        <p:nvCxnSpPr>
+          <p:cNvPr id="26" name="直線コネクタ 25">
+            <a:extLst>
+              <a:ext uri="{FF2B5EF4-FFF2-40B4-BE49-F238E27FC236}">
+                <a16:creationId xmlns:a16="http://schemas.microsoft.com/office/drawing/2014/main" id="{A33EADB5-5550-5428-FE0F-7D527B9BF661}"/>
+              </a:ext>
+            </a:extLst>
+          </p:cNvPr>
+          <p:cNvCxnSpPr>
+            <a:cxnSpLocks/>
+            <a:stCxn id="12" idx="4"/>
+            <a:endCxn id="3" idx="1"/>
+          </p:cNvCxnSpPr>
+          <p:nvPr/>
+        </p:nvCxnSpPr>
+        <p:spPr>
+          <a:xfrm flipV="1">
+            <a:off x="4155080" y="2285002"/>
+            <a:ext cx="492132" cy="1652538"/>
+          </a:xfrm>
+          <a:prstGeom prst="bentConnector3">
+            <a:avLst>
+              <a:gd name="adj1" fmla="val 50000"/>
+            </a:avLst>
+          </a:prstGeom>
+          <a:ln>
+            <a:solidFill>
+              <a:schemeClr val="tx1"/>
+            </a:solidFill>
+          </a:ln>
+        </p:spPr>
+        <p:style>
+          <a:lnRef idx="2">
+            <a:schemeClr val="accent1"/>
+          </a:lnRef>
+          <a:fillRef idx="0">
+            <a:schemeClr val="accent1"/>
+          </a:fillRef>
+          <a:effectRef idx="1">
+            <a:schemeClr val="accent1"/>
+          </a:effectRef>
+          <a:fontRef idx="minor">
+            <a:schemeClr val="tx1"/>
+          </a:fontRef>
+        </p:style>
+      </p:cxnSp>
+      <p:cxnSp>
+        <p:nvCxnSpPr>
+          <p:cNvPr id="29" name="直線コネクタ 25">
+            <a:extLst>
+              <a:ext uri="{FF2B5EF4-FFF2-40B4-BE49-F238E27FC236}">
+                <a16:creationId xmlns:a16="http://schemas.microsoft.com/office/drawing/2014/main" id="{211E5FDA-DDE9-07B0-117E-845C9D19329C}"/>
+              </a:ext>
+            </a:extLst>
+          </p:cNvPr>
+          <p:cNvCxnSpPr>
+            <a:cxnSpLocks/>
+            <a:stCxn id="12" idx="4"/>
+            <a:endCxn id="5" idx="1"/>
+          </p:cNvCxnSpPr>
+          <p:nvPr/>
+        </p:nvCxnSpPr>
+        <p:spPr>
+          <a:xfrm>
+            <a:off x="4155080" y="3937540"/>
+            <a:ext cx="492132" cy="1648802"/>
+          </a:xfrm>
+          <a:prstGeom prst="bentConnector3">
+            <a:avLst>
+              <a:gd name="adj1" fmla="val 50000"/>
+            </a:avLst>
+          </a:prstGeom>
+          <a:ln>
+            <a:solidFill>
+              <a:schemeClr val="tx1"/>
+            </a:solidFill>
+          </a:ln>
+        </p:spPr>
+        <p:style>
+          <a:lnRef idx="2">
+            <a:schemeClr val="accent1"/>
+          </a:lnRef>
+          <a:fillRef idx="0">
+            <a:schemeClr val="accent1"/>
+          </a:fillRef>
+          <a:effectRef idx="1">
+            <a:schemeClr val="accent1"/>
+          </a:effectRef>
+          <a:fontRef idx="minor">
+            <a:schemeClr val="tx1"/>
+          </a:fontRef>
+        </p:style>
+      </p:cxnSp>
       <p:sp>
         <p:nvSpPr>
-          <p:cNvPr id="31" name="フリーフォーム: 図形 30">
+          <p:cNvPr id="36" name="フリーフォーム: 図形 35">
             <a:extLst>
               <a:ext uri="{FF2B5EF4-FFF2-40B4-BE49-F238E27FC236}">
-                <a16:creationId xmlns:a16="http://schemas.microsoft.com/office/drawing/2014/main" id="{5637F1EC-A98E-ED51-9D65-24BCEE2B6F23}"/>
+                <a16:creationId xmlns:a16="http://schemas.microsoft.com/office/drawing/2014/main" id="{6B3B1921-0FEF-9B4F-355E-856121E64FCF}"/>
               </a:ext>
             </a:extLst>
           </p:cNvPr>
@@ -12265,44 +9590,38 @@
         </p:nvSpPr>
         <p:spPr>
           <a:xfrm>
-            <a:off x="253864" y="3099810"/>
-            <a:ext cx="4896001" cy="2029390"/>
+            <a:off x="5786700" y="3745664"/>
+            <a:ext cx="432000" cy="360000"/>
           </a:xfrm>
           <a:custGeom>
             <a:avLst/>
             <a:gdLst>
-              <a:gd name="connsiteX0" fmla="*/ 0 w 4896001"/>
-              <a:gd name="connsiteY0" fmla="*/ 0 h 2029390"/>
-              <a:gd name="connsiteX1" fmla="*/ 4896000 w 4896001"/>
-              <a:gd name="connsiteY1" fmla="*/ 0 h 2029390"/>
-              <a:gd name="connsiteX2" fmla="*/ 4896000 w 4896001"/>
-              <a:gd name="connsiteY2" fmla="*/ 1785592 h 2029390"/>
-              <a:gd name="connsiteX3" fmla="*/ 4896001 w 4896001"/>
-              <a:gd name="connsiteY3" fmla="*/ 1785592 h 2029390"/>
-              <a:gd name="connsiteX4" fmla="*/ 4896000 w 4896001"/>
-              <a:gd name="connsiteY4" fmla="*/ 1785592 h 2029390"/>
-              <a:gd name="connsiteX5" fmla="*/ 4896000 w 4896001"/>
-              <a:gd name="connsiteY5" fmla="*/ 1788009 h 2029390"/>
-              <a:gd name="connsiteX6" fmla="*/ 4889798 w 4896001"/>
-              <a:gd name="connsiteY6" fmla="*/ 1788084 h 2029390"/>
-              <a:gd name="connsiteX7" fmla="*/ 4646016 w 4896001"/>
-              <a:gd name="connsiteY7" fmla="*/ 1886022 h 2029390"/>
-              <a:gd name="connsiteX8" fmla="*/ 3637217 w 4896001"/>
-              <a:gd name="connsiteY8" fmla="*/ 2023099 h 2029390"/>
-              <a:gd name="connsiteX9" fmla="*/ 2784420 w 4896001"/>
-              <a:gd name="connsiteY9" fmla="*/ 1867861 h 2029390"/>
-              <a:gd name="connsiteX10" fmla="*/ 2571009 w 4896001"/>
-              <a:gd name="connsiteY10" fmla="*/ 1816157 h 2029390"/>
-              <a:gd name="connsiteX11" fmla="*/ 2561507 w 4896001"/>
-              <a:gd name="connsiteY11" fmla="*/ 1816272 h 2029390"/>
-              <a:gd name="connsiteX12" fmla="*/ 2457106 w 4896001"/>
-              <a:gd name="connsiteY12" fmla="*/ 1790978 h 2029390"/>
-              <a:gd name="connsiteX13" fmla="*/ 1274026 w 4896001"/>
-              <a:gd name="connsiteY13" fmla="*/ 1562378 h 2029390"/>
-              <a:gd name="connsiteX14" fmla="*/ 248805 w 4896001"/>
-              <a:gd name="connsiteY14" fmla="*/ 1732297 h 2029390"/>
-              <a:gd name="connsiteX15" fmla="*/ 0 w 4896001"/>
-              <a:gd name="connsiteY15" fmla="*/ 1843580 h 2029390"/>
+              <a:gd name="connsiteX0" fmla="*/ 1177412 w 1472827"/>
+              <a:gd name="connsiteY0" fmla="*/ 0 h 930787"/>
+              <a:gd name="connsiteX1" fmla="*/ 1369298 w 1472827"/>
+              <a:gd name="connsiteY1" fmla="*/ 8296 h 930787"/>
+              <a:gd name="connsiteX2" fmla="*/ 1472826 w 1472827"/>
+              <a:gd name="connsiteY2" fmla="*/ 21930 h 930787"/>
+              <a:gd name="connsiteX3" fmla="*/ 1413765 w 1472827"/>
+              <a:gd name="connsiteY3" fmla="*/ 62834 h 930787"/>
+              <a:gd name="connsiteX4" fmla="*/ 1198577 w 1472827"/>
+              <a:gd name="connsiteY4" fmla="*/ 465393 h 930787"/>
+              <a:gd name="connsiteX5" fmla="*/ 1413765 w 1472827"/>
+              <a:gd name="connsiteY5" fmla="*/ 867952 h 930787"/>
+              <a:gd name="connsiteX6" fmla="*/ 1472827 w 1472827"/>
+              <a:gd name="connsiteY6" fmla="*/ 908857 h 930787"/>
+              <a:gd name="connsiteX7" fmla="*/ 1369298 w 1472827"/>
+              <a:gd name="connsiteY7" fmla="*/ 922491 h 930787"/>
+              <a:gd name="connsiteX8" fmla="*/ 1177412 w 1472827"/>
+              <a:gd name="connsiteY8" fmla="*/ 930787 h 930787"/>
+              <a:gd name="connsiteX9" fmla="*/ 16429 w 1472827"/>
+              <a:gd name="connsiteY9" fmla="*/ 491044 h 930787"/>
+              <a:gd name="connsiteX10" fmla="*/ 0 w 1472827"/>
+              <a:gd name="connsiteY10" fmla="*/ 465394 h 930787"/>
+              <a:gd name="connsiteX11" fmla="*/ 16429 w 1472827"/>
+              <a:gd name="connsiteY11" fmla="*/ 439744 h 930787"/>
+              <a:gd name="connsiteX12" fmla="*/ 1177412 w 1472827"/>
+              <a:gd name="connsiteY12" fmla="*/ 0 h 930787"/>
             </a:gdLst>
             <a:ahLst/>
             <a:cxnLst>
@@ -12345,84 +9664,66 @@
               <a:cxn ang="0">
                 <a:pos x="connsiteX12" y="connsiteY12"/>
               </a:cxn>
-              <a:cxn ang="0">
-                <a:pos x="connsiteX13" y="connsiteY13"/>
-              </a:cxn>
-              <a:cxn ang="0">
-                <a:pos x="connsiteX14" y="connsiteY14"/>
-              </a:cxn>
-              <a:cxn ang="0">
-                <a:pos x="connsiteX15" y="connsiteY15"/>
-              </a:cxn>
             </a:cxnLst>
             <a:rect l="l" t="t" r="r" b="b"/>
             <a:pathLst>
-              <a:path w="4896001" h="2029390">
+              <a:path w="1472827" h="930787">
                 <a:moveTo>
-                  <a:pt x="0" y="0"/>
+                  <a:pt x="1177412" y="0"/>
                 </a:moveTo>
+                <a:cubicBezTo>
+                  <a:pt x="1242651" y="0"/>
+                  <a:pt x="1306732" y="2833"/>
+                  <a:pt x="1369298" y="8296"/>
+                </a:cubicBezTo>
                 <a:lnTo>
-                  <a:pt x="4896000" y="0"/>
+                  <a:pt x="1472826" y="21930"/>
                 </a:lnTo>
                 <a:lnTo>
-                  <a:pt x="4896000" y="1785592"/>
+                  <a:pt x="1413765" y="62834"/>
+                </a:lnTo>
+                <a:cubicBezTo>
+                  <a:pt x="1277907" y="177747"/>
+                  <a:pt x="1198577" y="316276"/>
+                  <a:pt x="1198577" y="465393"/>
+                </a:cubicBezTo>
+                <a:cubicBezTo>
+                  <a:pt x="1198577" y="614510"/>
+                  <a:pt x="1277907" y="753039"/>
+                  <a:pt x="1413765" y="867952"/>
+                </a:cubicBezTo>
+                <a:lnTo>
+                  <a:pt x="1472827" y="908857"/>
                 </a:lnTo>
                 <a:lnTo>
-                  <a:pt x="4896001" y="1785592"/>
+                  <a:pt x="1369298" y="922491"/>
+                </a:lnTo>
+                <a:cubicBezTo>
+                  <a:pt x="1306732" y="927954"/>
+                  <a:pt x="1242651" y="930787"/>
+                  <a:pt x="1177412" y="930787"/>
+                </a:cubicBezTo>
+                <a:cubicBezTo>
+                  <a:pt x="655503" y="930787"/>
+                  <a:pt x="207708" y="749462"/>
+                  <a:pt x="16429" y="491044"/>
+                </a:cubicBezTo>
+                <a:lnTo>
+                  <a:pt x="0" y="465394"/>
                 </a:lnTo>
                 <a:lnTo>
-                  <a:pt x="4896000" y="1785592"/>
-                </a:lnTo>
-                <a:lnTo>
-                  <a:pt x="4896000" y="1788009"/>
-                </a:lnTo>
-                <a:lnTo>
-                  <a:pt x="4889798" y="1788084"/>
-                </a:lnTo>
-                <a:lnTo>
-                  <a:pt x="4646016" y="1886022"/>
+                  <a:pt x="16429" y="439744"/>
                 </a:lnTo>
                 <a:cubicBezTo>
-                  <a:pt x="4387403" y="1980979"/>
-                  <a:pt x="4089963" y="2051303"/>
-                  <a:pt x="3637217" y="2023099"/>
+                  <a:pt x="207708" y="181325"/>
+                  <a:pt x="655503" y="0"/>
+                  <a:pt x="1177412" y="0"/>
                 </a:cubicBezTo>
-                <a:cubicBezTo>
-                  <a:pt x="3410844" y="2008997"/>
-                  <a:pt x="3107374" y="1944518"/>
-                  <a:pt x="2784420" y="1867861"/>
-                </a:cubicBezTo>
-                <a:lnTo>
-                  <a:pt x="2571009" y="1816157"/>
-                </a:lnTo>
-                <a:lnTo>
-                  <a:pt x="2561507" y="1816272"/>
-                </a:lnTo>
-                <a:lnTo>
-                  <a:pt x="2457106" y="1790978"/>
-                </a:lnTo>
-                <a:cubicBezTo>
-                  <a:pt x="2017719" y="1683605"/>
-                  <a:pt x="1577837" y="1577222"/>
-                  <a:pt x="1274026" y="1562378"/>
-                </a:cubicBezTo>
-                <a:cubicBezTo>
-                  <a:pt x="818310" y="1540112"/>
-                  <a:pt x="514562" y="1623054"/>
-                  <a:pt x="248805" y="1732297"/>
-                </a:cubicBezTo>
-                <a:lnTo>
-                  <a:pt x="0" y="1843580"/>
-                </a:lnTo>
                 <a:close/>
               </a:path>
             </a:pathLst>
           </a:custGeom>
-          <a:solidFill>
-            <a:srgbClr val="4EA72E">
-              <a:alpha val="20000"/>
-            </a:srgbClr>
-          </a:solidFill>
+          <a:noFill/>
           <a:ln>
             <a:solidFill>
               <a:schemeClr val="tx1"/>
@@ -12452,362 +9753,16 @@
           <a:lstStyle/>
           <a:p>
             <a:pPr algn="ctr"/>
-            <a:endParaRPr lang="ja-JP" altLang="en-US"/>
+            <a:endParaRPr kumimoji="1" lang="ja-JP" altLang="en-US"/>
           </a:p>
         </p:txBody>
       </p:sp>
-    </p:spTree>
-    <p:extLst>
-      <p:ext uri="{BB962C8B-B14F-4D97-AF65-F5344CB8AC3E}">
-        <p14:creationId xmlns:p14="http://schemas.microsoft.com/office/powerpoint/2010/main" val="579999360"/>
-      </p:ext>
-    </p:extLst>
-  </p:cSld>
-  <p:clrMapOvr>
-    <a:masterClrMapping/>
-  </p:clrMapOvr>
-</p:sld>
-</file>
-
-<file path=ppt/slides/slide5.xml><?xml version="1.0" encoding="utf-8"?>
-<p:sld xmlns:a="http://schemas.openxmlformats.org/drawingml/2006/main" xmlns:r="http://schemas.openxmlformats.org/officeDocument/2006/relationships" xmlns:p="http://schemas.openxmlformats.org/presentationml/2006/main">
-  <p:cSld>
-    <p:spTree>
-      <p:nvGrpSpPr>
-        <p:cNvPr id="1" name="">
-          <a:extLst>
-            <a:ext uri="{FF2B5EF4-FFF2-40B4-BE49-F238E27FC236}">
-              <a16:creationId xmlns:a16="http://schemas.microsoft.com/office/drawing/2014/main" id="{560B32B7-EF3D-17EB-D1A6-35C6B91EFD60}"/>
-            </a:ext>
-          </a:extLst>
-        </p:cNvPr>
-        <p:cNvGrpSpPr/>
-        <p:nvPr/>
-      </p:nvGrpSpPr>
-      <p:grpSpPr>
-        <a:xfrm>
-          <a:off x="0" y="0"/>
-          <a:ext cx="0" cy="0"/>
-          <a:chOff x="0" y="0"/>
-          <a:chExt cx="0" cy="0"/>
-        </a:xfrm>
-      </p:grpSpPr>
-      <p:grpSp>
-        <p:nvGrpSpPr>
-          <p:cNvPr id="51" name="グループ化 50">
+      <p:sp>
+        <p:nvSpPr>
+          <p:cNvPr id="38" name="正方形/長方形 37">
             <a:extLst>
               <a:ext uri="{FF2B5EF4-FFF2-40B4-BE49-F238E27FC236}">
-                <a16:creationId xmlns:a16="http://schemas.microsoft.com/office/drawing/2014/main" id="{5FBC46D4-6ABB-389B-9981-7D6B1392FF36}"/>
-              </a:ext>
-            </a:extLst>
-          </p:cNvPr>
-          <p:cNvGrpSpPr/>
-          <p:nvPr/>
-        </p:nvGrpSpPr>
-        <p:grpSpPr>
-          <a:xfrm>
-            <a:off x="6688118" y="5798412"/>
-            <a:ext cx="4896000" cy="635840"/>
-            <a:chOff x="6388925" y="4580242"/>
-            <a:chExt cx="4896000" cy="635840"/>
-          </a:xfrm>
-        </p:grpSpPr>
-        <p:sp>
-          <p:nvSpPr>
-            <p:cNvPr id="7" name="フリーフォーム: 図形 6">
-              <a:extLst>
-                <a:ext uri="{FF2B5EF4-FFF2-40B4-BE49-F238E27FC236}">
-                  <a16:creationId xmlns:a16="http://schemas.microsoft.com/office/drawing/2014/main" id="{00F27B68-C92B-460A-2CA7-B5E78A69837C}"/>
-                </a:ext>
-              </a:extLst>
-            </p:cNvPr>
-            <p:cNvSpPr/>
-            <p:nvPr/>
-          </p:nvSpPr>
-          <p:spPr>
-            <a:xfrm>
-              <a:off x="6388925" y="4580242"/>
-              <a:ext cx="4896000" cy="473062"/>
-            </a:xfrm>
-            <a:custGeom>
-              <a:avLst/>
-              <a:gdLst>
-                <a:gd name="connsiteX0" fmla="*/ 0 w 4904509"/>
-                <a:gd name="connsiteY0" fmla="*/ 288641 h 473062"/>
-                <a:gd name="connsiteX1" fmla="*/ 1282535 w 4904509"/>
-                <a:gd name="connsiteY1" fmla="*/ 3633 h 473062"/>
-                <a:gd name="connsiteX2" fmla="*/ 3645725 w 4904509"/>
-                <a:gd name="connsiteY2" fmla="*/ 466771 h 473062"/>
-                <a:gd name="connsiteX3" fmla="*/ 4904509 w 4904509"/>
-                <a:gd name="connsiteY3" fmla="*/ 229264 h 473062"/>
-              </a:gdLst>
-              <a:ahLst/>
-              <a:cxnLst>
-                <a:cxn ang="0">
-                  <a:pos x="connsiteX0" y="connsiteY0"/>
-                </a:cxn>
-                <a:cxn ang="0">
-                  <a:pos x="connsiteX1" y="connsiteY1"/>
-                </a:cxn>
-                <a:cxn ang="0">
-                  <a:pos x="connsiteX2" y="connsiteY2"/>
-                </a:cxn>
-                <a:cxn ang="0">
-                  <a:pos x="connsiteX3" y="connsiteY3"/>
-                </a:cxn>
-              </a:cxnLst>
-              <a:rect l="l" t="t" r="r" b="b"/>
-              <a:pathLst>
-                <a:path w="4904509" h="473062">
-                  <a:moveTo>
-                    <a:pt x="0" y="288641"/>
-                  </a:moveTo>
-                  <a:cubicBezTo>
-                    <a:pt x="337457" y="131293"/>
-                    <a:pt x="674914" y="-26055"/>
-                    <a:pt x="1282535" y="3633"/>
-                  </a:cubicBezTo>
-                  <a:cubicBezTo>
-                    <a:pt x="1890156" y="33321"/>
-                    <a:pt x="3042063" y="429166"/>
-                    <a:pt x="3645725" y="466771"/>
-                  </a:cubicBezTo>
-                  <a:cubicBezTo>
-                    <a:pt x="4249387" y="504376"/>
-                    <a:pt x="4576948" y="366820"/>
-                    <a:pt x="4904509" y="229264"/>
-                  </a:cubicBezTo>
-                </a:path>
-              </a:pathLst>
-            </a:custGeom>
-            <a:noFill/>
-            <a:ln>
-              <a:solidFill>
-                <a:schemeClr val="tx1"/>
-              </a:solidFill>
-            </a:ln>
-          </p:spPr>
-          <p:style>
-            <a:lnRef idx="2">
-              <a:schemeClr val="accent1">
-                <a:shade val="15000"/>
-              </a:schemeClr>
-            </a:lnRef>
-            <a:fillRef idx="1">
-              <a:schemeClr val="accent1"/>
-            </a:fillRef>
-            <a:effectRef idx="0">
-              <a:schemeClr val="accent1"/>
-            </a:effectRef>
-            <a:fontRef idx="minor">
-              <a:schemeClr val="lt1"/>
-            </a:fontRef>
-          </p:style>
-          <p:txBody>
-            <a:bodyPr rtlCol="0" anchor="ctr"/>
-            <a:lstStyle/>
-            <a:p>
-              <a:pPr algn="ctr"/>
-              <a:endParaRPr kumimoji="1" lang="ja-JP" altLang="en-US"/>
-            </a:p>
-          </p:txBody>
-        </p:sp>
-        <p:sp>
-          <p:nvSpPr>
-            <p:cNvPr id="16" name="フリーフォーム: 図形 15">
-              <a:extLst>
-                <a:ext uri="{FF2B5EF4-FFF2-40B4-BE49-F238E27FC236}">
-                  <a16:creationId xmlns:a16="http://schemas.microsoft.com/office/drawing/2014/main" id="{0BCA2D8C-17C4-EB93-698B-AA4FCE65DC16}"/>
-                </a:ext>
-              </a:extLst>
-            </p:cNvPr>
-            <p:cNvSpPr/>
-            <p:nvPr/>
-          </p:nvSpPr>
-          <p:spPr>
-            <a:xfrm>
-              <a:off x="6388925" y="4743020"/>
-              <a:ext cx="4896000" cy="473062"/>
-            </a:xfrm>
-            <a:custGeom>
-              <a:avLst/>
-              <a:gdLst>
-                <a:gd name="connsiteX0" fmla="*/ 0 w 4904509"/>
-                <a:gd name="connsiteY0" fmla="*/ 288641 h 473062"/>
-                <a:gd name="connsiteX1" fmla="*/ 1282535 w 4904509"/>
-                <a:gd name="connsiteY1" fmla="*/ 3633 h 473062"/>
-                <a:gd name="connsiteX2" fmla="*/ 3645725 w 4904509"/>
-                <a:gd name="connsiteY2" fmla="*/ 466771 h 473062"/>
-                <a:gd name="connsiteX3" fmla="*/ 4904509 w 4904509"/>
-                <a:gd name="connsiteY3" fmla="*/ 229264 h 473062"/>
-              </a:gdLst>
-              <a:ahLst/>
-              <a:cxnLst>
-                <a:cxn ang="0">
-                  <a:pos x="connsiteX0" y="connsiteY0"/>
-                </a:cxn>
-                <a:cxn ang="0">
-                  <a:pos x="connsiteX1" y="connsiteY1"/>
-                </a:cxn>
-                <a:cxn ang="0">
-                  <a:pos x="connsiteX2" y="connsiteY2"/>
-                </a:cxn>
-                <a:cxn ang="0">
-                  <a:pos x="connsiteX3" y="connsiteY3"/>
-                </a:cxn>
-              </a:cxnLst>
-              <a:rect l="l" t="t" r="r" b="b"/>
-              <a:pathLst>
-                <a:path w="4904509" h="473062">
-                  <a:moveTo>
-                    <a:pt x="0" y="288641"/>
-                  </a:moveTo>
-                  <a:cubicBezTo>
-                    <a:pt x="337457" y="131293"/>
-                    <a:pt x="674914" y="-26055"/>
-                    <a:pt x="1282535" y="3633"/>
-                  </a:cubicBezTo>
-                  <a:cubicBezTo>
-                    <a:pt x="1890156" y="33321"/>
-                    <a:pt x="3042063" y="429166"/>
-                    <a:pt x="3645725" y="466771"/>
-                  </a:cubicBezTo>
-                  <a:cubicBezTo>
-                    <a:pt x="4249387" y="504376"/>
-                    <a:pt x="4576948" y="366820"/>
-                    <a:pt x="4904509" y="229264"/>
-                  </a:cubicBezTo>
-                </a:path>
-              </a:pathLst>
-            </a:custGeom>
-            <a:noFill/>
-            <a:ln>
-              <a:solidFill>
-                <a:schemeClr val="tx1"/>
-              </a:solidFill>
-            </a:ln>
-          </p:spPr>
-          <p:style>
-            <a:lnRef idx="2">
-              <a:schemeClr val="accent1">
-                <a:shade val="15000"/>
-              </a:schemeClr>
-            </a:lnRef>
-            <a:fillRef idx="1">
-              <a:schemeClr val="accent1"/>
-            </a:fillRef>
-            <a:effectRef idx="0">
-              <a:schemeClr val="accent1"/>
-            </a:effectRef>
-            <a:fontRef idx="minor">
-              <a:schemeClr val="lt1"/>
-            </a:fontRef>
-          </p:style>
-          <p:txBody>
-            <a:bodyPr rtlCol="0" anchor="ctr"/>
-            <a:lstStyle/>
-            <a:p>
-              <a:pPr algn="ctr"/>
-              <a:endParaRPr kumimoji="1" lang="ja-JP" altLang="en-US" dirty="0"/>
-            </a:p>
-          </p:txBody>
-        </p:sp>
-        <p:cxnSp>
-          <p:nvCxnSpPr>
-            <p:cNvPr id="18" name="直線コネクタ 17">
-              <a:extLst>
-                <a:ext uri="{FF2B5EF4-FFF2-40B4-BE49-F238E27FC236}">
-                  <a16:creationId xmlns:a16="http://schemas.microsoft.com/office/drawing/2014/main" id="{978897FC-3BB1-7395-B1F8-66BCDA45B3D4}"/>
-                </a:ext>
-              </a:extLst>
-            </p:cNvPr>
-            <p:cNvCxnSpPr>
-              <a:stCxn id="7" idx="0"/>
-              <a:endCxn id="16" idx="0"/>
-            </p:cNvCxnSpPr>
-            <p:nvPr/>
-          </p:nvCxnSpPr>
-          <p:spPr>
-            <a:xfrm>
-              <a:off x="6388925" y="4868883"/>
-              <a:ext cx="0" cy="162778"/>
-            </a:xfrm>
-            <a:prstGeom prst="line">
-              <a:avLst/>
-            </a:prstGeom>
-            <a:ln>
-              <a:solidFill>
-                <a:schemeClr val="tx1"/>
-              </a:solidFill>
-            </a:ln>
-          </p:spPr>
-          <p:style>
-            <a:lnRef idx="2">
-              <a:schemeClr val="accent1"/>
-            </a:lnRef>
-            <a:fillRef idx="0">
-              <a:schemeClr val="accent1"/>
-            </a:fillRef>
-            <a:effectRef idx="1">
-              <a:schemeClr val="accent1"/>
-            </a:effectRef>
-            <a:fontRef idx="minor">
-              <a:schemeClr val="tx1"/>
-            </a:fontRef>
-          </p:style>
-        </p:cxnSp>
-        <p:cxnSp>
-          <p:nvCxnSpPr>
-            <p:cNvPr id="23" name="直線コネクタ 22">
-              <a:extLst>
-                <a:ext uri="{FF2B5EF4-FFF2-40B4-BE49-F238E27FC236}">
-                  <a16:creationId xmlns:a16="http://schemas.microsoft.com/office/drawing/2014/main" id="{B9BE738C-45D5-229E-5F36-464597490FD9}"/>
-                </a:ext>
-              </a:extLst>
-            </p:cNvPr>
-            <p:cNvCxnSpPr>
-              <a:cxnSpLocks/>
-              <a:stCxn id="7" idx="3"/>
-              <a:endCxn id="16" idx="3"/>
-            </p:cNvCxnSpPr>
-            <p:nvPr/>
-          </p:nvCxnSpPr>
-          <p:spPr>
-            <a:xfrm>
-              <a:off x="11284925" y="4809506"/>
-              <a:ext cx="0" cy="162778"/>
-            </a:xfrm>
-            <a:prstGeom prst="line">
-              <a:avLst/>
-            </a:prstGeom>
-            <a:ln>
-              <a:solidFill>
-                <a:schemeClr val="tx1"/>
-              </a:solidFill>
-            </a:ln>
-          </p:spPr>
-          <p:style>
-            <a:lnRef idx="2">
-              <a:schemeClr val="accent1"/>
-            </a:lnRef>
-            <a:fillRef idx="0">
-              <a:schemeClr val="accent1"/>
-            </a:fillRef>
-            <a:effectRef idx="1">
-              <a:schemeClr val="accent1"/>
-            </a:effectRef>
-            <a:fontRef idx="minor">
-              <a:schemeClr val="tx1"/>
-            </a:fontRef>
-          </p:style>
-        </p:cxnSp>
-      </p:grpSp>
-      <p:sp>
-        <p:nvSpPr>
-          <p:cNvPr id="91" name="正方形/長方形 90">
-            <a:extLst>
-              <a:ext uri="{FF2B5EF4-FFF2-40B4-BE49-F238E27FC236}">
-                <a16:creationId xmlns:a16="http://schemas.microsoft.com/office/drawing/2014/main" id="{58230A94-7FAC-477E-8EB1-AC636BACD67C}"/>
+                <a16:creationId xmlns:a16="http://schemas.microsoft.com/office/drawing/2014/main" id="{D75E0B7E-D814-424D-7E16-8291FC811A4D}"/>
               </a:ext>
             </a:extLst>
           </p:cNvPr>
@@ -12816,17 +9771,13 @@
         </p:nvSpPr>
         <p:spPr>
           <a:xfrm>
-            <a:off x="256010" y="3102975"/>
-            <a:ext cx="4896000" cy="2520000"/>
+            <a:off x="6810772" y="3452599"/>
+            <a:ext cx="1472003" cy="432000"/>
           </a:xfrm>
           <a:prstGeom prst="rect">
             <a:avLst/>
           </a:prstGeom>
-          <a:solidFill>
-            <a:srgbClr val="4EA72E">
-              <a:alpha val="20000"/>
-            </a:srgbClr>
-          </a:solidFill>
+          <a:noFill/>
           <a:ln>
             <a:solidFill>
               <a:schemeClr val="tx1"/>
@@ -12850,20 +9801,77 @@
           </a:fontRef>
         </p:style>
         <p:txBody>
-          <a:bodyPr rtlCol="0" anchor="ctr"/>
+          <a:bodyPr lIns="36000" tIns="36000" rIns="36000" bIns="36000" rtlCol="0" anchor="ctr"/>
           <a:lstStyle/>
           <a:p>
             <a:pPr algn="ctr"/>
-            <a:endParaRPr lang="ja-JP" altLang="en-US"/>
+            <a:r>
+              <a:rPr lang="ja-JP" altLang="en-US" b="1" dirty="0">
+                <a:solidFill>
+                  <a:schemeClr val="tx1"/>
+                </a:solidFill>
+              </a:rPr>
+              <a:t>電圧不足</a:t>
+            </a:r>
+            <a:endParaRPr lang="en-US" altLang="ja-JP" b="1" dirty="0">
+              <a:solidFill>
+                <a:schemeClr val="tx1"/>
+              </a:solidFill>
+            </a:endParaRPr>
           </a:p>
         </p:txBody>
       </p:sp>
+      <p:cxnSp>
+        <p:nvCxnSpPr>
+          <p:cNvPr id="39" name="直線コネクタ 38">
+            <a:extLst>
+              <a:ext uri="{FF2B5EF4-FFF2-40B4-BE49-F238E27FC236}">
+                <a16:creationId xmlns:a16="http://schemas.microsoft.com/office/drawing/2014/main" id="{C9E82F04-B5F7-53B8-3585-31390516E807}"/>
+              </a:ext>
+            </a:extLst>
+          </p:cNvPr>
+          <p:cNvCxnSpPr>
+            <a:cxnSpLocks/>
+            <a:stCxn id="4" idx="3"/>
+            <a:endCxn id="36" idx="9"/>
+          </p:cNvCxnSpPr>
+          <p:nvPr/>
+        </p:nvCxnSpPr>
+        <p:spPr>
+          <a:xfrm flipV="1">
+            <a:off x="5557444" y="3935585"/>
+            <a:ext cx="234075" cy="87"/>
+          </a:xfrm>
+          <a:prstGeom prst="line">
+            <a:avLst/>
+          </a:prstGeom>
+          <a:ln>
+            <a:solidFill>
+              <a:schemeClr val="tx1"/>
+            </a:solidFill>
+          </a:ln>
+        </p:spPr>
+        <p:style>
+          <a:lnRef idx="2">
+            <a:schemeClr val="accent1"/>
+          </a:lnRef>
+          <a:fillRef idx="0">
+            <a:schemeClr val="accent1"/>
+          </a:fillRef>
+          <a:effectRef idx="1">
+            <a:schemeClr val="accent1"/>
+          </a:effectRef>
+          <a:fontRef idx="minor">
+            <a:schemeClr val="tx1"/>
+          </a:fontRef>
+        </p:style>
+      </p:cxnSp>
       <p:sp>
         <p:nvSpPr>
-          <p:cNvPr id="92" name="フリーフォーム: 図形 91">
+          <p:cNvPr id="43" name="正方形/長方形 42">
             <a:extLst>
               <a:ext uri="{FF2B5EF4-FFF2-40B4-BE49-F238E27FC236}">
-                <a16:creationId xmlns:a16="http://schemas.microsoft.com/office/drawing/2014/main" id="{DC15D81B-E097-777D-F3F8-87E41D4EA3A7}"/>
+                <a16:creationId xmlns:a16="http://schemas.microsoft.com/office/drawing/2014/main" id="{49CE0AD8-7717-05E8-3064-730B3ECC68C0}"/>
               </a:ext>
             </a:extLst>
           </p:cNvPr>
@@ -12872,61 +9880,18 @@
         </p:nvSpPr>
         <p:spPr>
           <a:xfrm>
-            <a:off x="247501" y="4661720"/>
-            <a:ext cx="4904509" cy="473062"/>
+            <a:off x="6810772" y="3938750"/>
+            <a:ext cx="1472003" cy="432000"/>
           </a:xfrm>
-          <a:custGeom>
+          <a:prstGeom prst="rect">
             <a:avLst/>
-            <a:gdLst>
-              <a:gd name="connsiteX0" fmla="*/ 0 w 4904509"/>
-              <a:gd name="connsiteY0" fmla="*/ 288641 h 473062"/>
-              <a:gd name="connsiteX1" fmla="*/ 1282535 w 4904509"/>
-              <a:gd name="connsiteY1" fmla="*/ 3633 h 473062"/>
-              <a:gd name="connsiteX2" fmla="*/ 3645725 w 4904509"/>
-              <a:gd name="connsiteY2" fmla="*/ 466771 h 473062"/>
-              <a:gd name="connsiteX3" fmla="*/ 4904509 w 4904509"/>
-              <a:gd name="connsiteY3" fmla="*/ 229264 h 473062"/>
-            </a:gdLst>
-            <a:ahLst/>
-            <a:cxnLst>
-              <a:cxn ang="0">
-                <a:pos x="connsiteX0" y="connsiteY0"/>
-              </a:cxn>
-              <a:cxn ang="0">
-                <a:pos x="connsiteX1" y="connsiteY1"/>
-              </a:cxn>
-              <a:cxn ang="0">
-                <a:pos x="connsiteX2" y="connsiteY2"/>
-              </a:cxn>
-              <a:cxn ang="0">
-                <a:pos x="connsiteX3" y="connsiteY3"/>
-              </a:cxn>
-            </a:cxnLst>
-            <a:rect l="l" t="t" r="r" b="b"/>
-            <a:pathLst>
-              <a:path w="4904509" h="473062">
-                <a:moveTo>
-                  <a:pt x="0" y="288641"/>
-                </a:moveTo>
-                <a:cubicBezTo>
-                  <a:pt x="337457" y="131293"/>
-                  <a:pt x="674914" y="-26055"/>
-                  <a:pt x="1282535" y="3633"/>
-                </a:cubicBezTo>
-                <a:cubicBezTo>
-                  <a:pt x="1890156" y="33321"/>
-                  <a:pt x="3042063" y="429166"/>
-                  <a:pt x="3645725" y="466771"/>
-                </a:cubicBezTo>
-                <a:cubicBezTo>
-                  <a:pt x="4249387" y="504376"/>
-                  <a:pt x="4576948" y="366820"/>
-                  <a:pt x="4904509" y="229264"/>
-                </a:cubicBezTo>
-              </a:path>
-            </a:pathLst>
-          </a:custGeom>
+          </a:prstGeom>
           <a:noFill/>
+          <a:ln>
+            <a:solidFill>
+              <a:schemeClr val="tx1"/>
+            </a:solidFill>
+          </a:ln>
         </p:spPr>
         <p:style>
           <a:lnRef idx="2">
@@ -12945,20 +9910,126 @@
           </a:fontRef>
         </p:style>
         <p:txBody>
-          <a:bodyPr rtlCol="0" anchor="ctr"/>
+          <a:bodyPr lIns="36000" tIns="36000" rIns="36000" bIns="36000" rtlCol="0" anchor="ctr"/>
           <a:lstStyle/>
           <a:p>
             <a:pPr algn="ctr"/>
-            <a:endParaRPr kumimoji="1" lang="ja-JP" altLang="en-US"/>
+            <a:r>
+              <a:rPr lang="ja-JP" altLang="en-US" b="1" dirty="0">
+                <a:solidFill>
+                  <a:schemeClr val="tx1"/>
+                </a:solidFill>
+              </a:rPr>
+              <a:t>コネクタ緩み</a:t>
+            </a:r>
+            <a:endParaRPr lang="en-US" altLang="ja-JP" b="1" dirty="0">
+              <a:solidFill>
+                <a:schemeClr val="tx1"/>
+              </a:solidFill>
+            </a:endParaRPr>
           </a:p>
         </p:txBody>
       </p:sp>
+      <p:cxnSp>
+        <p:nvCxnSpPr>
+          <p:cNvPr id="44" name="直線コネクタ 25">
+            <a:extLst>
+              <a:ext uri="{FF2B5EF4-FFF2-40B4-BE49-F238E27FC236}">
+                <a16:creationId xmlns:a16="http://schemas.microsoft.com/office/drawing/2014/main" id="{FB9DAC39-798A-AE05-D62B-4BCE62514CF4}"/>
+              </a:ext>
+            </a:extLst>
+          </p:cNvPr>
+          <p:cNvCxnSpPr>
+            <a:cxnSpLocks/>
+            <a:stCxn id="36" idx="4"/>
+            <a:endCxn id="38" idx="1"/>
+          </p:cNvCxnSpPr>
+          <p:nvPr/>
+        </p:nvCxnSpPr>
+        <p:spPr>
+          <a:xfrm flipV="1">
+            <a:off x="6138259" y="3668599"/>
+            <a:ext cx="672513" cy="257065"/>
+          </a:xfrm>
+          <a:prstGeom prst="bentConnector3">
+            <a:avLst>
+              <a:gd name="adj1" fmla="val 50000"/>
+            </a:avLst>
+          </a:prstGeom>
+          <a:ln>
+            <a:solidFill>
+              <a:schemeClr val="tx1"/>
+            </a:solidFill>
+          </a:ln>
+        </p:spPr>
+        <p:style>
+          <a:lnRef idx="2">
+            <a:schemeClr val="accent1"/>
+          </a:lnRef>
+          <a:fillRef idx="0">
+            <a:schemeClr val="accent1"/>
+          </a:fillRef>
+          <a:effectRef idx="1">
+            <a:schemeClr val="accent1"/>
+          </a:effectRef>
+          <a:fontRef idx="minor">
+            <a:schemeClr val="tx1"/>
+          </a:fontRef>
+        </p:style>
+      </p:cxnSp>
+      <p:cxnSp>
+        <p:nvCxnSpPr>
+          <p:cNvPr id="47" name="直線コネクタ 25">
+            <a:extLst>
+              <a:ext uri="{FF2B5EF4-FFF2-40B4-BE49-F238E27FC236}">
+                <a16:creationId xmlns:a16="http://schemas.microsoft.com/office/drawing/2014/main" id="{1D60C00C-A3C6-5D74-B1CF-68ADBEEDF745}"/>
+              </a:ext>
+            </a:extLst>
+          </p:cNvPr>
+          <p:cNvCxnSpPr>
+            <a:cxnSpLocks/>
+            <a:stCxn id="36" idx="4"/>
+            <a:endCxn id="43" idx="1"/>
+          </p:cNvCxnSpPr>
+          <p:nvPr/>
+        </p:nvCxnSpPr>
+        <p:spPr>
+          <a:xfrm>
+            <a:off x="6138259" y="3925664"/>
+            <a:ext cx="672513" cy="229086"/>
+          </a:xfrm>
+          <a:prstGeom prst="bentConnector3">
+            <a:avLst>
+              <a:gd name="adj1" fmla="val 50000"/>
+            </a:avLst>
+          </a:prstGeom>
+          <a:ln>
+            <a:solidFill>
+              <a:schemeClr val="tx1"/>
+            </a:solidFill>
+          </a:ln>
+        </p:spPr>
+        <p:style>
+          <a:lnRef idx="2">
+            <a:schemeClr val="accent1"/>
+          </a:lnRef>
+          <a:fillRef idx="0">
+            <a:schemeClr val="accent1"/>
+          </a:fillRef>
+          <a:effectRef idx="1">
+            <a:schemeClr val="accent1"/>
+          </a:effectRef>
+          <a:fontRef idx="minor">
+            <a:schemeClr val="tx1"/>
+          </a:fontRef>
+        </p:style>
+      </p:cxnSp>
       <p:sp>
         <p:nvSpPr>
-          <p:cNvPr id="103" name="フリーフォーム: 図形 102">
+          <p:cNvPr id="54" name="正方形/長方形 53">
             <a:extLst>
               <a:ext uri="{FF2B5EF4-FFF2-40B4-BE49-F238E27FC236}">
-                <a16:creationId xmlns:a16="http://schemas.microsoft.com/office/drawing/2014/main" id="{5B2C729F-85DD-65EA-75EF-56E3FFBA5648}"/>
+                <a16:creationId xmlns:a16="http://schemas.microsoft.com/office/drawing/2014/main" id="{0E9E0569-233A-EEA2-B3F3-29407F5E4177}"/>
               </a:ext>
             </a:extLst>
           </p:cNvPr>
@@ -12967,42 +10038,223 @@
         </p:nvSpPr>
         <p:spPr>
           <a:xfrm>
-            <a:off x="6301209" y="2214477"/>
-            <a:ext cx="4896000" cy="959166"/>
+            <a:off x="6810772" y="4457460"/>
+            <a:ext cx="1472003" cy="432000"/>
+          </a:xfrm>
+          <a:prstGeom prst="rect">
+            <a:avLst/>
+          </a:prstGeom>
+          <a:noFill/>
+          <a:ln>
+            <a:noFill/>
+          </a:ln>
+        </p:spPr>
+        <p:style>
+          <a:lnRef idx="2">
+            <a:schemeClr val="accent1">
+              <a:shade val="15000"/>
+            </a:schemeClr>
+          </a:lnRef>
+          <a:fillRef idx="1">
+            <a:schemeClr val="accent1"/>
+          </a:fillRef>
+          <a:effectRef idx="0">
+            <a:schemeClr val="accent1"/>
+          </a:effectRef>
+          <a:fontRef idx="minor">
+            <a:schemeClr val="lt1"/>
+          </a:fontRef>
+        </p:style>
+        <p:txBody>
+          <a:bodyPr lIns="36000" tIns="36000" rIns="36000" bIns="36000" rtlCol="0" anchor="ctr"/>
+          <a:lstStyle/>
+          <a:p>
+            <a:pPr algn="ctr"/>
+            <a:r>
+              <a:rPr lang="en-US" altLang="ja-JP" b="1" dirty="0">
+                <a:solidFill>
+                  <a:schemeClr val="tx1"/>
+                </a:solidFill>
+              </a:rPr>
+              <a:t>…</a:t>
+            </a:r>
+          </a:p>
+        </p:txBody>
+      </p:sp>
+      <p:sp>
+        <p:nvSpPr>
+          <p:cNvPr id="56" name="正方形/長方形 55">
+            <a:extLst>
+              <a:ext uri="{FF2B5EF4-FFF2-40B4-BE49-F238E27FC236}">
+                <a16:creationId xmlns:a16="http://schemas.microsoft.com/office/drawing/2014/main" id="{3371B774-D44B-D104-0CDF-39249676F7EC}"/>
+              </a:ext>
+            </a:extLst>
+          </p:cNvPr>
+          <p:cNvSpPr/>
+          <p:nvPr/>
+        </p:nvSpPr>
+        <p:spPr>
+          <a:xfrm>
+            <a:off x="6810772" y="2349039"/>
+            <a:ext cx="1472003" cy="432000"/>
+          </a:xfrm>
+          <a:prstGeom prst="rect">
+            <a:avLst/>
+          </a:prstGeom>
+          <a:noFill/>
+          <a:ln>
+            <a:solidFill>
+              <a:schemeClr val="tx1"/>
+            </a:solidFill>
+          </a:ln>
+        </p:spPr>
+        <p:style>
+          <a:lnRef idx="2">
+            <a:schemeClr val="accent1">
+              <a:shade val="15000"/>
+            </a:schemeClr>
+          </a:lnRef>
+          <a:fillRef idx="1">
+            <a:schemeClr val="accent1"/>
+          </a:fillRef>
+          <a:effectRef idx="0">
+            <a:schemeClr val="accent1"/>
+          </a:effectRef>
+          <a:fontRef idx="minor">
+            <a:schemeClr val="lt1"/>
+          </a:fontRef>
+        </p:style>
+        <p:txBody>
+          <a:bodyPr lIns="36000" tIns="36000" rIns="36000" bIns="36000" rtlCol="0" anchor="ctr"/>
+          <a:lstStyle/>
+          <a:p>
+            <a:pPr algn="ctr"/>
+            <a:r>
+              <a:rPr lang="ja-JP" altLang="en-US" b="1" dirty="0">
+                <a:solidFill>
+                  <a:schemeClr val="tx1"/>
+                </a:solidFill>
+              </a:rPr>
+              <a:t>エア圧力不足</a:t>
+            </a:r>
+            <a:endParaRPr lang="en-US" altLang="ja-JP" b="1" dirty="0">
+              <a:solidFill>
+                <a:schemeClr val="tx1"/>
+              </a:solidFill>
+            </a:endParaRPr>
+          </a:p>
+        </p:txBody>
+      </p:sp>
+      <p:sp>
+        <p:nvSpPr>
+          <p:cNvPr id="57" name="正方形/長方形 56">
+            <a:extLst>
+              <a:ext uri="{FF2B5EF4-FFF2-40B4-BE49-F238E27FC236}">
+                <a16:creationId xmlns:a16="http://schemas.microsoft.com/office/drawing/2014/main" id="{050CB53B-A814-8424-F5FC-247534C657F0}"/>
+              </a:ext>
+            </a:extLst>
+          </p:cNvPr>
+          <p:cNvSpPr/>
+          <p:nvPr/>
+        </p:nvSpPr>
+        <p:spPr>
+          <a:xfrm>
+            <a:off x="6810772" y="1852276"/>
+            <a:ext cx="1472003" cy="432000"/>
+          </a:xfrm>
+          <a:prstGeom prst="rect">
+            <a:avLst/>
+          </a:prstGeom>
+          <a:noFill/>
+          <a:ln>
+            <a:solidFill>
+              <a:schemeClr val="tx1"/>
+            </a:solidFill>
+          </a:ln>
+        </p:spPr>
+        <p:style>
+          <a:lnRef idx="2">
+            <a:schemeClr val="accent1">
+              <a:shade val="15000"/>
+            </a:schemeClr>
+          </a:lnRef>
+          <a:fillRef idx="1">
+            <a:schemeClr val="accent1"/>
+          </a:fillRef>
+          <a:effectRef idx="0">
+            <a:schemeClr val="accent1"/>
+          </a:effectRef>
+          <a:fontRef idx="minor">
+            <a:schemeClr val="lt1"/>
+          </a:fontRef>
+        </p:style>
+        <p:txBody>
+          <a:bodyPr lIns="36000" tIns="36000" rIns="36000" bIns="36000" rtlCol="0" anchor="ctr"/>
+          <a:lstStyle/>
+          <a:p>
+            <a:pPr algn="ctr"/>
+            <a:r>
+              <a:rPr lang="ja-JP" altLang="en-US" b="1" dirty="0">
+                <a:solidFill>
+                  <a:schemeClr val="tx1"/>
+                </a:solidFill>
+              </a:rPr>
+              <a:t>部品摩耗</a:t>
+            </a:r>
+            <a:endParaRPr lang="en-US" altLang="ja-JP" b="1" dirty="0">
+              <a:solidFill>
+                <a:schemeClr val="tx1"/>
+              </a:solidFill>
+            </a:endParaRPr>
+          </a:p>
+        </p:txBody>
+      </p:sp>
+      <p:sp>
+        <p:nvSpPr>
+          <p:cNvPr id="61" name="フリーフォーム: 図形 60">
+            <a:extLst>
+              <a:ext uri="{FF2B5EF4-FFF2-40B4-BE49-F238E27FC236}">
+                <a16:creationId xmlns:a16="http://schemas.microsoft.com/office/drawing/2014/main" id="{72707CF1-3A64-E4CC-85B4-AADDC55CEB01}"/>
+              </a:ext>
+            </a:extLst>
+          </p:cNvPr>
+          <p:cNvSpPr/>
+          <p:nvPr/>
+        </p:nvSpPr>
+        <p:spPr>
+          <a:xfrm>
+            <a:off x="5794786" y="2106869"/>
+            <a:ext cx="432000" cy="360000"/>
           </a:xfrm>
           <a:custGeom>
             <a:avLst/>
             <a:gdLst>
-              <a:gd name="connsiteX0" fmla="*/ 1058305 w 4896000"/>
-              <a:gd name="connsiteY0" fmla="*/ 903 h 959166"/>
-              <a:gd name="connsiteX1" fmla="*/ 1274027 w 4896000"/>
-              <a:gd name="connsiteY1" fmla="*/ 3634 h 959166"/>
-              <a:gd name="connsiteX2" fmla="*/ 2457107 w 4896000"/>
-              <a:gd name="connsiteY2" fmla="*/ 232234 h 959166"/>
-              <a:gd name="connsiteX3" fmla="*/ 2553292 w 4896000"/>
-              <a:gd name="connsiteY3" fmla="*/ 255538 h 959166"/>
-              <a:gd name="connsiteX4" fmla="*/ 2561507 w 4896000"/>
-              <a:gd name="connsiteY4" fmla="*/ 255438 h 959166"/>
-              <a:gd name="connsiteX5" fmla="*/ 2784419 w 4896000"/>
-              <a:gd name="connsiteY5" fmla="*/ 309444 h 959166"/>
-              <a:gd name="connsiteX6" fmla="*/ 3637216 w 4896000"/>
-              <a:gd name="connsiteY6" fmla="*/ 464682 h 959166"/>
-              <a:gd name="connsiteX7" fmla="*/ 4896000 w 4896000"/>
-              <a:gd name="connsiteY7" fmla="*/ 227175 h 959166"/>
-              <a:gd name="connsiteX8" fmla="*/ 4896000 w 4896000"/>
-              <a:gd name="connsiteY8" fmla="*/ 959166 h 959166"/>
-              <a:gd name="connsiteX9" fmla="*/ 0 w 4896000"/>
-              <a:gd name="connsiteY9" fmla="*/ 959166 h 959166"/>
-              <a:gd name="connsiteX10" fmla="*/ 0 w 4896000"/>
-              <a:gd name="connsiteY10" fmla="*/ 286449 h 959166"/>
-              <a:gd name="connsiteX11" fmla="*/ 1 w 4896000"/>
-              <a:gd name="connsiteY11" fmla="*/ 286449 h 959166"/>
-              <a:gd name="connsiteX12" fmla="*/ 1 w 4896000"/>
-              <a:gd name="connsiteY12" fmla="*/ 284836 h 959166"/>
-              <a:gd name="connsiteX13" fmla="*/ 248806 w 4896000"/>
-              <a:gd name="connsiteY13" fmla="*/ 173553 h 959166"/>
-              <a:gd name="connsiteX14" fmla="*/ 1058305 w 4896000"/>
-              <a:gd name="connsiteY14" fmla="*/ 903 h 959166"/>
+              <a:gd name="connsiteX0" fmla="*/ 1177412 w 1472827"/>
+              <a:gd name="connsiteY0" fmla="*/ 0 h 930787"/>
+              <a:gd name="connsiteX1" fmla="*/ 1369298 w 1472827"/>
+              <a:gd name="connsiteY1" fmla="*/ 8296 h 930787"/>
+              <a:gd name="connsiteX2" fmla="*/ 1472826 w 1472827"/>
+              <a:gd name="connsiteY2" fmla="*/ 21930 h 930787"/>
+              <a:gd name="connsiteX3" fmla="*/ 1413765 w 1472827"/>
+              <a:gd name="connsiteY3" fmla="*/ 62834 h 930787"/>
+              <a:gd name="connsiteX4" fmla="*/ 1198577 w 1472827"/>
+              <a:gd name="connsiteY4" fmla="*/ 465393 h 930787"/>
+              <a:gd name="connsiteX5" fmla="*/ 1413765 w 1472827"/>
+              <a:gd name="connsiteY5" fmla="*/ 867952 h 930787"/>
+              <a:gd name="connsiteX6" fmla="*/ 1472827 w 1472827"/>
+              <a:gd name="connsiteY6" fmla="*/ 908857 h 930787"/>
+              <a:gd name="connsiteX7" fmla="*/ 1369298 w 1472827"/>
+              <a:gd name="connsiteY7" fmla="*/ 922491 h 930787"/>
+              <a:gd name="connsiteX8" fmla="*/ 1177412 w 1472827"/>
+              <a:gd name="connsiteY8" fmla="*/ 930787 h 930787"/>
+              <a:gd name="connsiteX9" fmla="*/ 16429 w 1472827"/>
+              <a:gd name="connsiteY9" fmla="*/ 491044 h 930787"/>
+              <a:gd name="connsiteX10" fmla="*/ 0 w 1472827"/>
+              <a:gd name="connsiteY10" fmla="*/ 465394 h 930787"/>
+              <a:gd name="connsiteX11" fmla="*/ 16429 w 1472827"/>
+              <a:gd name="connsiteY11" fmla="*/ 439744 h 930787"/>
+              <a:gd name="connsiteX12" fmla="*/ 1177412 w 1472827"/>
+              <a:gd name="connsiteY12" fmla="*/ 0 h 930787"/>
             </a:gdLst>
             <a:ahLst/>
             <a:cxnLst>
@@ -13045,80 +10297,66 @@
               <a:cxn ang="0">
                 <a:pos x="connsiteX12" y="connsiteY12"/>
               </a:cxn>
-              <a:cxn ang="0">
-                <a:pos x="connsiteX13" y="connsiteY13"/>
-              </a:cxn>
-              <a:cxn ang="0">
-                <a:pos x="connsiteX14" y="connsiteY14"/>
-              </a:cxn>
             </a:cxnLst>
             <a:rect l="l" t="t" r="r" b="b"/>
             <a:pathLst>
-              <a:path w="4896000" h="959166">
+              <a:path w="1472827" h="930787">
                 <a:moveTo>
-                  <a:pt x="1058305" y="903"/>
+                  <a:pt x="1177412" y="0"/>
                 </a:moveTo>
                 <a:cubicBezTo>
-                  <a:pt x="1126343" y="-865"/>
-                  <a:pt x="1198075" y="-77"/>
-                  <a:pt x="1274027" y="3634"/>
+                  <a:pt x="1242651" y="0"/>
+                  <a:pt x="1306732" y="2833"/>
+                  <a:pt x="1369298" y="8296"/>
+                </a:cubicBezTo>
+                <a:lnTo>
+                  <a:pt x="1472826" y="21930"/>
+                </a:lnTo>
+                <a:lnTo>
+                  <a:pt x="1413765" y="62834"/>
+                </a:lnTo>
+                <a:cubicBezTo>
+                  <a:pt x="1277907" y="177747"/>
+                  <a:pt x="1198577" y="316276"/>
+                  <a:pt x="1198577" y="465393"/>
                 </a:cubicBezTo>
                 <a:cubicBezTo>
-                  <a:pt x="1577838" y="18478"/>
-                  <a:pt x="2017720" y="124861"/>
-                  <a:pt x="2457107" y="232234"/>
+                  <a:pt x="1198577" y="614510"/>
+                  <a:pt x="1277907" y="753039"/>
+                  <a:pt x="1413765" y="867952"/>
                 </a:cubicBezTo>
                 <a:lnTo>
-                  <a:pt x="2553292" y="255538"/>
+                  <a:pt x="1472827" y="908857"/>
                 </a:lnTo>
                 <a:lnTo>
-                  <a:pt x="2561507" y="255438"/>
+                  <a:pt x="1369298" y="922491"/>
+                </a:lnTo>
+                <a:cubicBezTo>
+                  <a:pt x="1306732" y="927954"/>
+                  <a:pt x="1242651" y="930787"/>
+                  <a:pt x="1177412" y="930787"/>
+                </a:cubicBezTo>
+                <a:cubicBezTo>
+                  <a:pt x="655503" y="930787"/>
+                  <a:pt x="207708" y="749462"/>
+                  <a:pt x="16429" y="491044"/>
+                </a:cubicBezTo>
+                <a:lnTo>
+                  <a:pt x="0" y="465394"/>
                 </a:lnTo>
                 <a:lnTo>
-                  <a:pt x="2784419" y="309444"/>
+                  <a:pt x="16429" y="439744"/>
                 </a:lnTo>
                 <a:cubicBezTo>
-                  <a:pt x="3107373" y="386101"/>
-                  <a:pt x="3410843" y="450580"/>
-                  <a:pt x="3637216" y="464682"/>
-                </a:cubicBezTo>
-                <a:cubicBezTo>
-                  <a:pt x="4240878" y="502287"/>
-                  <a:pt x="4568439" y="364731"/>
-                  <a:pt x="4896000" y="227175"/>
-                </a:cubicBezTo>
-                <a:lnTo>
-                  <a:pt x="4896000" y="959166"/>
-                </a:lnTo>
-                <a:lnTo>
-                  <a:pt x="0" y="959166"/>
-                </a:lnTo>
-                <a:lnTo>
-                  <a:pt x="0" y="286449"/>
-                </a:lnTo>
-                <a:lnTo>
-                  <a:pt x="1" y="286449"/>
-                </a:lnTo>
-                <a:lnTo>
-                  <a:pt x="1" y="284836"/>
-                </a:lnTo>
-                <a:lnTo>
-                  <a:pt x="248806" y="173553"/>
-                </a:lnTo>
-                <a:cubicBezTo>
-                  <a:pt x="470270" y="82517"/>
-                  <a:pt x="718117" y="9746"/>
-                  <a:pt x="1058305" y="903"/>
+                  <a:pt x="207708" y="181325"/>
+                  <a:pt x="655503" y="0"/>
+                  <a:pt x="1177412" y="0"/>
                 </a:cubicBezTo>
                 <a:close/>
               </a:path>
             </a:pathLst>
           </a:custGeom>
-          <a:solidFill>
-            <a:srgbClr val="4EA72E">
-              <a:alpha val="20000"/>
-            </a:srgbClr>
-          </a:solidFill>
+          <a:noFill/>
           <a:ln>
             <a:solidFill>
               <a:schemeClr val="tx1"/>
@@ -13148,16 +10386,155 @@
           <a:lstStyle/>
           <a:p>
             <a:pPr algn="ctr"/>
-            <a:endParaRPr lang="ja-JP" altLang="en-US"/>
+            <a:endParaRPr kumimoji="1" lang="ja-JP" altLang="en-US"/>
           </a:p>
         </p:txBody>
       </p:sp>
+      <p:cxnSp>
+        <p:nvCxnSpPr>
+          <p:cNvPr id="62" name="直線コネクタ 61">
+            <a:extLst>
+              <a:ext uri="{FF2B5EF4-FFF2-40B4-BE49-F238E27FC236}">
+                <a16:creationId xmlns:a16="http://schemas.microsoft.com/office/drawing/2014/main" id="{1F798B95-1202-32C7-5AEF-73A203650876}"/>
+              </a:ext>
+            </a:extLst>
+          </p:cNvPr>
+          <p:cNvCxnSpPr>
+            <a:cxnSpLocks/>
+            <a:stCxn id="3" idx="3"/>
+            <a:endCxn id="61" idx="10"/>
+          </p:cNvCxnSpPr>
+          <p:nvPr/>
+        </p:nvCxnSpPr>
+        <p:spPr>
+          <a:xfrm>
+            <a:off x="5557444" y="2285002"/>
+            <a:ext cx="237342" cy="1867"/>
+          </a:xfrm>
+          <a:prstGeom prst="line">
+            <a:avLst/>
+          </a:prstGeom>
+          <a:ln>
+            <a:solidFill>
+              <a:schemeClr val="tx1"/>
+            </a:solidFill>
+          </a:ln>
+        </p:spPr>
+        <p:style>
+          <a:lnRef idx="2">
+            <a:schemeClr val="accent1"/>
+          </a:lnRef>
+          <a:fillRef idx="0">
+            <a:schemeClr val="accent1"/>
+          </a:fillRef>
+          <a:effectRef idx="1">
+            <a:schemeClr val="accent1"/>
+          </a:effectRef>
+          <a:fontRef idx="minor">
+            <a:schemeClr val="tx1"/>
+          </a:fontRef>
+        </p:style>
+      </p:cxnSp>
+      <p:cxnSp>
+        <p:nvCxnSpPr>
+          <p:cNvPr id="66" name="直線コネクタ 25">
+            <a:extLst>
+              <a:ext uri="{FF2B5EF4-FFF2-40B4-BE49-F238E27FC236}">
+                <a16:creationId xmlns:a16="http://schemas.microsoft.com/office/drawing/2014/main" id="{44EAE5E5-2168-871C-DD51-548442D29064}"/>
+              </a:ext>
+            </a:extLst>
+          </p:cNvPr>
+          <p:cNvCxnSpPr>
+            <a:cxnSpLocks/>
+            <a:stCxn id="61" idx="4"/>
+            <a:endCxn id="57" idx="1"/>
+          </p:cNvCxnSpPr>
+          <p:nvPr/>
+        </p:nvCxnSpPr>
+        <p:spPr>
+          <a:xfrm flipV="1">
+            <a:off x="6146345" y="2068276"/>
+            <a:ext cx="664427" cy="218593"/>
+          </a:xfrm>
+          <a:prstGeom prst="bentConnector3">
+            <a:avLst>
+              <a:gd name="adj1" fmla="val 50000"/>
+            </a:avLst>
+          </a:prstGeom>
+          <a:ln>
+            <a:solidFill>
+              <a:schemeClr val="tx1"/>
+            </a:solidFill>
+          </a:ln>
+        </p:spPr>
+        <p:style>
+          <a:lnRef idx="2">
+            <a:schemeClr val="accent1"/>
+          </a:lnRef>
+          <a:fillRef idx="0">
+            <a:schemeClr val="accent1"/>
+          </a:fillRef>
+          <a:effectRef idx="1">
+            <a:schemeClr val="accent1"/>
+          </a:effectRef>
+          <a:fontRef idx="minor">
+            <a:schemeClr val="tx1"/>
+          </a:fontRef>
+        </p:style>
+      </p:cxnSp>
+      <p:cxnSp>
+        <p:nvCxnSpPr>
+          <p:cNvPr id="69" name="直線コネクタ 25">
+            <a:extLst>
+              <a:ext uri="{FF2B5EF4-FFF2-40B4-BE49-F238E27FC236}">
+                <a16:creationId xmlns:a16="http://schemas.microsoft.com/office/drawing/2014/main" id="{1A31D3E4-BB6E-564B-B31B-33B8321BB3EE}"/>
+              </a:ext>
+            </a:extLst>
+          </p:cNvPr>
+          <p:cNvCxnSpPr>
+            <a:cxnSpLocks/>
+            <a:stCxn id="61" idx="4"/>
+            <a:endCxn id="56" idx="1"/>
+          </p:cNvCxnSpPr>
+          <p:nvPr/>
+        </p:nvCxnSpPr>
+        <p:spPr>
+          <a:xfrm>
+            <a:off x="6146345" y="2286869"/>
+            <a:ext cx="664427" cy="278170"/>
+          </a:xfrm>
+          <a:prstGeom prst="bentConnector3">
+            <a:avLst>
+              <a:gd name="adj1" fmla="val 50000"/>
+            </a:avLst>
+          </a:prstGeom>
+          <a:ln>
+            <a:solidFill>
+              <a:schemeClr val="tx1"/>
+            </a:solidFill>
+          </a:ln>
+        </p:spPr>
+        <p:style>
+          <a:lnRef idx="2">
+            <a:schemeClr val="accent1"/>
+          </a:lnRef>
+          <a:fillRef idx="0">
+            <a:schemeClr val="accent1"/>
+          </a:fillRef>
+          <a:effectRef idx="1">
+            <a:schemeClr val="accent1"/>
+          </a:effectRef>
+          <a:fontRef idx="minor">
+            <a:schemeClr val="tx1"/>
+          </a:fontRef>
+        </p:style>
+      </p:cxnSp>
       <p:sp>
         <p:nvSpPr>
-          <p:cNvPr id="104" name="フリーフォーム: 図形 103">
+          <p:cNvPr id="72" name="正方形/長方形 71">
             <a:extLst>
               <a:ext uri="{FF2B5EF4-FFF2-40B4-BE49-F238E27FC236}">
-                <a16:creationId xmlns:a16="http://schemas.microsoft.com/office/drawing/2014/main" id="{0E02A92B-0EB3-8D86-5D8E-86A3F53F13BD}"/>
+                <a16:creationId xmlns:a16="http://schemas.microsoft.com/office/drawing/2014/main" id="{49F40871-A41A-A9F5-2381-9100B717FFFD}"/>
               </a:ext>
             </a:extLst>
           </p:cNvPr>
@@ -13166,44 +10543,95 @@
         </p:nvSpPr>
         <p:spPr>
           <a:xfrm>
-            <a:off x="6301210" y="501892"/>
-            <a:ext cx="4896001" cy="2029390"/>
+            <a:off x="6810772" y="2876773"/>
+            <a:ext cx="1472003" cy="432000"/>
+          </a:xfrm>
+          <a:prstGeom prst="rect">
+            <a:avLst/>
+          </a:prstGeom>
+          <a:noFill/>
+          <a:ln>
+            <a:noFill/>
+          </a:ln>
+        </p:spPr>
+        <p:style>
+          <a:lnRef idx="2">
+            <a:schemeClr val="accent1">
+              <a:shade val="15000"/>
+            </a:schemeClr>
+          </a:lnRef>
+          <a:fillRef idx="1">
+            <a:schemeClr val="accent1"/>
+          </a:fillRef>
+          <a:effectRef idx="0">
+            <a:schemeClr val="accent1"/>
+          </a:effectRef>
+          <a:fontRef idx="minor">
+            <a:schemeClr val="lt1"/>
+          </a:fontRef>
+        </p:style>
+        <p:txBody>
+          <a:bodyPr lIns="36000" tIns="36000" rIns="36000" bIns="36000" rtlCol="0" anchor="ctr"/>
+          <a:lstStyle/>
+          <a:p>
+            <a:pPr algn="ctr"/>
+            <a:r>
+              <a:rPr lang="en-US" altLang="ja-JP" b="1" dirty="0">
+                <a:solidFill>
+                  <a:schemeClr val="tx1"/>
+                </a:solidFill>
+              </a:rPr>
+              <a:t>…</a:t>
+            </a:r>
+          </a:p>
+        </p:txBody>
+      </p:sp>
+      <p:sp>
+        <p:nvSpPr>
+          <p:cNvPr id="78" name="フリーフォーム: 図形 77">
+            <a:extLst>
+              <a:ext uri="{FF2B5EF4-FFF2-40B4-BE49-F238E27FC236}">
+                <a16:creationId xmlns:a16="http://schemas.microsoft.com/office/drawing/2014/main" id="{60AC7B4D-9A9B-6FA0-1225-DA71A845968D}"/>
+              </a:ext>
+            </a:extLst>
+          </p:cNvPr>
+          <p:cNvSpPr/>
+          <p:nvPr/>
+        </p:nvSpPr>
+        <p:spPr>
+          <a:xfrm>
+            <a:off x="5786700" y="5417115"/>
+            <a:ext cx="432000" cy="360000"/>
           </a:xfrm>
           <a:custGeom>
             <a:avLst/>
             <a:gdLst>
-              <a:gd name="connsiteX0" fmla="*/ 0 w 4896001"/>
-              <a:gd name="connsiteY0" fmla="*/ 0 h 2029390"/>
-              <a:gd name="connsiteX1" fmla="*/ 4896000 w 4896001"/>
-              <a:gd name="connsiteY1" fmla="*/ 0 h 2029390"/>
-              <a:gd name="connsiteX2" fmla="*/ 4896000 w 4896001"/>
-              <a:gd name="connsiteY2" fmla="*/ 1785592 h 2029390"/>
-              <a:gd name="connsiteX3" fmla="*/ 4896001 w 4896001"/>
-              <a:gd name="connsiteY3" fmla="*/ 1785592 h 2029390"/>
-              <a:gd name="connsiteX4" fmla="*/ 4896000 w 4896001"/>
-              <a:gd name="connsiteY4" fmla="*/ 1785592 h 2029390"/>
-              <a:gd name="connsiteX5" fmla="*/ 4896000 w 4896001"/>
-              <a:gd name="connsiteY5" fmla="*/ 1788009 h 2029390"/>
-              <a:gd name="connsiteX6" fmla="*/ 4889798 w 4896001"/>
-              <a:gd name="connsiteY6" fmla="*/ 1788084 h 2029390"/>
-              <a:gd name="connsiteX7" fmla="*/ 4646016 w 4896001"/>
-              <a:gd name="connsiteY7" fmla="*/ 1886022 h 2029390"/>
-              <a:gd name="connsiteX8" fmla="*/ 3637217 w 4896001"/>
-              <a:gd name="connsiteY8" fmla="*/ 2023099 h 2029390"/>
-              <a:gd name="connsiteX9" fmla="*/ 2784420 w 4896001"/>
-              <a:gd name="connsiteY9" fmla="*/ 1867861 h 2029390"/>
-              <a:gd name="connsiteX10" fmla="*/ 2571009 w 4896001"/>
-              <a:gd name="connsiteY10" fmla="*/ 1816157 h 2029390"/>
-              <a:gd name="connsiteX11" fmla="*/ 2561507 w 4896001"/>
-              <a:gd name="connsiteY11" fmla="*/ 1816272 h 2029390"/>
-              <a:gd name="connsiteX12" fmla="*/ 2457106 w 4896001"/>
-              <a:gd name="connsiteY12" fmla="*/ 1790978 h 2029390"/>
-              <a:gd name="connsiteX13" fmla="*/ 1274026 w 4896001"/>
-              <a:gd name="connsiteY13" fmla="*/ 1562378 h 2029390"/>
-              <a:gd name="connsiteX14" fmla="*/ 248805 w 4896001"/>
-              <a:gd name="connsiteY14" fmla="*/ 1732297 h 2029390"/>
-              <a:gd name="connsiteX15" fmla="*/ 0 w 4896001"/>
-              <a:gd name="connsiteY15" fmla="*/ 1843580 h 2029390"/>
+              <a:gd name="connsiteX0" fmla="*/ 1177412 w 1472827"/>
+              <a:gd name="connsiteY0" fmla="*/ 0 h 930787"/>
+              <a:gd name="connsiteX1" fmla="*/ 1369298 w 1472827"/>
+              <a:gd name="connsiteY1" fmla="*/ 8296 h 930787"/>
+              <a:gd name="connsiteX2" fmla="*/ 1472826 w 1472827"/>
+              <a:gd name="connsiteY2" fmla="*/ 21930 h 930787"/>
+              <a:gd name="connsiteX3" fmla="*/ 1413765 w 1472827"/>
+              <a:gd name="connsiteY3" fmla="*/ 62834 h 930787"/>
+              <a:gd name="connsiteX4" fmla="*/ 1198577 w 1472827"/>
+              <a:gd name="connsiteY4" fmla="*/ 465393 h 930787"/>
+              <a:gd name="connsiteX5" fmla="*/ 1413765 w 1472827"/>
+              <a:gd name="connsiteY5" fmla="*/ 867952 h 930787"/>
+              <a:gd name="connsiteX6" fmla="*/ 1472827 w 1472827"/>
+              <a:gd name="connsiteY6" fmla="*/ 908857 h 930787"/>
+              <a:gd name="connsiteX7" fmla="*/ 1369298 w 1472827"/>
+              <a:gd name="connsiteY7" fmla="*/ 922491 h 930787"/>
+              <a:gd name="connsiteX8" fmla="*/ 1177412 w 1472827"/>
+              <a:gd name="connsiteY8" fmla="*/ 930787 h 930787"/>
+              <a:gd name="connsiteX9" fmla="*/ 16429 w 1472827"/>
+              <a:gd name="connsiteY9" fmla="*/ 491044 h 930787"/>
+              <a:gd name="connsiteX10" fmla="*/ 0 w 1472827"/>
+              <a:gd name="connsiteY10" fmla="*/ 465394 h 930787"/>
+              <a:gd name="connsiteX11" fmla="*/ 16429 w 1472827"/>
+              <a:gd name="connsiteY11" fmla="*/ 439744 h 930787"/>
+              <a:gd name="connsiteX12" fmla="*/ 1177412 w 1472827"/>
+              <a:gd name="connsiteY12" fmla="*/ 0 h 930787"/>
             </a:gdLst>
             <a:ahLst/>
             <a:cxnLst>
@@ -13246,84 +10674,66 @@
               <a:cxn ang="0">
                 <a:pos x="connsiteX12" y="connsiteY12"/>
               </a:cxn>
-              <a:cxn ang="0">
-                <a:pos x="connsiteX13" y="connsiteY13"/>
-              </a:cxn>
-              <a:cxn ang="0">
-                <a:pos x="connsiteX14" y="connsiteY14"/>
-              </a:cxn>
-              <a:cxn ang="0">
-                <a:pos x="connsiteX15" y="connsiteY15"/>
-              </a:cxn>
             </a:cxnLst>
             <a:rect l="l" t="t" r="r" b="b"/>
             <a:pathLst>
-              <a:path w="4896001" h="2029390">
+              <a:path w="1472827" h="930787">
                 <a:moveTo>
-                  <a:pt x="0" y="0"/>
+                  <a:pt x="1177412" y="0"/>
                 </a:moveTo>
+                <a:cubicBezTo>
+                  <a:pt x="1242651" y="0"/>
+                  <a:pt x="1306732" y="2833"/>
+                  <a:pt x="1369298" y="8296"/>
+                </a:cubicBezTo>
                 <a:lnTo>
-                  <a:pt x="4896000" y="0"/>
+                  <a:pt x="1472826" y="21930"/>
                 </a:lnTo>
                 <a:lnTo>
-                  <a:pt x="4896000" y="1785592"/>
+                  <a:pt x="1413765" y="62834"/>
+                </a:lnTo>
+                <a:cubicBezTo>
+                  <a:pt x="1277907" y="177747"/>
+                  <a:pt x="1198577" y="316276"/>
+                  <a:pt x="1198577" y="465393"/>
+                </a:cubicBezTo>
+                <a:cubicBezTo>
+                  <a:pt x="1198577" y="614510"/>
+                  <a:pt x="1277907" y="753039"/>
+                  <a:pt x="1413765" y="867952"/>
+                </a:cubicBezTo>
+                <a:lnTo>
+                  <a:pt x="1472827" y="908857"/>
                 </a:lnTo>
                 <a:lnTo>
-                  <a:pt x="4896001" y="1785592"/>
+                  <a:pt x="1369298" y="922491"/>
+                </a:lnTo>
+                <a:cubicBezTo>
+                  <a:pt x="1306732" y="927954"/>
+                  <a:pt x="1242651" y="930787"/>
+                  <a:pt x="1177412" y="930787"/>
+                </a:cubicBezTo>
+                <a:cubicBezTo>
+                  <a:pt x="655503" y="930787"/>
+                  <a:pt x="207708" y="749462"/>
+                  <a:pt x="16429" y="491044"/>
+                </a:cubicBezTo>
+                <a:lnTo>
+                  <a:pt x="0" y="465394"/>
                 </a:lnTo>
                 <a:lnTo>
-                  <a:pt x="4896000" y="1785592"/>
-                </a:lnTo>
-                <a:lnTo>
-                  <a:pt x="4896000" y="1788009"/>
-                </a:lnTo>
-                <a:lnTo>
-                  <a:pt x="4889798" y="1788084"/>
-                </a:lnTo>
-                <a:lnTo>
-                  <a:pt x="4646016" y="1886022"/>
+                  <a:pt x="16429" y="439744"/>
                 </a:lnTo>
                 <a:cubicBezTo>
-                  <a:pt x="4387403" y="1980979"/>
-                  <a:pt x="4089963" y="2051303"/>
-                  <a:pt x="3637217" y="2023099"/>
+                  <a:pt x="207708" y="181325"/>
+                  <a:pt x="655503" y="0"/>
+                  <a:pt x="1177412" y="0"/>
                 </a:cubicBezTo>
-                <a:cubicBezTo>
-                  <a:pt x="3410844" y="2008997"/>
-                  <a:pt x="3107374" y="1944518"/>
-                  <a:pt x="2784420" y="1867861"/>
-                </a:cubicBezTo>
-                <a:lnTo>
-                  <a:pt x="2571009" y="1816157"/>
-                </a:lnTo>
-                <a:lnTo>
-                  <a:pt x="2561507" y="1816272"/>
-                </a:lnTo>
-                <a:lnTo>
-                  <a:pt x="2457106" y="1790978"/>
-                </a:lnTo>
-                <a:cubicBezTo>
-                  <a:pt x="2017719" y="1683605"/>
-                  <a:pt x="1577837" y="1577222"/>
-                  <a:pt x="1274026" y="1562378"/>
-                </a:cubicBezTo>
-                <a:cubicBezTo>
-                  <a:pt x="818310" y="1540112"/>
-                  <a:pt x="514562" y="1623054"/>
-                  <a:pt x="248805" y="1732297"/>
-                </a:cubicBezTo>
-                <a:lnTo>
-                  <a:pt x="0" y="1843580"/>
-                </a:lnTo>
                 <a:close/>
               </a:path>
             </a:pathLst>
           </a:custGeom>
-          <a:solidFill>
-            <a:srgbClr val="4EA72E">
-              <a:alpha val="20000"/>
-            </a:srgbClr>
-          </a:solidFill>
+          <a:noFill/>
           <a:ln>
             <a:solidFill>
               <a:schemeClr val="tx1"/>
@@ -13353,7 +10763,2900 @@
           <a:lstStyle/>
           <a:p>
             <a:pPr algn="ctr"/>
-            <a:endParaRPr lang="ja-JP" altLang="en-US"/>
+            <a:endParaRPr kumimoji="1" lang="ja-JP" altLang="en-US"/>
+          </a:p>
+        </p:txBody>
+      </p:sp>
+      <p:cxnSp>
+        <p:nvCxnSpPr>
+          <p:cNvPr id="79" name="直線コネクタ 78">
+            <a:extLst>
+              <a:ext uri="{FF2B5EF4-FFF2-40B4-BE49-F238E27FC236}">
+                <a16:creationId xmlns:a16="http://schemas.microsoft.com/office/drawing/2014/main" id="{9CFB6476-2653-7420-A9A5-B5E4A768F05C}"/>
+              </a:ext>
+            </a:extLst>
+          </p:cNvPr>
+          <p:cNvCxnSpPr>
+            <a:cxnSpLocks/>
+            <a:stCxn id="5" idx="3"/>
+            <a:endCxn id="78" idx="11"/>
+          </p:cNvCxnSpPr>
+          <p:nvPr/>
+        </p:nvCxnSpPr>
+        <p:spPr>
+          <a:xfrm>
+            <a:off x="5557444" y="5586342"/>
+            <a:ext cx="234075" cy="853"/>
+          </a:xfrm>
+          <a:prstGeom prst="line">
+            <a:avLst/>
+          </a:prstGeom>
+          <a:ln>
+            <a:solidFill>
+              <a:schemeClr val="tx1"/>
+            </a:solidFill>
+          </a:ln>
+        </p:spPr>
+        <p:style>
+          <a:lnRef idx="2">
+            <a:schemeClr val="accent1"/>
+          </a:lnRef>
+          <a:fillRef idx="0">
+            <a:schemeClr val="accent1"/>
+          </a:fillRef>
+          <a:effectRef idx="1">
+            <a:schemeClr val="accent1"/>
+          </a:effectRef>
+          <a:fontRef idx="minor">
+            <a:schemeClr val="tx1"/>
+          </a:fontRef>
+        </p:style>
+      </p:cxnSp>
+      <p:sp>
+        <p:nvSpPr>
+          <p:cNvPr id="83" name="正方形/長方形 82">
+            <a:extLst>
+              <a:ext uri="{FF2B5EF4-FFF2-40B4-BE49-F238E27FC236}">
+                <a16:creationId xmlns:a16="http://schemas.microsoft.com/office/drawing/2014/main" id="{551288B6-0E60-AEF8-C440-CC643BB3432E}"/>
+              </a:ext>
+            </a:extLst>
+          </p:cNvPr>
+          <p:cNvSpPr/>
+          <p:nvPr/>
+        </p:nvSpPr>
+        <p:spPr>
+          <a:xfrm>
+            <a:off x="6810772" y="5198545"/>
+            <a:ext cx="1950974" cy="432000"/>
+          </a:xfrm>
+          <a:prstGeom prst="rect">
+            <a:avLst/>
+          </a:prstGeom>
+          <a:noFill/>
+          <a:ln>
+            <a:solidFill>
+              <a:schemeClr val="tx1"/>
+            </a:solidFill>
+          </a:ln>
+        </p:spPr>
+        <p:style>
+          <a:lnRef idx="2">
+            <a:schemeClr val="accent1">
+              <a:shade val="15000"/>
+            </a:schemeClr>
+          </a:lnRef>
+          <a:fillRef idx="1">
+            <a:schemeClr val="accent1"/>
+          </a:fillRef>
+          <a:effectRef idx="0">
+            <a:schemeClr val="accent1"/>
+          </a:effectRef>
+          <a:fontRef idx="minor">
+            <a:schemeClr val="lt1"/>
+          </a:fontRef>
+        </p:style>
+        <p:txBody>
+          <a:bodyPr lIns="36000" tIns="36000" rIns="36000" bIns="36000" rtlCol="0" anchor="ctr"/>
+          <a:lstStyle/>
+          <a:p>
+            <a:pPr algn="ctr"/>
+            <a:r>
+              <a:rPr lang="ja-JP" altLang="en-US" b="1" dirty="0">
+                <a:solidFill>
+                  <a:schemeClr val="tx1"/>
+                </a:solidFill>
+              </a:rPr>
+              <a:t>パラメータ値誤り</a:t>
+            </a:r>
+            <a:endParaRPr lang="en-US" altLang="ja-JP" b="1" dirty="0">
+              <a:solidFill>
+                <a:schemeClr val="tx1"/>
+              </a:solidFill>
+            </a:endParaRPr>
+          </a:p>
+        </p:txBody>
+      </p:sp>
+      <p:cxnSp>
+        <p:nvCxnSpPr>
+          <p:cNvPr id="84" name="直線コネクタ 25">
+            <a:extLst>
+              <a:ext uri="{FF2B5EF4-FFF2-40B4-BE49-F238E27FC236}">
+                <a16:creationId xmlns:a16="http://schemas.microsoft.com/office/drawing/2014/main" id="{92B1C6AC-ABC9-ECAE-A53B-79DBF335E526}"/>
+              </a:ext>
+            </a:extLst>
+          </p:cNvPr>
+          <p:cNvCxnSpPr>
+            <a:cxnSpLocks/>
+            <a:stCxn id="78" idx="4"/>
+            <a:endCxn id="83" idx="1"/>
+          </p:cNvCxnSpPr>
+          <p:nvPr/>
+        </p:nvCxnSpPr>
+        <p:spPr>
+          <a:xfrm flipV="1">
+            <a:off x="6138259" y="5414545"/>
+            <a:ext cx="672513" cy="182570"/>
+          </a:xfrm>
+          <a:prstGeom prst="bentConnector3">
+            <a:avLst>
+              <a:gd name="adj1" fmla="val 50000"/>
+            </a:avLst>
+          </a:prstGeom>
+          <a:ln>
+            <a:solidFill>
+              <a:schemeClr val="tx1"/>
+            </a:solidFill>
+          </a:ln>
+        </p:spPr>
+        <p:style>
+          <a:lnRef idx="2">
+            <a:schemeClr val="accent1"/>
+          </a:lnRef>
+          <a:fillRef idx="0">
+            <a:schemeClr val="accent1"/>
+          </a:fillRef>
+          <a:effectRef idx="1">
+            <a:schemeClr val="accent1"/>
+          </a:effectRef>
+          <a:fontRef idx="minor">
+            <a:schemeClr val="tx1"/>
+          </a:fontRef>
+        </p:style>
+      </p:cxnSp>
+      <p:sp>
+        <p:nvSpPr>
+          <p:cNvPr id="88" name="正方形/長方形 87">
+            <a:extLst>
+              <a:ext uri="{FF2B5EF4-FFF2-40B4-BE49-F238E27FC236}">
+                <a16:creationId xmlns:a16="http://schemas.microsoft.com/office/drawing/2014/main" id="{D9D61451-7108-B766-E657-E7FD3035A26C}"/>
+              </a:ext>
+            </a:extLst>
+          </p:cNvPr>
+          <p:cNvSpPr/>
+          <p:nvPr/>
+        </p:nvSpPr>
+        <p:spPr>
+          <a:xfrm>
+            <a:off x="6810771" y="5715917"/>
+            <a:ext cx="1950974" cy="432000"/>
+          </a:xfrm>
+          <a:prstGeom prst="rect">
+            <a:avLst/>
+          </a:prstGeom>
+          <a:noFill/>
+          <a:ln>
+            <a:solidFill>
+              <a:schemeClr val="tx1"/>
+            </a:solidFill>
+          </a:ln>
+        </p:spPr>
+        <p:style>
+          <a:lnRef idx="2">
+            <a:schemeClr val="accent1">
+              <a:shade val="15000"/>
+            </a:schemeClr>
+          </a:lnRef>
+          <a:fillRef idx="1">
+            <a:schemeClr val="accent1"/>
+          </a:fillRef>
+          <a:effectRef idx="0">
+            <a:schemeClr val="accent1"/>
+          </a:effectRef>
+          <a:fontRef idx="minor">
+            <a:schemeClr val="lt1"/>
+          </a:fontRef>
+        </p:style>
+        <p:txBody>
+          <a:bodyPr lIns="36000" tIns="36000" rIns="36000" bIns="36000" rtlCol="0" anchor="ctr"/>
+          <a:lstStyle/>
+          <a:p>
+            <a:pPr algn="ctr"/>
+            <a:r>
+              <a:rPr lang="ja-JP" altLang="en-US" b="1" dirty="0">
+                <a:solidFill>
+                  <a:schemeClr val="tx1"/>
+                </a:solidFill>
+              </a:rPr>
+              <a:t>バージョン取違え</a:t>
+            </a:r>
+            <a:endParaRPr lang="en-US" altLang="ja-JP" b="1" dirty="0">
+              <a:solidFill>
+                <a:schemeClr val="tx1"/>
+              </a:solidFill>
+            </a:endParaRPr>
+          </a:p>
+        </p:txBody>
+      </p:sp>
+      <p:cxnSp>
+        <p:nvCxnSpPr>
+          <p:cNvPr id="90" name="直線コネクタ 25">
+            <a:extLst>
+              <a:ext uri="{FF2B5EF4-FFF2-40B4-BE49-F238E27FC236}">
+                <a16:creationId xmlns:a16="http://schemas.microsoft.com/office/drawing/2014/main" id="{01F2327B-2E20-AC1A-A53C-9FBF7BC23898}"/>
+              </a:ext>
+            </a:extLst>
+          </p:cNvPr>
+          <p:cNvCxnSpPr>
+            <a:cxnSpLocks/>
+            <a:stCxn id="78" idx="4"/>
+            <a:endCxn id="88" idx="1"/>
+          </p:cNvCxnSpPr>
+          <p:nvPr/>
+        </p:nvCxnSpPr>
+        <p:spPr>
+          <a:xfrm>
+            <a:off x="6138259" y="5597115"/>
+            <a:ext cx="672512" cy="334802"/>
+          </a:xfrm>
+          <a:prstGeom prst="bentConnector3">
+            <a:avLst>
+              <a:gd name="adj1" fmla="val 50000"/>
+            </a:avLst>
+          </a:prstGeom>
+          <a:ln>
+            <a:solidFill>
+              <a:schemeClr val="tx1"/>
+            </a:solidFill>
+          </a:ln>
+        </p:spPr>
+        <p:style>
+          <a:lnRef idx="2">
+            <a:schemeClr val="accent1"/>
+          </a:lnRef>
+          <a:fillRef idx="0">
+            <a:schemeClr val="accent1"/>
+          </a:fillRef>
+          <a:effectRef idx="1">
+            <a:schemeClr val="accent1"/>
+          </a:effectRef>
+          <a:fontRef idx="minor">
+            <a:schemeClr val="tx1"/>
+          </a:fontRef>
+        </p:style>
+      </p:cxnSp>
+      <p:sp>
+        <p:nvSpPr>
+          <p:cNvPr id="95" name="正方形/長方形 94">
+            <a:extLst>
+              <a:ext uri="{FF2B5EF4-FFF2-40B4-BE49-F238E27FC236}">
+                <a16:creationId xmlns:a16="http://schemas.microsoft.com/office/drawing/2014/main" id="{61856272-8FC8-7B84-631B-166628A47534}"/>
+              </a:ext>
+            </a:extLst>
+          </p:cNvPr>
+          <p:cNvSpPr/>
+          <p:nvPr/>
+        </p:nvSpPr>
+        <p:spPr>
+          <a:xfrm>
+            <a:off x="6810772" y="6233289"/>
+            <a:ext cx="1472003" cy="432000"/>
+          </a:xfrm>
+          <a:prstGeom prst="rect">
+            <a:avLst/>
+          </a:prstGeom>
+          <a:noFill/>
+          <a:ln>
+            <a:noFill/>
+          </a:ln>
+        </p:spPr>
+        <p:style>
+          <a:lnRef idx="2">
+            <a:schemeClr val="accent1">
+              <a:shade val="15000"/>
+            </a:schemeClr>
+          </a:lnRef>
+          <a:fillRef idx="1">
+            <a:schemeClr val="accent1"/>
+          </a:fillRef>
+          <a:effectRef idx="0">
+            <a:schemeClr val="accent1"/>
+          </a:effectRef>
+          <a:fontRef idx="minor">
+            <a:schemeClr val="lt1"/>
+          </a:fontRef>
+        </p:style>
+        <p:txBody>
+          <a:bodyPr lIns="36000" tIns="36000" rIns="36000" bIns="36000" rtlCol="0" anchor="ctr"/>
+          <a:lstStyle/>
+          <a:p>
+            <a:pPr algn="ctr"/>
+            <a:r>
+              <a:rPr lang="en-US" altLang="ja-JP" b="1" dirty="0">
+                <a:solidFill>
+                  <a:schemeClr val="tx1"/>
+                </a:solidFill>
+              </a:rPr>
+              <a:t>…</a:t>
+            </a:r>
+          </a:p>
+        </p:txBody>
+      </p:sp>
+      <p:sp>
+        <p:nvSpPr>
+          <p:cNvPr id="97" name="正方形/長方形 96">
+            <a:extLst>
+              <a:ext uri="{FF2B5EF4-FFF2-40B4-BE49-F238E27FC236}">
+                <a16:creationId xmlns:a16="http://schemas.microsoft.com/office/drawing/2014/main" id="{391DE24D-4687-72FB-8EBB-6DBC7B433AA5}"/>
+              </a:ext>
+            </a:extLst>
+          </p:cNvPr>
+          <p:cNvSpPr/>
+          <p:nvPr/>
+        </p:nvSpPr>
+        <p:spPr>
+          <a:xfrm>
+            <a:off x="427268" y="3140023"/>
+            <a:ext cx="795318" cy="760021"/>
+          </a:xfrm>
+          <a:prstGeom prst="rect">
+            <a:avLst/>
+          </a:prstGeom>
+          <a:noFill/>
+          <a:ln>
+            <a:solidFill>
+              <a:schemeClr val="tx1"/>
+            </a:solidFill>
+          </a:ln>
+        </p:spPr>
+        <p:style>
+          <a:lnRef idx="2">
+            <a:schemeClr val="accent1">
+              <a:shade val="15000"/>
+            </a:schemeClr>
+          </a:lnRef>
+          <a:fillRef idx="1">
+            <a:schemeClr val="accent1"/>
+          </a:fillRef>
+          <a:effectRef idx="0">
+            <a:schemeClr val="accent1"/>
+          </a:effectRef>
+          <a:fontRef idx="minor">
+            <a:schemeClr val="lt1"/>
+          </a:fontRef>
+        </p:style>
+        <p:txBody>
+          <a:bodyPr lIns="36000" tIns="36000" rIns="36000" bIns="36000" rtlCol="0" anchor="ctr"/>
+          <a:lstStyle/>
+          <a:p>
+            <a:pPr algn="ctr"/>
+            <a:r>
+              <a:rPr lang="ja-JP" altLang="en-US" b="1" dirty="0">
+                <a:solidFill>
+                  <a:srgbClr val="FF0000"/>
+                </a:solidFill>
+              </a:rPr>
+              <a:t>製品</a:t>
+            </a:r>
+            <a:endParaRPr lang="en-US" altLang="ja-JP" b="1" dirty="0">
+              <a:solidFill>
+                <a:srgbClr val="FF0000"/>
+              </a:solidFill>
+            </a:endParaRPr>
+          </a:p>
+          <a:p>
+            <a:pPr algn="ctr"/>
+            <a:r>
+              <a:rPr kumimoji="1" lang="ja-JP" altLang="en-US" b="1" dirty="0">
+                <a:solidFill>
+                  <a:srgbClr val="FF0000"/>
+                </a:solidFill>
+              </a:rPr>
+              <a:t>不良</a:t>
+            </a:r>
+          </a:p>
+        </p:txBody>
+      </p:sp>
+      <p:sp>
+        <p:nvSpPr>
+          <p:cNvPr id="105" name="フリーフォーム: 図形 104">
+            <a:extLst>
+              <a:ext uri="{FF2B5EF4-FFF2-40B4-BE49-F238E27FC236}">
+                <a16:creationId xmlns:a16="http://schemas.microsoft.com/office/drawing/2014/main" id="{5C8FB0F4-20B6-1076-E5FA-23392B52AA96}"/>
+              </a:ext>
+            </a:extLst>
+          </p:cNvPr>
+          <p:cNvSpPr/>
+          <p:nvPr/>
+        </p:nvSpPr>
+        <p:spPr>
+          <a:xfrm>
+            <a:off x="1421852" y="3330753"/>
+            <a:ext cx="432000" cy="360000"/>
+          </a:xfrm>
+          <a:custGeom>
+            <a:avLst/>
+            <a:gdLst>
+              <a:gd name="connsiteX0" fmla="*/ 1177412 w 1472827"/>
+              <a:gd name="connsiteY0" fmla="*/ 0 h 930787"/>
+              <a:gd name="connsiteX1" fmla="*/ 1369298 w 1472827"/>
+              <a:gd name="connsiteY1" fmla="*/ 8296 h 930787"/>
+              <a:gd name="connsiteX2" fmla="*/ 1472826 w 1472827"/>
+              <a:gd name="connsiteY2" fmla="*/ 21930 h 930787"/>
+              <a:gd name="connsiteX3" fmla="*/ 1413765 w 1472827"/>
+              <a:gd name="connsiteY3" fmla="*/ 62834 h 930787"/>
+              <a:gd name="connsiteX4" fmla="*/ 1198577 w 1472827"/>
+              <a:gd name="connsiteY4" fmla="*/ 465393 h 930787"/>
+              <a:gd name="connsiteX5" fmla="*/ 1413765 w 1472827"/>
+              <a:gd name="connsiteY5" fmla="*/ 867952 h 930787"/>
+              <a:gd name="connsiteX6" fmla="*/ 1472827 w 1472827"/>
+              <a:gd name="connsiteY6" fmla="*/ 908857 h 930787"/>
+              <a:gd name="connsiteX7" fmla="*/ 1369298 w 1472827"/>
+              <a:gd name="connsiteY7" fmla="*/ 922491 h 930787"/>
+              <a:gd name="connsiteX8" fmla="*/ 1177412 w 1472827"/>
+              <a:gd name="connsiteY8" fmla="*/ 930787 h 930787"/>
+              <a:gd name="connsiteX9" fmla="*/ 16429 w 1472827"/>
+              <a:gd name="connsiteY9" fmla="*/ 491044 h 930787"/>
+              <a:gd name="connsiteX10" fmla="*/ 0 w 1472827"/>
+              <a:gd name="connsiteY10" fmla="*/ 465394 h 930787"/>
+              <a:gd name="connsiteX11" fmla="*/ 16429 w 1472827"/>
+              <a:gd name="connsiteY11" fmla="*/ 439744 h 930787"/>
+              <a:gd name="connsiteX12" fmla="*/ 1177412 w 1472827"/>
+              <a:gd name="connsiteY12" fmla="*/ 0 h 930787"/>
+            </a:gdLst>
+            <a:ahLst/>
+            <a:cxnLst>
+              <a:cxn ang="0">
+                <a:pos x="connsiteX0" y="connsiteY0"/>
+              </a:cxn>
+              <a:cxn ang="0">
+                <a:pos x="connsiteX1" y="connsiteY1"/>
+              </a:cxn>
+              <a:cxn ang="0">
+                <a:pos x="connsiteX2" y="connsiteY2"/>
+              </a:cxn>
+              <a:cxn ang="0">
+                <a:pos x="connsiteX3" y="connsiteY3"/>
+              </a:cxn>
+              <a:cxn ang="0">
+                <a:pos x="connsiteX4" y="connsiteY4"/>
+              </a:cxn>
+              <a:cxn ang="0">
+                <a:pos x="connsiteX5" y="connsiteY5"/>
+              </a:cxn>
+              <a:cxn ang="0">
+                <a:pos x="connsiteX6" y="connsiteY6"/>
+              </a:cxn>
+              <a:cxn ang="0">
+                <a:pos x="connsiteX7" y="connsiteY7"/>
+              </a:cxn>
+              <a:cxn ang="0">
+                <a:pos x="connsiteX8" y="connsiteY8"/>
+              </a:cxn>
+              <a:cxn ang="0">
+                <a:pos x="connsiteX9" y="connsiteY9"/>
+              </a:cxn>
+              <a:cxn ang="0">
+                <a:pos x="connsiteX10" y="connsiteY10"/>
+              </a:cxn>
+              <a:cxn ang="0">
+                <a:pos x="connsiteX11" y="connsiteY11"/>
+              </a:cxn>
+              <a:cxn ang="0">
+                <a:pos x="connsiteX12" y="connsiteY12"/>
+              </a:cxn>
+            </a:cxnLst>
+            <a:rect l="l" t="t" r="r" b="b"/>
+            <a:pathLst>
+              <a:path w="1472827" h="930787">
+                <a:moveTo>
+                  <a:pt x="1177412" y="0"/>
+                </a:moveTo>
+                <a:cubicBezTo>
+                  <a:pt x="1242651" y="0"/>
+                  <a:pt x="1306732" y="2833"/>
+                  <a:pt x="1369298" y="8296"/>
+                </a:cubicBezTo>
+                <a:lnTo>
+                  <a:pt x="1472826" y="21930"/>
+                </a:lnTo>
+                <a:lnTo>
+                  <a:pt x="1413765" y="62834"/>
+                </a:lnTo>
+                <a:cubicBezTo>
+                  <a:pt x="1277907" y="177747"/>
+                  <a:pt x="1198577" y="316276"/>
+                  <a:pt x="1198577" y="465393"/>
+                </a:cubicBezTo>
+                <a:cubicBezTo>
+                  <a:pt x="1198577" y="614510"/>
+                  <a:pt x="1277907" y="753039"/>
+                  <a:pt x="1413765" y="867952"/>
+                </a:cubicBezTo>
+                <a:lnTo>
+                  <a:pt x="1472827" y="908857"/>
+                </a:lnTo>
+                <a:lnTo>
+                  <a:pt x="1369298" y="922491"/>
+                </a:lnTo>
+                <a:cubicBezTo>
+                  <a:pt x="1306732" y="927954"/>
+                  <a:pt x="1242651" y="930787"/>
+                  <a:pt x="1177412" y="930787"/>
+                </a:cubicBezTo>
+                <a:cubicBezTo>
+                  <a:pt x="655503" y="930787"/>
+                  <a:pt x="207708" y="749462"/>
+                  <a:pt x="16429" y="491044"/>
+                </a:cubicBezTo>
+                <a:lnTo>
+                  <a:pt x="0" y="465394"/>
+                </a:lnTo>
+                <a:lnTo>
+                  <a:pt x="16429" y="439744"/>
+                </a:lnTo>
+                <a:cubicBezTo>
+                  <a:pt x="207708" y="181325"/>
+                  <a:pt x="655503" y="0"/>
+                  <a:pt x="1177412" y="0"/>
+                </a:cubicBezTo>
+                <a:close/>
+              </a:path>
+            </a:pathLst>
+          </a:custGeom>
+          <a:noFill/>
+          <a:ln>
+            <a:solidFill>
+              <a:schemeClr val="tx1"/>
+            </a:solidFill>
+          </a:ln>
+        </p:spPr>
+        <p:style>
+          <a:lnRef idx="2">
+            <a:schemeClr val="accent1">
+              <a:shade val="15000"/>
+            </a:schemeClr>
+          </a:lnRef>
+          <a:fillRef idx="1">
+            <a:schemeClr val="accent1"/>
+          </a:fillRef>
+          <a:effectRef idx="0">
+            <a:schemeClr val="accent1"/>
+          </a:effectRef>
+          <a:fontRef idx="minor">
+            <a:schemeClr val="lt1"/>
+          </a:fontRef>
+        </p:style>
+        <p:txBody>
+          <a:bodyPr wrap="square" rtlCol="0" anchor="ctr">
+            <a:noAutofit/>
+          </a:bodyPr>
+          <a:lstStyle/>
+          <a:p>
+            <a:pPr algn="ctr"/>
+            <a:endParaRPr kumimoji="1" lang="ja-JP" altLang="en-US"/>
+          </a:p>
+        </p:txBody>
+      </p:sp>
+      <p:cxnSp>
+        <p:nvCxnSpPr>
+          <p:cNvPr id="106" name="直線コネクタ 105">
+            <a:extLst>
+              <a:ext uri="{FF2B5EF4-FFF2-40B4-BE49-F238E27FC236}">
+                <a16:creationId xmlns:a16="http://schemas.microsoft.com/office/drawing/2014/main" id="{95AC1D75-0F18-6700-D388-EB24BCCD29D4}"/>
+              </a:ext>
+            </a:extLst>
+          </p:cNvPr>
+          <p:cNvCxnSpPr>
+            <a:cxnSpLocks/>
+            <a:stCxn id="97" idx="3"/>
+            <a:endCxn id="105" idx="9"/>
+          </p:cNvCxnSpPr>
+          <p:nvPr/>
+        </p:nvCxnSpPr>
+        <p:spPr>
+          <a:xfrm>
+            <a:off x="1222586" y="3520034"/>
+            <a:ext cx="204085" cy="640"/>
+          </a:xfrm>
+          <a:prstGeom prst="line">
+            <a:avLst/>
+          </a:prstGeom>
+          <a:ln>
+            <a:solidFill>
+              <a:schemeClr val="tx1"/>
+            </a:solidFill>
+          </a:ln>
+        </p:spPr>
+        <p:style>
+          <a:lnRef idx="2">
+            <a:schemeClr val="accent1"/>
+          </a:lnRef>
+          <a:fillRef idx="0">
+            <a:schemeClr val="accent1"/>
+          </a:fillRef>
+          <a:effectRef idx="1">
+            <a:schemeClr val="accent1"/>
+          </a:effectRef>
+          <a:fontRef idx="minor">
+            <a:schemeClr val="tx1"/>
+          </a:fontRef>
+        </p:style>
+      </p:cxnSp>
+      <p:cxnSp>
+        <p:nvCxnSpPr>
+          <p:cNvPr id="109" name="直線コネクタ 108">
+            <a:extLst>
+              <a:ext uri="{FF2B5EF4-FFF2-40B4-BE49-F238E27FC236}">
+                <a16:creationId xmlns:a16="http://schemas.microsoft.com/office/drawing/2014/main" id="{9AF3555A-C2E5-876D-2442-9BA9E5BB78D4}"/>
+              </a:ext>
+            </a:extLst>
+          </p:cNvPr>
+          <p:cNvCxnSpPr>
+            <a:cxnSpLocks/>
+            <a:stCxn id="105" idx="4"/>
+            <a:endCxn id="2" idx="1"/>
+          </p:cNvCxnSpPr>
+          <p:nvPr/>
+        </p:nvCxnSpPr>
+        <p:spPr>
+          <a:xfrm>
+            <a:off x="1773411" y="3510753"/>
+            <a:ext cx="442298" cy="436794"/>
+          </a:xfrm>
+          <a:prstGeom prst="bentConnector3">
+            <a:avLst>
+              <a:gd name="adj1" fmla="val 50000"/>
+            </a:avLst>
+          </a:prstGeom>
+          <a:ln>
+            <a:solidFill>
+              <a:schemeClr val="tx1"/>
+            </a:solidFill>
+          </a:ln>
+        </p:spPr>
+        <p:style>
+          <a:lnRef idx="2">
+            <a:schemeClr val="accent1"/>
+          </a:lnRef>
+          <a:fillRef idx="0">
+            <a:schemeClr val="accent1"/>
+          </a:fillRef>
+          <a:effectRef idx="1">
+            <a:schemeClr val="accent1"/>
+          </a:effectRef>
+          <a:fontRef idx="minor">
+            <a:schemeClr val="tx1"/>
+          </a:fontRef>
+        </p:style>
+      </p:cxnSp>
+      <p:sp>
+        <p:nvSpPr>
+          <p:cNvPr id="114" name="正方形/長方形 113">
+            <a:extLst>
+              <a:ext uri="{FF2B5EF4-FFF2-40B4-BE49-F238E27FC236}">
+                <a16:creationId xmlns:a16="http://schemas.microsoft.com/office/drawing/2014/main" id="{4928A136-2B4A-9F97-6544-72F0DA9A16A0}"/>
+              </a:ext>
+            </a:extLst>
+          </p:cNvPr>
+          <p:cNvSpPr/>
+          <p:nvPr/>
+        </p:nvSpPr>
+        <p:spPr>
+          <a:xfrm>
+            <a:off x="2215710" y="2686763"/>
+            <a:ext cx="1305190" cy="760021"/>
+          </a:xfrm>
+          <a:prstGeom prst="rect">
+            <a:avLst/>
+          </a:prstGeom>
+          <a:noFill/>
+          <a:ln>
+            <a:solidFill>
+              <a:schemeClr val="tx1"/>
+            </a:solidFill>
+          </a:ln>
+        </p:spPr>
+        <p:style>
+          <a:lnRef idx="2">
+            <a:schemeClr val="accent1">
+              <a:shade val="15000"/>
+            </a:schemeClr>
+          </a:lnRef>
+          <a:fillRef idx="1">
+            <a:schemeClr val="accent1"/>
+          </a:fillRef>
+          <a:effectRef idx="0">
+            <a:schemeClr val="accent1"/>
+          </a:effectRef>
+          <a:fontRef idx="minor">
+            <a:schemeClr val="lt1"/>
+          </a:fontRef>
+        </p:style>
+        <p:txBody>
+          <a:bodyPr lIns="36000" tIns="36000" rIns="36000" bIns="36000" rtlCol="0" anchor="ctr"/>
+          <a:lstStyle/>
+          <a:p>
+            <a:pPr algn="ctr"/>
+            <a:r>
+              <a:rPr lang="ja-JP" altLang="en-US" b="1" dirty="0">
+                <a:solidFill>
+                  <a:schemeClr val="tx1"/>
+                </a:solidFill>
+              </a:rPr>
+              <a:t>材料</a:t>
+            </a:r>
+            <a:endParaRPr lang="en-US" altLang="ja-JP" b="1" dirty="0">
+              <a:solidFill>
+                <a:schemeClr val="tx1"/>
+              </a:solidFill>
+            </a:endParaRPr>
+          </a:p>
+          <a:p>
+            <a:pPr algn="ctr"/>
+            <a:r>
+              <a:rPr lang="ja-JP" altLang="en-US" b="1" dirty="0">
+                <a:solidFill>
+                  <a:schemeClr val="tx1"/>
+                </a:solidFill>
+              </a:rPr>
+              <a:t>不良</a:t>
+            </a:r>
+            <a:endParaRPr lang="en-US" altLang="ja-JP" b="1" dirty="0">
+              <a:solidFill>
+                <a:schemeClr val="tx1"/>
+              </a:solidFill>
+            </a:endParaRPr>
+          </a:p>
+        </p:txBody>
+      </p:sp>
+      <p:cxnSp>
+        <p:nvCxnSpPr>
+          <p:cNvPr id="115" name="直線コネクタ 114">
+            <a:extLst>
+              <a:ext uri="{FF2B5EF4-FFF2-40B4-BE49-F238E27FC236}">
+                <a16:creationId xmlns:a16="http://schemas.microsoft.com/office/drawing/2014/main" id="{22FC4EF4-692D-FD4D-AB1A-E31C0DDB28CA}"/>
+              </a:ext>
+            </a:extLst>
+          </p:cNvPr>
+          <p:cNvCxnSpPr>
+            <a:cxnSpLocks/>
+            <a:stCxn id="105" idx="4"/>
+            <a:endCxn id="114" idx="1"/>
+          </p:cNvCxnSpPr>
+          <p:nvPr/>
+        </p:nvCxnSpPr>
+        <p:spPr>
+          <a:xfrm flipV="1">
+            <a:off x="1773411" y="3066774"/>
+            <a:ext cx="442299" cy="443979"/>
+          </a:xfrm>
+          <a:prstGeom prst="bentConnector3">
+            <a:avLst>
+              <a:gd name="adj1" fmla="val 50000"/>
+            </a:avLst>
+          </a:prstGeom>
+          <a:ln>
+            <a:solidFill>
+              <a:schemeClr val="tx1"/>
+            </a:solidFill>
+          </a:ln>
+        </p:spPr>
+        <p:style>
+          <a:lnRef idx="2">
+            <a:schemeClr val="accent1"/>
+          </a:lnRef>
+          <a:fillRef idx="0">
+            <a:schemeClr val="accent1"/>
+          </a:fillRef>
+          <a:effectRef idx="1">
+            <a:schemeClr val="accent1"/>
+          </a:effectRef>
+          <a:fontRef idx="minor">
+            <a:schemeClr val="tx1"/>
+          </a:fontRef>
+        </p:style>
+      </p:cxnSp>
+      <p:sp>
+        <p:nvSpPr>
+          <p:cNvPr id="118" name="正方形/長方形 117">
+            <a:extLst>
+              <a:ext uri="{FF2B5EF4-FFF2-40B4-BE49-F238E27FC236}">
+                <a16:creationId xmlns:a16="http://schemas.microsoft.com/office/drawing/2014/main" id="{E96078E4-75EA-F45E-4D19-DFB914442ECF}"/>
+              </a:ext>
+            </a:extLst>
+          </p:cNvPr>
+          <p:cNvSpPr/>
+          <p:nvPr/>
+        </p:nvSpPr>
+        <p:spPr>
+          <a:xfrm>
+            <a:off x="2215711" y="4457460"/>
+            <a:ext cx="1172712" cy="432000"/>
+          </a:xfrm>
+          <a:prstGeom prst="rect">
+            <a:avLst/>
+          </a:prstGeom>
+          <a:noFill/>
+          <a:ln>
+            <a:noFill/>
+          </a:ln>
+        </p:spPr>
+        <p:style>
+          <a:lnRef idx="2">
+            <a:schemeClr val="accent1">
+              <a:shade val="15000"/>
+            </a:schemeClr>
+          </a:lnRef>
+          <a:fillRef idx="1">
+            <a:schemeClr val="accent1"/>
+          </a:fillRef>
+          <a:effectRef idx="0">
+            <a:schemeClr val="accent1"/>
+          </a:effectRef>
+          <a:fontRef idx="minor">
+            <a:schemeClr val="lt1"/>
+          </a:fontRef>
+        </p:style>
+        <p:txBody>
+          <a:bodyPr lIns="36000" tIns="36000" rIns="36000" bIns="36000" rtlCol="0" anchor="ctr"/>
+          <a:lstStyle/>
+          <a:p>
+            <a:pPr algn="ctr"/>
+            <a:r>
+              <a:rPr lang="en-US" altLang="ja-JP" b="1" dirty="0">
+                <a:solidFill>
+                  <a:schemeClr val="tx1"/>
+                </a:solidFill>
+              </a:rPr>
+              <a:t>…</a:t>
+            </a:r>
+          </a:p>
+        </p:txBody>
+      </p:sp>
+      <mc:AlternateContent xmlns:mc="http://schemas.openxmlformats.org/markup-compatibility/2006">
+        <mc:Choice xmlns:a14="http://schemas.microsoft.com/office/drawing/2010/main" Requires="a14">
+          <p:sp>
+            <p:nvSpPr>
+              <p:cNvPr id="123" name="テキスト ボックス 122">
+                <a:extLst>
+                  <a:ext uri="{FF2B5EF4-FFF2-40B4-BE49-F238E27FC236}">
+                    <a16:creationId xmlns:a16="http://schemas.microsoft.com/office/drawing/2014/main" id="{6B06A41F-682A-C844-D0C0-0D8015E191F1}"/>
+                  </a:ext>
+                </a:extLst>
+              </p:cNvPr>
+              <p:cNvSpPr txBox="1"/>
+              <p:nvPr/>
+            </p:nvSpPr>
+            <p:spPr>
+              <a:xfrm>
+                <a:off x="8991788" y="377672"/>
+                <a:ext cx="3054797" cy="834203"/>
+              </a:xfrm>
+              <a:prstGeom prst="rect">
+                <a:avLst/>
+              </a:prstGeom>
+              <a:noFill/>
+            </p:spPr>
+            <p:txBody>
+              <a:bodyPr wrap="square" lIns="0" tIns="0" rIns="0" bIns="0" rtlCol="0">
+                <a:spAutoFit/>
+              </a:bodyPr>
+              <a:lstStyle/>
+              <a:p>
+                <a:pPr algn="ctr"/>
+                <a14:m>
+                  <m:oMathPara xmlns:m="http://schemas.openxmlformats.org/officeDocument/2006/math">
+                    <m:oMathParaPr>
+                      <m:jc m:val="left"/>
+                    </m:oMathParaPr>
+                    <m:oMath xmlns:m="http://schemas.openxmlformats.org/officeDocument/2006/math">
+                      <m:r>
+                        <a:rPr lang="ja-JP" altLang="en-US" i="1" smtClean="0">
+                          <a:solidFill>
+                            <a:srgbClr val="FF0000"/>
+                          </a:solidFill>
+                          <a:latin typeface="Cambria Math" panose="02040503050406030204" pitchFamily="18" charset="0"/>
+                        </a:rPr>
+                        <m:t>故障</m:t>
+                      </m:r>
+                      <m:sSub>
+                        <m:sSubPr>
+                          <m:ctrlPr>
+                            <a:rPr kumimoji="1" lang="en-US" altLang="ja-JP" b="0" i="1" smtClean="0">
+                              <a:solidFill>
+                                <a:srgbClr val="FF0000"/>
+                              </a:solidFill>
+                              <a:latin typeface="Cambria Math" panose="02040503050406030204" pitchFamily="18" charset="0"/>
+                            </a:rPr>
+                          </m:ctrlPr>
+                        </m:sSubPr>
+                        <m:e>
+                          <m:r>
+                            <a:rPr kumimoji="1" lang="en-US" altLang="ja-JP" b="0" i="1" smtClean="0">
+                              <a:solidFill>
+                                <a:srgbClr val="FF0000"/>
+                              </a:solidFill>
+                              <a:latin typeface="Cambria Math" panose="02040503050406030204" pitchFamily="18" charset="0"/>
+                            </a:rPr>
+                            <m:t>𝐻</m:t>
+                          </m:r>
+                        </m:e>
+                        <m:sub>
+                          <m:r>
+                            <a:rPr kumimoji="1" lang="en-US" altLang="ja-JP" b="0" i="1" smtClean="0">
+                              <a:solidFill>
+                                <a:srgbClr val="FF0000"/>
+                              </a:solidFill>
+                              <a:latin typeface="Cambria Math" panose="02040503050406030204" pitchFamily="18" charset="0"/>
+                            </a:rPr>
+                            <m:t>𝑖</m:t>
+                          </m:r>
+                        </m:sub>
+                      </m:sSub>
+                      <m:r>
+                        <a:rPr lang="ja-JP" altLang="en-US" i="1">
+                          <a:solidFill>
+                            <a:srgbClr val="FF0000"/>
+                          </a:solidFill>
+                          <a:latin typeface="Cambria Math" panose="02040503050406030204" pitchFamily="18" charset="0"/>
+                        </a:rPr>
+                        <m:t>が</m:t>
+                      </m:r>
+                      <m:r>
+                        <a:rPr lang="ja-JP" altLang="en-US" i="1" smtClean="0">
+                          <a:solidFill>
+                            <a:srgbClr val="FF0000"/>
+                          </a:solidFill>
+                          <a:latin typeface="Cambria Math" panose="02040503050406030204" pitchFamily="18" charset="0"/>
+                        </a:rPr>
+                        <m:t>生じ</m:t>
+                      </m:r>
+                      <m:r>
+                        <a:rPr lang="ja-JP" altLang="en-US" i="1">
+                          <a:solidFill>
+                            <a:srgbClr val="FF0000"/>
+                          </a:solidFill>
+                          <a:latin typeface="Cambria Math" panose="02040503050406030204" pitchFamily="18" charset="0"/>
+                        </a:rPr>
+                        <m:t>た</m:t>
+                      </m:r>
+                      <m:r>
+                        <a:rPr lang="ja-JP" altLang="en-US" i="1" smtClean="0">
+                          <a:solidFill>
+                            <a:srgbClr val="FF0000"/>
+                          </a:solidFill>
+                          <a:latin typeface="Cambria Math" panose="02040503050406030204" pitchFamily="18" charset="0"/>
+                        </a:rPr>
+                        <m:t>とき</m:t>
+                      </m:r>
+                    </m:oMath>
+                  </m:oMathPara>
+                </a14:m>
+                <a:endParaRPr lang="en-US" altLang="ja-JP" i="1" dirty="0">
+                  <a:solidFill>
+                    <a:srgbClr val="FF0000"/>
+                  </a:solidFill>
+                  <a:latin typeface="Cambria Math" panose="02040503050406030204" pitchFamily="18" charset="0"/>
+                </a:endParaRPr>
+              </a:p>
+              <a:p>
+                <a:pPr algn="ctr"/>
+                <a14:m>
+                  <m:oMathPara xmlns:m="http://schemas.openxmlformats.org/officeDocument/2006/math">
+                    <m:oMathParaPr>
+                      <m:jc m:val="left"/>
+                    </m:oMathParaPr>
+                    <m:oMath xmlns:m="http://schemas.openxmlformats.org/officeDocument/2006/math">
+                      <m:r>
+                        <a:rPr lang="ja-JP" altLang="en-US" i="1">
+                          <a:solidFill>
+                            <a:srgbClr val="FF0000"/>
+                          </a:solidFill>
+                          <a:latin typeface="Cambria Math" panose="02040503050406030204" pitchFamily="18" charset="0"/>
+                        </a:rPr>
+                        <m:t>製品</m:t>
+                      </m:r>
+                      <m:r>
+                        <a:rPr lang="ja-JP" altLang="en-US" i="1" smtClean="0">
+                          <a:solidFill>
+                            <a:srgbClr val="FF0000"/>
+                          </a:solidFill>
+                          <a:latin typeface="Cambria Math" panose="02040503050406030204" pitchFamily="18" charset="0"/>
+                        </a:rPr>
+                        <m:t>不良</m:t>
+                      </m:r>
+                      <m:r>
+                        <a:rPr lang="ja-JP" altLang="en-US" i="1">
+                          <a:solidFill>
+                            <a:srgbClr val="FF0000"/>
+                          </a:solidFill>
+                          <a:latin typeface="Cambria Math" panose="02040503050406030204" pitchFamily="18" charset="0"/>
+                        </a:rPr>
+                        <m:t>となる</m:t>
+                      </m:r>
+                      <m:r>
+                        <a:rPr lang="ja-JP" altLang="en-US" i="1" smtClean="0">
+                          <a:solidFill>
+                            <a:srgbClr val="FF0000"/>
+                          </a:solidFill>
+                          <a:latin typeface="Cambria Math" panose="02040503050406030204" pitchFamily="18" charset="0"/>
+                        </a:rPr>
+                        <m:t>条件</m:t>
+                      </m:r>
+                      <m:r>
+                        <a:rPr lang="ja-JP" altLang="en-US" i="1">
+                          <a:solidFill>
+                            <a:srgbClr val="FF0000"/>
+                          </a:solidFill>
+                          <a:latin typeface="Cambria Math" panose="02040503050406030204" pitchFamily="18" charset="0"/>
+                        </a:rPr>
+                        <m:t>付き</m:t>
+                      </m:r>
+                      <m:r>
+                        <a:rPr lang="ja-JP" altLang="en-US" i="1" smtClean="0">
+                          <a:solidFill>
+                            <a:srgbClr val="FF0000"/>
+                          </a:solidFill>
+                          <a:latin typeface="Cambria Math" panose="02040503050406030204" pitchFamily="18" charset="0"/>
+                        </a:rPr>
+                        <m:t>確率</m:t>
+                      </m:r>
+                    </m:oMath>
+                  </m:oMathPara>
+                </a14:m>
+                <a:endParaRPr lang="en-US" altLang="ja-JP" i="1" dirty="0">
+                  <a:solidFill>
+                    <a:srgbClr val="FF0000"/>
+                  </a:solidFill>
+                  <a:latin typeface="Cambria Math" panose="02040503050406030204" pitchFamily="18" charset="0"/>
+                </a:endParaRPr>
+              </a:p>
+              <a:p>
+                <a:pPr algn="ctr"/>
+                <a14:m>
+                  <m:oMathPara xmlns:m="http://schemas.openxmlformats.org/officeDocument/2006/math">
+                    <m:oMathParaPr>
+                      <m:jc m:val="left"/>
+                    </m:oMathParaPr>
+                    <m:oMath xmlns:m="http://schemas.openxmlformats.org/officeDocument/2006/math">
+                      <m:r>
+                        <a:rPr lang="en-US" altLang="ja-JP" b="0" i="1" smtClean="0">
+                          <a:solidFill>
+                            <a:srgbClr val="FF0000"/>
+                          </a:solidFill>
+                          <a:latin typeface="Cambria Math" panose="02040503050406030204" pitchFamily="18" charset="0"/>
+                        </a:rPr>
+                        <m:t>𝑃</m:t>
+                      </m:r>
+                      <m:d>
+                        <m:dPr>
+                          <m:ctrlPr>
+                            <a:rPr lang="en-US" altLang="ja-JP" b="0" i="1" smtClean="0">
+                              <a:solidFill>
+                                <a:srgbClr val="FF0000"/>
+                              </a:solidFill>
+                              <a:latin typeface="Cambria Math" panose="02040503050406030204" pitchFamily="18" charset="0"/>
+                            </a:rPr>
+                          </m:ctrlPr>
+                        </m:dPr>
+                        <m:e>
+                          <m:r>
+                            <a:rPr lang="en-US" altLang="ja-JP" b="0" i="1" smtClean="0">
+                              <a:solidFill>
+                                <a:srgbClr val="FF0000"/>
+                              </a:solidFill>
+                              <a:latin typeface="Cambria Math" panose="02040503050406030204" pitchFamily="18" charset="0"/>
+                            </a:rPr>
+                            <m:t>𝐴</m:t>
+                          </m:r>
+                          <m:r>
+                            <a:rPr lang="en-US" altLang="ja-JP" b="0" i="1" smtClean="0">
+                              <a:solidFill>
+                                <a:srgbClr val="FF0000"/>
+                              </a:solidFill>
+                              <a:latin typeface="Cambria Math" panose="02040503050406030204" pitchFamily="18" charset="0"/>
+                            </a:rPr>
+                            <m:t>|</m:t>
+                          </m:r>
+                          <m:sSub>
+                            <m:sSubPr>
+                              <m:ctrlPr>
+                                <a:rPr lang="en-US" altLang="ja-JP" b="0" i="1" smtClean="0">
+                                  <a:solidFill>
+                                    <a:srgbClr val="FF0000"/>
+                                  </a:solidFill>
+                                  <a:latin typeface="Cambria Math" panose="02040503050406030204" pitchFamily="18" charset="0"/>
+                                </a:rPr>
+                              </m:ctrlPr>
+                            </m:sSubPr>
+                            <m:e>
+                              <m:r>
+                                <a:rPr lang="en-US" altLang="ja-JP" b="0" i="1" smtClean="0">
+                                  <a:solidFill>
+                                    <a:srgbClr val="FF0000"/>
+                                  </a:solidFill>
+                                  <a:latin typeface="Cambria Math" panose="02040503050406030204" pitchFamily="18" charset="0"/>
+                                </a:rPr>
+                                <m:t>𝐻</m:t>
+                              </m:r>
+                            </m:e>
+                            <m:sub>
+                              <m:r>
+                                <a:rPr lang="en-US" altLang="ja-JP" b="0" i="1" smtClean="0">
+                                  <a:solidFill>
+                                    <a:srgbClr val="FF0000"/>
+                                  </a:solidFill>
+                                  <a:latin typeface="Cambria Math" panose="02040503050406030204" pitchFamily="18" charset="0"/>
+                                </a:rPr>
+                                <m:t>𝑖</m:t>
+                              </m:r>
+                            </m:sub>
+                          </m:sSub>
+                        </m:e>
+                      </m:d>
+                    </m:oMath>
+                  </m:oMathPara>
+                </a14:m>
+                <a:endParaRPr kumimoji="1" lang="en-US" altLang="ja-JP" b="0" dirty="0">
+                  <a:solidFill>
+                    <a:srgbClr val="FF0000"/>
+                  </a:solidFill>
+                  <a:latin typeface="Cambria Math" panose="02040503050406030204" pitchFamily="18" charset="0"/>
+                </a:endParaRPr>
+              </a:p>
+            </p:txBody>
+          </p:sp>
+        </mc:Choice>
+        <mc:Fallback>
+          <p:sp>
+            <p:nvSpPr>
+              <p:cNvPr id="123" name="テキスト ボックス 122">
+                <a:extLst>
+                  <a:ext uri="{FF2B5EF4-FFF2-40B4-BE49-F238E27FC236}">
+                    <a16:creationId xmlns:a16="http://schemas.microsoft.com/office/drawing/2014/main" id="{6B06A41F-682A-C844-D0C0-0D8015E191F1}"/>
+                  </a:ext>
+                </a:extLst>
+              </p:cNvPr>
+              <p:cNvSpPr txBox="1">
+                <a:spLocks noRot="1" noChangeAspect="1" noMove="1" noResize="1" noEditPoints="1" noAdjustHandles="1" noChangeArrowheads="1" noChangeShapeType="1" noTextEdit="1"/>
+              </p:cNvSpPr>
+              <p:nvPr/>
+            </p:nvSpPr>
+            <p:spPr>
+              <a:xfrm>
+                <a:off x="8991788" y="377672"/>
+                <a:ext cx="3054797" cy="834203"/>
+              </a:xfrm>
+              <a:prstGeom prst="rect">
+                <a:avLst/>
+              </a:prstGeom>
+              <a:blipFill>
+                <a:blip r:embed="rId2"/>
+                <a:stretch>
+                  <a:fillRect l="-3593" t="-2920" r="-1198" b="-11679"/>
+                </a:stretch>
+              </a:blipFill>
+            </p:spPr>
+            <p:txBody>
+              <a:bodyPr/>
+              <a:lstStyle/>
+              <a:p>
+                <a:r>
+                  <a:rPr lang="ja-JP" altLang="en-US">
+                    <a:noFill/>
+                  </a:rPr>
+                  <a:t> </a:t>
+                </a:r>
+              </a:p>
+            </p:txBody>
+          </p:sp>
+        </mc:Fallback>
+      </mc:AlternateContent>
+      <mc:AlternateContent xmlns:mc="http://schemas.openxmlformats.org/markup-compatibility/2006">
+        <mc:Choice xmlns:a14="http://schemas.microsoft.com/office/drawing/2010/main" Requires="a14">
+          <p:sp>
+            <p:nvSpPr>
+              <p:cNvPr id="124" name="テキスト ボックス 123">
+                <a:extLst>
+                  <a:ext uri="{FF2B5EF4-FFF2-40B4-BE49-F238E27FC236}">
+                    <a16:creationId xmlns:a16="http://schemas.microsoft.com/office/drawing/2014/main" id="{EEE25AAB-6770-AB50-1F57-A70952E188E4}"/>
+                  </a:ext>
+                </a:extLst>
+              </p:cNvPr>
+              <p:cNvSpPr txBox="1"/>
+              <p:nvPr/>
+            </p:nvSpPr>
+            <p:spPr>
+              <a:xfrm>
+                <a:off x="5674481" y="377672"/>
+                <a:ext cx="3054797" cy="833754"/>
+              </a:xfrm>
+              <a:prstGeom prst="rect">
+                <a:avLst/>
+              </a:prstGeom>
+              <a:noFill/>
+            </p:spPr>
+            <p:txBody>
+              <a:bodyPr wrap="square" lIns="0" tIns="0" rIns="0" bIns="0" rtlCol="0">
+                <a:spAutoFit/>
+              </a:bodyPr>
+              <a:lstStyle/>
+              <a:p>
+                <a:pPr algn="ctr"/>
+                <a14:m>
+                  <m:oMathPara xmlns:m="http://schemas.openxmlformats.org/officeDocument/2006/math">
+                    <m:oMathParaPr>
+                      <m:jc m:val="left"/>
+                    </m:oMathParaPr>
+                    <m:oMath xmlns:m="http://schemas.openxmlformats.org/officeDocument/2006/math">
+                      <m:r>
+                        <a:rPr lang="ja-JP" altLang="en-US" i="1" smtClean="0">
+                          <a:solidFill>
+                            <a:schemeClr val="accent2"/>
+                          </a:solidFill>
+                          <a:latin typeface="Cambria Math" panose="02040503050406030204" pitchFamily="18" charset="0"/>
+                        </a:rPr>
+                        <m:t>サーボ精度</m:t>
+                      </m:r>
+                      <m:r>
+                        <a:rPr lang="ja-JP" altLang="en-US" i="1">
+                          <a:solidFill>
+                            <a:schemeClr val="accent2"/>
+                          </a:solidFill>
+                          <a:latin typeface="Cambria Math" panose="02040503050406030204" pitchFamily="18" charset="0"/>
+                        </a:rPr>
+                        <m:t>不良</m:t>
+                      </m:r>
+                      <m:r>
+                        <a:rPr lang="ja-JP" altLang="en-US" i="1" smtClean="0">
+                          <a:solidFill>
+                            <a:schemeClr val="accent2"/>
+                          </a:solidFill>
+                          <a:latin typeface="Cambria Math" panose="02040503050406030204" pitchFamily="18" charset="0"/>
+                        </a:rPr>
+                        <m:t>の</m:t>
+                      </m:r>
+                      <m:r>
+                        <a:rPr lang="ja-JP" altLang="en-US" i="1">
+                          <a:solidFill>
+                            <a:schemeClr val="accent2"/>
+                          </a:solidFill>
+                          <a:latin typeface="Cambria Math" panose="02040503050406030204" pitchFamily="18" charset="0"/>
+                        </a:rPr>
+                        <m:t>場合</m:t>
+                      </m:r>
+                      <m:r>
+                        <a:rPr lang="ja-JP" altLang="en-US" i="1" smtClean="0">
+                          <a:solidFill>
+                            <a:schemeClr val="accent2"/>
+                          </a:solidFill>
+                          <a:latin typeface="Cambria Math" panose="02040503050406030204" pitchFamily="18" charset="0"/>
+                        </a:rPr>
+                        <m:t>に</m:t>
+                      </m:r>
+                    </m:oMath>
+                  </m:oMathPara>
+                </a14:m>
+                <a:endParaRPr lang="en-US" altLang="ja-JP" i="1" dirty="0">
+                  <a:solidFill>
+                    <a:schemeClr val="accent2"/>
+                  </a:solidFill>
+                  <a:latin typeface="Cambria Math" panose="02040503050406030204" pitchFamily="18" charset="0"/>
+                </a:endParaRPr>
+              </a:p>
+              <a:p>
+                <a:pPr algn="ctr"/>
+                <a14:m>
+                  <m:oMathPara xmlns:m="http://schemas.openxmlformats.org/officeDocument/2006/math">
+                    <m:oMathParaPr>
+                      <m:jc m:val="left"/>
+                    </m:oMathParaPr>
+                    <m:oMath xmlns:m="http://schemas.openxmlformats.org/officeDocument/2006/math">
+                      <m:r>
+                        <a:rPr lang="ja-JP" altLang="en-US" i="1" smtClean="0">
+                          <a:solidFill>
+                            <a:schemeClr val="accent2"/>
+                          </a:solidFill>
+                          <a:latin typeface="Cambria Math" panose="02040503050406030204" pitchFamily="18" charset="0"/>
+                        </a:rPr>
+                        <m:t>故障</m:t>
+                      </m:r>
+                      <m:sSub>
+                        <m:sSubPr>
+                          <m:ctrlPr>
+                            <a:rPr kumimoji="1" lang="en-US" altLang="ja-JP" b="0" i="1" smtClean="0">
+                              <a:solidFill>
+                                <a:schemeClr val="accent2"/>
+                              </a:solidFill>
+                              <a:latin typeface="Cambria Math" panose="02040503050406030204" pitchFamily="18" charset="0"/>
+                            </a:rPr>
+                          </m:ctrlPr>
+                        </m:sSubPr>
+                        <m:e>
+                          <m:r>
+                            <a:rPr kumimoji="1" lang="en-US" altLang="ja-JP" b="0" i="1" smtClean="0">
+                              <a:solidFill>
+                                <a:schemeClr val="accent2"/>
+                              </a:solidFill>
+                              <a:latin typeface="Cambria Math" panose="02040503050406030204" pitchFamily="18" charset="0"/>
+                            </a:rPr>
+                            <m:t>𝐻</m:t>
+                          </m:r>
+                        </m:e>
+                        <m:sub>
+                          <m:r>
+                            <a:rPr kumimoji="1" lang="en-US" altLang="ja-JP" b="0" i="1" smtClean="0">
+                              <a:solidFill>
+                                <a:schemeClr val="accent2"/>
+                              </a:solidFill>
+                              <a:latin typeface="Cambria Math" panose="02040503050406030204" pitchFamily="18" charset="0"/>
+                            </a:rPr>
+                            <m:t>𝑖</m:t>
+                          </m:r>
+                        </m:sub>
+                      </m:sSub>
+                      <m:r>
+                        <a:rPr lang="ja-JP" altLang="en-US" i="1">
+                          <a:solidFill>
+                            <a:schemeClr val="accent2"/>
+                          </a:solidFill>
+                          <a:latin typeface="Cambria Math" panose="02040503050406030204" pitchFamily="18" charset="0"/>
+                        </a:rPr>
+                        <m:t>が</m:t>
+                      </m:r>
+                      <m:r>
+                        <a:rPr lang="ja-JP" altLang="en-US" i="1" smtClean="0">
+                          <a:solidFill>
+                            <a:schemeClr val="accent2"/>
+                          </a:solidFill>
+                          <a:latin typeface="Cambria Math" panose="02040503050406030204" pitchFamily="18" charset="0"/>
+                        </a:rPr>
+                        <m:t>原因</m:t>
+                      </m:r>
+                      <m:r>
+                        <a:rPr lang="ja-JP" altLang="en-US" i="1">
+                          <a:solidFill>
+                            <a:schemeClr val="accent2"/>
+                          </a:solidFill>
+                          <a:latin typeface="Cambria Math" panose="02040503050406030204" pitchFamily="18" charset="0"/>
+                        </a:rPr>
+                        <m:t>で</m:t>
+                      </m:r>
+                      <m:r>
+                        <a:rPr lang="ja-JP" altLang="en-US" i="1" smtClean="0">
+                          <a:solidFill>
+                            <a:schemeClr val="accent2"/>
+                          </a:solidFill>
+                          <a:latin typeface="Cambria Math" panose="02040503050406030204" pitchFamily="18" charset="0"/>
+                        </a:rPr>
+                        <m:t>ある</m:t>
+                      </m:r>
+                      <m:r>
+                        <a:rPr lang="ja-JP" altLang="en-US" i="1">
+                          <a:solidFill>
+                            <a:schemeClr val="accent2"/>
+                          </a:solidFill>
+                          <a:latin typeface="Cambria Math" panose="02040503050406030204" pitchFamily="18" charset="0"/>
+                        </a:rPr>
+                        <m:t>事前</m:t>
+                      </m:r>
+                      <m:r>
+                        <a:rPr lang="ja-JP" altLang="en-US" i="1" smtClean="0">
+                          <a:solidFill>
+                            <a:schemeClr val="accent2"/>
+                          </a:solidFill>
+                          <a:latin typeface="Cambria Math" panose="02040503050406030204" pitchFamily="18" charset="0"/>
+                        </a:rPr>
+                        <m:t>確率</m:t>
+                      </m:r>
+                    </m:oMath>
+                  </m:oMathPara>
+                </a14:m>
+                <a:endParaRPr lang="en-US" altLang="ja-JP" i="1" dirty="0">
+                  <a:solidFill>
+                    <a:schemeClr val="accent2"/>
+                  </a:solidFill>
+                  <a:latin typeface="Cambria Math" panose="02040503050406030204" pitchFamily="18" charset="0"/>
+                </a:endParaRPr>
+              </a:p>
+              <a:p>
+                <a:pPr algn="ctr"/>
+                <a14:m>
+                  <m:oMathPara xmlns:m="http://schemas.openxmlformats.org/officeDocument/2006/math">
+                    <m:oMathParaPr>
+                      <m:jc m:val="left"/>
+                    </m:oMathParaPr>
+                    <m:oMath xmlns:m="http://schemas.openxmlformats.org/officeDocument/2006/math">
+                      <m:r>
+                        <a:rPr lang="en-US" altLang="ja-JP" b="0" i="1" smtClean="0">
+                          <a:solidFill>
+                            <a:schemeClr val="accent2"/>
+                          </a:solidFill>
+                          <a:latin typeface="Cambria Math" panose="02040503050406030204" pitchFamily="18" charset="0"/>
+                        </a:rPr>
+                        <m:t>𝑃</m:t>
+                      </m:r>
+                      <m:d>
+                        <m:dPr>
+                          <m:ctrlPr>
+                            <a:rPr lang="en-US" altLang="ja-JP" b="0" i="1" smtClean="0">
+                              <a:solidFill>
+                                <a:schemeClr val="accent2"/>
+                              </a:solidFill>
+                              <a:latin typeface="Cambria Math" panose="02040503050406030204" pitchFamily="18" charset="0"/>
+                            </a:rPr>
+                          </m:ctrlPr>
+                        </m:dPr>
+                        <m:e>
+                          <m:sSub>
+                            <m:sSubPr>
+                              <m:ctrlPr>
+                                <a:rPr lang="en-US" altLang="ja-JP" b="0" i="1" smtClean="0">
+                                  <a:solidFill>
+                                    <a:schemeClr val="accent2"/>
+                                  </a:solidFill>
+                                  <a:latin typeface="Cambria Math" panose="02040503050406030204" pitchFamily="18" charset="0"/>
+                                </a:rPr>
+                              </m:ctrlPr>
+                            </m:sSubPr>
+                            <m:e>
+                              <m:r>
+                                <a:rPr lang="en-US" altLang="ja-JP" b="0" i="1" smtClean="0">
+                                  <a:solidFill>
+                                    <a:schemeClr val="accent2"/>
+                                  </a:solidFill>
+                                  <a:latin typeface="Cambria Math" panose="02040503050406030204" pitchFamily="18" charset="0"/>
+                                </a:rPr>
+                                <m:t>𝐻</m:t>
+                              </m:r>
+                            </m:e>
+                            <m:sub>
+                              <m:r>
+                                <a:rPr lang="en-US" altLang="ja-JP" b="0" i="1" smtClean="0">
+                                  <a:solidFill>
+                                    <a:schemeClr val="accent2"/>
+                                  </a:solidFill>
+                                  <a:latin typeface="Cambria Math" panose="02040503050406030204" pitchFamily="18" charset="0"/>
+                                </a:rPr>
+                                <m:t>𝑖</m:t>
+                              </m:r>
+                            </m:sub>
+                          </m:sSub>
+                        </m:e>
+                      </m:d>
+                    </m:oMath>
+                  </m:oMathPara>
+                </a14:m>
+                <a:endParaRPr kumimoji="1" lang="en-US" altLang="ja-JP" b="0" dirty="0">
+                  <a:solidFill>
+                    <a:schemeClr val="accent2"/>
+                  </a:solidFill>
+                  <a:latin typeface="Cambria Math" panose="02040503050406030204" pitchFamily="18" charset="0"/>
+                </a:endParaRPr>
+              </a:p>
+            </p:txBody>
+          </p:sp>
+        </mc:Choice>
+        <mc:Fallback>
+          <p:sp>
+            <p:nvSpPr>
+              <p:cNvPr id="124" name="テキスト ボックス 123">
+                <a:extLst>
+                  <a:ext uri="{FF2B5EF4-FFF2-40B4-BE49-F238E27FC236}">
+                    <a16:creationId xmlns:a16="http://schemas.microsoft.com/office/drawing/2014/main" id="{EEE25AAB-6770-AB50-1F57-A70952E188E4}"/>
+                  </a:ext>
+                </a:extLst>
+              </p:cNvPr>
+              <p:cNvSpPr txBox="1">
+                <a:spLocks noRot="1" noChangeAspect="1" noMove="1" noResize="1" noEditPoints="1" noAdjustHandles="1" noChangeArrowheads="1" noChangeShapeType="1" noTextEdit="1"/>
+              </p:cNvSpPr>
+              <p:nvPr/>
+            </p:nvSpPr>
+            <p:spPr>
+              <a:xfrm>
+                <a:off x="5674481" y="377672"/>
+                <a:ext cx="3054797" cy="833754"/>
+              </a:xfrm>
+              <a:prstGeom prst="rect">
+                <a:avLst/>
+              </a:prstGeom>
+              <a:blipFill>
+                <a:blip r:embed="rId3"/>
+                <a:stretch>
+                  <a:fillRect l="-3593" t="-2920" r="-998" b="-5839"/>
+                </a:stretch>
+              </a:blipFill>
+            </p:spPr>
+            <p:txBody>
+              <a:bodyPr/>
+              <a:lstStyle/>
+              <a:p>
+                <a:r>
+                  <a:rPr lang="ja-JP" altLang="en-US">
+                    <a:noFill/>
+                  </a:rPr>
+                  <a:t> </a:t>
+                </a:r>
+              </a:p>
+            </p:txBody>
+          </p:sp>
+        </mc:Fallback>
+      </mc:AlternateContent>
+      <p:sp>
+        <p:nvSpPr>
+          <p:cNvPr id="125" name="テキスト ボックス 124">
+            <a:extLst>
+              <a:ext uri="{FF2B5EF4-FFF2-40B4-BE49-F238E27FC236}">
+                <a16:creationId xmlns:a16="http://schemas.microsoft.com/office/drawing/2014/main" id="{382CD149-4D43-B6EB-E035-7B72D8C6631F}"/>
+              </a:ext>
+            </a:extLst>
+          </p:cNvPr>
+          <p:cNvSpPr txBox="1"/>
+          <p:nvPr/>
+        </p:nvSpPr>
+        <p:spPr>
+          <a:xfrm>
+            <a:off x="9475339" y="1913426"/>
+            <a:ext cx="724933" cy="309700"/>
+          </a:xfrm>
+          <a:prstGeom prst="rect">
+            <a:avLst/>
+          </a:prstGeom>
+          <a:noFill/>
+        </p:spPr>
+        <p:txBody>
+          <a:bodyPr wrap="square" lIns="0" tIns="0" rIns="0" bIns="0" rtlCol="0">
+            <a:spAutoFit/>
+          </a:bodyPr>
+          <a:lstStyle/>
+          <a:p>
+            <a:pPr algn="ctr"/>
+            <a:r>
+              <a:rPr kumimoji="1" lang="en-US" altLang="ja-JP" sz="2000" b="0" dirty="0">
+                <a:solidFill>
+                  <a:schemeClr val="accent2"/>
+                </a:solidFill>
+                <a:latin typeface="Cambria Math" panose="02040503050406030204" pitchFamily="18" charset="0"/>
+              </a:rPr>
+              <a:t>0.3</a:t>
+            </a:r>
+          </a:p>
+        </p:txBody>
+      </p:sp>
+      <p:sp>
+        <p:nvSpPr>
+          <p:cNvPr id="126" name="テキスト ボックス 125">
+            <a:extLst>
+              <a:ext uri="{FF2B5EF4-FFF2-40B4-BE49-F238E27FC236}">
+                <a16:creationId xmlns:a16="http://schemas.microsoft.com/office/drawing/2014/main" id="{AD6A864D-7174-D79E-B5FC-C59259E11F00}"/>
+              </a:ext>
+            </a:extLst>
+          </p:cNvPr>
+          <p:cNvSpPr txBox="1"/>
+          <p:nvPr/>
+        </p:nvSpPr>
+        <p:spPr>
+          <a:xfrm>
+            <a:off x="9475339" y="2410189"/>
+            <a:ext cx="724933" cy="309700"/>
+          </a:xfrm>
+          <a:prstGeom prst="rect">
+            <a:avLst/>
+          </a:prstGeom>
+          <a:noFill/>
+        </p:spPr>
+        <p:txBody>
+          <a:bodyPr wrap="square" lIns="0" tIns="0" rIns="0" bIns="0" rtlCol="0">
+            <a:spAutoFit/>
+          </a:bodyPr>
+          <a:lstStyle/>
+          <a:p>
+            <a:pPr algn="ctr"/>
+            <a:r>
+              <a:rPr kumimoji="1" lang="en-US" altLang="ja-JP" sz="2000" b="0" dirty="0">
+                <a:solidFill>
+                  <a:schemeClr val="accent2"/>
+                </a:solidFill>
+                <a:latin typeface="Cambria Math" panose="02040503050406030204" pitchFamily="18" charset="0"/>
+              </a:rPr>
+              <a:t>0.01</a:t>
+            </a:r>
+          </a:p>
+        </p:txBody>
+      </p:sp>
+      <p:sp>
+        <p:nvSpPr>
+          <p:cNvPr id="127" name="テキスト ボックス 126">
+            <a:extLst>
+              <a:ext uri="{FF2B5EF4-FFF2-40B4-BE49-F238E27FC236}">
+                <a16:creationId xmlns:a16="http://schemas.microsoft.com/office/drawing/2014/main" id="{E593A351-BFEE-D219-D799-B8685961307C}"/>
+              </a:ext>
+            </a:extLst>
+          </p:cNvPr>
+          <p:cNvSpPr txBox="1"/>
+          <p:nvPr/>
+        </p:nvSpPr>
+        <p:spPr>
+          <a:xfrm>
+            <a:off x="9475339" y="3513749"/>
+            <a:ext cx="724933" cy="309700"/>
+          </a:xfrm>
+          <a:prstGeom prst="rect">
+            <a:avLst/>
+          </a:prstGeom>
+          <a:noFill/>
+        </p:spPr>
+        <p:txBody>
+          <a:bodyPr wrap="square" lIns="0" tIns="0" rIns="0" bIns="0" rtlCol="0">
+            <a:spAutoFit/>
+          </a:bodyPr>
+          <a:lstStyle/>
+          <a:p>
+            <a:pPr algn="ctr"/>
+            <a:r>
+              <a:rPr kumimoji="1" lang="en-US" altLang="ja-JP" sz="2000" b="0" dirty="0">
+                <a:solidFill>
+                  <a:schemeClr val="accent2"/>
+                </a:solidFill>
+                <a:latin typeface="Cambria Math" panose="02040503050406030204" pitchFamily="18" charset="0"/>
+              </a:rPr>
+              <a:t>0.01</a:t>
+            </a:r>
+          </a:p>
+        </p:txBody>
+      </p:sp>
+      <p:sp>
+        <p:nvSpPr>
+          <p:cNvPr id="128" name="テキスト ボックス 127">
+            <a:extLst>
+              <a:ext uri="{FF2B5EF4-FFF2-40B4-BE49-F238E27FC236}">
+                <a16:creationId xmlns:a16="http://schemas.microsoft.com/office/drawing/2014/main" id="{D4AEDECD-08DF-0EEF-78B6-5E0E6FDBDAF6}"/>
+              </a:ext>
+            </a:extLst>
+          </p:cNvPr>
+          <p:cNvSpPr txBox="1"/>
+          <p:nvPr/>
+        </p:nvSpPr>
+        <p:spPr>
+          <a:xfrm>
+            <a:off x="9475339" y="3999900"/>
+            <a:ext cx="724933" cy="309700"/>
+          </a:xfrm>
+          <a:prstGeom prst="rect">
+            <a:avLst/>
+          </a:prstGeom>
+          <a:noFill/>
+        </p:spPr>
+        <p:txBody>
+          <a:bodyPr wrap="square" lIns="0" tIns="0" rIns="0" bIns="0" rtlCol="0">
+            <a:spAutoFit/>
+          </a:bodyPr>
+          <a:lstStyle/>
+          <a:p>
+            <a:pPr algn="ctr"/>
+            <a:r>
+              <a:rPr kumimoji="1" lang="en-US" altLang="ja-JP" sz="2000" b="0" dirty="0">
+                <a:solidFill>
+                  <a:schemeClr val="accent2"/>
+                </a:solidFill>
+                <a:latin typeface="Cambria Math" panose="02040503050406030204" pitchFamily="18" charset="0"/>
+              </a:rPr>
+              <a:t>0.01</a:t>
+            </a:r>
+          </a:p>
+        </p:txBody>
+      </p:sp>
+      <p:sp>
+        <p:nvSpPr>
+          <p:cNvPr id="129" name="テキスト ボックス 128">
+            <a:extLst>
+              <a:ext uri="{FF2B5EF4-FFF2-40B4-BE49-F238E27FC236}">
+                <a16:creationId xmlns:a16="http://schemas.microsoft.com/office/drawing/2014/main" id="{43839600-A191-D5F7-6D07-DC974FF25386}"/>
+              </a:ext>
+            </a:extLst>
+          </p:cNvPr>
+          <p:cNvSpPr txBox="1"/>
+          <p:nvPr/>
+        </p:nvSpPr>
+        <p:spPr>
+          <a:xfrm>
+            <a:off x="9475339" y="5259695"/>
+            <a:ext cx="724933" cy="309700"/>
+          </a:xfrm>
+          <a:prstGeom prst="rect">
+            <a:avLst/>
+          </a:prstGeom>
+          <a:noFill/>
+        </p:spPr>
+        <p:txBody>
+          <a:bodyPr wrap="square" lIns="0" tIns="0" rIns="0" bIns="0" rtlCol="0">
+            <a:spAutoFit/>
+          </a:bodyPr>
+          <a:lstStyle/>
+          <a:p>
+            <a:pPr algn="ctr"/>
+            <a:r>
+              <a:rPr kumimoji="1" lang="en-US" altLang="ja-JP" sz="2000" b="0" dirty="0">
+                <a:solidFill>
+                  <a:schemeClr val="accent2"/>
+                </a:solidFill>
+                <a:latin typeface="Cambria Math" panose="02040503050406030204" pitchFamily="18" charset="0"/>
+              </a:rPr>
+              <a:t>0.01</a:t>
+            </a:r>
+          </a:p>
+        </p:txBody>
+      </p:sp>
+      <p:sp>
+        <p:nvSpPr>
+          <p:cNvPr id="130" name="テキスト ボックス 129">
+            <a:extLst>
+              <a:ext uri="{FF2B5EF4-FFF2-40B4-BE49-F238E27FC236}">
+                <a16:creationId xmlns:a16="http://schemas.microsoft.com/office/drawing/2014/main" id="{8AC8F03C-622F-37F6-189E-F50C8F4AB390}"/>
+              </a:ext>
+            </a:extLst>
+          </p:cNvPr>
+          <p:cNvSpPr txBox="1"/>
+          <p:nvPr/>
+        </p:nvSpPr>
+        <p:spPr>
+          <a:xfrm>
+            <a:off x="9475339" y="5777067"/>
+            <a:ext cx="724933" cy="309700"/>
+          </a:xfrm>
+          <a:prstGeom prst="rect">
+            <a:avLst/>
+          </a:prstGeom>
+          <a:noFill/>
+        </p:spPr>
+        <p:txBody>
+          <a:bodyPr wrap="square" lIns="0" tIns="0" rIns="0" bIns="0" rtlCol="0">
+            <a:spAutoFit/>
+          </a:bodyPr>
+          <a:lstStyle/>
+          <a:p>
+            <a:pPr algn="ctr"/>
+            <a:r>
+              <a:rPr kumimoji="1" lang="en-US" altLang="ja-JP" sz="2000" b="0" dirty="0">
+                <a:solidFill>
+                  <a:schemeClr val="accent2"/>
+                </a:solidFill>
+                <a:latin typeface="Cambria Math" panose="02040503050406030204" pitchFamily="18" charset="0"/>
+              </a:rPr>
+              <a:t>0.01</a:t>
+            </a:r>
+          </a:p>
+        </p:txBody>
+      </p:sp>
+      <mc:AlternateContent xmlns:mc="http://schemas.openxmlformats.org/markup-compatibility/2006">
+        <mc:Choice xmlns:a14="http://schemas.microsoft.com/office/drawing/2010/main" Requires="a14">
+          <p:sp>
+            <p:nvSpPr>
+              <p:cNvPr id="141" name="テキスト ボックス 140">
+                <a:extLst>
+                  <a:ext uri="{FF2B5EF4-FFF2-40B4-BE49-F238E27FC236}">
+                    <a16:creationId xmlns:a16="http://schemas.microsoft.com/office/drawing/2014/main" id="{2ADCC19E-D247-90F6-0807-ACB8F223EC27}"/>
+                  </a:ext>
+                </a:extLst>
+              </p:cNvPr>
+              <p:cNvSpPr txBox="1"/>
+              <p:nvPr/>
+            </p:nvSpPr>
+            <p:spPr>
+              <a:xfrm>
+                <a:off x="9423031" y="1513151"/>
+                <a:ext cx="829548" cy="307777"/>
+              </a:xfrm>
+              <a:prstGeom prst="rect">
+                <a:avLst/>
+              </a:prstGeom>
+              <a:noFill/>
+            </p:spPr>
+            <p:txBody>
+              <a:bodyPr wrap="square" lIns="0" tIns="0" rIns="0" bIns="0" rtlCol="0">
+                <a:spAutoFit/>
+              </a:bodyPr>
+              <a:lstStyle/>
+              <a:p>
+                <a:pPr algn="ctr"/>
+                <a14:m>
+                  <m:oMathPara xmlns:m="http://schemas.openxmlformats.org/officeDocument/2006/math">
+                    <m:oMathParaPr>
+                      <m:jc m:val="center"/>
+                    </m:oMathParaPr>
+                    <m:oMath xmlns:m="http://schemas.openxmlformats.org/officeDocument/2006/math">
+                      <m:r>
+                        <a:rPr lang="en-US" altLang="ja-JP" sz="2000" b="0" i="1" smtClean="0">
+                          <a:solidFill>
+                            <a:schemeClr val="accent2"/>
+                          </a:solidFill>
+                          <a:latin typeface="Cambria Math" panose="02040503050406030204" pitchFamily="18" charset="0"/>
+                        </a:rPr>
+                        <m:t>𝑃</m:t>
+                      </m:r>
+                      <m:d>
+                        <m:dPr>
+                          <m:ctrlPr>
+                            <a:rPr lang="en-US" altLang="ja-JP" sz="2000" b="0" i="1" smtClean="0">
+                              <a:solidFill>
+                                <a:schemeClr val="accent2"/>
+                              </a:solidFill>
+                              <a:latin typeface="Cambria Math" panose="02040503050406030204" pitchFamily="18" charset="0"/>
+                            </a:rPr>
+                          </m:ctrlPr>
+                        </m:dPr>
+                        <m:e>
+                          <m:sSub>
+                            <m:sSubPr>
+                              <m:ctrlPr>
+                                <a:rPr lang="en-US" altLang="ja-JP" sz="2000" b="0" i="1" smtClean="0">
+                                  <a:solidFill>
+                                    <a:schemeClr val="accent2"/>
+                                  </a:solidFill>
+                                  <a:latin typeface="Cambria Math" panose="02040503050406030204" pitchFamily="18" charset="0"/>
+                                </a:rPr>
+                              </m:ctrlPr>
+                            </m:sSubPr>
+                            <m:e>
+                              <m:r>
+                                <a:rPr lang="en-US" altLang="ja-JP" sz="2000" b="0" i="1" smtClean="0">
+                                  <a:solidFill>
+                                    <a:schemeClr val="accent2"/>
+                                  </a:solidFill>
+                                  <a:latin typeface="Cambria Math" panose="02040503050406030204" pitchFamily="18" charset="0"/>
+                                </a:rPr>
+                                <m:t>𝐻</m:t>
+                              </m:r>
+                            </m:e>
+                            <m:sub>
+                              <m:r>
+                                <a:rPr lang="en-US" altLang="ja-JP" sz="2000" b="0" i="1" smtClean="0">
+                                  <a:solidFill>
+                                    <a:schemeClr val="accent2"/>
+                                  </a:solidFill>
+                                  <a:latin typeface="Cambria Math" panose="02040503050406030204" pitchFamily="18" charset="0"/>
+                                </a:rPr>
+                                <m:t>𝑖</m:t>
+                              </m:r>
+                            </m:sub>
+                          </m:sSub>
+                        </m:e>
+                      </m:d>
+                    </m:oMath>
+                  </m:oMathPara>
+                </a14:m>
+                <a:endParaRPr kumimoji="1" lang="en-US" altLang="ja-JP" sz="2000" b="0" dirty="0">
+                  <a:solidFill>
+                    <a:schemeClr val="accent2"/>
+                  </a:solidFill>
+                  <a:latin typeface="Cambria Math" panose="02040503050406030204" pitchFamily="18" charset="0"/>
+                </a:endParaRPr>
+              </a:p>
+            </p:txBody>
+          </p:sp>
+        </mc:Choice>
+        <mc:Fallback>
+          <p:sp>
+            <p:nvSpPr>
+              <p:cNvPr id="141" name="テキスト ボックス 140">
+                <a:extLst>
+                  <a:ext uri="{FF2B5EF4-FFF2-40B4-BE49-F238E27FC236}">
+                    <a16:creationId xmlns:a16="http://schemas.microsoft.com/office/drawing/2014/main" id="{2ADCC19E-D247-90F6-0807-ACB8F223EC27}"/>
+                  </a:ext>
+                </a:extLst>
+              </p:cNvPr>
+              <p:cNvSpPr txBox="1">
+                <a:spLocks noRot="1" noChangeAspect="1" noMove="1" noResize="1" noEditPoints="1" noAdjustHandles="1" noChangeArrowheads="1" noChangeShapeType="1" noTextEdit="1"/>
+              </p:cNvSpPr>
+              <p:nvPr/>
+            </p:nvSpPr>
+            <p:spPr>
+              <a:xfrm>
+                <a:off x="9423031" y="1513151"/>
+                <a:ext cx="829548" cy="307777"/>
+              </a:xfrm>
+              <a:prstGeom prst="rect">
+                <a:avLst/>
+              </a:prstGeom>
+              <a:blipFill>
+                <a:blip r:embed="rId4"/>
+                <a:stretch>
+                  <a:fillRect l="-1471" b="-19608"/>
+                </a:stretch>
+              </a:blipFill>
+            </p:spPr>
+            <p:txBody>
+              <a:bodyPr/>
+              <a:lstStyle/>
+              <a:p>
+                <a:r>
+                  <a:rPr lang="ja-JP" altLang="en-US">
+                    <a:noFill/>
+                  </a:rPr>
+                  <a:t> </a:t>
+                </a:r>
+              </a:p>
+            </p:txBody>
+          </p:sp>
+        </mc:Fallback>
+      </mc:AlternateContent>
+      <mc:AlternateContent xmlns:mc="http://schemas.openxmlformats.org/markup-compatibility/2006">
+        <mc:Choice xmlns:a14="http://schemas.microsoft.com/office/drawing/2010/main" Requires="a14">
+          <p:sp>
+            <p:nvSpPr>
+              <p:cNvPr id="142" name="テキスト ボックス 141">
+                <a:extLst>
+                  <a:ext uri="{FF2B5EF4-FFF2-40B4-BE49-F238E27FC236}">
+                    <a16:creationId xmlns:a16="http://schemas.microsoft.com/office/drawing/2014/main" id="{CCE6708D-70EC-FFE1-8A8E-19CF26324F31}"/>
+                  </a:ext>
+                </a:extLst>
+              </p:cNvPr>
+              <p:cNvSpPr txBox="1"/>
+              <p:nvPr/>
+            </p:nvSpPr>
+            <p:spPr>
+              <a:xfrm>
+                <a:off x="10752417" y="1513150"/>
+                <a:ext cx="1003728" cy="307777"/>
+              </a:xfrm>
+              <a:prstGeom prst="rect">
+                <a:avLst/>
+              </a:prstGeom>
+              <a:noFill/>
+            </p:spPr>
+            <p:txBody>
+              <a:bodyPr wrap="square" lIns="0" tIns="0" rIns="0" bIns="0" rtlCol="0">
+                <a:spAutoFit/>
+              </a:bodyPr>
+              <a:lstStyle/>
+              <a:p>
+                <a:pPr algn="ctr"/>
+                <a14:m>
+                  <m:oMathPara xmlns:m="http://schemas.openxmlformats.org/officeDocument/2006/math">
+                    <m:oMathParaPr>
+                      <m:jc m:val="center"/>
+                    </m:oMathParaPr>
+                    <m:oMath xmlns:m="http://schemas.openxmlformats.org/officeDocument/2006/math">
+                      <m:r>
+                        <a:rPr lang="en-US" altLang="ja-JP" sz="2000" b="0" i="1" smtClean="0">
+                          <a:solidFill>
+                            <a:srgbClr val="FF0000"/>
+                          </a:solidFill>
+                          <a:latin typeface="Cambria Math" panose="02040503050406030204" pitchFamily="18" charset="0"/>
+                        </a:rPr>
+                        <m:t>𝑃</m:t>
+                      </m:r>
+                      <m:d>
+                        <m:dPr>
+                          <m:ctrlPr>
+                            <a:rPr lang="en-US" altLang="ja-JP" sz="2000" b="0" i="1" smtClean="0">
+                              <a:solidFill>
+                                <a:srgbClr val="FF0000"/>
+                              </a:solidFill>
+                              <a:latin typeface="Cambria Math" panose="02040503050406030204" pitchFamily="18" charset="0"/>
+                            </a:rPr>
+                          </m:ctrlPr>
+                        </m:dPr>
+                        <m:e>
+                          <m:r>
+                            <a:rPr lang="en-US" altLang="ja-JP" sz="2000" b="0" i="1" smtClean="0">
+                              <a:solidFill>
+                                <a:srgbClr val="FF0000"/>
+                              </a:solidFill>
+                              <a:latin typeface="Cambria Math" panose="02040503050406030204" pitchFamily="18" charset="0"/>
+                            </a:rPr>
+                            <m:t>𝐴</m:t>
+                          </m:r>
+                          <m:r>
+                            <a:rPr lang="en-US" altLang="ja-JP" sz="2000" b="0" i="1" smtClean="0">
+                              <a:solidFill>
+                                <a:srgbClr val="FF0000"/>
+                              </a:solidFill>
+                              <a:latin typeface="Cambria Math" panose="02040503050406030204" pitchFamily="18" charset="0"/>
+                            </a:rPr>
+                            <m:t>|</m:t>
+                          </m:r>
+                          <m:sSub>
+                            <m:sSubPr>
+                              <m:ctrlPr>
+                                <a:rPr lang="en-US" altLang="ja-JP" sz="2000" b="0" i="1" smtClean="0">
+                                  <a:solidFill>
+                                    <a:srgbClr val="FF0000"/>
+                                  </a:solidFill>
+                                  <a:latin typeface="Cambria Math" panose="02040503050406030204" pitchFamily="18" charset="0"/>
+                                </a:rPr>
+                              </m:ctrlPr>
+                            </m:sSubPr>
+                            <m:e>
+                              <m:r>
+                                <a:rPr lang="en-US" altLang="ja-JP" sz="2000" b="0" i="1" smtClean="0">
+                                  <a:solidFill>
+                                    <a:srgbClr val="FF0000"/>
+                                  </a:solidFill>
+                                  <a:latin typeface="Cambria Math" panose="02040503050406030204" pitchFamily="18" charset="0"/>
+                                </a:rPr>
+                                <m:t>𝐻</m:t>
+                              </m:r>
+                            </m:e>
+                            <m:sub>
+                              <m:r>
+                                <a:rPr lang="en-US" altLang="ja-JP" sz="2000" b="0" i="1" smtClean="0">
+                                  <a:solidFill>
+                                    <a:srgbClr val="FF0000"/>
+                                  </a:solidFill>
+                                  <a:latin typeface="Cambria Math" panose="02040503050406030204" pitchFamily="18" charset="0"/>
+                                </a:rPr>
+                                <m:t>𝑖</m:t>
+                              </m:r>
+                            </m:sub>
+                          </m:sSub>
+                        </m:e>
+                      </m:d>
+                    </m:oMath>
+                  </m:oMathPara>
+                </a14:m>
+                <a:endParaRPr kumimoji="1" lang="en-US" altLang="ja-JP" sz="2000" b="0" dirty="0">
+                  <a:solidFill>
+                    <a:srgbClr val="FF0000"/>
+                  </a:solidFill>
+                  <a:latin typeface="Cambria Math" panose="02040503050406030204" pitchFamily="18" charset="0"/>
+                </a:endParaRPr>
+              </a:p>
+            </p:txBody>
+          </p:sp>
+        </mc:Choice>
+        <mc:Fallback>
+          <p:sp>
+            <p:nvSpPr>
+              <p:cNvPr id="142" name="テキスト ボックス 141">
+                <a:extLst>
+                  <a:ext uri="{FF2B5EF4-FFF2-40B4-BE49-F238E27FC236}">
+                    <a16:creationId xmlns:a16="http://schemas.microsoft.com/office/drawing/2014/main" id="{CCE6708D-70EC-FFE1-8A8E-19CF26324F31}"/>
+                  </a:ext>
+                </a:extLst>
+              </p:cNvPr>
+              <p:cNvSpPr txBox="1">
+                <a:spLocks noRot="1" noChangeAspect="1" noMove="1" noResize="1" noEditPoints="1" noAdjustHandles="1" noChangeArrowheads="1" noChangeShapeType="1" noTextEdit="1"/>
+              </p:cNvSpPr>
+              <p:nvPr/>
+            </p:nvSpPr>
+            <p:spPr>
+              <a:xfrm>
+                <a:off x="10752417" y="1513150"/>
+                <a:ext cx="1003728" cy="307777"/>
+              </a:xfrm>
+              <a:prstGeom prst="rect">
+                <a:avLst/>
+              </a:prstGeom>
+              <a:blipFill>
+                <a:blip r:embed="rId5"/>
+                <a:stretch>
+                  <a:fillRect l="-4848" b="-37255"/>
+                </a:stretch>
+              </a:blipFill>
+            </p:spPr>
+            <p:txBody>
+              <a:bodyPr/>
+              <a:lstStyle/>
+              <a:p>
+                <a:r>
+                  <a:rPr lang="ja-JP" altLang="en-US">
+                    <a:noFill/>
+                  </a:rPr>
+                  <a:t> </a:t>
+                </a:r>
+              </a:p>
+            </p:txBody>
+          </p:sp>
+        </mc:Fallback>
+      </mc:AlternateContent>
+      <p:cxnSp>
+        <p:nvCxnSpPr>
+          <p:cNvPr id="144" name="直線コネクタ 143">
+            <a:extLst>
+              <a:ext uri="{FF2B5EF4-FFF2-40B4-BE49-F238E27FC236}">
+                <a16:creationId xmlns:a16="http://schemas.microsoft.com/office/drawing/2014/main" id="{969C784D-260C-AE61-C20A-D5B44A77C749}"/>
+              </a:ext>
+            </a:extLst>
+          </p:cNvPr>
+          <p:cNvCxnSpPr>
+            <a:cxnSpLocks/>
+          </p:cNvCxnSpPr>
+          <p:nvPr/>
+        </p:nvCxnSpPr>
+        <p:spPr>
+          <a:xfrm>
+            <a:off x="9205187" y="1899987"/>
+            <a:ext cx="2628000" cy="0"/>
+          </a:xfrm>
+          <a:prstGeom prst="line">
+            <a:avLst/>
+          </a:prstGeom>
+          <a:ln>
+            <a:solidFill>
+              <a:schemeClr val="tx1"/>
+            </a:solidFill>
+          </a:ln>
+        </p:spPr>
+        <p:style>
+          <a:lnRef idx="2">
+            <a:schemeClr val="accent1"/>
+          </a:lnRef>
+          <a:fillRef idx="0">
+            <a:schemeClr val="accent1"/>
+          </a:fillRef>
+          <a:effectRef idx="1">
+            <a:schemeClr val="accent1"/>
+          </a:effectRef>
+          <a:fontRef idx="minor">
+            <a:schemeClr val="tx1"/>
+          </a:fontRef>
+        </p:style>
+      </p:cxnSp>
+      <p:cxnSp>
+        <p:nvCxnSpPr>
+          <p:cNvPr id="146" name="直線コネクタ 145">
+            <a:extLst>
+              <a:ext uri="{FF2B5EF4-FFF2-40B4-BE49-F238E27FC236}">
+                <a16:creationId xmlns:a16="http://schemas.microsoft.com/office/drawing/2014/main" id="{905FD601-4AFD-6877-2518-3C6E2FBCA7CE}"/>
+              </a:ext>
+            </a:extLst>
+          </p:cNvPr>
+          <p:cNvCxnSpPr>
+            <a:cxnSpLocks/>
+          </p:cNvCxnSpPr>
+          <p:nvPr/>
+        </p:nvCxnSpPr>
+        <p:spPr>
+          <a:xfrm>
+            <a:off x="9205187" y="1464124"/>
+            <a:ext cx="2628000" cy="0"/>
+          </a:xfrm>
+          <a:prstGeom prst="line">
+            <a:avLst/>
+          </a:prstGeom>
+          <a:ln>
+            <a:solidFill>
+              <a:schemeClr val="tx1"/>
+            </a:solidFill>
+          </a:ln>
+        </p:spPr>
+        <p:style>
+          <a:lnRef idx="2">
+            <a:schemeClr val="accent1"/>
+          </a:lnRef>
+          <a:fillRef idx="0">
+            <a:schemeClr val="accent1"/>
+          </a:fillRef>
+          <a:effectRef idx="1">
+            <a:schemeClr val="accent1"/>
+          </a:effectRef>
+          <a:fontRef idx="minor">
+            <a:schemeClr val="tx1"/>
+          </a:fontRef>
+        </p:style>
+      </p:cxnSp>
+      <p:cxnSp>
+        <p:nvCxnSpPr>
+          <p:cNvPr id="147" name="直線コネクタ 146">
+            <a:extLst>
+              <a:ext uri="{FF2B5EF4-FFF2-40B4-BE49-F238E27FC236}">
+                <a16:creationId xmlns:a16="http://schemas.microsoft.com/office/drawing/2014/main" id="{B941CDC2-98D5-08B6-0FA0-419174B48BD9}"/>
+              </a:ext>
+            </a:extLst>
+          </p:cNvPr>
+          <p:cNvCxnSpPr>
+            <a:cxnSpLocks/>
+          </p:cNvCxnSpPr>
+          <p:nvPr/>
+        </p:nvCxnSpPr>
+        <p:spPr>
+          <a:xfrm>
+            <a:off x="9205187" y="6665289"/>
+            <a:ext cx="2628000" cy="0"/>
+          </a:xfrm>
+          <a:prstGeom prst="line">
+            <a:avLst/>
+          </a:prstGeom>
+          <a:ln>
+            <a:solidFill>
+              <a:schemeClr val="tx1"/>
+            </a:solidFill>
+          </a:ln>
+        </p:spPr>
+        <p:style>
+          <a:lnRef idx="2">
+            <a:schemeClr val="accent1"/>
+          </a:lnRef>
+          <a:fillRef idx="0">
+            <a:schemeClr val="accent1"/>
+          </a:fillRef>
+          <a:effectRef idx="1">
+            <a:schemeClr val="accent1"/>
+          </a:effectRef>
+          <a:fontRef idx="minor">
+            <a:schemeClr val="tx1"/>
+          </a:fontRef>
+        </p:style>
+      </p:cxnSp>
+      <p:cxnSp>
+        <p:nvCxnSpPr>
+          <p:cNvPr id="148" name="直線コネクタ 147">
+            <a:extLst>
+              <a:ext uri="{FF2B5EF4-FFF2-40B4-BE49-F238E27FC236}">
+                <a16:creationId xmlns:a16="http://schemas.microsoft.com/office/drawing/2014/main" id="{33C2F690-994A-64F4-4D1D-356FAE1B817D}"/>
+              </a:ext>
+            </a:extLst>
+          </p:cNvPr>
+          <p:cNvCxnSpPr>
+            <a:cxnSpLocks/>
+          </p:cNvCxnSpPr>
+          <p:nvPr/>
+        </p:nvCxnSpPr>
+        <p:spPr>
+          <a:xfrm>
+            <a:off x="10510354" y="1464124"/>
+            <a:ext cx="0" cy="5201165"/>
+          </a:xfrm>
+          <a:prstGeom prst="line">
+            <a:avLst/>
+          </a:prstGeom>
+          <a:ln>
+            <a:solidFill>
+              <a:schemeClr val="tx1"/>
+            </a:solidFill>
+          </a:ln>
+        </p:spPr>
+        <p:style>
+          <a:lnRef idx="2">
+            <a:schemeClr val="accent1"/>
+          </a:lnRef>
+          <a:fillRef idx="0">
+            <a:schemeClr val="accent1"/>
+          </a:fillRef>
+          <a:effectRef idx="1">
+            <a:schemeClr val="accent1"/>
+          </a:effectRef>
+          <a:fontRef idx="minor">
+            <a:schemeClr val="tx1"/>
+          </a:fontRef>
+        </p:style>
+      </p:cxnSp>
+      <p:sp>
+        <p:nvSpPr>
+          <p:cNvPr id="152" name="テキスト ボックス 151">
+            <a:extLst>
+              <a:ext uri="{FF2B5EF4-FFF2-40B4-BE49-F238E27FC236}">
+                <a16:creationId xmlns:a16="http://schemas.microsoft.com/office/drawing/2014/main" id="{F11D30D7-E4DA-8C96-39AB-8A8880AC3CBE}"/>
+              </a:ext>
+            </a:extLst>
+          </p:cNvPr>
+          <p:cNvSpPr txBox="1"/>
+          <p:nvPr/>
+        </p:nvSpPr>
+        <p:spPr>
+          <a:xfrm>
+            <a:off x="10891815" y="1913426"/>
+            <a:ext cx="724933" cy="309700"/>
+          </a:xfrm>
+          <a:prstGeom prst="rect">
+            <a:avLst/>
+          </a:prstGeom>
+          <a:noFill/>
+        </p:spPr>
+        <p:txBody>
+          <a:bodyPr wrap="square" lIns="0" tIns="0" rIns="0" bIns="0" rtlCol="0">
+            <a:spAutoFit/>
+          </a:bodyPr>
+          <a:lstStyle/>
+          <a:p>
+            <a:pPr algn="ctr"/>
+            <a:r>
+              <a:rPr kumimoji="1" lang="en-US" altLang="ja-JP" sz="2000" b="0" dirty="0">
+                <a:solidFill>
+                  <a:srgbClr val="FF0000"/>
+                </a:solidFill>
+                <a:latin typeface="Cambria Math" panose="02040503050406030204" pitchFamily="18" charset="0"/>
+              </a:rPr>
+              <a:t>0.2</a:t>
+            </a:r>
+          </a:p>
+        </p:txBody>
+      </p:sp>
+      <p:sp>
+        <p:nvSpPr>
+          <p:cNvPr id="153" name="正方形/長方形 152">
+            <a:extLst>
+              <a:ext uri="{FF2B5EF4-FFF2-40B4-BE49-F238E27FC236}">
+                <a16:creationId xmlns:a16="http://schemas.microsoft.com/office/drawing/2014/main" id="{CFF88BA2-7E48-F8DF-D099-A83177955DE6}"/>
+              </a:ext>
+            </a:extLst>
+          </p:cNvPr>
+          <p:cNvSpPr/>
+          <p:nvPr/>
+        </p:nvSpPr>
+        <p:spPr>
+          <a:xfrm>
+            <a:off x="9506625" y="2876773"/>
+            <a:ext cx="583542" cy="432000"/>
+          </a:xfrm>
+          <a:prstGeom prst="rect">
+            <a:avLst/>
+          </a:prstGeom>
+          <a:noFill/>
+          <a:ln>
+            <a:noFill/>
+          </a:ln>
+        </p:spPr>
+        <p:style>
+          <a:lnRef idx="2">
+            <a:schemeClr val="accent1">
+              <a:shade val="15000"/>
+            </a:schemeClr>
+          </a:lnRef>
+          <a:fillRef idx="1">
+            <a:schemeClr val="accent1"/>
+          </a:fillRef>
+          <a:effectRef idx="0">
+            <a:schemeClr val="accent1"/>
+          </a:effectRef>
+          <a:fontRef idx="minor">
+            <a:schemeClr val="lt1"/>
+          </a:fontRef>
+        </p:style>
+        <p:txBody>
+          <a:bodyPr lIns="36000" tIns="36000" rIns="36000" bIns="36000" rtlCol="0" anchor="ctr"/>
+          <a:lstStyle/>
+          <a:p>
+            <a:pPr algn="ctr"/>
+            <a:r>
+              <a:rPr lang="en-US" altLang="ja-JP" b="1" dirty="0">
+                <a:solidFill>
+                  <a:schemeClr val="accent2"/>
+                </a:solidFill>
+              </a:rPr>
+              <a:t>…</a:t>
+            </a:r>
+          </a:p>
+        </p:txBody>
+      </p:sp>
+      <p:sp>
+        <p:nvSpPr>
+          <p:cNvPr id="154" name="正方形/長方形 153">
+            <a:extLst>
+              <a:ext uri="{FF2B5EF4-FFF2-40B4-BE49-F238E27FC236}">
+                <a16:creationId xmlns:a16="http://schemas.microsoft.com/office/drawing/2014/main" id="{913AAA8D-BE48-A574-8F47-46FE33955148}"/>
+              </a:ext>
+            </a:extLst>
+          </p:cNvPr>
+          <p:cNvSpPr/>
+          <p:nvPr/>
+        </p:nvSpPr>
+        <p:spPr>
+          <a:xfrm>
+            <a:off x="9469238" y="4457460"/>
+            <a:ext cx="562146" cy="432000"/>
+          </a:xfrm>
+          <a:prstGeom prst="rect">
+            <a:avLst/>
+          </a:prstGeom>
+          <a:noFill/>
+          <a:ln>
+            <a:noFill/>
+          </a:ln>
+        </p:spPr>
+        <p:style>
+          <a:lnRef idx="2">
+            <a:schemeClr val="accent1">
+              <a:shade val="15000"/>
+            </a:schemeClr>
+          </a:lnRef>
+          <a:fillRef idx="1">
+            <a:schemeClr val="accent1"/>
+          </a:fillRef>
+          <a:effectRef idx="0">
+            <a:schemeClr val="accent1"/>
+          </a:effectRef>
+          <a:fontRef idx="minor">
+            <a:schemeClr val="lt1"/>
+          </a:fontRef>
+        </p:style>
+        <p:txBody>
+          <a:bodyPr lIns="36000" tIns="36000" rIns="36000" bIns="36000" rtlCol="0" anchor="ctr"/>
+          <a:lstStyle/>
+          <a:p>
+            <a:pPr algn="ctr"/>
+            <a:r>
+              <a:rPr lang="en-US" altLang="ja-JP" b="1" dirty="0">
+                <a:solidFill>
+                  <a:schemeClr val="accent2"/>
+                </a:solidFill>
+              </a:rPr>
+              <a:t>…</a:t>
+            </a:r>
+          </a:p>
+        </p:txBody>
+      </p:sp>
+      <p:sp>
+        <p:nvSpPr>
+          <p:cNvPr id="155" name="正方形/長方形 154">
+            <a:extLst>
+              <a:ext uri="{FF2B5EF4-FFF2-40B4-BE49-F238E27FC236}">
+                <a16:creationId xmlns:a16="http://schemas.microsoft.com/office/drawing/2014/main" id="{510E5D3B-E8BA-1ED3-150F-5E1458A1A49C}"/>
+              </a:ext>
+            </a:extLst>
+          </p:cNvPr>
+          <p:cNvSpPr/>
+          <p:nvPr/>
+        </p:nvSpPr>
+        <p:spPr>
+          <a:xfrm>
+            <a:off x="9542313" y="6233289"/>
+            <a:ext cx="455972" cy="432000"/>
+          </a:xfrm>
+          <a:prstGeom prst="rect">
+            <a:avLst/>
+          </a:prstGeom>
+          <a:noFill/>
+          <a:ln>
+            <a:noFill/>
+          </a:ln>
+        </p:spPr>
+        <p:style>
+          <a:lnRef idx="2">
+            <a:schemeClr val="accent1">
+              <a:shade val="15000"/>
+            </a:schemeClr>
+          </a:lnRef>
+          <a:fillRef idx="1">
+            <a:schemeClr val="accent1"/>
+          </a:fillRef>
+          <a:effectRef idx="0">
+            <a:schemeClr val="accent1"/>
+          </a:effectRef>
+          <a:fontRef idx="minor">
+            <a:schemeClr val="lt1"/>
+          </a:fontRef>
+        </p:style>
+        <p:txBody>
+          <a:bodyPr lIns="36000" tIns="36000" rIns="36000" bIns="36000" rtlCol="0" anchor="ctr"/>
+          <a:lstStyle/>
+          <a:p>
+            <a:pPr algn="ctr"/>
+            <a:r>
+              <a:rPr lang="en-US" altLang="ja-JP" b="1" dirty="0">
+                <a:solidFill>
+                  <a:schemeClr val="accent2"/>
+                </a:solidFill>
+              </a:rPr>
+              <a:t>…</a:t>
+            </a:r>
+          </a:p>
+        </p:txBody>
+      </p:sp>
+      <p:sp>
+        <p:nvSpPr>
+          <p:cNvPr id="156" name="テキスト ボックス 155">
+            <a:extLst>
+              <a:ext uri="{FF2B5EF4-FFF2-40B4-BE49-F238E27FC236}">
+                <a16:creationId xmlns:a16="http://schemas.microsoft.com/office/drawing/2014/main" id="{25520FE2-532A-426D-73D2-2C3BCAAADD5F}"/>
+              </a:ext>
+            </a:extLst>
+          </p:cNvPr>
+          <p:cNvSpPr txBox="1"/>
+          <p:nvPr/>
+        </p:nvSpPr>
+        <p:spPr>
+          <a:xfrm>
+            <a:off x="10891815" y="2410189"/>
+            <a:ext cx="724933" cy="309700"/>
+          </a:xfrm>
+          <a:prstGeom prst="rect">
+            <a:avLst/>
+          </a:prstGeom>
+          <a:noFill/>
+        </p:spPr>
+        <p:txBody>
+          <a:bodyPr wrap="square" lIns="0" tIns="0" rIns="0" bIns="0" rtlCol="0">
+            <a:spAutoFit/>
+          </a:bodyPr>
+          <a:lstStyle/>
+          <a:p>
+            <a:pPr algn="ctr"/>
+            <a:r>
+              <a:rPr kumimoji="1" lang="en-US" altLang="ja-JP" sz="2000" b="0" dirty="0">
+                <a:solidFill>
+                  <a:srgbClr val="FF0000"/>
+                </a:solidFill>
+                <a:latin typeface="Cambria Math" panose="02040503050406030204" pitchFamily="18" charset="0"/>
+              </a:rPr>
+              <a:t>0.001</a:t>
+            </a:r>
+          </a:p>
+        </p:txBody>
+      </p:sp>
+      <p:sp>
+        <p:nvSpPr>
+          <p:cNvPr id="157" name="テキスト ボックス 156">
+            <a:extLst>
+              <a:ext uri="{FF2B5EF4-FFF2-40B4-BE49-F238E27FC236}">
+                <a16:creationId xmlns:a16="http://schemas.microsoft.com/office/drawing/2014/main" id="{AEFFFC46-269F-425B-C855-883B35997C6C}"/>
+              </a:ext>
+            </a:extLst>
+          </p:cNvPr>
+          <p:cNvSpPr txBox="1"/>
+          <p:nvPr/>
+        </p:nvSpPr>
+        <p:spPr>
+          <a:xfrm>
+            <a:off x="10891815" y="3513749"/>
+            <a:ext cx="724933" cy="309700"/>
+          </a:xfrm>
+          <a:prstGeom prst="rect">
+            <a:avLst/>
+          </a:prstGeom>
+          <a:noFill/>
+        </p:spPr>
+        <p:txBody>
+          <a:bodyPr wrap="square" lIns="0" tIns="0" rIns="0" bIns="0" rtlCol="0">
+            <a:spAutoFit/>
+          </a:bodyPr>
+          <a:lstStyle/>
+          <a:p>
+            <a:pPr algn="ctr"/>
+            <a:r>
+              <a:rPr kumimoji="1" lang="en-US" altLang="ja-JP" sz="2000" b="0" dirty="0">
+                <a:solidFill>
+                  <a:srgbClr val="FF0000"/>
+                </a:solidFill>
+                <a:latin typeface="Cambria Math" panose="02040503050406030204" pitchFamily="18" charset="0"/>
+              </a:rPr>
+              <a:t>0.001</a:t>
+            </a:r>
+          </a:p>
+        </p:txBody>
+      </p:sp>
+      <p:sp>
+        <p:nvSpPr>
+          <p:cNvPr id="158" name="テキスト ボックス 157">
+            <a:extLst>
+              <a:ext uri="{FF2B5EF4-FFF2-40B4-BE49-F238E27FC236}">
+                <a16:creationId xmlns:a16="http://schemas.microsoft.com/office/drawing/2014/main" id="{066EE852-A925-0F2A-37F4-8E9C560D865B}"/>
+              </a:ext>
+            </a:extLst>
+          </p:cNvPr>
+          <p:cNvSpPr txBox="1"/>
+          <p:nvPr/>
+        </p:nvSpPr>
+        <p:spPr>
+          <a:xfrm>
+            <a:off x="10891815" y="3999900"/>
+            <a:ext cx="724933" cy="309700"/>
+          </a:xfrm>
+          <a:prstGeom prst="rect">
+            <a:avLst/>
+          </a:prstGeom>
+          <a:noFill/>
+        </p:spPr>
+        <p:txBody>
+          <a:bodyPr wrap="square" lIns="0" tIns="0" rIns="0" bIns="0" rtlCol="0">
+            <a:spAutoFit/>
+          </a:bodyPr>
+          <a:lstStyle/>
+          <a:p>
+            <a:pPr algn="ctr"/>
+            <a:r>
+              <a:rPr kumimoji="1" lang="en-US" altLang="ja-JP" sz="2000" b="0" dirty="0">
+                <a:solidFill>
+                  <a:srgbClr val="FF0000"/>
+                </a:solidFill>
+                <a:latin typeface="Cambria Math" panose="02040503050406030204" pitchFamily="18" charset="0"/>
+              </a:rPr>
+              <a:t>0.001</a:t>
+            </a:r>
+          </a:p>
+        </p:txBody>
+      </p:sp>
+      <p:sp>
+        <p:nvSpPr>
+          <p:cNvPr id="159" name="テキスト ボックス 158">
+            <a:extLst>
+              <a:ext uri="{FF2B5EF4-FFF2-40B4-BE49-F238E27FC236}">
+                <a16:creationId xmlns:a16="http://schemas.microsoft.com/office/drawing/2014/main" id="{0C70DF30-0353-1FC0-B248-4339E18A7BC1}"/>
+              </a:ext>
+            </a:extLst>
+          </p:cNvPr>
+          <p:cNvSpPr txBox="1"/>
+          <p:nvPr/>
+        </p:nvSpPr>
+        <p:spPr>
+          <a:xfrm>
+            <a:off x="10891815" y="5259695"/>
+            <a:ext cx="724933" cy="309700"/>
+          </a:xfrm>
+          <a:prstGeom prst="rect">
+            <a:avLst/>
+          </a:prstGeom>
+          <a:noFill/>
+        </p:spPr>
+        <p:txBody>
+          <a:bodyPr wrap="square" lIns="0" tIns="0" rIns="0" bIns="0" rtlCol="0">
+            <a:spAutoFit/>
+          </a:bodyPr>
+          <a:lstStyle/>
+          <a:p>
+            <a:pPr algn="ctr"/>
+            <a:r>
+              <a:rPr kumimoji="1" lang="en-US" altLang="ja-JP" sz="2000" b="0" dirty="0">
+                <a:solidFill>
+                  <a:srgbClr val="FF0000"/>
+                </a:solidFill>
+                <a:latin typeface="Cambria Math" panose="02040503050406030204" pitchFamily="18" charset="0"/>
+              </a:rPr>
+              <a:t>0.001</a:t>
+            </a:r>
+          </a:p>
+        </p:txBody>
+      </p:sp>
+      <p:sp>
+        <p:nvSpPr>
+          <p:cNvPr id="160" name="テキスト ボックス 159">
+            <a:extLst>
+              <a:ext uri="{FF2B5EF4-FFF2-40B4-BE49-F238E27FC236}">
+                <a16:creationId xmlns:a16="http://schemas.microsoft.com/office/drawing/2014/main" id="{E08B2240-D44A-E1F5-80C0-04B7CDC45B9D}"/>
+              </a:ext>
+            </a:extLst>
+          </p:cNvPr>
+          <p:cNvSpPr txBox="1"/>
+          <p:nvPr/>
+        </p:nvSpPr>
+        <p:spPr>
+          <a:xfrm>
+            <a:off x="10891815" y="5777067"/>
+            <a:ext cx="724933" cy="309700"/>
+          </a:xfrm>
+          <a:prstGeom prst="rect">
+            <a:avLst/>
+          </a:prstGeom>
+          <a:noFill/>
+        </p:spPr>
+        <p:txBody>
+          <a:bodyPr wrap="square" lIns="0" tIns="0" rIns="0" bIns="0" rtlCol="0">
+            <a:spAutoFit/>
+          </a:bodyPr>
+          <a:lstStyle/>
+          <a:p>
+            <a:pPr algn="ctr"/>
+            <a:r>
+              <a:rPr kumimoji="1" lang="en-US" altLang="ja-JP" sz="2000" b="0" dirty="0">
+                <a:solidFill>
+                  <a:srgbClr val="FF0000"/>
+                </a:solidFill>
+                <a:latin typeface="Cambria Math" panose="02040503050406030204" pitchFamily="18" charset="0"/>
+              </a:rPr>
+              <a:t>0.001</a:t>
+            </a:r>
+          </a:p>
+        </p:txBody>
+      </p:sp>
+      <p:sp>
+        <p:nvSpPr>
+          <p:cNvPr id="161" name="正方形/長方形 160">
+            <a:extLst>
+              <a:ext uri="{FF2B5EF4-FFF2-40B4-BE49-F238E27FC236}">
+                <a16:creationId xmlns:a16="http://schemas.microsoft.com/office/drawing/2014/main" id="{618C8CD8-251B-2B36-A175-1ECE39895D0D}"/>
+              </a:ext>
+            </a:extLst>
+          </p:cNvPr>
+          <p:cNvSpPr/>
+          <p:nvPr/>
+        </p:nvSpPr>
+        <p:spPr>
+          <a:xfrm>
+            <a:off x="11039134" y="6233289"/>
+            <a:ext cx="430294" cy="432000"/>
+          </a:xfrm>
+          <a:prstGeom prst="rect">
+            <a:avLst/>
+          </a:prstGeom>
+          <a:noFill/>
+          <a:ln>
+            <a:noFill/>
+          </a:ln>
+        </p:spPr>
+        <p:style>
+          <a:lnRef idx="2">
+            <a:schemeClr val="accent1">
+              <a:shade val="15000"/>
+            </a:schemeClr>
+          </a:lnRef>
+          <a:fillRef idx="1">
+            <a:schemeClr val="accent1"/>
+          </a:fillRef>
+          <a:effectRef idx="0">
+            <a:schemeClr val="accent1"/>
+          </a:effectRef>
+          <a:fontRef idx="minor">
+            <a:schemeClr val="lt1"/>
+          </a:fontRef>
+        </p:style>
+        <p:txBody>
+          <a:bodyPr lIns="36000" tIns="36000" rIns="36000" bIns="36000" rtlCol="0" anchor="ctr"/>
+          <a:lstStyle/>
+          <a:p>
+            <a:pPr algn="ctr"/>
+            <a:r>
+              <a:rPr lang="en-US" altLang="ja-JP" b="1" dirty="0">
+                <a:solidFill>
+                  <a:srgbClr val="FF0000"/>
+                </a:solidFill>
+              </a:rPr>
+              <a:t>…</a:t>
+            </a:r>
+          </a:p>
+        </p:txBody>
+      </p:sp>
+      <p:sp>
+        <p:nvSpPr>
+          <p:cNvPr id="162" name="正方形/長方形 161">
+            <a:extLst>
+              <a:ext uri="{FF2B5EF4-FFF2-40B4-BE49-F238E27FC236}">
+                <a16:creationId xmlns:a16="http://schemas.microsoft.com/office/drawing/2014/main" id="{D48EB04D-656D-4E34-249F-8A7CD0FD7E25}"/>
+              </a:ext>
+            </a:extLst>
+          </p:cNvPr>
+          <p:cNvSpPr/>
+          <p:nvPr/>
+        </p:nvSpPr>
+        <p:spPr>
+          <a:xfrm>
+            <a:off x="10962510" y="2876773"/>
+            <a:ext cx="583542" cy="432000"/>
+          </a:xfrm>
+          <a:prstGeom prst="rect">
+            <a:avLst/>
+          </a:prstGeom>
+          <a:noFill/>
+          <a:ln>
+            <a:noFill/>
+          </a:ln>
+        </p:spPr>
+        <p:style>
+          <a:lnRef idx="2">
+            <a:schemeClr val="accent1">
+              <a:shade val="15000"/>
+            </a:schemeClr>
+          </a:lnRef>
+          <a:fillRef idx="1">
+            <a:schemeClr val="accent1"/>
+          </a:fillRef>
+          <a:effectRef idx="0">
+            <a:schemeClr val="accent1"/>
+          </a:effectRef>
+          <a:fontRef idx="minor">
+            <a:schemeClr val="lt1"/>
+          </a:fontRef>
+        </p:style>
+        <p:txBody>
+          <a:bodyPr lIns="36000" tIns="36000" rIns="36000" bIns="36000" rtlCol="0" anchor="ctr"/>
+          <a:lstStyle/>
+          <a:p>
+            <a:pPr algn="ctr"/>
+            <a:r>
+              <a:rPr lang="en-US" altLang="ja-JP" b="1" dirty="0">
+                <a:solidFill>
+                  <a:srgbClr val="FF0000"/>
+                </a:solidFill>
+              </a:rPr>
+              <a:t>…</a:t>
+            </a:r>
+          </a:p>
+        </p:txBody>
+      </p:sp>
+      <p:sp>
+        <p:nvSpPr>
+          <p:cNvPr id="163" name="正方形/長方形 162">
+            <a:extLst>
+              <a:ext uri="{FF2B5EF4-FFF2-40B4-BE49-F238E27FC236}">
+                <a16:creationId xmlns:a16="http://schemas.microsoft.com/office/drawing/2014/main" id="{EC90BBD2-83C5-7082-1957-5D544C1483D2}"/>
+              </a:ext>
+            </a:extLst>
+          </p:cNvPr>
+          <p:cNvSpPr/>
+          <p:nvPr/>
+        </p:nvSpPr>
+        <p:spPr>
+          <a:xfrm>
+            <a:off x="10973208" y="4457460"/>
+            <a:ext cx="562146" cy="432000"/>
+          </a:xfrm>
+          <a:prstGeom prst="rect">
+            <a:avLst/>
+          </a:prstGeom>
+          <a:noFill/>
+          <a:ln>
+            <a:noFill/>
+          </a:ln>
+        </p:spPr>
+        <p:style>
+          <a:lnRef idx="2">
+            <a:schemeClr val="accent1">
+              <a:shade val="15000"/>
+            </a:schemeClr>
+          </a:lnRef>
+          <a:fillRef idx="1">
+            <a:schemeClr val="accent1"/>
+          </a:fillRef>
+          <a:effectRef idx="0">
+            <a:schemeClr val="accent1"/>
+          </a:effectRef>
+          <a:fontRef idx="minor">
+            <a:schemeClr val="lt1"/>
+          </a:fontRef>
+        </p:style>
+        <p:txBody>
+          <a:bodyPr lIns="36000" tIns="36000" rIns="36000" bIns="36000" rtlCol="0" anchor="ctr"/>
+          <a:lstStyle/>
+          <a:p>
+            <a:pPr algn="ctr"/>
+            <a:r>
+              <a:rPr lang="en-US" altLang="ja-JP" b="1" dirty="0">
+                <a:solidFill>
+                  <a:srgbClr val="FF0000"/>
+                </a:solidFill>
+              </a:rPr>
+              <a:t>…</a:t>
+            </a:r>
+          </a:p>
+        </p:txBody>
+      </p:sp>
+      <p:sp>
+        <p:nvSpPr>
+          <p:cNvPr id="169" name="テキスト ボックス 168">
+            <a:extLst>
+              <a:ext uri="{FF2B5EF4-FFF2-40B4-BE49-F238E27FC236}">
+                <a16:creationId xmlns:a16="http://schemas.microsoft.com/office/drawing/2014/main" id="{AC26B9C3-C702-EEB2-E2FE-79C7E75D0EC1}"/>
+              </a:ext>
+            </a:extLst>
+          </p:cNvPr>
+          <p:cNvSpPr txBox="1"/>
+          <p:nvPr/>
+        </p:nvSpPr>
+        <p:spPr>
+          <a:xfrm>
+            <a:off x="332265" y="274872"/>
+            <a:ext cx="4932761" cy="461665"/>
+          </a:xfrm>
+          <a:prstGeom prst="rect">
+            <a:avLst/>
+          </a:prstGeom>
+          <a:noFill/>
+        </p:spPr>
+        <p:txBody>
+          <a:bodyPr wrap="none" rtlCol="0">
+            <a:spAutoFit/>
+          </a:bodyPr>
+          <a:lstStyle/>
+          <a:p>
+            <a:r>
+              <a:rPr lang="en-US" altLang="ja-JP" sz="2400" b="1" dirty="0"/>
+              <a:t>FTA (Fault Tree Analysis)</a:t>
+            </a:r>
+            <a:r>
+              <a:rPr lang="ja-JP" altLang="en-US" sz="2400" b="1" dirty="0"/>
+              <a:t>と確率</a:t>
+            </a:r>
+            <a:endParaRPr lang="en-US" altLang="ja-JP" sz="2400" b="1" dirty="0"/>
           </a:p>
         </p:txBody>
       </p:sp>

--- a/stat/bayes theorem and disease test.pptx
+++ b/stat/bayes theorem and disease test.pptx
@@ -262,7 +262,7 @@
           <a:p>
             <a:fld id="{2C686577-0B07-4659-A689-95AC7CAE39AB}" type="datetimeFigureOut">
               <a:rPr kumimoji="1" lang="ja-JP" altLang="en-US" smtClean="0"/>
-              <a:t>2025/2/24</a:t>
+              <a:t>2025/2/25</a:t>
             </a:fld>
             <a:endParaRPr kumimoji="1" lang="ja-JP" altLang="en-US"/>
           </a:p>
@@ -492,7 +492,7 @@
           <a:p>
             <a:fld id="{2C686577-0B07-4659-A689-95AC7CAE39AB}" type="datetimeFigureOut">
               <a:rPr kumimoji="1" lang="ja-JP" altLang="en-US" smtClean="0"/>
-              <a:t>2025/2/24</a:t>
+              <a:t>2025/2/25</a:t>
             </a:fld>
             <a:endParaRPr kumimoji="1" lang="ja-JP" altLang="en-US"/>
           </a:p>
@@ -732,7 +732,7 @@
           <a:p>
             <a:fld id="{2C686577-0B07-4659-A689-95AC7CAE39AB}" type="datetimeFigureOut">
               <a:rPr kumimoji="1" lang="ja-JP" altLang="en-US" smtClean="0"/>
-              <a:t>2025/2/24</a:t>
+              <a:t>2025/2/25</a:t>
             </a:fld>
             <a:endParaRPr kumimoji="1" lang="ja-JP" altLang="en-US"/>
           </a:p>
@@ -962,7 +962,7 @@
           <a:p>
             <a:fld id="{2C686577-0B07-4659-A689-95AC7CAE39AB}" type="datetimeFigureOut">
               <a:rPr kumimoji="1" lang="ja-JP" altLang="en-US" smtClean="0"/>
-              <a:t>2025/2/24</a:t>
+              <a:t>2025/2/25</a:t>
             </a:fld>
             <a:endParaRPr kumimoji="1" lang="ja-JP" altLang="en-US"/>
           </a:p>
@@ -1237,7 +1237,7 @@
           <a:p>
             <a:fld id="{2C686577-0B07-4659-A689-95AC7CAE39AB}" type="datetimeFigureOut">
               <a:rPr kumimoji="1" lang="ja-JP" altLang="en-US" smtClean="0"/>
-              <a:t>2025/2/24</a:t>
+              <a:t>2025/2/25</a:t>
             </a:fld>
             <a:endParaRPr kumimoji="1" lang="ja-JP" altLang="en-US"/>
           </a:p>
@@ -1566,7 +1566,7 @@
           <a:p>
             <a:fld id="{2C686577-0B07-4659-A689-95AC7CAE39AB}" type="datetimeFigureOut">
               <a:rPr kumimoji="1" lang="ja-JP" altLang="en-US" smtClean="0"/>
-              <a:t>2025/2/24</a:t>
+              <a:t>2025/2/25</a:t>
             </a:fld>
             <a:endParaRPr kumimoji="1" lang="ja-JP" altLang="en-US"/>
           </a:p>
@@ -2042,7 +2042,7 @@
           <a:p>
             <a:fld id="{2C686577-0B07-4659-A689-95AC7CAE39AB}" type="datetimeFigureOut">
               <a:rPr kumimoji="1" lang="ja-JP" altLang="en-US" smtClean="0"/>
-              <a:t>2025/2/24</a:t>
+              <a:t>2025/2/25</a:t>
             </a:fld>
             <a:endParaRPr kumimoji="1" lang="ja-JP" altLang="en-US"/>
           </a:p>
@@ -2183,7 +2183,7 @@
           <a:p>
             <a:fld id="{2C686577-0B07-4659-A689-95AC7CAE39AB}" type="datetimeFigureOut">
               <a:rPr kumimoji="1" lang="ja-JP" altLang="en-US" smtClean="0"/>
-              <a:t>2025/2/24</a:t>
+              <a:t>2025/2/25</a:t>
             </a:fld>
             <a:endParaRPr kumimoji="1" lang="ja-JP" altLang="en-US"/>
           </a:p>
@@ -2296,7 +2296,7 @@
           <a:p>
             <a:fld id="{2C686577-0B07-4659-A689-95AC7CAE39AB}" type="datetimeFigureOut">
               <a:rPr kumimoji="1" lang="ja-JP" altLang="en-US" smtClean="0"/>
-              <a:t>2025/2/24</a:t>
+              <a:t>2025/2/25</a:t>
             </a:fld>
             <a:endParaRPr kumimoji="1" lang="ja-JP" altLang="en-US"/>
           </a:p>
@@ -2639,7 +2639,7 @@
           <a:p>
             <a:fld id="{2C686577-0B07-4659-A689-95AC7CAE39AB}" type="datetimeFigureOut">
               <a:rPr kumimoji="1" lang="ja-JP" altLang="en-US" smtClean="0"/>
-              <a:t>2025/2/24</a:t>
+              <a:t>2025/2/25</a:t>
             </a:fld>
             <a:endParaRPr kumimoji="1" lang="ja-JP" altLang="en-US"/>
           </a:p>
@@ -2927,7 +2927,7 @@
           <a:p>
             <a:fld id="{2C686577-0B07-4659-A689-95AC7CAE39AB}" type="datetimeFigureOut">
               <a:rPr kumimoji="1" lang="ja-JP" altLang="en-US" smtClean="0"/>
-              <a:t>2025/2/24</a:t>
+              <a:t>2025/2/25</a:t>
             </a:fld>
             <a:endParaRPr kumimoji="1" lang="ja-JP" altLang="en-US"/>
           </a:p>
@@ -3200,7 +3200,7 @@
           <a:p>
             <a:fld id="{2C686577-0B07-4659-A689-95AC7CAE39AB}" type="datetimeFigureOut">
               <a:rPr kumimoji="1" lang="ja-JP" altLang="en-US" smtClean="0"/>
-              <a:t>2025/2/24</a:t>
+              <a:t>2025/2/25</a:t>
             </a:fld>
             <a:endParaRPr kumimoji="1" lang="ja-JP" altLang="en-US"/>
           </a:p>
@@ -9920,7 +9920,7 @@
                   <a:schemeClr val="tx1"/>
                 </a:solidFill>
               </a:rPr>
-              <a:t>コネクタ緩み</a:t>
+              <a:t>配線外れ</a:t>
             </a:r>
             <a:endParaRPr lang="en-US" altLang="ja-JP" b="1" dirty="0">
               <a:solidFill>
@@ -11623,8 +11623,8 @@
           </a:p>
         </p:txBody>
       </p:sp>
-      <mc:AlternateContent xmlns:mc="http://schemas.openxmlformats.org/markup-compatibility/2006">
-        <mc:Choice xmlns:a14="http://schemas.microsoft.com/office/drawing/2010/main" Requires="a14">
+      <mc:AlternateContent xmlns:mc="http://schemas.openxmlformats.org/markup-compatibility/2006" xmlns:a14="http://schemas.microsoft.com/office/drawing/2010/main">
+        <mc:Choice Requires="a14">
           <p:sp>
             <p:nvSpPr>
               <p:cNvPr id="123" name="テキスト ボックス 122">
@@ -11917,7 +11917,7 @@
             </p:txBody>
           </p:sp>
         </mc:Choice>
-        <mc:Fallback>
+        <mc:Fallback xmlns="">
           <p:sp>
             <p:nvSpPr>
               <p:cNvPr id="123" name="テキスト ボックス 122">
@@ -11962,8 +11962,8 @@
           </p:sp>
         </mc:Fallback>
       </mc:AlternateContent>
-      <mc:AlternateContent xmlns:mc="http://schemas.openxmlformats.org/markup-compatibility/2006">
-        <mc:Choice xmlns:a14="http://schemas.microsoft.com/office/drawing/2010/main" Requires="a14">
+      <mc:AlternateContent xmlns:mc="http://schemas.openxmlformats.org/markup-compatibility/2006" xmlns:a14="http://schemas.microsoft.com/office/drawing/2010/main">
+        <mc:Choice Requires="a14">
           <p:sp>
             <p:nvSpPr>
               <p:cNvPr id="124" name="テキスト ボックス 123">
@@ -12247,7 +12247,7 @@
             </p:txBody>
           </p:sp>
         </mc:Choice>
-        <mc:Fallback>
+        <mc:Fallback xmlns="">
           <p:sp>
             <p:nvSpPr>
               <p:cNvPr id="124" name="テキスト ボックス 123">
@@ -12369,7 +12369,7 @@
                 </a:solidFill>
                 <a:latin typeface="Cambria Math" panose="02040503050406030204" pitchFamily="18" charset="0"/>
               </a:rPr>
-              <a:t>0.01</a:t>
+              <a:t>0.001</a:t>
             </a:r>
           </a:p>
         </p:txBody>
@@ -12410,7 +12410,7 @@
                 </a:solidFill>
                 <a:latin typeface="Cambria Math" panose="02040503050406030204" pitchFamily="18" charset="0"/>
               </a:rPr>
-              <a:t>0.01</a:t>
+              <a:t>0.001</a:t>
             </a:r>
           </a:p>
         </p:txBody>
@@ -12451,7 +12451,7 @@
                 </a:solidFill>
                 <a:latin typeface="Cambria Math" panose="02040503050406030204" pitchFamily="18" charset="0"/>
               </a:rPr>
-              <a:t>0.01</a:t>
+              <a:t>0.001</a:t>
             </a:r>
           </a:p>
         </p:txBody>
@@ -12492,7 +12492,7 @@
                 </a:solidFill>
                 <a:latin typeface="Cambria Math" panose="02040503050406030204" pitchFamily="18" charset="0"/>
               </a:rPr>
-              <a:t>0.01</a:t>
+              <a:t>0.001</a:t>
             </a:r>
           </a:p>
         </p:txBody>
@@ -12533,13 +12533,13 @@
                 </a:solidFill>
                 <a:latin typeface="Cambria Math" panose="02040503050406030204" pitchFamily="18" charset="0"/>
               </a:rPr>
-              <a:t>0.01</a:t>
+              <a:t>0.001</a:t>
             </a:r>
           </a:p>
         </p:txBody>
       </p:sp>
-      <mc:AlternateContent xmlns:mc="http://schemas.openxmlformats.org/markup-compatibility/2006">
-        <mc:Choice xmlns:a14="http://schemas.microsoft.com/office/drawing/2010/main" Requires="a14">
+      <mc:AlternateContent xmlns:mc="http://schemas.openxmlformats.org/markup-compatibility/2006" xmlns:a14="http://schemas.microsoft.com/office/drawing/2010/main">
+        <mc:Choice Requires="a14">
           <p:sp>
             <p:nvSpPr>
               <p:cNvPr id="141" name="テキスト ボックス 140">
@@ -12645,7 +12645,7 @@
             </p:txBody>
           </p:sp>
         </mc:Choice>
-        <mc:Fallback>
+        <mc:Fallback xmlns="">
           <p:sp>
             <p:nvSpPr>
               <p:cNvPr id="141" name="テキスト ボックス 140">
@@ -12690,8 +12690,8 @@
           </p:sp>
         </mc:Fallback>
       </mc:AlternateContent>
-      <mc:AlternateContent xmlns:mc="http://schemas.openxmlformats.org/markup-compatibility/2006">
-        <mc:Choice xmlns:a14="http://schemas.microsoft.com/office/drawing/2010/main" Requires="a14">
+      <mc:AlternateContent xmlns:mc="http://schemas.openxmlformats.org/markup-compatibility/2006" xmlns:a14="http://schemas.microsoft.com/office/drawing/2010/main">
+        <mc:Choice Requires="a14">
           <p:sp>
             <p:nvSpPr>
               <p:cNvPr id="142" name="テキスト ボックス 141">
@@ -12815,7 +12815,7 @@
             </p:txBody>
           </p:sp>
         </mc:Choice>
-        <mc:Fallback>
+        <mc:Fallback xmlns="">
           <p:sp>
             <p:nvSpPr>
               <p:cNvPr id="142" name="テキスト ボックス 141">
@@ -13280,7 +13280,7 @@
                 </a:solidFill>
                 <a:latin typeface="Cambria Math" panose="02040503050406030204" pitchFamily="18" charset="0"/>
               </a:rPr>
-              <a:t>0.001</a:t>
+              <a:t>1.0</a:t>
             </a:r>
           </a:p>
         </p:txBody>
@@ -13321,7 +13321,7 @@
                 </a:solidFill>
                 <a:latin typeface="Cambria Math" panose="02040503050406030204" pitchFamily="18" charset="0"/>
               </a:rPr>
-              <a:t>0.001</a:t>
+              <a:t>1.0</a:t>
             </a:r>
           </a:p>
         </p:txBody>
@@ -13362,7 +13362,7 @@
                 </a:solidFill>
                 <a:latin typeface="Cambria Math" panose="02040503050406030204" pitchFamily="18" charset="0"/>
               </a:rPr>
-              <a:t>0.001</a:t>
+              <a:t>1.0</a:t>
             </a:r>
           </a:p>
         </p:txBody>
@@ -13403,7 +13403,7 @@
                 </a:solidFill>
                 <a:latin typeface="Cambria Math" panose="02040503050406030204" pitchFamily="18" charset="0"/>
               </a:rPr>
-              <a:t>0.001</a:t>
+              <a:t>0.01</a:t>
             </a:r>
           </a:p>
         </p:txBody>
@@ -13444,7 +13444,7 @@
                 </a:solidFill>
                 <a:latin typeface="Cambria Math" panose="02040503050406030204" pitchFamily="18" charset="0"/>
               </a:rPr>
-              <a:t>0.001</a:t>
+              <a:t>0.01</a:t>
             </a:r>
           </a:p>
         </p:txBody>

--- a/stat/bayes theorem and disease test.pptx
+++ b/stat/bayes theorem and disease test.pptx
@@ -11623,8 +11623,8 @@
           </a:p>
         </p:txBody>
       </p:sp>
-      <mc:AlternateContent xmlns:mc="http://schemas.openxmlformats.org/markup-compatibility/2006" xmlns:a14="http://schemas.microsoft.com/office/drawing/2010/main">
-        <mc:Choice Requires="a14">
+      <mc:AlternateContent xmlns:mc="http://schemas.openxmlformats.org/markup-compatibility/2006">
+        <mc:Choice xmlns:a14="http://schemas.microsoft.com/office/drawing/2010/main" Requires="a14">
           <p:sp>
             <p:nvSpPr>
               <p:cNvPr id="123" name="テキスト ボックス 122">
@@ -11822,91 +11822,131 @@
                 </a:endParaRPr>
               </a:p>
               <a:p>
-                <a:pPr algn="ctr"/>
+                <a:pPr/>
                 <a14:m>
-                  <m:oMathPara xmlns:m="http://schemas.openxmlformats.org/officeDocument/2006/math">
-                    <m:oMathParaPr>
-                      <m:jc m:val="left"/>
-                    </m:oMathParaPr>
-                    <m:oMath xmlns:m="http://schemas.openxmlformats.org/officeDocument/2006/math">
-                      <m:r>
-                        <a:rPr lang="en-US" altLang="ja-JP" b="0" i="1" smtClean="0">
-                          <a:solidFill>
-                            <a:srgbClr val="FF0000"/>
-                          </a:solidFill>
-                          <a:latin typeface="Cambria Math" panose="02040503050406030204" pitchFamily="18" charset="0"/>
-                        </a:rPr>
-                        <m:t>𝑃</m:t>
-                      </m:r>
-                      <m:d>
-                        <m:dPr>
-                          <m:ctrlPr>
-                            <a:rPr lang="en-US" altLang="ja-JP" b="0" i="1" smtClean="0">
-                              <a:solidFill>
-                                <a:srgbClr val="FF0000"/>
-                              </a:solidFill>
-                              <a:latin typeface="Cambria Math" panose="02040503050406030204" pitchFamily="18" charset="0"/>
-                            </a:rPr>
-                          </m:ctrlPr>
-                        </m:dPr>
-                        <m:e>
-                          <m:r>
-                            <a:rPr lang="en-US" altLang="ja-JP" b="0" i="1" smtClean="0">
-                              <a:solidFill>
-                                <a:srgbClr val="FF0000"/>
-                              </a:solidFill>
-                              <a:latin typeface="Cambria Math" panose="02040503050406030204" pitchFamily="18" charset="0"/>
-                            </a:rPr>
-                            <m:t>𝐴</m:t>
-                          </m:r>
-                          <m:r>
-                            <a:rPr lang="en-US" altLang="ja-JP" b="0" i="1" smtClean="0">
-                              <a:solidFill>
-                                <a:srgbClr val="FF0000"/>
-                              </a:solidFill>
-                              <a:latin typeface="Cambria Math" panose="02040503050406030204" pitchFamily="18" charset="0"/>
-                            </a:rPr>
-                            <m:t>|</m:t>
-                          </m:r>
-                          <m:sSub>
-                            <m:sSubPr>
-                              <m:ctrlPr>
-                                <a:rPr lang="en-US" altLang="ja-JP" b="0" i="1" smtClean="0">
-                                  <a:solidFill>
-                                    <a:srgbClr val="FF0000"/>
-                                  </a:solidFill>
-                                  <a:latin typeface="Cambria Math" panose="02040503050406030204" pitchFamily="18" charset="0"/>
-                                </a:rPr>
-                              </m:ctrlPr>
-                            </m:sSubPr>
-                            <m:e>
-                              <m:r>
-                                <a:rPr lang="en-US" altLang="ja-JP" b="0" i="1" smtClean="0">
-                                  <a:solidFill>
-                                    <a:srgbClr val="FF0000"/>
-                                  </a:solidFill>
-                                  <a:latin typeface="Cambria Math" panose="02040503050406030204" pitchFamily="18" charset="0"/>
-                                </a:rPr>
-                                <m:t>𝐻</m:t>
-                              </m:r>
-                            </m:e>
-                            <m:sub>
-                              <m:r>
-                                <a:rPr lang="en-US" altLang="ja-JP" b="0" i="1" smtClean="0">
-                                  <a:solidFill>
-                                    <a:srgbClr val="FF0000"/>
-                                  </a:solidFill>
-                                  <a:latin typeface="Cambria Math" panose="02040503050406030204" pitchFamily="18" charset="0"/>
-                                </a:rPr>
-                                <m:t>𝑖</m:t>
-                              </m:r>
-                            </m:sub>
-                          </m:sSub>
-                        </m:e>
-                      </m:d>
-                    </m:oMath>
-                  </m:oMathPara>
+                  <m:oMath xmlns:m="http://schemas.openxmlformats.org/officeDocument/2006/math">
+                    <m:r>
+                      <a:rPr lang="en-US" altLang="ja-JP" b="0" i="1" smtClean="0">
+                        <a:solidFill>
+                          <a:srgbClr val="FF0000"/>
+                        </a:solidFill>
+                        <a:latin typeface="Cambria Math" panose="02040503050406030204" pitchFamily="18" charset="0"/>
+                      </a:rPr>
+                      <m:t>𝑃</m:t>
+                    </m:r>
+                    <m:d>
+                      <m:dPr>
+                        <m:ctrlPr>
+                          <a:rPr lang="en-US" altLang="ja-JP" b="0" i="1" smtClean="0">
+                            <a:solidFill>
+                              <a:srgbClr val="FF0000"/>
+                            </a:solidFill>
+                            <a:latin typeface="Cambria Math" panose="02040503050406030204" pitchFamily="18" charset="0"/>
+                          </a:rPr>
+                        </m:ctrlPr>
+                      </m:dPr>
+                      <m:e>
+                        <m:r>
+                          <a:rPr lang="en-US" altLang="ja-JP" b="0" i="1" smtClean="0">
+                            <a:solidFill>
+                              <a:srgbClr val="FF0000"/>
+                            </a:solidFill>
+                            <a:latin typeface="Cambria Math" panose="02040503050406030204" pitchFamily="18" charset="0"/>
+                          </a:rPr>
+                          <m:t>𝐴</m:t>
+                        </m:r>
+                        <m:r>
+                          <a:rPr lang="en-US" altLang="ja-JP" b="0" i="1" smtClean="0">
+                            <a:solidFill>
+                              <a:srgbClr val="FF0000"/>
+                            </a:solidFill>
+                            <a:latin typeface="Cambria Math" panose="02040503050406030204" pitchFamily="18" charset="0"/>
+                          </a:rPr>
+                          <m:t>|</m:t>
+                        </m:r>
+                        <m:sSub>
+                          <m:sSubPr>
+                            <m:ctrlPr>
+                              <a:rPr lang="en-US" altLang="ja-JP" b="0" i="1" smtClean="0">
+                                <a:solidFill>
+                                  <a:srgbClr val="FF0000"/>
+                                </a:solidFill>
+                                <a:latin typeface="Cambria Math" panose="02040503050406030204" pitchFamily="18" charset="0"/>
+                              </a:rPr>
+                            </m:ctrlPr>
+                          </m:sSubPr>
+                          <m:e>
+                            <m:r>
+                              <a:rPr lang="en-US" altLang="ja-JP" b="0" i="1" smtClean="0">
+                                <a:solidFill>
+                                  <a:srgbClr val="FF0000"/>
+                                </a:solidFill>
+                                <a:latin typeface="Cambria Math" panose="02040503050406030204" pitchFamily="18" charset="0"/>
+                              </a:rPr>
+                              <m:t>𝐻</m:t>
+                            </m:r>
+                          </m:e>
+                          <m:sub>
+                            <m:r>
+                              <a:rPr lang="en-US" altLang="ja-JP" b="0" i="1" smtClean="0">
+                                <a:solidFill>
+                                  <a:srgbClr val="FF0000"/>
+                                </a:solidFill>
+                                <a:latin typeface="Cambria Math" panose="02040503050406030204" pitchFamily="18" charset="0"/>
+                              </a:rPr>
+                              <m:t>𝑖</m:t>
+                            </m:r>
+                          </m:sub>
+                        </m:sSub>
+                      </m:e>
+                    </m:d>
+                    <m:r>
+                      <a:rPr lang="en-US" altLang="ja-JP" b="0" i="0" smtClean="0">
+                        <a:solidFill>
+                          <a:srgbClr val="FF0000"/>
+                        </a:solidFill>
+                        <a:latin typeface="Cambria Math" panose="02040503050406030204" pitchFamily="18" charset="0"/>
+                      </a:rPr>
+                      <m:t> </m:t>
+                    </m:r>
+                    <m:r>
+                      <a:rPr lang="en-US" altLang="ja-JP" b="0" i="0" smtClean="0">
+                        <a:solidFill>
+                          <a:schemeClr val="tx1">
+                            <a:lumMod val="50000"/>
+                            <a:lumOff val="50000"/>
+                          </a:schemeClr>
+                        </a:solidFill>
+                        <a:latin typeface="Cambria Math" panose="02040503050406030204" pitchFamily="18" charset="0"/>
+                      </a:rPr>
+                      <m:t>(</m:t>
+                    </m:r>
+                    <m:r>
+                      <a:rPr lang="ja-JP" altLang="en-US" i="1">
+                        <a:solidFill>
+                          <a:schemeClr val="tx1">
+                            <a:lumMod val="50000"/>
+                            <a:lumOff val="50000"/>
+                          </a:schemeClr>
+                        </a:solidFill>
+                        <a:latin typeface="Cambria Math" panose="02040503050406030204" pitchFamily="18" charset="0"/>
+                      </a:rPr>
+                      <m:t>見込み</m:t>
+                    </m:r>
+                  </m:oMath>
                 </a14:m>
+                <a:r>
+                  <a:rPr kumimoji="1" lang="en-US" altLang="ja-JP" b="0" dirty="0">
+                    <a:solidFill>
+                      <a:schemeClr val="tx1">
+                        <a:lumMod val="50000"/>
+                        <a:lumOff val="50000"/>
+                      </a:schemeClr>
+                    </a:solidFill>
+                    <a:latin typeface="Cambria Math" panose="02040503050406030204" pitchFamily="18" charset="0"/>
+                  </a:rPr>
+                  <a:t>)</a:t>
+                </a:r>
                 <a:endParaRPr kumimoji="1" lang="en-US" altLang="ja-JP" b="0" dirty="0">
                   <a:solidFill>
                     <a:srgbClr val="FF0000"/>
@@ -11917,7 +11957,7 @@
             </p:txBody>
           </p:sp>
         </mc:Choice>
-        <mc:Fallback xmlns="">
+        <mc:Fallback>
           <p:sp>
             <p:nvSpPr>
               <p:cNvPr id="123" name="テキスト ボックス 122">
@@ -11943,7 +11983,7 @@
               <a:blipFill>
                 <a:blip r:embed="rId2"/>
                 <a:stretch>
-                  <a:fillRect l="-3593" t="-2920" r="-1198" b="-11679"/>
+                  <a:fillRect l="-3593" t="-2920" r="-1198" b="-15328"/>
                 </a:stretch>
               </a:blipFill>
             </p:spPr>
@@ -11962,8 +12002,8 @@
           </p:sp>
         </mc:Fallback>
       </mc:AlternateContent>
-      <mc:AlternateContent xmlns:mc="http://schemas.openxmlformats.org/markup-compatibility/2006" xmlns:a14="http://schemas.microsoft.com/office/drawing/2010/main">
-        <mc:Choice Requires="a14">
+      <mc:AlternateContent xmlns:mc="http://schemas.openxmlformats.org/markup-compatibility/2006">
+        <mc:Choice xmlns:a14="http://schemas.microsoft.com/office/drawing/2010/main" Requires="a14">
           <p:sp>
             <p:nvSpPr>
               <p:cNvPr id="124" name="テキスト ボックス 123">
@@ -12170,84 +12210,118 @@
                 </a:endParaRPr>
               </a:p>
               <a:p>
-                <a:pPr algn="ctr"/>
+                <a:pPr/>
                 <a14:m>
-                  <m:oMathPara xmlns:m="http://schemas.openxmlformats.org/officeDocument/2006/math">
-                    <m:oMathParaPr>
-                      <m:jc m:val="left"/>
-                    </m:oMathParaPr>
-                    <m:oMath xmlns:m="http://schemas.openxmlformats.org/officeDocument/2006/math">
-                      <m:r>
-                        <a:rPr lang="en-US" altLang="ja-JP" b="0" i="1" smtClean="0">
-                          <a:solidFill>
-                            <a:schemeClr val="accent2"/>
-                          </a:solidFill>
-                          <a:latin typeface="Cambria Math" panose="02040503050406030204" pitchFamily="18" charset="0"/>
-                        </a:rPr>
-                        <m:t>𝑃</m:t>
-                      </m:r>
-                      <m:d>
-                        <m:dPr>
-                          <m:ctrlPr>
-                            <a:rPr lang="en-US" altLang="ja-JP" b="0" i="1" smtClean="0">
-                              <a:solidFill>
-                                <a:schemeClr val="accent2"/>
-                              </a:solidFill>
-                              <a:latin typeface="Cambria Math" panose="02040503050406030204" pitchFamily="18" charset="0"/>
-                            </a:rPr>
-                          </m:ctrlPr>
-                        </m:dPr>
-                        <m:e>
-                          <m:sSub>
-                            <m:sSubPr>
-                              <m:ctrlPr>
-                                <a:rPr lang="en-US" altLang="ja-JP" b="0" i="1" smtClean="0">
-                                  <a:solidFill>
-                                    <a:schemeClr val="accent2"/>
-                                  </a:solidFill>
-                                  <a:latin typeface="Cambria Math" panose="02040503050406030204" pitchFamily="18" charset="0"/>
-                                </a:rPr>
-                              </m:ctrlPr>
-                            </m:sSubPr>
-                            <m:e>
-                              <m:r>
-                                <a:rPr lang="en-US" altLang="ja-JP" b="0" i="1" smtClean="0">
-                                  <a:solidFill>
-                                    <a:schemeClr val="accent2"/>
-                                  </a:solidFill>
-                                  <a:latin typeface="Cambria Math" panose="02040503050406030204" pitchFamily="18" charset="0"/>
-                                </a:rPr>
-                                <m:t>𝐻</m:t>
-                              </m:r>
-                            </m:e>
-                            <m:sub>
-                              <m:r>
-                                <a:rPr lang="en-US" altLang="ja-JP" b="0" i="1" smtClean="0">
-                                  <a:solidFill>
-                                    <a:schemeClr val="accent2"/>
-                                  </a:solidFill>
-                                  <a:latin typeface="Cambria Math" panose="02040503050406030204" pitchFamily="18" charset="0"/>
-                                </a:rPr>
-                                <m:t>𝑖</m:t>
-                              </m:r>
-                            </m:sub>
-                          </m:sSub>
-                        </m:e>
-                      </m:d>
-                    </m:oMath>
-                  </m:oMathPara>
+                  <m:oMath xmlns:m="http://schemas.openxmlformats.org/officeDocument/2006/math">
+                    <m:r>
+                      <a:rPr lang="en-US" altLang="ja-JP" b="0" i="1" smtClean="0">
+                        <a:solidFill>
+                          <a:schemeClr val="accent2"/>
+                        </a:solidFill>
+                        <a:latin typeface="Cambria Math" panose="02040503050406030204" pitchFamily="18" charset="0"/>
+                      </a:rPr>
+                      <m:t>𝑃</m:t>
+                    </m:r>
+                    <m:d>
+                      <m:dPr>
+                        <m:ctrlPr>
+                          <a:rPr lang="en-US" altLang="ja-JP" b="0" i="1" smtClean="0">
+                            <a:solidFill>
+                              <a:schemeClr val="accent2"/>
+                            </a:solidFill>
+                            <a:latin typeface="Cambria Math" panose="02040503050406030204" pitchFamily="18" charset="0"/>
+                          </a:rPr>
+                        </m:ctrlPr>
+                      </m:dPr>
+                      <m:e>
+                        <m:sSub>
+                          <m:sSubPr>
+                            <m:ctrlPr>
+                              <a:rPr lang="en-US" altLang="ja-JP" b="0" i="1" smtClean="0">
+                                <a:solidFill>
+                                  <a:schemeClr val="accent2"/>
+                                </a:solidFill>
+                                <a:latin typeface="Cambria Math" panose="02040503050406030204" pitchFamily="18" charset="0"/>
+                              </a:rPr>
+                            </m:ctrlPr>
+                          </m:sSubPr>
+                          <m:e>
+                            <m:r>
+                              <a:rPr lang="en-US" altLang="ja-JP" b="0" i="1" smtClean="0">
+                                <a:solidFill>
+                                  <a:schemeClr val="accent2"/>
+                                </a:solidFill>
+                                <a:latin typeface="Cambria Math" panose="02040503050406030204" pitchFamily="18" charset="0"/>
+                              </a:rPr>
+                              <m:t>𝐻</m:t>
+                            </m:r>
+                          </m:e>
+                          <m:sub>
+                            <m:r>
+                              <a:rPr lang="en-US" altLang="ja-JP" b="0" i="1" smtClean="0">
+                                <a:solidFill>
+                                  <a:schemeClr val="accent2"/>
+                                </a:solidFill>
+                                <a:latin typeface="Cambria Math" panose="02040503050406030204" pitchFamily="18" charset="0"/>
+                              </a:rPr>
+                              <m:t>𝑖</m:t>
+                            </m:r>
+                          </m:sub>
+                        </m:sSub>
+                      </m:e>
+                    </m:d>
+                  </m:oMath>
                 </a14:m>
-                <a:endParaRPr kumimoji="1" lang="en-US" altLang="ja-JP" b="0" dirty="0">
-                  <a:solidFill>
-                    <a:schemeClr val="accent2"/>
-                  </a:solidFill>
-                  <a:latin typeface="Cambria Math" panose="02040503050406030204" pitchFamily="18" charset="0"/>
-                </a:endParaRPr>
+                <a:r>
+                  <a:rPr kumimoji="1" lang="en-US" altLang="ja-JP" b="0" dirty="0">
+                    <a:solidFill>
+                      <a:schemeClr val="accent2"/>
+                    </a:solidFill>
+                    <a:latin typeface="Cambria Math" panose="02040503050406030204" pitchFamily="18" charset="0"/>
+                  </a:rPr>
+                  <a:t> </a:t>
+                </a:r>
+                <a:r>
+                  <a:rPr kumimoji="1" lang="en-US" altLang="ja-JP" b="0" dirty="0">
+                    <a:solidFill>
+                      <a:schemeClr val="tx1">
+                        <a:lumMod val="50000"/>
+                        <a:lumOff val="50000"/>
+                      </a:schemeClr>
+                    </a:solidFill>
+                    <a:latin typeface="Cambria Math" panose="02040503050406030204" pitchFamily="18" charset="0"/>
+                  </a:rPr>
+                  <a:t>(</a:t>
+                </a:r>
+                <a:r>
+                  <a:rPr kumimoji="1" lang="ja-JP" altLang="en-US" b="0" dirty="0">
+                    <a:solidFill>
+                      <a:schemeClr val="tx1">
+                        <a:lumMod val="50000"/>
+                        <a:lumOff val="50000"/>
+                      </a:schemeClr>
+                    </a:solidFill>
+                    <a:latin typeface="Cambria Math" panose="02040503050406030204" pitchFamily="18" charset="0"/>
+                  </a:rPr>
+                  <a:t>見込み</a:t>
+                </a:r>
+                <a:r>
+                  <a:rPr kumimoji="1" lang="en-US" altLang="ja-JP" b="0" dirty="0">
+                    <a:solidFill>
+                      <a:schemeClr val="tx1">
+                        <a:lumMod val="50000"/>
+                        <a:lumOff val="50000"/>
+                      </a:schemeClr>
+                    </a:solidFill>
+                    <a:latin typeface="Cambria Math" panose="02040503050406030204" pitchFamily="18" charset="0"/>
+                  </a:rPr>
+                  <a:t>)</a:t>
+                </a:r>
               </a:p>
             </p:txBody>
           </p:sp>
         </mc:Choice>
-        <mc:Fallback xmlns="">
+        <mc:Fallback>
           <p:sp>
             <p:nvSpPr>
               <p:cNvPr id="124" name="テキスト ボックス 123">
@@ -12273,7 +12347,7 @@
               <a:blipFill>
                 <a:blip r:embed="rId3"/>
                 <a:stretch>
-                  <a:fillRect l="-3593" t="-2920" r="-998" b="-5839"/>
+                  <a:fillRect l="-3593" t="-2920" r="-998" b="-16058"/>
                 </a:stretch>
               </a:blipFill>
             </p:spPr>
